--- a/figures_ppt/figure1.pptx
+++ b/figures_ppt/figure1.pptx
@@ -6,11 +6,12 @@
   </p:sldMasterIdLst>
   <p:sldIdLst>
     <p:sldId id="256" r:id="rId3"/>
+    <p:sldId id="257" r:id="rId4"/>
   </p:sldIdLst>
   <p:sldSz cx="12192000" cy="6858000"/>
   <p:notesSz cx="6858000" cy="9144000"/>
   <p:custDataLst>
-    <p:tags r:id="rId7"/>
+    <p:tags r:id="rId8"/>
   </p:custDataLst>
   <p:defaultTextStyle>
     <a:defPPr>
@@ -110,12 +111,12 @@
   <p:extLst>
     <p:ext uri="{EFAFB233-063F-42B5-8137-9DF3F51BA10A}">
       <p15:sldGuideLst xmlns:p15="http://schemas.microsoft.com/office/powerpoint/2012/main">
-        <p15:guide id="1" orient="horz" pos="2195" userDrawn="1">
+        <p15:guide id="1" orient="horz" pos="2160" userDrawn="1">
           <p15:clr>
             <a:srgbClr val="A4A3A4"/>
           </p15:clr>
         </p15:guide>
-        <p15:guide id="2" pos="3841" userDrawn="1">
+        <p15:guide id="2" pos="3839" userDrawn="1">
           <p15:clr>
             <a:srgbClr val="A4A3A4"/>
           </p15:clr>
@@ -3090,10 +3091,10 @@
         </p:nvGrpSpPr>
         <p:grpSpPr>
           <a:xfrm>
-            <a:off x="2008769" y="1329158"/>
-            <a:ext cx="7715717" cy="4716228"/>
-            <a:chOff x="2008769" y="1329158"/>
-            <a:chExt cx="7715717" cy="4716228"/>
+            <a:off x="1509659" y="1270103"/>
+            <a:ext cx="8101625" cy="4525010"/>
+            <a:chOff x="1509659" y="1270103"/>
+            <a:chExt cx="8101625" cy="4525010"/>
           </a:xfrm>
         </p:grpSpPr>
         <p:sp>
@@ -3116,26 +3117,17 @@
                 <a:gd name="adj" fmla="val 246073"/>
               </a:avLst>
             </a:prstGeom>
-            <a:solidFill>
-              <a:srgbClr val="00B0F0"/>
-            </a:solidFill>
-            <a:ln>
-              <a:solidFill>
-                <a:srgbClr val="00B0F0"/>
-              </a:solidFill>
-            </a:ln>
+            <a:effectLst/>
           </p:spPr>
           <p:style>
-            <a:lnRef idx="2">
-              <a:schemeClr val="accent1">
-                <a:shade val="50000"/>
-              </a:schemeClr>
+            <a:lnRef idx="0">
+              <a:srgbClr val="FFFFFF"/>
             </a:lnRef>
-            <a:fillRef idx="1">
+            <a:fillRef idx="3">
               <a:schemeClr val="accent1"/>
             </a:fillRef>
             <a:effectRef idx="0">
-              <a:schemeClr val="accent1"/>
+              <a:srgbClr val="FFFFFF"/>
             </a:effectRef>
             <a:fontRef idx="minor">
               <a:schemeClr val="lt1"/>
@@ -3201,8 +3193,8 @@
           </p:nvSpPr>
           <p:spPr>
             <a:xfrm>
-              <a:off x="2008769" y="1329158"/>
-              <a:ext cx="3508889" cy="635958"/>
+              <a:off x="1509659" y="1305663"/>
+              <a:ext cx="2474595" cy="636270"/>
             </a:xfrm>
             <a:prstGeom prst="roundRect">
               <a:avLst/>
@@ -3215,6 +3207,13 @@
                 <a:srgbClr val="00B0F0"/>
               </a:solidFill>
             </a:ln>
+            <a:effectLst>
+              <a:outerShdw blurRad="50800" dist="38100" dir="5400000" algn="t" rotWithShape="0">
+                <a:prstClr val="black">
+                  <a:alpha val="40000"/>
+                </a:prstClr>
+              </a:outerShdw>
+            </a:effectLst>
           </p:spPr>
           <p:style>
             <a:lnRef idx="2">
@@ -3316,8 +3315,8 @@
           </p:nvSpPr>
           <p:spPr>
             <a:xfrm>
-              <a:off x="2073431" y="1340205"/>
-              <a:ext cx="3554227" cy="646331"/>
+              <a:off x="1575064" y="1280898"/>
+              <a:ext cx="2409190" cy="695325"/>
             </a:xfrm>
             <a:prstGeom prst="rect">
               <a:avLst/>
@@ -3326,23 +3325,16 @@
           </p:spPr>
           <p:txBody>
             <a:bodyPr rot="0" spcFirstLastPara="0" vertOverflow="overflow" horzOverflow="overflow" vert="horz" wrap="square" lIns="91440" tIns="45720" rIns="91440" bIns="45720" numCol="1" spcCol="0" rtlCol="0" fromWordArt="0" anchor="t" anchorCtr="0" forceAA="0" compatLnSpc="1">
-              <a:spAutoFit/>
+              <a:noAutofit/>
             </a:bodyPr>
             <a:lstStyle/>
             <a:p>
-              <a:r>
-                <a:rPr lang="zh-CN" altLang="en-US" dirty="0">
-                  <a:latin typeface="Arial" panose="020B0604020202020204" pitchFamily="34" charset="0"/>
-                  <a:cs typeface="Arial" panose="020B0604020202020204" pitchFamily="34" charset="0"/>
-                </a:rPr>
-                <a:t>20</a:t>
-              </a:r>
               <a:r>
                 <a:rPr lang="en-US" altLang="zh-CN" dirty="0">
                   <a:latin typeface="Arial" panose="020B0604020202020204" pitchFamily="34" charset="0"/>
                   <a:cs typeface="Arial" panose="020B0604020202020204" pitchFamily="34" charset="0"/>
                 </a:rPr>
-                <a:t>13 First project started to use Rust writing Linux kernel drivers</a:t>
+                <a:t>First Linux kernel drivers written in Rust</a:t>
               </a:r>
               <a:endParaRPr lang="zh-CN" altLang="en-US" dirty="0">
                 <a:latin typeface="Arial" panose="020B0604020202020204" pitchFamily="34" charset="0"/>
@@ -3458,8 +3450,8 @@
           </p:nvSpPr>
           <p:spPr>
             <a:xfrm>
-              <a:off x="2401822" y="5084020"/>
-              <a:ext cx="3768435" cy="715975"/>
+              <a:off x="2156724" y="5055973"/>
+              <a:ext cx="2961005" cy="716280"/>
             </a:xfrm>
             <a:prstGeom prst="roundRect">
               <a:avLst/>
@@ -3472,6 +3464,13 @@
                 <a:srgbClr val="00B0F0"/>
               </a:solidFill>
             </a:ln>
+            <a:effectLst>
+              <a:outerShdw blurRad="50800" dist="38100" dir="5400000" algn="t" rotWithShape="0">
+                <a:prstClr val="black">
+                  <a:alpha val="40000"/>
+                </a:prstClr>
+              </a:outerShdw>
+            </a:effectLst>
           </p:spPr>
           <p:style>
             <a:lnRef idx="2">
@@ -3514,8 +3513,8 @@
           </p:nvSpPr>
           <p:spPr>
             <a:xfrm>
-              <a:off x="2374580" y="5122056"/>
-              <a:ext cx="3805696" cy="646331"/>
+              <a:off x="2262769" y="5114393"/>
+              <a:ext cx="2988945" cy="645160"/>
             </a:xfrm>
             <a:prstGeom prst="rect">
               <a:avLst/>
@@ -3533,21 +3532,21 @@
                   <a:latin typeface="Arial" panose="020B0604020202020204" pitchFamily="34" charset="0"/>
                   <a:cs typeface="Arial" panose="020B0604020202020204" pitchFamily="34" charset="0"/>
                 </a:rPr>
-                <a:t>2019 First public presentation of the </a:t>
+                <a:t>First L</a:t>
               </a:r>
               <a:r>
                 <a:rPr lang="en-US" altLang="zh-CN" dirty="0" err="1">
                   <a:latin typeface="Arial" panose="020B0604020202020204" pitchFamily="34" charset="0"/>
                   <a:cs typeface="Arial" panose="020B0604020202020204" pitchFamily="34" charset="0"/>
                 </a:rPr>
-                <a:t>linux</a:t>
+                <a:t>inux</a:t>
               </a:r>
               <a:r>
                 <a:rPr lang="en-US" altLang="zh-CN" dirty="0">
                   <a:latin typeface="Arial" panose="020B0604020202020204" pitchFamily="34" charset="0"/>
                   <a:cs typeface="Arial" panose="020B0604020202020204" pitchFamily="34" charset="0"/>
                 </a:rPr>
-                <a:t>-kernel-module-rust project</a:t>
+                <a:t>-kernel-module-rust presentation</a:t>
               </a:r>
               <a:endParaRPr lang="zh-CN" altLang="en-US" dirty="0">
                 <a:latin typeface="Arial" panose="020B0604020202020204" pitchFamily="34" charset="0"/>
@@ -3663,8 +3662,8 @@
           </p:nvSpPr>
           <p:spPr>
             <a:xfrm>
-              <a:off x="4129532" y="3993441"/>
-              <a:ext cx="3133554" cy="659317"/>
+              <a:off x="4422404" y="4149193"/>
+              <a:ext cx="2578100" cy="742950"/>
             </a:xfrm>
             <a:prstGeom prst="roundRect">
               <a:avLst/>
@@ -3677,6 +3676,13 @@
                 <a:srgbClr val="00B0F0"/>
               </a:solidFill>
             </a:ln>
+            <a:effectLst>
+              <a:outerShdw blurRad="50800" dist="38100" dir="5400000" algn="t" rotWithShape="0">
+                <a:prstClr val="black">
+                  <a:alpha val="40000"/>
+                </a:prstClr>
+              </a:outerShdw>
+            </a:effectLst>
           </p:spPr>
           <p:style>
             <a:lnRef idx="2">
@@ -3761,8 +3767,8 @@
           </p:nvSpPr>
           <p:spPr>
             <a:xfrm>
-              <a:off x="3218782" y="2213538"/>
-              <a:ext cx="3283282" cy="963649"/>
+              <a:off x="3464189" y="2049248"/>
+              <a:ext cx="2508250" cy="727075"/>
             </a:xfrm>
             <a:prstGeom prst="roundRect">
               <a:avLst/>
@@ -3775,6 +3781,13 @@
                 <a:srgbClr val="00B0F0"/>
               </a:solidFill>
             </a:ln>
+            <a:effectLst>
+              <a:outerShdw blurRad="50800" dist="38100" dir="5400000" algn="t" rotWithShape="0">
+                <a:prstClr val="black">
+                  <a:alpha val="40000"/>
+                </a:prstClr>
+              </a:outerShdw>
+            </a:effectLst>
           </p:spPr>
           <p:style>
             <a:lnRef idx="2">
@@ -3876,8 +3889,1113 @@
           </p:nvSpPr>
           <p:spPr>
             <a:xfrm>
-              <a:off x="3308110" y="2253858"/>
-              <a:ext cx="3156517" cy="923330"/>
+              <a:off x="3532769" y="2082903"/>
+              <a:ext cx="2362835" cy="645160"/>
+            </a:xfrm>
+            <a:prstGeom prst="rect">
+              <a:avLst/>
+            </a:prstGeom>
+            <a:noFill/>
+          </p:spPr>
+          <p:txBody>
+            <a:bodyPr rot="0" spcFirstLastPara="0" vertOverflow="overflow" horzOverflow="overflow" vert="horz" wrap="square" lIns="91440" tIns="45720" rIns="91440" bIns="45720" numCol="1" spcCol="0" rtlCol="0" fromWordArt="0" anchor="t" anchorCtr="0" forceAA="0" compatLnSpc="1">
+              <a:spAutoFit/>
+            </a:bodyPr>
+            <a:lstStyle/>
+            <a:p>
+              <a:r>
+                <a:rPr lang="en-US" altLang="zh-CN" dirty="0">
+                  <a:latin typeface="Arial" panose="020B0604020202020204" pitchFamily="34" charset="0"/>
+                  <a:cs typeface="Arial" panose="020B0604020202020204" pitchFamily="34" charset="0"/>
+                </a:rPr>
+                <a:t>RFL debuts in Linux Plumber Conference</a:t>
+              </a:r>
+              <a:endParaRPr lang="zh-CN" altLang="en-US" dirty="0">
+                <a:latin typeface="Arial" panose="020B0604020202020204" pitchFamily="34" charset="0"/>
+                <a:cs typeface="Arial" panose="020B0604020202020204" pitchFamily="34" charset="0"/>
+              </a:endParaRPr>
+            </a:p>
+          </p:txBody>
+        </p:sp>
+        <p:sp>
+          <p:nvSpPr>
+            <p:cNvPr id="33" name="文本框 32"/>
+            <p:cNvSpPr txBox="1"/>
+            <p:nvPr>
+              <p:custDataLst>
+                <p:tags r:id="rId17"/>
+              </p:custDataLst>
+            </p:nvPr>
+          </p:nvSpPr>
+          <p:spPr>
+            <a:xfrm>
+              <a:off x="4509399" y="4203168"/>
+              <a:ext cx="2577465" cy="646430"/>
+            </a:xfrm>
+            <a:prstGeom prst="rect">
+              <a:avLst/>
+            </a:prstGeom>
+            <a:noFill/>
+          </p:spPr>
+          <p:txBody>
+            <a:bodyPr rot="0" spcFirstLastPara="0" vertOverflow="overflow" horzOverflow="overflow" vert="horz" wrap="square" lIns="91440" tIns="45720" rIns="91440" bIns="45720" numCol="1" spcCol="0" rtlCol="0" fromWordArt="0" anchor="t" anchorCtr="0" forceAA="0" compatLnSpc="1">
+              <a:noAutofit/>
+            </a:bodyPr>
+            <a:lstStyle/>
+            <a:p>
+              <a:r>
+                <a:rPr lang="en-US" altLang="zh-CN" dirty="0">
+                  <a:latin typeface="Arial" panose="020B0604020202020204" pitchFamily="34" charset="0"/>
+                  <a:cs typeface="Arial" panose="020B0604020202020204" pitchFamily="34" charset="0"/>
+                </a:rPr>
+                <a:t>First RFL PR committed on GitHub</a:t>
+              </a:r>
+              <a:endParaRPr lang="zh-CN" altLang="en-US" dirty="0">
+                <a:latin typeface="Arial" panose="020B0604020202020204" pitchFamily="34" charset="0"/>
+                <a:cs typeface="Arial" panose="020B0604020202020204" pitchFamily="34" charset="0"/>
+              </a:endParaRPr>
+            </a:p>
+          </p:txBody>
+        </p:sp>
+        <p:cxnSp>
+          <p:nvCxnSpPr>
+            <p:cNvPr id="34" name="直接箭头连接符 33"/>
+            <p:cNvCxnSpPr/>
+            <p:nvPr>
+              <p:custDataLst>
+                <p:tags r:id="rId18"/>
+              </p:custDataLst>
+            </p:nvPr>
+          </p:nvCxnSpPr>
+          <p:spPr>
+            <a:xfrm>
+              <a:off x="6764339" y="1972349"/>
+              <a:ext cx="0" cy="1644590"/>
+            </a:xfrm>
+            <a:prstGeom prst="straightConnector1">
+              <a:avLst/>
+            </a:prstGeom>
+            <a:ln w="28575">
+              <a:solidFill>
+                <a:srgbClr val="00B0F0"/>
+              </a:solidFill>
+            </a:ln>
+          </p:spPr>
+          <p:style>
+            <a:lnRef idx="1">
+              <a:schemeClr val="accent1"/>
+            </a:lnRef>
+            <a:fillRef idx="0">
+              <a:schemeClr val="accent1"/>
+            </a:fillRef>
+            <a:effectRef idx="0">
+              <a:schemeClr val="accent1"/>
+            </a:effectRef>
+            <a:fontRef idx="minor">
+              <a:schemeClr val="tx1"/>
+            </a:fontRef>
+          </p:style>
+        </p:cxnSp>
+        <p:sp>
+          <p:nvSpPr>
+            <p:cNvPr id="35" name="矩形: 圆角 52"/>
+            <p:cNvSpPr/>
+            <p:nvPr>
+              <p:custDataLst>
+                <p:tags r:id="rId19"/>
+              </p:custDataLst>
+            </p:nvPr>
+          </p:nvSpPr>
+          <p:spPr>
+            <a:xfrm>
+              <a:off x="5806069" y="1270103"/>
+              <a:ext cx="2075815" cy="686435"/>
+            </a:xfrm>
+            <a:prstGeom prst="roundRect">
+              <a:avLst/>
+            </a:prstGeom>
+            <a:solidFill>
+              <a:schemeClr val="bg1"/>
+            </a:solidFill>
+            <a:ln w="28575">
+              <a:solidFill>
+                <a:srgbClr val="00B0F0"/>
+              </a:solidFill>
+            </a:ln>
+            <a:effectLst>
+              <a:outerShdw blurRad="50800" dist="38100" dir="2700000" algn="tl" rotWithShape="0">
+                <a:prstClr val="black">
+                  <a:alpha val="40000"/>
+                </a:prstClr>
+              </a:outerShdw>
+            </a:effectLst>
+          </p:spPr>
+          <p:style>
+            <a:lnRef idx="2">
+              <a:schemeClr val="accent1">
+                <a:shade val="15000"/>
+              </a:schemeClr>
+            </a:lnRef>
+            <a:fillRef idx="1">
+              <a:schemeClr val="accent1"/>
+            </a:fillRef>
+            <a:effectRef idx="0">
+              <a:schemeClr val="accent1"/>
+            </a:effectRef>
+            <a:fontRef idx="minor">
+              <a:schemeClr val="lt1"/>
+            </a:fontRef>
+          </p:style>
+          <p:txBody>
+            <a:bodyPr rtlCol="0" anchor="ctr"/>
+            <a:lstStyle/>
+            <a:p>
+              <a:pPr algn="ctr"/>
+              <a:r>
+                <a:rPr lang="zh-CN" altLang="en-US" dirty="0">
+                  <a:ea typeface="等线" panose="02010600030101010101" charset="-122"/>
+                  <a:cs typeface="Calibri" panose="020F0502020204030204"/>
+                </a:rPr>
+                <a:t>290</a:t>
+              </a:r>
+              <a:endParaRPr lang="zh-CN" dirty="0"/>
+            </a:p>
+          </p:txBody>
+        </p:sp>
+        <p:sp>
+          <p:nvSpPr>
+            <p:cNvPr id="36" name="椭圆 35"/>
+            <p:cNvSpPr/>
+            <p:nvPr>
+              <p:custDataLst>
+                <p:tags r:id="rId20"/>
+              </p:custDataLst>
+            </p:nvPr>
+          </p:nvSpPr>
+          <p:spPr>
+            <a:xfrm>
+              <a:off x="6644406" y="3542480"/>
+              <a:ext cx="241709" cy="241709"/>
+            </a:xfrm>
+            <a:prstGeom prst="ellipse">
+              <a:avLst/>
+            </a:prstGeom>
+            <a:solidFill>
+              <a:srgbClr val="0070C0"/>
+            </a:solidFill>
+            <a:ln>
+              <a:solidFill>
+                <a:srgbClr val="0070C0"/>
+              </a:solidFill>
+            </a:ln>
+          </p:spPr>
+          <p:style>
+            <a:lnRef idx="2">
+              <a:schemeClr val="accent1">
+                <a:shade val="15000"/>
+              </a:schemeClr>
+            </a:lnRef>
+            <a:fillRef idx="1">
+              <a:schemeClr val="accent1"/>
+            </a:fillRef>
+            <a:effectRef idx="0">
+              <a:schemeClr val="accent1"/>
+            </a:effectRef>
+            <a:fontRef idx="minor">
+              <a:schemeClr val="lt1"/>
+            </a:fontRef>
+          </p:style>
+          <p:txBody>
+            <a:bodyPr rtlCol="0" anchor="ctr"/>
+            <a:lstStyle/>
+            <a:p>
+              <a:pPr algn="ctr"/>
+              <a:endParaRPr lang="zh-CN" altLang="en-US">
+                <a:solidFill>
+                  <a:srgbClr val="0070C0"/>
+                </a:solidFill>
+              </a:endParaRPr>
+            </a:p>
+          </p:txBody>
+        </p:sp>
+        <p:sp>
+          <p:nvSpPr>
+            <p:cNvPr id="37" name="文本框 36"/>
+            <p:cNvSpPr txBox="1"/>
+            <p:nvPr>
+              <p:custDataLst>
+                <p:tags r:id="rId21"/>
+              </p:custDataLst>
+            </p:nvPr>
+          </p:nvSpPr>
+          <p:spPr>
+            <a:xfrm>
+              <a:off x="5880364" y="1299313"/>
+              <a:ext cx="2080895" cy="645160"/>
+            </a:xfrm>
+            <a:prstGeom prst="rect">
+              <a:avLst/>
+            </a:prstGeom>
+            <a:noFill/>
+          </p:spPr>
+          <p:txBody>
+            <a:bodyPr rot="0" spcFirstLastPara="0" vertOverflow="overflow" horzOverflow="overflow" vert="horz" wrap="square" lIns="91440" tIns="45720" rIns="91440" bIns="45720" numCol="1" spcCol="0" rtlCol="0" fromWordArt="0" anchor="t" anchorCtr="0" forceAA="0" compatLnSpc="1">
+              <a:spAutoFit/>
+            </a:bodyPr>
+            <a:lstStyle/>
+            <a:p>
+              <a:r>
+                <a:rPr lang="en-US" altLang="zh-CN" dirty="0">
+                  <a:latin typeface="Arial" panose="020B0604020202020204" pitchFamily="34" charset="0"/>
+                  <a:cs typeface="Arial" panose="020B0604020202020204" pitchFamily="34" charset="0"/>
+                </a:rPr>
+                <a:t>First RFL RFC in the mailing list</a:t>
+              </a:r>
+              <a:endParaRPr lang="zh-CN" altLang="en-US" dirty="0">
+                <a:latin typeface="Arial" panose="020B0604020202020204" pitchFamily="34" charset="0"/>
+                <a:cs typeface="Arial" panose="020B0604020202020204" pitchFamily="34" charset="0"/>
+              </a:endParaRPr>
+            </a:p>
+          </p:txBody>
+        </p:sp>
+        <p:cxnSp>
+          <p:nvCxnSpPr>
+            <p:cNvPr id="38" name="直接箭头连接符 37"/>
+            <p:cNvCxnSpPr/>
+            <p:nvPr>
+              <p:custDataLst>
+                <p:tags r:id="rId22"/>
+              </p:custDataLst>
+            </p:nvPr>
+          </p:nvCxnSpPr>
+          <p:spPr>
+            <a:xfrm>
+              <a:off x="7759271" y="3680658"/>
+              <a:ext cx="0" cy="1934288"/>
+            </a:xfrm>
+            <a:prstGeom prst="straightConnector1">
+              <a:avLst/>
+            </a:prstGeom>
+            <a:ln w="28575">
+              <a:solidFill>
+                <a:srgbClr val="00B0F0"/>
+              </a:solidFill>
+            </a:ln>
+          </p:spPr>
+          <p:style>
+            <a:lnRef idx="1">
+              <a:schemeClr val="accent1"/>
+            </a:lnRef>
+            <a:fillRef idx="0">
+              <a:schemeClr val="accent1"/>
+            </a:fillRef>
+            <a:effectRef idx="0">
+              <a:schemeClr val="accent1"/>
+            </a:effectRef>
+            <a:fontRef idx="minor">
+              <a:schemeClr val="tx1"/>
+            </a:fontRef>
+          </p:style>
+        </p:cxnSp>
+        <p:sp>
+          <p:nvSpPr>
+            <p:cNvPr id="39" name="椭圆 38"/>
+            <p:cNvSpPr/>
+            <p:nvPr>
+              <p:custDataLst>
+                <p:tags r:id="rId23"/>
+              </p:custDataLst>
+            </p:nvPr>
+          </p:nvSpPr>
+          <p:spPr>
+            <a:xfrm>
+              <a:off x="7640154" y="3557857"/>
+              <a:ext cx="241709" cy="241709"/>
+            </a:xfrm>
+            <a:prstGeom prst="ellipse">
+              <a:avLst/>
+            </a:prstGeom>
+            <a:solidFill>
+              <a:srgbClr val="0070C0"/>
+            </a:solidFill>
+            <a:ln>
+              <a:solidFill>
+                <a:srgbClr val="0070C0"/>
+              </a:solidFill>
+            </a:ln>
+          </p:spPr>
+          <p:style>
+            <a:lnRef idx="2">
+              <a:schemeClr val="accent1">
+                <a:shade val="15000"/>
+              </a:schemeClr>
+            </a:lnRef>
+            <a:fillRef idx="1">
+              <a:schemeClr val="accent1"/>
+            </a:fillRef>
+            <a:effectRef idx="0">
+              <a:schemeClr val="accent1"/>
+            </a:effectRef>
+            <a:fontRef idx="minor">
+              <a:schemeClr val="lt1"/>
+            </a:fontRef>
+          </p:style>
+          <p:txBody>
+            <a:bodyPr rtlCol="0" anchor="ctr"/>
+            <a:lstStyle/>
+            <a:p>
+              <a:pPr algn="ctr"/>
+              <a:endParaRPr lang="zh-CN" altLang="en-US">
+                <a:solidFill>
+                  <a:srgbClr val="0070C0"/>
+                </a:solidFill>
+              </a:endParaRPr>
+            </a:p>
+          </p:txBody>
+        </p:sp>
+        <p:sp>
+          <p:nvSpPr>
+            <p:cNvPr id="44" name="矩形: 圆角 57"/>
+            <p:cNvSpPr/>
+            <p:nvPr>
+              <p:custDataLst>
+                <p:tags r:id="rId24"/>
+              </p:custDataLst>
+            </p:nvPr>
+          </p:nvSpPr>
+          <p:spPr>
+            <a:xfrm>
+              <a:off x="6644904" y="5099788"/>
+              <a:ext cx="2201545" cy="695325"/>
+            </a:xfrm>
+            <a:prstGeom prst="roundRect">
+              <a:avLst/>
+            </a:prstGeom>
+            <a:solidFill>
+              <a:schemeClr val="bg1"/>
+            </a:solidFill>
+            <a:ln w="28575">
+              <a:solidFill>
+                <a:srgbClr val="00B0F0"/>
+              </a:solidFill>
+            </a:ln>
+            <a:effectLst>
+              <a:outerShdw blurRad="50800" dist="38100" dir="5400000" algn="t" rotWithShape="0">
+                <a:prstClr val="black">
+                  <a:alpha val="40000"/>
+                </a:prstClr>
+              </a:outerShdw>
+            </a:effectLst>
+          </p:spPr>
+          <p:style>
+            <a:lnRef idx="2">
+              <a:schemeClr val="accent1">
+                <a:shade val="15000"/>
+              </a:schemeClr>
+            </a:lnRef>
+            <a:fillRef idx="1">
+              <a:schemeClr val="accent1"/>
+            </a:fillRef>
+            <a:effectRef idx="0">
+              <a:schemeClr val="accent1"/>
+            </a:effectRef>
+            <a:fontRef idx="minor">
+              <a:schemeClr val="lt1"/>
+            </a:fontRef>
+          </p:style>
+          <p:txBody>
+            <a:bodyPr rtlCol="0" anchor="ctr"/>
+            <a:lstStyle/>
+            <a:p>
+              <a:pPr algn="ctr"/>
+              <a:r>
+                <a:rPr lang="zh-CN" altLang="en-US" dirty="0"/>
+                <a:t>290</a:t>
+              </a:r>
+              <a:endParaRPr lang="zh-CN" altLang="en-US" dirty="0"/>
+            </a:p>
+          </p:txBody>
+        </p:sp>
+        <p:sp>
+          <p:nvSpPr>
+            <p:cNvPr id="45" name="文本框 44"/>
+            <p:cNvSpPr txBox="1"/>
+            <p:nvPr>
+              <p:custDataLst>
+                <p:tags r:id="rId25"/>
+              </p:custDataLst>
+            </p:nvPr>
+          </p:nvSpPr>
+          <p:spPr>
+            <a:xfrm>
+              <a:off x="6690624" y="5149953"/>
+              <a:ext cx="2155825" cy="574675"/>
+            </a:xfrm>
+            <a:prstGeom prst="rect">
+              <a:avLst/>
+            </a:prstGeom>
+            <a:noFill/>
+          </p:spPr>
+          <p:txBody>
+            <a:bodyPr rot="0" spcFirstLastPara="0" vertOverflow="overflow" horzOverflow="overflow" vert="horz" wrap="square" lIns="91440" tIns="45720" rIns="91440" bIns="45720" numCol="1" spcCol="0" rtlCol="0" fromWordArt="0" anchor="t" anchorCtr="0" forceAA="0" compatLnSpc="1">
+              <a:noAutofit/>
+            </a:bodyPr>
+            <a:lstStyle/>
+            <a:p>
+              <a:r>
+                <a:rPr lang="en-US" altLang="zh-CN" dirty="0">
+                  <a:latin typeface="Arial" panose="020B0604020202020204" pitchFamily="34" charset="0"/>
+                  <a:cs typeface="Arial" panose="020B0604020202020204" pitchFamily="34" charset="0"/>
+                </a:rPr>
+                <a:t>RFL merged into Linux mainline v6.1</a:t>
+              </a:r>
+              <a:endParaRPr lang="zh-CN" altLang="en-US" dirty="0">
+                <a:latin typeface="Arial" panose="020B0604020202020204" pitchFamily="34" charset="0"/>
+                <a:cs typeface="Arial" panose="020B0604020202020204" pitchFamily="34" charset="0"/>
+              </a:endParaRPr>
+            </a:p>
+            <a:p>
+              <a:endParaRPr lang="zh-CN" altLang="en-US" dirty="0">
+                <a:latin typeface="Arial" panose="020B0604020202020204" pitchFamily="34" charset="0"/>
+                <a:cs typeface="Arial" panose="020B0604020202020204" pitchFamily="34" charset="0"/>
+              </a:endParaRPr>
+            </a:p>
+          </p:txBody>
+        </p:sp>
+      </p:grpSp>
+      <p:sp>
+        <p:nvSpPr>
+          <p:cNvPr id="2" name="圆角矩形 1"/>
+          <p:cNvSpPr/>
+          <p:nvPr/>
+        </p:nvSpPr>
+        <p:spPr>
+          <a:xfrm>
+            <a:off x="2262505" y="1892300"/>
+            <a:ext cx="798830" cy="320040"/>
+          </a:xfrm>
+          <a:prstGeom prst="roundRect">
+            <a:avLst/>
+          </a:prstGeom>
+          <a:solidFill>
+            <a:schemeClr val="bg1"/>
+          </a:solidFill>
+          <a:ln w="28575"/>
+        </p:spPr>
+        <p:style>
+          <a:lnRef idx="3">
+            <a:schemeClr val="accent1"/>
+          </a:lnRef>
+          <a:fillRef idx="0">
+            <a:srgbClr val="FFFFFF"/>
+          </a:fillRef>
+          <a:effectRef idx="0">
+            <a:srgbClr val="FFFFFF"/>
+          </a:effectRef>
+          <a:fontRef idx="minor">
+            <a:schemeClr val="tx1"/>
+          </a:fontRef>
+        </p:style>
+        <p:txBody>
+          <a:bodyPr rtlCol="0" anchor="ctr"/>
+          <a:p>
+            <a:pPr algn="ctr"/>
+            <a:r>
+              <a:rPr lang="en-US" altLang="zh-CN" b="1"/>
+              <a:t>2013</a:t>
+            </a:r>
+            <a:endParaRPr lang="en-US" altLang="zh-CN" b="1"/>
+          </a:p>
+        </p:txBody>
+      </p:sp>
+      <p:sp>
+        <p:nvSpPr>
+          <p:cNvPr id="3" name="圆角矩形 2"/>
+          <p:cNvSpPr/>
+          <p:nvPr>
+            <p:custDataLst>
+              <p:tags r:id="rId26"/>
+            </p:custDataLst>
+          </p:nvPr>
+        </p:nvSpPr>
+        <p:spPr>
+          <a:xfrm>
+            <a:off x="4314190" y="2676525"/>
+            <a:ext cx="798830" cy="320040"/>
+          </a:xfrm>
+          <a:prstGeom prst="roundRect">
+            <a:avLst/>
+          </a:prstGeom>
+          <a:solidFill>
+            <a:schemeClr val="bg1"/>
+          </a:solidFill>
+          <a:ln w="28575"/>
+        </p:spPr>
+        <p:style>
+          <a:lnRef idx="3">
+            <a:schemeClr val="accent1"/>
+          </a:lnRef>
+          <a:fillRef idx="0">
+            <a:srgbClr val="FFFFFF"/>
+          </a:fillRef>
+          <a:effectRef idx="0">
+            <a:srgbClr val="FFFFFF"/>
+          </a:effectRef>
+          <a:fontRef idx="minor">
+            <a:schemeClr val="tx1"/>
+          </a:fontRef>
+        </p:style>
+        <p:txBody>
+          <a:bodyPr rtlCol="0" anchor="ctr"/>
+          <a:p>
+            <a:pPr algn="ctr"/>
+            <a:r>
+              <a:rPr lang="en-US" altLang="zh-CN" b="1" i="1"/>
+              <a:t>2020</a:t>
+            </a:r>
+            <a:endParaRPr lang="en-US" altLang="zh-CN" b="1" i="1"/>
+          </a:p>
+        </p:txBody>
+      </p:sp>
+      <p:sp>
+        <p:nvSpPr>
+          <p:cNvPr id="6" name="圆角矩形 5"/>
+          <p:cNvSpPr/>
+          <p:nvPr>
+            <p:custDataLst>
+              <p:tags r:id="rId27"/>
+            </p:custDataLst>
+          </p:nvPr>
+        </p:nvSpPr>
+        <p:spPr>
+          <a:xfrm>
+            <a:off x="3263265" y="4801870"/>
+            <a:ext cx="798830" cy="320040"/>
+          </a:xfrm>
+          <a:prstGeom prst="roundRect">
+            <a:avLst/>
+          </a:prstGeom>
+          <a:solidFill>
+            <a:schemeClr val="bg1"/>
+          </a:solidFill>
+          <a:ln w="28575"/>
+        </p:spPr>
+        <p:style>
+          <a:lnRef idx="3">
+            <a:schemeClr val="accent1"/>
+          </a:lnRef>
+          <a:fillRef idx="0">
+            <a:srgbClr val="FFFFFF"/>
+          </a:fillRef>
+          <a:effectRef idx="0">
+            <a:srgbClr val="FFFFFF"/>
+          </a:effectRef>
+          <a:fontRef idx="minor">
+            <a:schemeClr val="tx1"/>
+          </a:fontRef>
+        </p:style>
+        <p:txBody>
+          <a:bodyPr rtlCol="0" anchor="ctr"/>
+          <a:p>
+            <a:pPr algn="ctr"/>
+            <a:r>
+              <a:rPr lang="en-US" altLang="zh-CN" b="1" i="1"/>
+              <a:t>2019</a:t>
+            </a:r>
+            <a:endParaRPr lang="en-US" altLang="zh-CN" b="1" i="1"/>
+          </a:p>
+        </p:txBody>
+      </p:sp>
+      <p:sp>
+        <p:nvSpPr>
+          <p:cNvPr id="9" name="圆角矩形 8"/>
+          <p:cNvSpPr/>
+          <p:nvPr>
+            <p:custDataLst>
+              <p:tags r:id="rId28"/>
+            </p:custDataLst>
+          </p:nvPr>
+        </p:nvSpPr>
+        <p:spPr>
+          <a:xfrm>
+            <a:off x="6365875" y="1910080"/>
+            <a:ext cx="798830" cy="320040"/>
+          </a:xfrm>
+          <a:prstGeom prst="roundRect">
+            <a:avLst/>
+          </a:prstGeom>
+          <a:solidFill>
+            <a:schemeClr val="bg1"/>
+          </a:solidFill>
+          <a:ln w="28575"/>
+        </p:spPr>
+        <p:style>
+          <a:lnRef idx="3">
+            <a:schemeClr val="accent1"/>
+          </a:lnRef>
+          <a:fillRef idx="0">
+            <a:srgbClr val="FFFFFF"/>
+          </a:fillRef>
+          <a:effectRef idx="0">
+            <a:srgbClr val="FFFFFF"/>
+          </a:effectRef>
+          <a:fontRef idx="minor">
+            <a:schemeClr val="tx1"/>
+          </a:fontRef>
+        </p:style>
+        <p:txBody>
+          <a:bodyPr rtlCol="0" anchor="ctr"/>
+          <a:p>
+            <a:pPr algn="ctr"/>
+            <a:r>
+              <a:rPr lang="en-US" altLang="zh-CN" b="1" i="1"/>
+              <a:t>2021</a:t>
+            </a:r>
+            <a:endParaRPr lang="en-US" altLang="zh-CN" b="1" i="1"/>
+          </a:p>
+        </p:txBody>
+      </p:sp>
+      <p:sp>
+        <p:nvSpPr>
+          <p:cNvPr id="10" name="圆角矩形 9"/>
+          <p:cNvSpPr/>
+          <p:nvPr>
+            <p:custDataLst>
+              <p:tags r:id="rId29"/>
+            </p:custDataLst>
+          </p:nvPr>
+        </p:nvSpPr>
+        <p:spPr>
+          <a:xfrm>
+            <a:off x="5296535" y="3891280"/>
+            <a:ext cx="798830" cy="320040"/>
+          </a:xfrm>
+          <a:prstGeom prst="roundRect">
+            <a:avLst/>
+          </a:prstGeom>
+          <a:solidFill>
+            <a:schemeClr val="bg1"/>
+          </a:solidFill>
+          <a:ln w="28575"/>
+        </p:spPr>
+        <p:style>
+          <a:lnRef idx="3">
+            <a:schemeClr val="accent1"/>
+          </a:lnRef>
+          <a:fillRef idx="0">
+            <a:srgbClr val="FFFFFF"/>
+          </a:fillRef>
+          <a:effectRef idx="0">
+            <a:srgbClr val="FFFFFF"/>
+          </a:effectRef>
+          <a:fontRef idx="minor">
+            <a:schemeClr val="tx1"/>
+          </a:fontRef>
+        </p:style>
+        <p:txBody>
+          <a:bodyPr rtlCol="0" anchor="ctr"/>
+          <a:p>
+            <a:pPr algn="ctr"/>
+            <a:r>
+              <a:rPr lang="en-US" altLang="zh-CN" b="1" i="1"/>
+              <a:t>2020</a:t>
+            </a:r>
+            <a:endParaRPr lang="en-US" altLang="zh-CN" b="1" i="1"/>
+          </a:p>
+        </p:txBody>
+      </p:sp>
+      <p:sp>
+        <p:nvSpPr>
+          <p:cNvPr id="11" name="圆角矩形 10"/>
+          <p:cNvSpPr/>
+          <p:nvPr>
+            <p:custDataLst>
+              <p:tags r:id="rId30"/>
+            </p:custDataLst>
+          </p:nvPr>
+        </p:nvSpPr>
+        <p:spPr>
+          <a:xfrm>
+            <a:off x="7359650" y="4842510"/>
+            <a:ext cx="798830" cy="320040"/>
+          </a:xfrm>
+          <a:prstGeom prst="roundRect">
+            <a:avLst/>
+          </a:prstGeom>
+          <a:solidFill>
+            <a:schemeClr val="bg1"/>
+          </a:solidFill>
+          <a:ln w="28575"/>
+        </p:spPr>
+        <p:style>
+          <a:lnRef idx="3">
+            <a:schemeClr val="accent1"/>
+          </a:lnRef>
+          <a:fillRef idx="0">
+            <a:srgbClr val="FFFFFF"/>
+          </a:fillRef>
+          <a:effectRef idx="0">
+            <a:srgbClr val="FFFFFF"/>
+          </a:effectRef>
+          <a:fontRef idx="minor">
+            <a:schemeClr val="tx1"/>
+          </a:fontRef>
+        </p:style>
+        <p:txBody>
+          <a:bodyPr rtlCol="0" anchor="ctr"/>
+          <a:p>
+            <a:pPr algn="ctr"/>
+            <a:r>
+              <a:rPr lang="en-US" altLang="zh-CN" b="1" i="1"/>
+              <a:t>2022</a:t>
+            </a:r>
+            <a:endParaRPr lang="en-US" altLang="zh-CN" b="1" i="1"/>
+          </a:p>
+        </p:txBody>
+      </p:sp>
+      <p:pic>
+        <p:nvPicPr>
+          <p:cNvPr id="100" name="图片 99"/>
+          <p:cNvPicPr/>
+          <p:nvPr/>
+        </p:nvPicPr>
+        <p:blipFill>
+          <a:blip r:embed="rId31">
+            <a:extLst>
+              <a:ext uri="{96DAC541-7B7A-43D3-8B79-37D633B846F1}">
+                <asvg:svgBlip xmlns:asvg="http://schemas.microsoft.com/office/drawing/2016/SVG/main" r:embed="rId32"/>
+              </a:ext>
+            </a:extLst>
+          </a:blip>
+          <a:stretch>
+            <a:fillRect/>
+          </a:stretch>
+        </p:blipFill>
+        <p:spPr>
+          <a:xfrm>
+            <a:off x="7359650" y="3187700"/>
+            <a:ext cx="828040" cy="828040"/>
+          </a:xfrm>
+          <a:prstGeom prst="rect">
+            <a:avLst/>
+          </a:prstGeom>
+          <a:noFill/>
+        </p:spPr>
+      </p:pic>
+      <p:pic>
+        <p:nvPicPr>
+          <p:cNvPr id="103" name="图片 102"/>
+          <p:cNvPicPr/>
+          <p:nvPr/>
+        </p:nvPicPr>
+        <p:blipFill>
+          <a:blip r:embed="rId33"/>
+          <a:stretch>
+            <a:fillRect/>
+          </a:stretch>
+        </p:blipFill>
+        <p:spPr>
+          <a:xfrm>
+            <a:off x="2262505" y="3202305"/>
+            <a:ext cx="798830" cy="798830"/>
+          </a:xfrm>
+          <a:prstGeom prst="rect">
+            <a:avLst/>
+          </a:prstGeom>
+          <a:noFill/>
+          <a:ln w="9525">
+            <a:noFill/>
+          </a:ln>
+        </p:spPr>
+      </p:pic>
+      <p:pic>
+        <p:nvPicPr>
+          <p:cNvPr id="15" name="图片 14" descr="Tux"/>
+          <p:cNvPicPr>
+            <a:picLocks noChangeAspect="1"/>
+          </p:cNvPicPr>
+          <p:nvPr/>
+        </p:nvPicPr>
+        <p:blipFill>
+          <a:blip r:embed="rId34"/>
+          <a:stretch>
+            <a:fillRect/>
+          </a:stretch>
+        </p:blipFill>
+        <p:spPr>
+          <a:xfrm>
+            <a:off x="4391660" y="3188018"/>
+            <a:ext cx="698500" cy="827405"/>
+          </a:xfrm>
+          <a:prstGeom prst="rect">
+            <a:avLst/>
+          </a:prstGeom>
+        </p:spPr>
+      </p:pic>
+    </p:spTree>
+    <p:custDataLst>
+      <p:tags r:id="rId35"/>
+    </p:custDataLst>
+  </p:cSld>
+  <p:clrMapOvr>
+    <a:masterClrMapping/>
+  </p:clrMapOvr>
+</p:sld>
+</file>
+
+<file path=ppt/slides/slide2.xml><?xml version="1.0" encoding="utf-8"?>
+<p:sld xmlns:a="http://schemas.openxmlformats.org/drawingml/2006/main" xmlns:r="http://schemas.openxmlformats.org/officeDocument/2006/relationships" xmlns:p="http://schemas.openxmlformats.org/presentationml/2006/main">
+  <p:cSld>
+    <p:spTree>
+      <p:nvGrpSpPr>
+        <p:cNvPr id="1" name=""/>
+        <p:cNvGrpSpPr/>
+        <p:nvPr/>
+      </p:nvGrpSpPr>
+      <p:grpSpPr>
+        <a:xfrm>
+          <a:off x="0" y="0"/>
+          <a:ext cx="0" cy="0"/>
+          <a:chOff x="0" y="0"/>
+          <a:chExt cx="0" cy="0"/>
+        </a:xfrm>
+      </p:grpSpPr>
+      <p:grpSp>
+        <p:nvGrpSpPr>
+          <p:cNvPr id="4" name="组合 3"/>
+          <p:cNvGrpSpPr/>
+          <p:nvPr/>
+        </p:nvGrpSpPr>
+        <p:grpSpPr>
+          <a:xfrm>
+            <a:off x="2008769" y="1329158"/>
+            <a:ext cx="7715717" cy="4716228"/>
+            <a:chOff x="2008769" y="1329158"/>
+            <a:chExt cx="7715717" cy="4716228"/>
+          </a:xfrm>
+        </p:grpSpPr>
+        <p:sp>
+          <p:nvSpPr>
+            <p:cNvPr id="5" name="箭头: 五边形 5"/>
+            <p:cNvSpPr/>
+            <p:nvPr>
+              <p:custDataLst>
+                <p:tags r:id="rId1"/>
+              </p:custDataLst>
+            </p:nvPr>
+          </p:nvSpPr>
+          <p:spPr>
+            <a:xfrm>
+              <a:off x="2008769" y="3578353"/>
+              <a:ext cx="7602515" cy="155448"/>
+            </a:xfrm>
+            <a:prstGeom prst="homePlate">
+              <a:avLst>
+                <a:gd name="adj" fmla="val 246073"/>
+              </a:avLst>
+            </a:prstGeom>
+            <a:solidFill>
+              <a:srgbClr val="00B0F0"/>
+            </a:solidFill>
+            <a:ln>
+              <a:solidFill>
+                <a:srgbClr val="00B0F0"/>
+              </a:solidFill>
+            </a:ln>
+          </p:spPr>
+          <p:style>
+            <a:lnRef idx="2">
+              <a:schemeClr val="accent1">
+                <a:shade val="50000"/>
+              </a:schemeClr>
+            </a:lnRef>
+            <a:fillRef idx="1">
+              <a:schemeClr val="accent1"/>
+            </a:fillRef>
+            <a:effectRef idx="0">
+              <a:schemeClr val="accent1"/>
+            </a:effectRef>
+            <a:fontRef idx="minor">
+              <a:schemeClr val="lt1"/>
+            </a:fontRef>
+          </p:style>
+          <p:txBody>
+            <a:bodyPr rtlCol="0" anchor="ctr"/>
+            <a:lstStyle/>
+            <a:p>
+              <a:pPr algn="ctr"/>
+              <a:endParaRPr lang="zh-CN" altLang="en-US"/>
+            </a:p>
+          </p:txBody>
+        </p:sp>
+        <p:cxnSp>
+          <p:nvCxnSpPr>
+            <p:cNvPr id="7" name="直接箭头连接符 6"/>
+            <p:cNvCxnSpPr/>
+            <p:nvPr>
+              <p:custDataLst>
+                <p:tags r:id="rId2"/>
+              </p:custDataLst>
+            </p:nvPr>
+          </p:nvCxnSpPr>
+          <p:spPr>
+            <a:xfrm>
+              <a:off x="2670713" y="1972349"/>
+              <a:ext cx="0" cy="1644590"/>
+            </a:xfrm>
+            <a:prstGeom prst="straightConnector1">
+              <a:avLst/>
+            </a:prstGeom>
+            <a:ln w="28575">
+              <a:solidFill>
+                <a:srgbClr val="00B0F0"/>
+              </a:solidFill>
+            </a:ln>
+          </p:spPr>
+          <p:style>
+            <a:lnRef idx="1">
+              <a:schemeClr val="accent1"/>
+            </a:lnRef>
+            <a:fillRef idx="0">
+              <a:schemeClr val="accent1"/>
+            </a:fillRef>
+            <a:effectRef idx="0">
+              <a:schemeClr val="accent1"/>
+            </a:effectRef>
+            <a:fontRef idx="minor">
+              <a:schemeClr val="tx1"/>
+            </a:fontRef>
+          </p:style>
+        </p:cxnSp>
+        <p:sp>
+          <p:nvSpPr>
+            <p:cNvPr id="8" name="矩形: 圆角 9"/>
+            <p:cNvSpPr/>
+            <p:nvPr>
+              <p:custDataLst>
+                <p:tags r:id="rId3"/>
+              </p:custDataLst>
+            </p:nvPr>
+          </p:nvSpPr>
+          <p:spPr>
+            <a:xfrm>
+              <a:off x="2008769" y="1329158"/>
+              <a:ext cx="3508889" cy="635958"/>
+            </a:xfrm>
+            <a:prstGeom prst="roundRect">
+              <a:avLst/>
+            </a:prstGeom>
+            <a:solidFill>
+              <a:schemeClr val="bg1"/>
+            </a:solidFill>
+            <a:ln w="28575">
+              <a:solidFill>
+                <a:srgbClr val="00B0F0"/>
+              </a:solidFill>
+            </a:ln>
+          </p:spPr>
+          <p:style>
+            <a:lnRef idx="2">
+              <a:schemeClr val="accent1">
+                <a:shade val="15000"/>
+              </a:schemeClr>
+            </a:lnRef>
+            <a:fillRef idx="1">
+              <a:schemeClr val="accent1"/>
+            </a:fillRef>
+            <a:effectRef idx="0">
+              <a:schemeClr val="accent1"/>
+            </a:effectRef>
+            <a:fontRef idx="minor">
+              <a:schemeClr val="lt1"/>
+            </a:fontRef>
+          </p:style>
+          <p:txBody>
+            <a:bodyPr rtlCol="0" anchor="ctr"/>
+            <a:lstStyle/>
+            <a:p>
+              <a:pPr algn="ctr"/>
+              <a:r>
+                <a:rPr lang="zh-CN" altLang="en-US" dirty="0">
+                  <a:ea typeface="等线" panose="02010600030101010101" charset="-122"/>
+                  <a:cs typeface="Calibri" panose="020F0502020204030204"/>
+                </a:rPr>
+                <a:t>290</a:t>
+              </a:r>
+              <a:endParaRPr lang="zh-CN" dirty="0"/>
+            </a:p>
+          </p:txBody>
+        </p:sp>
+        <p:sp>
+          <p:nvSpPr>
+            <p:cNvPr id="17" name="椭圆 16"/>
+            <p:cNvSpPr/>
+            <p:nvPr>
+              <p:custDataLst>
+                <p:tags r:id="rId4"/>
+              </p:custDataLst>
+            </p:nvPr>
+          </p:nvSpPr>
+          <p:spPr>
+            <a:xfrm>
+              <a:off x="2550780" y="3542480"/>
+              <a:ext cx="241709" cy="241709"/>
+            </a:xfrm>
+            <a:prstGeom prst="ellipse">
+              <a:avLst/>
+            </a:prstGeom>
+            <a:solidFill>
+              <a:srgbClr val="0070C0"/>
+            </a:solidFill>
+            <a:ln>
+              <a:solidFill>
+                <a:srgbClr val="0070C0"/>
+              </a:solidFill>
+            </a:ln>
+          </p:spPr>
+          <p:style>
+            <a:lnRef idx="2">
+              <a:schemeClr val="accent1">
+                <a:shade val="15000"/>
+              </a:schemeClr>
+            </a:lnRef>
+            <a:fillRef idx="1">
+              <a:schemeClr val="accent1"/>
+            </a:fillRef>
+            <a:effectRef idx="0">
+              <a:schemeClr val="accent1"/>
+            </a:effectRef>
+            <a:fontRef idx="minor">
+              <a:schemeClr val="lt1"/>
+            </a:fontRef>
+          </p:style>
+          <p:txBody>
+            <a:bodyPr rtlCol="0" anchor="ctr"/>
+            <a:lstStyle/>
+            <a:p>
+              <a:pPr algn="ctr"/>
+              <a:endParaRPr lang="zh-CN" altLang="en-US">
+                <a:solidFill>
+                  <a:srgbClr val="0070C0"/>
+                </a:solidFill>
+              </a:endParaRPr>
+            </a:p>
+          </p:txBody>
+        </p:sp>
+        <p:sp>
+          <p:nvSpPr>
+            <p:cNvPr id="18" name="文本框 17"/>
+            <p:cNvSpPr txBox="1"/>
+            <p:nvPr>
+              <p:custDataLst>
+                <p:tags r:id="rId5"/>
+              </p:custDataLst>
+            </p:nvPr>
+          </p:nvSpPr>
+          <p:spPr>
+            <a:xfrm>
+              <a:off x="2073431" y="1340205"/>
+              <a:ext cx="3554227" cy="645160"/>
             </a:xfrm>
             <a:prstGeom prst="rect">
               <a:avLst/>
@@ -3902,7 +5020,567 @@
                   <a:latin typeface="Arial" panose="020B0604020202020204" pitchFamily="34" charset="0"/>
                   <a:cs typeface="Arial" panose="020B0604020202020204" pitchFamily="34" charset="0"/>
                 </a:rPr>
-                <a:t>20 First session in LPC to bring attention from the community</a:t>
+                <a:t>13 First Linux kernel drivers written in Rust</a:t>
+              </a:r>
+              <a:endParaRPr lang="zh-CN" altLang="en-US" dirty="0">
+                <a:latin typeface="Arial" panose="020B0604020202020204" pitchFamily="34" charset="0"/>
+                <a:cs typeface="Arial" panose="020B0604020202020204" pitchFamily="34" charset="0"/>
+              </a:endParaRPr>
+            </a:p>
+          </p:txBody>
+        </p:sp>
+        <p:cxnSp>
+          <p:nvCxnSpPr>
+            <p:cNvPr id="19" name="直接箭头连接符 18"/>
+            <p:cNvCxnSpPr/>
+            <p:nvPr>
+              <p:custDataLst>
+                <p:tags r:id="rId6"/>
+              </p:custDataLst>
+            </p:nvPr>
+          </p:nvCxnSpPr>
+          <p:spPr>
+            <a:xfrm>
+              <a:off x="3662941" y="3642622"/>
+              <a:ext cx="0" cy="1934288"/>
+            </a:xfrm>
+            <a:prstGeom prst="straightConnector1">
+              <a:avLst/>
+            </a:prstGeom>
+            <a:ln w="28575">
+              <a:solidFill>
+                <a:srgbClr val="00B0F0"/>
+              </a:solidFill>
+            </a:ln>
+          </p:spPr>
+          <p:style>
+            <a:lnRef idx="1">
+              <a:schemeClr val="accent1"/>
+            </a:lnRef>
+            <a:fillRef idx="0">
+              <a:schemeClr val="accent1"/>
+            </a:fillRef>
+            <a:effectRef idx="0">
+              <a:schemeClr val="accent1"/>
+            </a:effectRef>
+            <a:fontRef idx="minor">
+              <a:schemeClr val="tx1"/>
+            </a:fontRef>
+          </p:style>
+        </p:cxnSp>
+        <p:sp>
+          <p:nvSpPr>
+            <p:cNvPr id="20" name="椭圆 19"/>
+            <p:cNvSpPr/>
+            <p:nvPr>
+              <p:custDataLst>
+                <p:tags r:id="rId7"/>
+              </p:custDataLst>
+            </p:nvPr>
+          </p:nvSpPr>
+          <p:spPr>
+            <a:xfrm>
+              <a:off x="3543824" y="3519821"/>
+              <a:ext cx="241709" cy="241709"/>
+            </a:xfrm>
+            <a:prstGeom prst="ellipse">
+              <a:avLst/>
+            </a:prstGeom>
+            <a:solidFill>
+              <a:srgbClr val="0070C0"/>
+            </a:solidFill>
+            <a:ln>
+              <a:solidFill>
+                <a:srgbClr val="0070C0"/>
+              </a:solidFill>
+            </a:ln>
+          </p:spPr>
+          <p:style>
+            <a:lnRef idx="2">
+              <a:schemeClr val="accent1">
+                <a:shade val="15000"/>
+              </a:schemeClr>
+            </a:lnRef>
+            <a:fillRef idx="1">
+              <a:schemeClr val="accent1"/>
+            </a:fillRef>
+            <a:effectRef idx="0">
+              <a:schemeClr val="accent1"/>
+            </a:effectRef>
+            <a:fontRef idx="minor">
+              <a:schemeClr val="lt1"/>
+            </a:fontRef>
+          </p:style>
+          <p:txBody>
+            <a:bodyPr rtlCol="0" anchor="ctr"/>
+            <a:lstStyle/>
+            <a:p>
+              <a:pPr algn="ctr"/>
+              <a:endParaRPr lang="zh-CN" altLang="en-US">
+                <a:solidFill>
+                  <a:srgbClr val="0070C0"/>
+                </a:solidFill>
+              </a:endParaRPr>
+            </a:p>
+          </p:txBody>
+        </p:sp>
+        <p:sp>
+          <p:nvSpPr>
+            <p:cNvPr id="21" name="矩形: 圆角 14"/>
+            <p:cNvSpPr/>
+            <p:nvPr>
+              <p:custDataLst>
+                <p:tags r:id="rId8"/>
+              </p:custDataLst>
+            </p:nvPr>
+          </p:nvSpPr>
+          <p:spPr>
+            <a:xfrm>
+              <a:off x="2401822" y="5084020"/>
+              <a:ext cx="3768435" cy="715975"/>
+            </a:xfrm>
+            <a:prstGeom prst="roundRect">
+              <a:avLst/>
+            </a:prstGeom>
+            <a:solidFill>
+              <a:schemeClr val="bg1"/>
+            </a:solidFill>
+            <a:ln w="28575">
+              <a:solidFill>
+                <a:srgbClr val="00B0F0"/>
+              </a:solidFill>
+            </a:ln>
+          </p:spPr>
+          <p:style>
+            <a:lnRef idx="2">
+              <a:schemeClr val="accent1">
+                <a:shade val="15000"/>
+              </a:schemeClr>
+            </a:lnRef>
+            <a:fillRef idx="1">
+              <a:schemeClr val="accent1"/>
+            </a:fillRef>
+            <a:effectRef idx="0">
+              <a:schemeClr val="accent1"/>
+            </a:effectRef>
+            <a:fontRef idx="minor">
+              <a:schemeClr val="lt1"/>
+            </a:fontRef>
+          </p:style>
+          <p:txBody>
+            <a:bodyPr rtlCol="0" anchor="ctr"/>
+            <a:lstStyle/>
+            <a:p>
+              <a:pPr algn="ctr"/>
+              <a:r>
+                <a:rPr lang="zh-CN" altLang="en-US" dirty="0"/>
+                <a:t>290</a:t>
+              </a:r>
+              <a:endParaRPr lang="zh-CN" altLang="en-US" dirty="0"/>
+            </a:p>
+          </p:txBody>
+        </p:sp>
+        <p:sp>
+          <p:nvSpPr>
+            <p:cNvPr id="22" name="文本框 21"/>
+            <p:cNvSpPr txBox="1"/>
+            <p:nvPr>
+              <p:custDataLst>
+                <p:tags r:id="rId9"/>
+              </p:custDataLst>
+            </p:nvPr>
+          </p:nvSpPr>
+          <p:spPr>
+            <a:xfrm>
+              <a:off x="2374580" y="5122056"/>
+              <a:ext cx="3805696" cy="645160"/>
+            </a:xfrm>
+            <a:prstGeom prst="rect">
+              <a:avLst/>
+            </a:prstGeom>
+            <a:noFill/>
+          </p:spPr>
+          <p:txBody>
+            <a:bodyPr rot="0" spcFirstLastPara="0" vertOverflow="overflow" horzOverflow="overflow" vert="horz" wrap="square" lIns="91440" tIns="45720" rIns="91440" bIns="45720" numCol="1" spcCol="0" rtlCol="0" fromWordArt="0" anchor="t" anchorCtr="0" forceAA="0" compatLnSpc="1">
+              <a:spAutoFit/>
+            </a:bodyPr>
+            <a:lstStyle/>
+            <a:p>
+              <a:r>
+                <a:rPr lang="en-US" altLang="zh-CN" dirty="0">
+                  <a:latin typeface="Arial" panose="020B0604020202020204" pitchFamily="34" charset="0"/>
+                  <a:cs typeface="Arial" panose="020B0604020202020204" pitchFamily="34" charset="0"/>
+                </a:rPr>
+                <a:t>2019 </a:t>
+              </a:r>
+              <a:r>
+                <a:rPr lang="en-US" altLang="zh-CN" dirty="0" err="1">
+                  <a:latin typeface="Arial" panose="020B0604020202020204" pitchFamily="34" charset="0"/>
+                  <a:cs typeface="Arial" panose="020B0604020202020204" pitchFamily="34" charset="0"/>
+                </a:rPr>
+                <a:t>inux</a:t>
+              </a:r>
+              <a:r>
+                <a:rPr lang="en-US" altLang="zh-CN" dirty="0">
+                  <a:latin typeface="Arial" panose="020B0604020202020204" pitchFamily="34" charset="0"/>
+                  <a:cs typeface="Arial" panose="020B0604020202020204" pitchFamily="34" charset="0"/>
+                </a:rPr>
+                <a:t>-kernel-module-rust project</a:t>
+              </a:r>
+              <a:endParaRPr lang="zh-CN" altLang="en-US" dirty="0">
+                <a:latin typeface="Arial" panose="020B0604020202020204" pitchFamily="34" charset="0"/>
+                <a:cs typeface="Arial" panose="020B0604020202020204" pitchFamily="34" charset="0"/>
+              </a:endParaRPr>
+            </a:p>
+          </p:txBody>
+        </p:sp>
+        <p:cxnSp>
+          <p:nvCxnSpPr>
+            <p:cNvPr id="23" name="直接箭头连接符 22"/>
+            <p:cNvCxnSpPr/>
+            <p:nvPr>
+              <p:custDataLst>
+                <p:tags r:id="rId10"/>
+              </p:custDataLst>
+            </p:nvPr>
+          </p:nvCxnSpPr>
+          <p:spPr>
+            <a:xfrm flipH="1">
+              <a:off x="5696309" y="3622957"/>
+              <a:ext cx="1987" cy="919031"/>
+            </a:xfrm>
+            <a:prstGeom prst="straightConnector1">
+              <a:avLst/>
+            </a:prstGeom>
+            <a:ln w="28575">
+              <a:solidFill>
+                <a:srgbClr val="00B0F0"/>
+              </a:solidFill>
+            </a:ln>
+          </p:spPr>
+          <p:style>
+            <a:lnRef idx="1">
+              <a:schemeClr val="accent1"/>
+            </a:lnRef>
+            <a:fillRef idx="0">
+              <a:schemeClr val="accent1"/>
+            </a:fillRef>
+            <a:effectRef idx="0">
+              <a:schemeClr val="accent1"/>
+            </a:effectRef>
+            <a:fontRef idx="minor">
+              <a:schemeClr val="tx1"/>
+            </a:fontRef>
+          </p:style>
+        </p:cxnSp>
+        <p:sp>
+          <p:nvSpPr>
+            <p:cNvPr id="24" name="椭圆 23"/>
+            <p:cNvSpPr/>
+            <p:nvPr>
+              <p:custDataLst>
+                <p:tags r:id="rId11"/>
+              </p:custDataLst>
+            </p:nvPr>
+          </p:nvSpPr>
+          <p:spPr>
+            <a:xfrm>
+              <a:off x="5575455" y="3519821"/>
+              <a:ext cx="241709" cy="241709"/>
+            </a:xfrm>
+            <a:prstGeom prst="ellipse">
+              <a:avLst/>
+            </a:prstGeom>
+            <a:solidFill>
+              <a:srgbClr val="0070C0"/>
+            </a:solidFill>
+            <a:ln>
+              <a:solidFill>
+                <a:srgbClr val="0070C0"/>
+              </a:solidFill>
+            </a:ln>
+          </p:spPr>
+          <p:style>
+            <a:lnRef idx="2">
+              <a:schemeClr val="accent1">
+                <a:shade val="15000"/>
+              </a:schemeClr>
+            </a:lnRef>
+            <a:fillRef idx="1">
+              <a:schemeClr val="accent1"/>
+            </a:fillRef>
+            <a:effectRef idx="0">
+              <a:schemeClr val="accent1"/>
+            </a:effectRef>
+            <a:fontRef idx="minor">
+              <a:schemeClr val="lt1"/>
+            </a:fontRef>
+          </p:style>
+          <p:txBody>
+            <a:bodyPr rtlCol="0" anchor="ctr"/>
+            <a:lstStyle/>
+            <a:p>
+              <a:pPr algn="ctr"/>
+              <a:endParaRPr lang="zh-CN" altLang="en-US">
+                <a:solidFill>
+                  <a:srgbClr val="0070C0"/>
+                </a:solidFill>
+              </a:endParaRPr>
+            </a:p>
+          </p:txBody>
+        </p:sp>
+        <p:sp>
+          <p:nvSpPr>
+            <p:cNvPr id="25" name="矩形: 圆角 30"/>
+            <p:cNvSpPr/>
+            <p:nvPr>
+              <p:custDataLst>
+                <p:tags r:id="rId12"/>
+              </p:custDataLst>
+            </p:nvPr>
+          </p:nvSpPr>
+          <p:spPr>
+            <a:xfrm>
+              <a:off x="4129532" y="3993441"/>
+              <a:ext cx="3133554" cy="659317"/>
+            </a:xfrm>
+            <a:prstGeom prst="roundRect">
+              <a:avLst/>
+            </a:prstGeom>
+            <a:solidFill>
+              <a:schemeClr val="bg1"/>
+            </a:solidFill>
+            <a:ln w="28575">
+              <a:solidFill>
+                <a:srgbClr val="00B0F0"/>
+              </a:solidFill>
+            </a:ln>
+          </p:spPr>
+          <p:style>
+            <a:lnRef idx="2">
+              <a:schemeClr val="accent1">
+                <a:shade val="15000"/>
+              </a:schemeClr>
+            </a:lnRef>
+            <a:fillRef idx="1">
+              <a:schemeClr val="accent1"/>
+            </a:fillRef>
+            <a:effectRef idx="0">
+              <a:schemeClr val="accent1"/>
+            </a:effectRef>
+            <a:fontRef idx="minor">
+              <a:schemeClr val="lt1"/>
+            </a:fontRef>
+          </p:style>
+          <p:txBody>
+            <a:bodyPr rtlCol="0" anchor="ctr"/>
+            <a:lstStyle/>
+            <a:p>
+              <a:pPr algn="ctr"/>
+              <a:r>
+                <a:rPr lang="zh-CN" altLang="en-US" dirty="0">
+                  <a:ea typeface="等线" panose="02010600030101010101" charset="-122"/>
+                  <a:cs typeface="Calibri" panose="020F0502020204030204"/>
+                </a:rPr>
+                <a:t>290</a:t>
+              </a:r>
+              <a:endParaRPr lang="zh-CN" dirty="0"/>
+            </a:p>
+          </p:txBody>
+        </p:sp>
+        <p:cxnSp>
+          <p:nvCxnSpPr>
+            <p:cNvPr id="26" name="直接箭头连接符 25"/>
+            <p:cNvCxnSpPr/>
+            <p:nvPr>
+              <p:custDataLst>
+                <p:tags r:id="rId13"/>
+              </p:custDataLst>
+            </p:nvPr>
+          </p:nvCxnSpPr>
+          <p:spPr>
+            <a:xfrm>
+              <a:off x="4764593" y="2828012"/>
+              <a:ext cx="0" cy="788927"/>
+            </a:xfrm>
+            <a:prstGeom prst="straightConnector1">
+              <a:avLst/>
+            </a:prstGeom>
+            <a:ln w="28575">
+              <a:solidFill>
+                <a:srgbClr val="00B0F0"/>
+              </a:solidFill>
+            </a:ln>
+          </p:spPr>
+          <p:style>
+            <a:lnRef idx="1">
+              <a:schemeClr val="accent1"/>
+            </a:lnRef>
+            <a:fillRef idx="0">
+              <a:schemeClr val="accent1"/>
+            </a:fillRef>
+            <a:effectRef idx="0">
+              <a:schemeClr val="accent1"/>
+            </a:effectRef>
+            <a:fontRef idx="minor">
+              <a:schemeClr val="tx1"/>
+            </a:fontRef>
+          </p:style>
+        </p:cxnSp>
+        <p:sp>
+          <p:nvSpPr>
+            <p:cNvPr id="27" name="矩形: 圆角 40"/>
+            <p:cNvSpPr/>
+            <p:nvPr>
+              <p:custDataLst>
+                <p:tags r:id="rId14"/>
+              </p:custDataLst>
+            </p:nvPr>
+          </p:nvSpPr>
+          <p:spPr>
+            <a:xfrm>
+              <a:off x="3218782" y="2213538"/>
+              <a:ext cx="3283282" cy="963649"/>
+            </a:xfrm>
+            <a:prstGeom prst="roundRect">
+              <a:avLst/>
+            </a:prstGeom>
+            <a:solidFill>
+              <a:schemeClr val="bg1"/>
+            </a:solidFill>
+            <a:ln w="28575">
+              <a:solidFill>
+                <a:srgbClr val="00B0F0"/>
+              </a:solidFill>
+            </a:ln>
+          </p:spPr>
+          <p:style>
+            <a:lnRef idx="2">
+              <a:schemeClr val="accent1">
+                <a:shade val="15000"/>
+              </a:schemeClr>
+            </a:lnRef>
+            <a:fillRef idx="1">
+              <a:schemeClr val="accent1"/>
+            </a:fillRef>
+            <a:effectRef idx="0">
+              <a:schemeClr val="accent1"/>
+            </a:effectRef>
+            <a:fontRef idx="minor">
+              <a:schemeClr val="lt1"/>
+            </a:fontRef>
+          </p:style>
+          <p:txBody>
+            <a:bodyPr rtlCol="0" anchor="ctr"/>
+            <a:lstStyle/>
+            <a:p>
+              <a:pPr algn="ctr"/>
+              <a:r>
+                <a:rPr lang="zh-CN" altLang="en-US" dirty="0">
+                  <a:ea typeface="等线" panose="02010600030101010101" charset="-122"/>
+                  <a:cs typeface="Calibri" panose="020F0502020204030204"/>
+                </a:rPr>
+                <a:t>290</a:t>
+              </a:r>
+              <a:endParaRPr lang="zh-CN" dirty="0"/>
+            </a:p>
+          </p:txBody>
+        </p:sp>
+        <p:sp>
+          <p:nvSpPr>
+            <p:cNvPr id="28" name="椭圆 27"/>
+            <p:cNvSpPr/>
+            <p:nvPr>
+              <p:custDataLst>
+                <p:tags r:id="rId15"/>
+              </p:custDataLst>
+            </p:nvPr>
+          </p:nvSpPr>
+          <p:spPr>
+            <a:xfrm>
+              <a:off x="4644660" y="3542480"/>
+              <a:ext cx="241709" cy="241709"/>
+            </a:xfrm>
+            <a:prstGeom prst="ellipse">
+              <a:avLst/>
+            </a:prstGeom>
+            <a:solidFill>
+              <a:srgbClr val="0070C0"/>
+            </a:solidFill>
+            <a:ln>
+              <a:solidFill>
+                <a:srgbClr val="0070C0"/>
+              </a:solidFill>
+            </a:ln>
+          </p:spPr>
+          <p:style>
+            <a:lnRef idx="2">
+              <a:schemeClr val="accent1">
+                <a:shade val="15000"/>
+              </a:schemeClr>
+            </a:lnRef>
+            <a:fillRef idx="1">
+              <a:schemeClr val="accent1"/>
+            </a:fillRef>
+            <a:effectRef idx="0">
+              <a:schemeClr val="accent1"/>
+            </a:effectRef>
+            <a:fontRef idx="minor">
+              <a:schemeClr val="lt1"/>
+            </a:fontRef>
+          </p:style>
+          <p:txBody>
+            <a:bodyPr rtlCol="0" anchor="ctr"/>
+            <a:lstStyle/>
+            <a:p>
+              <a:pPr algn="ctr"/>
+              <a:endParaRPr lang="zh-CN" altLang="en-US">
+                <a:solidFill>
+                  <a:srgbClr val="0070C0"/>
+                </a:solidFill>
+              </a:endParaRPr>
+            </a:p>
+          </p:txBody>
+        </p:sp>
+        <p:sp>
+          <p:nvSpPr>
+            <p:cNvPr id="32" name="文本框 31"/>
+            <p:cNvSpPr txBox="1"/>
+            <p:nvPr>
+              <p:custDataLst>
+                <p:tags r:id="rId16"/>
+              </p:custDataLst>
+            </p:nvPr>
+          </p:nvSpPr>
+          <p:spPr>
+            <a:xfrm>
+              <a:off x="3308110" y="2253858"/>
+              <a:ext cx="3156517" cy="645160"/>
+            </a:xfrm>
+            <a:prstGeom prst="rect">
+              <a:avLst/>
+            </a:prstGeom>
+            <a:noFill/>
+          </p:spPr>
+          <p:txBody>
+            <a:bodyPr rot="0" spcFirstLastPara="0" vertOverflow="overflow" horzOverflow="overflow" vert="horz" wrap="square" lIns="91440" tIns="45720" rIns="91440" bIns="45720" numCol="1" spcCol="0" rtlCol="0" fromWordArt="0" anchor="t" anchorCtr="0" forceAA="0" compatLnSpc="1">
+              <a:spAutoFit/>
+            </a:bodyPr>
+            <a:lstStyle/>
+            <a:p>
+              <a:r>
+                <a:rPr lang="zh-CN" altLang="en-US" dirty="0">
+                  <a:latin typeface="Arial" panose="020B0604020202020204" pitchFamily="34" charset="0"/>
+                  <a:cs typeface="Arial" panose="020B0604020202020204" pitchFamily="34" charset="0"/>
+                </a:rPr>
+                <a:t>20</a:t>
+              </a:r>
+              <a:r>
+                <a:rPr lang="en-US" altLang="zh-CN" dirty="0">
+                  <a:latin typeface="Arial" panose="020B0604020202020204" pitchFamily="34" charset="0"/>
+                  <a:cs typeface="Arial" panose="020B0604020202020204" pitchFamily="34" charset="0"/>
+                </a:rPr>
+                <a:t>20 First session in Linux Plumber Conference</a:t>
               </a:r>
               <a:endParaRPr lang="zh-CN" altLang="en-US" dirty="0">
                 <a:latin typeface="Arial" panose="020B0604020202020204" pitchFamily="34" charset="0"/>
@@ -3924,7 +5602,7 @@
           <p:spPr>
             <a:xfrm>
               <a:off x="4187008" y="4006427"/>
-              <a:ext cx="3018601" cy="646331"/>
+              <a:ext cx="3018601" cy="645160"/>
             </a:xfrm>
             <a:prstGeom prst="rect">
               <a:avLst/>
@@ -3942,7 +5620,7 @@
                   <a:latin typeface="Arial" panose="020B0604020202020204" pitchFamily="34" charset="0"/>
                   <a:cs typeface="Arial" panose="020B0604020202020204" pitchFamily="34" charset="0"/>
                 </a:rPr>
-                <a:t>2020 First PR of RFL was committed on the GitHub</a:t>
+                <a:t>2020 First RFL PR committed on GitHub</a:t>
               </a:r>
               <a:endParaRPr lang="zh-CN" altLang="en-US" dirty="0">
                 <a:latin typeface="Arial" panose="020B0604020202020204" pitchFamily="34" charset="0"/>
@@ -4394,6 +6072,66 @@
 </p:tagLst>
 </file>
 
+<file path=ppt/tags/tag100.xml><?xml version="1.0" encoding="utf-8"?>
+<p:tagLst xmlns:p="http://schemas.openxmlformats.org/presentationml/2006/main">
+  <p:tag name="KSO_WM_BEAUTIFY_FLAG" val=""/>
+</p:tagLst>
+</file>
+
+<file path=ppt/tags/tag101.xml><?xml version="1.0" encoding="utf-8"?>
+<p:tagLst xmlns:p="http://schemas.openxmlformats.org/presentationml/2006/main">
+  <p:tag name="KSO_WM_BEAUTIFY_FLAG" val=""/>
+</p:tagLst>
+</file>
+
+<file path=ppt/tags/tag102.xml><?xml version="1.0" encoding="utf-8"?>
+<p:tagLst xmlns:p="http://schemas.openxmlformats.org/presentationml/2006/main">
+  <p:tag name="KSO_WM_BEAUTIFY_FLAG" val=""/>
+</p:tagLst>
+</file>
+
+<file path=ppt/tags/tag103.xml><?xml version="1.0" encoding="utf-8"?>
+<p:tagLst xmlns:p="http://schemas.openxmlformats.org/presentationml/2006/main">
+  <p:tag name="KSO_WM_BEAUTIFY_FLAG" val=""/>
+</p:tagLst>
+</file>
+
+<file path=ppt/tags/tag104.xml><?xml version="1.0" encoding="utf-8"?>
+<p:tagLst xmlns:p="http://schemas.openxmlformats.org/presentationml/2006/main">
+  <p:tag name="KSO_WM_BEAUTIFY_FLAG" val=""/>
+</p:tagLst>
+</file>
+
+<file path=ppt/tags/tag105.xml><?xml version="1.0" encoding="utf-8"?>
+<p:tagLst xmlns:p="http://schemas.openxmlformats.org/presentationml/2006/main">
+  <p:tag name="KSO_WM_BEAUTIFY_FLAG" val=""/>
+</p:tagLst>
+</file>
+
+<file path=ppt/tags/tag106.xml><?xml version="1.0" encoding="utf-8"?>
+<p:tagLst xmlns:p="http://schemas.openxmlformats.org/presentationml/2006/main">
+  <p:tag name="KSO_WM_BEAUTIFY_FLAG" val=""/>
+</p:tagLst>
+</file>
+
+<file path=ppt/tags/tag107.xml><?xml version="1.0" encoding="utf-8"?>
+<p:tagLst xmlns:p="http://schemas.openxmlformats.org/presentationml/2006/main">
+  <p:tag name="KSO_WM_BEAUTIFY_FLAG" val=""/>
+</p:tagLst>
+</file>
+
+<file path=ppt/tags/tag108.xml><?xml version="1.0" encoding="utf-8"?>
+<p:tagLst xmlns:p="http://schemas.openxmlformats.org/presentationml/2006/main">
+  <p:tag name="KSO_WM_BEAUTIFY_FLAG" val=""/>
+</p:tagLst>
+</file>
+
+<file path=ppt/tags/tag109.xml><?xml version="1.0" encoding="utf-8"?>
+<p:tagLst xmlns:p="http://schemas.openxmlformats.org/presentationml/2006/main">
+  <p:tag name="KSO_WM_BEAUTIFY_FLAG" val=""/>
+</p:tagLst>
+</file>
+
 <file path=ppt/tags/tag11.xml><?xml version="1.0" encoding="utf-8"?>
 <p:tagLst xmlns:p="http://schemas.openxmlformats.org/presentationml/2006/main">
   <p:tag name="KSO_WM_UNIT_HIGHLIGHT" val="0"/>
@@ -4407,916 +6145,61 @@
 </p:tagLst>
 </file>
 
-<file path=ppt/tags/tag12.xml><?xml version="1.0" encoding="utf-8"?>
-<p:tagLst xmlns:p="http://schemas.openxmlformats.org/presentationml/2006/main">
-  <p:tag name="KSO_WM_UNIT_HIGHLIGHT" val="0"/>
-  <p:tag name="KSO_WM_UNIT_COMPATIBLE" val="0"/>
-  <p:tag name="KSO_WM_UNIT_DIAGRAM_ISNUMVISUAL" val="0"/>
-  <p:tag name="KSO_WM_UNIT_DIAGRAM_ISREFERUNIT" val="0"/>
-  <p:tag name="KSO_WM_UNIT_ID" val="_3**"/>
-  <p:tag name="KSO_WM_UNIT_LAYERLEVEL" val="1"/>
-  <p:tag name="KSO_WM_TAG_VERSION" val="1.0"/>
-  <p:tag name="KSO_WM_BEAUTIFY_FLAG" val="#wm#"/>
-</p:tagLst>
-</file>
-
-<file path=ppt/tags/tag13.xml><?xml version="1.0" encoding="utf-8"?>
-<p:tagLst xmlns:p="http://schemas.openxmlformats.org/presentationml/2006/main">
-  <p:tag name="KSO_WM_UNIT_HIGHLIGHT" val="0"/>
-  <p:tag name="KSO_WM_UNIT_COMPATIBLE" val="0"/>
-  <p:tag name="KSO_WM_UNIT_DIAGRAM_ISNUMVISUAL" val="0"/>
-  <p:tag name="KSO_WM_UNIT_DIAGRAM_ISREFERUNIT" val="0"/>
-  <p:tag name="KSO_WM_UNIT_ID" val="_3**"/>
-  <p:tag name="KSO_WM_UNIT_LAYERLEVEL" val="1"/>
-  <p:tag name="KSO_WM_TAG_VERSION" val="1.0"/>
-  <p:tag name="KSO_WM_BEAUTIFY_FLAG" val="#wm#"/>
-</p:tagLst>
-</file>
-
-<file path=ppt/tags/tag14.xml><?xml version="1.0" encoding="utf-8"?>
-<p:tagLst xmlns:p="http://schemas.openxmlformats.org/presentationml/2006/main">
-  <p:tag name="KSO_WM_UNIT_HIGHLIGHT" val="0"/>
-  <p:tag name="KSO_WM_UNIT_COMPATIBLE" val="0"/>
-  <p:tag name="KSO_WM_UNIT_DIAGRAM_ISNUMVISUAL" val="0"/>
-  <p:tag name="KSO_WM_UNIT_DIAGRAM_ISREFERUNIT" val="0"/>
-  <p:tag name="KSO_WM_UNIT_ID" val="_3**"/>
-  <p:tag name="KSO_WM_UNIT_LAYERLEVEL" val="1"/>
-  <p:tag name="KSO_WM_TAG_VERSION" val="1.0"/>
-  <p:tag name="KSO_WM_BEAUTIFY_FLAG" val="#wm#"/>
-</p:tagLst>
-</file>
-
-<file path=ppt/tags/tag15.xml><?xml version="1.0" encoding="utf-8"?>
-<p:tagLst xmlns:p="http://schemas.openxmlformats.org/presentationml/2006/main">
-  <p:tag name="KSO_WM_UNIT_HIGHLIGHT" val="0"/>
-  <p:tag name="KSO_WM_UNIT_COMPATIBLE" val="0"/>
-  <p:tag name="KSO_WM_UNIT_DIAGRAM_ISNUMVISUAL" val="0"/>
-  <p:tag name="KSO_WM_UNIT_DIAGRAM_ISREFERUNIT" val="0"/>
-  <p:tag name="KSO_WM_UNIT_ID" val="_3**"/>
-  <p:tag name="KSO_WM_UNIT_LAYERLEVEL" val="1"/>
-  <p:tag name="KSO_WM_TAG_VERSION" val="1.0"/>
-  <p:tag name="KSO_WM_BEAUTIFY_FLAG" val="#wm#"/>
-</p:tagLst>
-</file>
-
-<file path=ppt/tags/tag16.xml><?xml version="1.0" encoding="utf-8"?>
-<p:tagLst xmlns:p="http://schemas.openxmlformats.org/presentationml/2006/main">
-  <p:tag name="KSO_WM_UNIT_HIGHLIGHT" val="0"/>
-  <p:tag name="KSO_WM_UNIT_COMPATIBLE" val="0"/>
-  <p:tag name="KSO_WM_UNIT_DIAGRAM_ISNUMVISUAL" val="0"/>
-  <p:tag name="KSO_WM_UNIT_DIAGRAM_ISREFERUNIT" val="0"/>
-  <p:tag name="KSO_WM_UNIT_ID" val="_4**"/>
-  <p:tag name="KSO_WM_UNIT_LAYERLEVEL" val="1"/>
-  <p:tag name="KSO_WM_TAG_VERSION" val="1.0"/>
-  <p:tag name="KSO_WM_BEAUTIFY_FLAG" val="#wm#"/>
-</p:tagLst>
-</file>
-
-<file path=ppt/tags/tag17.xml><?xml version="1.0" encoding="utf-8"?>
-<p:tagLst xmlns:p="http://schemas.openxmlformats.org/presentationml/2006/main">
-  <p:tag name="KSO_WM_UNIT_HIGHLIGHT" val="0"/>
-  <p:tag name="KSO_WM_UNIT_COMPATIBLE" val="0"/>
-  <p:tag name="KSO_WM_UNIT_DIAGRAM_ISNUMVISUAL" val="0"/>
-  <p:tag name="KSO_WM_UNIT_DIAGRAM_ISREFERUNIT" val="0"/>
-  <p:tag name="KSO_WM_UNIT_ID" val="_4**"/>
-  <p:tag name="KSO_WM_UNIT_LAYERLEVEL" val="1"/>
-  <p:tag name="KSO_WM_TAG_VERSION" val="1.0"/>
-  <p:tag name="KSO_WM_BEAUTIFY_FLAG" val="#wm#"/>
-</p:tagLst>
-</file>
-
-<file path=ppt/tags/tag18.xml><?xml version="1.0" encoding="utf-8"?>
-<p:tagLst xmlns:p="http://schemas.openxmlformats.org/presentationml/2006/main">
-  <p:tag name="KSO_WM_UNIT_HIGHLIGHT" val="0"/>
-  <p:tag name="KSO_WM_UNIT_COMPATIBLE" val="0"/>
-  <p:tag name="KSO_WM_UNIT_DIAGRAM_ISNUMVISUAL" val="0"/>
-  <p:tag name="KSO_WM_UNIT_DIAGRAM_ISREFERUNIT" val="0"/>
-  <p:tag name="KSO_WM_UNIT_ID" val="_4**"/>
-  <p:tag name="KSO_WM_UNIT_LAYERLEVEL" val="1"/>
-  <p:tag name="KSO_WM_TAG_VERSION" val="1.0"/>
-  <p:tag name="KSO_WM_BEAUTIFY_FLAG" val="#wm#"/>
-</p:tagLst>
-</file>
-
-<file path=ppt/tags/tag19.xml><?xml version="1.0" encoding="utf-8"?>
-<p:tagLst xmlns:p="http://schemas.openxmlformats.org/presentationml/2006/main">
-  <p:tag name="KSO_WM_UNIT_HIGHLIGHT" val="0"/>
-  <p:tag name="KSO_WM_UNIT_COMPATIBLE" val="0"/>
-  <p:tag name="KSO_WM_UNIT_DIAGRAM_ISNUMVISUAL" val="0"/>
-  <p:tag name="KSO_WM_UNIT_DIAGRAM_ISREFERUNIT" val="0"/>
-  <p:tag name="KSO_WM_UNIT_ID" val="_4**"/>
-  <p:tag name="KSO_WM_UNIT_LAYERLEVEL" val="1"/>
-  <p:tag name="KSO_WM_TAG_VERSION" val="1.0"/>
-  <p:tag name="KSO_WM_BEAUTIFY_FLAG" val="#wm#"/>
-</p:tagLst>
-</file>
-
-<file path=ppt/tags/tag2.xml><?xml version="1.0" encoding="utf-8"?>
-<p:tagLst xmlns:p="http://schemas.openxmlformats.org/presentationml/2006/main">
-  <p:tag name="KSO_WM_UNIT_HIGHLIGHT" val="0"/>
-  <p:tag name="KSO_WM_UNIT_COMPATIBLE" val="0"/>
-  <p:tag name="KSO_WM_UNIT_DIAGRAM_ISNUMVISUAL" val="0"/>
-  <p:tag name="KSO_WM_UNIT_DIAGRAM_ISREFERUNIT" val="0"/>
-  <p:tag name="KSO_WM_UNIT_ID" val="_1**"/>
-  <p:tag name="KSO_WM_UNIT_LAYERLEVEL" val="1"/>
-  <p:tag name="KSO_WM_TAG_VERSION" val="1.0"/>
-  <p:tag name="KSO_WM_BEAUTIFY_FLAG" val="#wm#"/>
-</p:tagLst>
-</file>
-
-<file path=ppt/tags/tag20.xml><?xml version="1.0" encoding="utf-8"?>
-<p:tagLst xmlns:p="http://schemas.openxmlformats.org/presentationml/2006/main">
-  <p:tag name="KSO_WM_UNIT_HIGHLIGHT" val="0"/>
-  <p:tag name="KSO_WM_UNIT_COMPATIBLE" val="0"/>
-  <p:tag name="KSO_WM_UNIT_DIAGRAM_ISNUMVISUAL" val="0"/>
-  <p:tag name="KSO_WM_UNIT_DIAGRAM_ISREFERUNIT" val="0"/>
-  <p:tag name="KSO_WM_UNIT_ID" val="_4**"/>
-  <p:tag name="KSO_WM_UNIT_LAYERLEVEL" val="1"/>
-  <p:tag name="KSO_WM_TAG_VERSION" val="1.0"/>
-  <p:tag name="KSO_WM_BEAUTIFY_FLAG" val="#wm#"/>
-</p:tagLst>
-</file>
-
-<file path=ppt/tags/tag21.xml><?xml version="1.0" encoding="utf-8"?>
-<p:tagLst xmlns:p="http://schemas.openxmlformats.org/presentationml/2006/main">
-  <p:tag name="KSO_WM_UNIT_HIGHLIGHT" val="0"/>
-  <p:tag name="KSO_WM_UNIT_COMPATIBLE" val="0"/>
-  <p:tag name="KSO_WM_UNIT_DIAGRAM_ISNUMVISUAL" val="0"/>
-  <p:tag name="KSO_WM_UNIT_DIAGRAM_ISREFERUNIT" val="0"/>
-  <p:tag name="KSO_WM_UNIT_ID" val="_4**"/>
-  <p:tag name="KSO_WM_UNIT_LAYERLEVEL" val="1"/>
-  <p:tag name="KSO_WM_TAG_VERSION" val="1.0"/>
-  <p:tag name="KSO_WM_BEAUTIFY_FLAG" val="#wm#"/>
-</p:tagLst>
-</file>
-
-<file path=ppt/tags/tag22.xml><?xml version="1.0" encoding="utf-8"?>
-<p:tagLst xmlns:p="http://schemas.openxmlformats.org/presentationml/2006/main">
-  <p:tag name="KSO_WM_UNIT_HIGHLIGHT" val="0"/>
-  <p:tag name="KSO_WM_UNIT_COMPATIBLE" val="0"/>
-  <p:tag name="KSO_WM_UNIT_DIAGRAM_ISNUMVISUAL" val="0"/>
-  <p:tag name="KSO_WM_UNIT_DIAGRAM_ISREFERUNIT" val="0"/>
-  <p:tag name="KSO_WM_UNIT_ID" val="_5**"/>
-  <p:tag name="KSO_WM_UNIT_LAYERLEVEL" val="1"/>
-  <p:tag name="KSO_WM_TAG_VERSION" val="1.0"/>
-  <p:tag name="KSO_WM_BEAUTIFY_FLAG" val="#wm#"/>
-</p:tagLst>
-</file>
-
-<file path=ppt/tags/tag23.xml><?xml version="1.0" encoding="utf-8"?>
-<p:tagLst xmlns:p="http://schemas.openxmlformats.org/presentationml/2006/main">
-  <p:tag name="KSO_WM_UNIT_HIGHLIGHT" val="0"/>
-  <p:tag name="KSO_WM_UNIT_COMPATIBLE" val="0"/>
-  <p:tag name="KSO_WM_UNIT_DIAGRAM_ISNUMVISUAL" val="0"/>
-  <p:tag name="KSO_WM_UNIT_DIAGRAM_ISREFERUNIT" val="0"/>
-  <p:tag name="KSO_WM_UNIT_ID" val="_5**"/>
-  <p:tag name="KSO_WM_UNIT_LAYERLEVEL" val="1"/>
-  <p:tag name="KSO_WM_TAG_VERSION" val="1.0"/>
-  <p:tag name="KSO_WM_BEAUTIFY_FLAG" val="#wm#"/>
-</p:tagLst>
-</file>
-
-<file path=ppt/tags/tag24.xml><?xml version="1.0" encoding="utf-8"?>
-<p:tagLst xmlns:p="http://schemas.openxmlformats.org/presentationml/2006/main">
-  <p:tag name="KSO_WM_UNIT_HIGHLIGHT" val="0"/>
-  <p:tag name="KSO_WM_UNIT_COMPATIBLE" val="0"/>
-  <p:tag name="KSO_WM_UNIT_DIAGRAM_ISNUMVISUAL" val="0"/>
-  <p:tag name="KSO_WM_UNIT_DIAGRAM_ISREFERUNIT" val="0"/>
-  <p:tag name="KSO_WM_UNIT_ID" val="_5**"/>
-  <p:tag name="KSO_WM_UNIT_LAYERLEVEL" val="1"/>
-  <p:tag name="KSO_WM_TAG_VERSION" val="1.0"/>
-  <p:tag name="KSO_WM_BEAUTIFY_FLAG" val="#wm#"/>
-</p:tagLst>
-</file>
-
-<file path=ppt/tags/tag25.xml><?xml version="1.0" encoding="utf-8"?>
-<p:tagLst xmlns:p="http://schemas.openxmlformats.org/presentationml/2006/main">
-  <p:tag name="KSO_WM_UNIT_HIGHLIGHT" val="0"/>
-  <p:tag name="KSO_WM_UNIT_COMPATIBLE" val="0"/>
-  <p:tag name="KSO_WM_UNIT_DIAGRAM_ISNUMVISUAL" val="0"/>
-  <p:tag name="KSO_WM_UNIT_DIAGRAM_ISREFERUNIT" val="0"/>
-  <p:tag name="KSO_WM_UNIT_ID" val="_5**"/>
-  <p:tag name="KSO_WM_UNIT_LAYERLEVEL" val="1"/>
-  <p:tag name="KSO_WM_TAG_VERSION" val="1.0"/>
-  <p:tag name="KSO_WM_BEAUTIFY_FLAG" val="#wm#"/>
-</p:tagLst>
-</file>
-
-<file path=ppt/tags/tag26.xml><?xml version="1.0" encoding="utf-8"?>
-<p:tagLst xmlns:p="http://schemas.openxmlformats.org/presentationml/2006/main">
-  <p:tag name="KSO_WM_UNIT_HIGHLIGHT" val="0"/>
-  <p:tag name="KSO_WM_UNIT_COMPATIBLE" val="0"/>
-  <p:tag name="KSO_WM_UNIT_DIAGRAM_ISNUMVISUAL" val="0"/>
-  <p:tag name="KSO_WM_UNIT_DIAGRAM_ISREFERUNIT" val="0"/>
-  <p:tag name="KSO_WM_UNIT_ID" val="_5**"/>
-  <p:tag name="KSO_WM_UNIT_LAYERLEVEL" val="1"/>
-  <p:tag name="KSO_WM_TAG_VERSION" val="1.0"/>
-  <p:tag name="KSO_WM_BEAUTIFY_FLAG" val="#wm#"/>
-</p:tagLst>
-</file>
-
-<file path=ppt/tags/tag27.xml><?xml version="1.0" encoding="utf-8"?>
-<p:tagLst xmlns:p="http://schemas.openxmlformats.org/presentationml/2006/main">
-  <p:tag name="KSO_WM_UNIT_HIGHLIGHT" val="0"/>
-  <p:tag name="KSO_WM_UNIT_COMPATIBLE" val="0"/>
-  <p:tag name="KSO_WM_UNIT_DIAGRAM_ISNUMVISUAL" val="0"/>
-  <p:tag name="KSO_WM_UNIT_DIAGRAM_ISREFERUNIT" val="0"/>
-  <p:tag name="KSO_WM_UNIT_ID" val="_5**"/>
-  <p:tag name="KSO_WM_UNIT_LAYERLEVEL" val="1"/>
-  <p:tag name="KSO_WM_TAG_VERSION" val="1.0"/>
-  <p:tag name="KSO_WM_BEAUTIFY_FLAG" val="#wm#"/>
-</p:tagLst>
-</file>
-
-<file path=ppt/tags/tag28.xml><?xml version="1.0" encoding="utf-8"?>
-<p:tagLst xmlns:p="http://schemas.openxmlformats.org/presentationml/2006/main">
-  <p:tag name="KSO_WM_UNIT_HIGHLIGHT" val="0"/>
-  <p:tag name="KSO_WM_UNIT_COMPATIBLE" val="0"/>
-  <p:tag name="KSO_WM_UNIT_DIAGRAM_ISNUMVISUAL" val="0"/>
-  <p:tag name="KSO_WM_UNIT_DIAGRAM_ISREFERUNIT" val="0"/>
-  <p:tag name="KSO_WM_UNIT_ID" val="_5**"/>
-  <p:tag name="KSO_WM_UNIT_LAYERLEVEL" val="1"/>
-  <p:tag name="KSO_WM_TAG_VERSION" val="1.0"/>
-  <p:tag name="KSO_WM_BEAUTIFY_FLAG" val="#wm#"/>
-</p:tagLst>
-</file>
-
-<file path=ppt/tags/tag29.xml><?xml version="1.0" encoding="utf-8"?>
-<p:tagLst xmlns:p="http://schemas.openxmlformats.org/presentationml/2006/main">
-  <p:tag name="KSO_WM_UNIT_HIGHLIGHT" val="0"/>
-  <p:tag name="KSO_WM_UNIT_COMPATIBLE" val="0"/>
-  <p:tag name="KSO_WM_UNIT_DIAGRAM_ISNUMVISUAL" val="0"/>
-  <p:tag name="KSO_WM_UNIT_DIAGRAM_ISREFERUNIT" val="0"/>
-  <p:tag name="KSO_WM_UNIT_ID" val="_5**"/>
-  <p:tag name="KSO_WM_UNIT_LAYERLEVEL" val="1"/>
-  <p:tag name="KSO_WM_TAG_VERSION" val="1.0"/>
-  <p:tag name="KSO_WM_BEAUTIFY_FLAG" val="#wm#"/>
-</p:tagLst>
-</file>
-
-<file path=ppt/tags/tag3.xml><?xml version="1.0" encoding="utf-8"?>
-<p:tagLst xmlns:p="http://schemas.openxmlformats.org/presentationml/2006/main">
-  <p:tag name="KSO_WM_UNIT_HIGHLIGHT" val="0"/>
-  <p:tag name="KSO_WM_UNIT_COMPATIBLE" val="0"/>
-  <p:tag name="KSO_WM_UNIT_DIAGRAM_ISNUMVISUAL" val="0"/>
-  <p:tag name="KSO_WM_UNIT_DIAGRAM_ISREFERUNIT" val="0"/>
-  <p:tag name="KSO_WM_UNIT_ID" val="_1**"/>
-  <p:tag name="KSO_WM_UNIT_LAYERLEVEL" val="1"/>
-  <p:tag name="KSO_WM_TAG_VERSION" val="1.0"/>
-  <p:tag name="KSO_WM_BEAUTIFY_FLAG" val="#wm#"/>
-</p:tagLst>
-</file>
-
-<file path=ppt/tags/tag30.xml><?xml version="1.0" encoding="utf-8"?>
-<p:tagLst xmlns:p="http://schemas.openxmlformats.org/presentationml/2006/main">
-  <p:tag name="KSO_WM_UNIT_HIGHLIGHT" val="0"/>
-  <p:tag name="KSO_WM_UNIT_COMPATIBLE" val="0"/>
-  <p:tag name="KSO_WM_UNIT_DIAGRAM_ISNUMVISUAL" val="0"/>
-  <p:tag name="KSO_WM_UNIT_DIAGRAM_ISREFERUNIT" val="0"/>
-  <p:tag name="KSO_WM_UNIT_ID" val="_6**"/>
-  <p:tag name="KSO_WM_UNIT_LAYERLEVEL" val="1"/>
-  <p:tag name="KSO_WM_TAG_VERSION" val="1.0"/>
-  <p:tag name="KSO_WM_BEAUTIFY_FLAG" val="#wm#"/>
-</p:tagLst>
-</file>
-
-<file path=ppt/tags/tag31.xml><?xml version="1.0" encoding="utf-8"?>
-<p:tagLst xmlns:p="http://schemas.openxmlformats.org/presentationml/2006/main">
-  <p:tag name="KSO_WM_UNIT_HIGHLIGHT" val="0"/>
-  <p:tag name="KSO_WM_UNIT_COMPATIBLE" val="0"/>
-  <p:tag name="KSO_WM_UNIT_DIAGRAM_ISNUMVISUAL" val="0"/>
-  <p:tag name="KSO_WM_UNIT_DIAGRAM_ISREFERUNIT" val="0"/>
-  <p:tag name="KSO_WM_UNIT_ID" val="_6**"/>
-  <p:tag name="KSO_WM_UNIT_LAYERLEVEL" val="1"/>
-  <p:tag name="KSO_WM_TAG_VERSION" val="1.0"/>
-  <p:tag name="KSO_WM_BEAUTIFY_FLAG" val="#wm#"/>
-</p:tagLst>
-</file>
-
-<file path=ppt/tags/tag32.xml><?xml version="1.0" encoding="utf-8"?>
-<p:tagLst xmlns:p="http://schemas.openxmlformats.org/presentationml/2006/main">
-  <p:tag name="KSO_WM_UNIT_HIGHLIGHT" val="0"/>
-  <p:tag name="KSO_WM_UNIT_COMPATIBLE" val="0"/>
-  <p:tag name="KSO_WM_UNIT_DIAGRAM_ISNUMVISUAL" val="0"/>
-  <p:tag name="KSO_WM_UNIT_DIAGRAM_ISREFERUNIT" val="0"/>
-  <p:tag name="KSO_WM_UNIT_ID" val="_6**"/>
-  <p:tag name="KSO_WM_UNIT_LAYERLEVEL" val="1"/>
-  <p:tag name="KSO_WM_TAG_VERSION" val="1.0"/>
-  <p:tag name="KSO_WM_BEAUTIFY_FLAG" val="#wm#"/>
-</p:tagLst>
-</file>
-
-<file path=ppt/tags/tag33.xml><?xml version="1.0" encoding="utf-8"?>
-<p:tagLst xmlns:p="http://schemas.openxmlformats.org/presentationml/2006/main">
-  <p:tag name="KSO_WM_UNIT_HIGHLIGHT" val="0"/>
-  <p:tag name="KSO_WM_UNIT_COMPATIBLE" val="0"/>
-  <p:tag name="KSO_WM_UNIT_DIAGRAM_ISNUMVISUAL" val="0"/>
-  <p:tag name="KSO_WM_UNIT_DIAGRAM_ISREFERUNIT" val="0"/>
-  <p:tag name="KSO_WM_UNIT_ID" val="_6**"/>
-  <p:tag name="KSO_WM_UNIT_LAYERLEVEL" val="1"/>
-  <p:tag name="KSO_WM_TAG_VERSION" val="1.0"/>
-  <p:tag name="KSO_WM_BEAUTIFY_FLAG" val="#wm#"/>
-</p:tagLst>
-</file>
-
-<file path=ppt/tags/tag34.xml><?xml version="1.0" encoding="utf-8"?>
-<p:tagLst xmlns:p="http://schemas.openxmlformats.org/presentationml/2006/main">
-  <p:tag name="KSO_WM_UNIT_HIGHLIGHT" val="0"/>
-  <p:tag name="KSO_WM_UNIT_COMPATIBLE" val="0"/>
-  <p:tag name="KSO_WM_UNIT_DIAGRAM_ISNUMVISUAL" val="0"/>
-  <p:tag name="KSO_WM_UNIT_DIAGRAM_ISREFERUNIT" val="0"/>
-  <p:tag name="KSO_WM_UNIT_ID" val="_7**"/>
-  <p:tag name="KSO_WM_UNIT_LAYERLEVEL" val="1"/>
-  <p:tag name="KSO_WM_TAG_VERSION" val="1.0"/>
-  <p:tag name="KSO_WM_BEAUTIFY_FLAG" val="#wm#"/>
-</p:tagLst>
-</file>
-
-<file path=ppt/tags/tag35.xml><?xml version="1.0" encoding="utf-8"?>
-<p:tagLst xmlns:p="http://schemas.openxmlformats.org/presentationml/2006/main">
-  <p:tag name="KSO_WM_UNIT_HIGHLIGHT" val="0"/>
-  <p:tag name="KSO_WM_UNIT_COMPATIBLE" val="0"/>
-  <p:tag name="KSO_WM_UNIT_DIAGRAM_ISNUMVISUAL" val="0"/>
-  <p:tag name="KSO_WM_UNIT_DIAGRAM_ISREFERUNIT" val="0"/>
-  <p:tag name="KSO_WM_UNIT_ID" val="_7**"/>
-  <p:tag name="KSO_WM_UNIT_LAYERLEVEL" val="1"/>
-  <p:tag name="KSO_WM_TAG_VERSION" val="1.0"/>
-  <p:tag name="KSO_WM_BEAUTIFY_FLAG" val="#wm#"/>
-</p:tagLst>
-</file>
-
-<file path=ppt/tags/tag36.xml><?xml version="1.0" encoding="utf-8"?>
-<p:tagLst xmlns:p="http://schemas.openxmlformats.org/presentationml/2006/main">
-  <p:tag name="KSO_WM_UNIT_HIGHLIGHT" val="0"/>
-  <p:tag name="KSO_WM_UNIT_COMPATIBLE" val="0"/>
-  <p:tag name="KSO_WM_UNIT_DIAGRAM_ISNUMVISUAL" val="0"/>
-  <p:tag name="KSO_WM_UNIT_DIAGRAM_ISREFERUNIT" val="0"/>
-  <p:tag name="KSO_WM_UNIT_ID" val="_7**"/>
-  <p:tag name="KSO_WM_UNIT_LAYERLEVEL" val="1"/>
-  <p:tag name="KSO_WM_TAG_VERSION" val="1.0"/>
-  <p:tag name="KSO_WM_BEAUTIFY_FLAG" val="#wm#"/>
-</p:tagLst>
-</file>
-
-<file path=ppt/tags/tag37.xml><?xml version="1.0" encoding="utf-8"?>
-<p:tagLst xmlns:p="http://schemas.openxmlformats.org/presentationml/2006/main">
-  <p:tag name="KSO_WM_UNIT_HIGHLIGHT" val="0"/>
-  <p:tag name="KSO_WM_UNIT_COMPATIBLE" val="0"/>
-  <p:tag name="KSO_WM_UNIT_DIAGRAM_ISNUMVISUAL" val="0"/>
-  <p:tag name="KSO_WM_UNIT_DIAGRAM_ISREFERUNIT" val="0"/>
-  <p:tag name="KSO_WM_UNIT_ID" val="_8**"/>
-  <p:tag name="KSO_WM_UNIT_LAYERLEVEL" val="1"/>
-  <p:tag name="KSO_WM_TAG_VERSION" val="1.0"/>
-  <p:tag name="KSO_WM_BEAUTIFY_FLAG" val="#wm#"/>
-</p:tagLst>
-</file>
-
-<file path=ppt/tags/tag38.xml><?xml version="1.0" encoding="utf-8"?>
-<p:tagLst xmlns:p="http://schemas.openxmlformats.org/presentationml/2006/main">
-  <p:tag name="KSO_WM_UNIT_HIGHLIGHT" val="0"/>
-  <p:tag name="KSO_WM_UNIT_COMPATIBLE" val="0"/>
-  <p:tag name="KSO_WM_UNIT_DIAGRAM_ISNUMVISUAL" val="0"/>
-  <p:tag name="KSO_WM_UNIT_DIAGRAM_ISREFERUNIT" val="0"/>
-  <p:tag name="KSO_WM_UNIT_ID" val="_8**"/>
-  <p:tag name="KSO_WM_UNIT_LAYERLEVEL" val="1"/>
-  <p:tag name="KSO_WM_TAG_VERSION" val="1.0"/>
-  <p:tag name="KSO_WM_BEAUTIFY_FLAG" val="#wm#"/>
-</p:tagLst>
-</file>
-
-<file path=ppt/tags/tag39.xml><?xml version="1.0" encoding="utf-8"?>
-<p:tagLst xmlns:p="http://schemas.openxmlformats.org/presentationml/2006/main">
-  <p:tag name="KSO_WM_UNIT_HIGHLIGHT" val="0"/>
-  <p:tag name="KSO_WM_UNIT_COMPATIBLE" val="0"/>
-  <p:tag name="KSO_WM_UNIT_DIAGRAM_ISNUMVISUAL" val="0"/>
-  <p:tag name="KSO_WM_UNIT_DIAGRAM_ISREFERUNIT" val="0"/>
-  <p:tag name="KSO_WM_UNIT_ID" val="_8**"/>
-  <p:tag name="KSO_WM_UNIT_LAYERLEVEL" val="1"/>
-  <p:tag name="KSO_WM_TAG_VERSION" val="1.0"/>
-  <p:tag name="KSO_WM_BEAUTIFY_FLAG" val="#wm#"/>
-</p:tagLst>
-</file>
-
-<file path=ppt/tags/tag4.xml><?xml version="1.0" encoding="utf-8"?>
-<p:tagLst xmlns:p="http://schemas.openxmlformats.org/presentationml/2006/main">
-  <p:tag name="KSO_WM_UNIT_HIGHLIGHT" val="0"/>
-  <p:tag name="KSO_WM_UNIT_COMPATIBLE" val="0"/>
-  <p:tag name="KSO_WM_UNIT_DIAGRAM_ISNUMVISUAL" val="0"/>
-  <p:tag name="KSO_WM_UNIT_DIAGRAM_ISREFERUNIT" val="0"/>
-  <p:tag name="KSO_WM_UNIT_ID" val="_1**"/>
-  <p:tag name="KSO_WM_UNIT_LAYERLEVEL" val="1"/>
-  <p:tag name="KSO_WM_TAG_VERSION" val="1.0"/>
-  <p:tag name="KSO_WM_BEAUTIFY_FLAG" val="#wm#"/>
-</p:tagLst>
-</file>
-
-<file path=ppt/tags/tag40.xml><?xml version="1.0" encoding="utf-8"?>
-<p:tagLst xmlns:p="http://schemas.openxmlformats.org/presentationml/2006/main">
-  <p:tag name="KSO_WM_UNIT_HIGHLIGHT" val="0"/>
-  <p:tag name="KSO_WM_UNIT_COMPATIBLE" val="0"/>
-  <p:tag name="KSO_WM_UNIT_DIAGRAM_ISNUMVISUAL" val="0"/>
-  <p:tag name="KSO_WM_UNIT_DIAGRAM_ISREFERUNIT" val="0"/>
-  <p:tag name="KSO_WM_UNIT_ID" val="_8**"/>
-  <p:tag name="KSO_WM_UNIT_LAYERLEVEL" val="1"/>
-  <p:tag name="KSO_WM_TAG_VERSION" val="1.0"/>
-  <p:tag name="KSO_WM_BEAUTIFY_FLAG" val="#wm#"/>
-</p:tagLst>
-</file>
-
-<file path=ppt/tags/tag41.xml><?xml version="1.0" encoding="utf-8"?>
-<p:tagLst xmlns:p="http://schemas.openxmlformats.org/presentationml/2006/main">
-  <p:tag name="KSO_WM_UNIT_HIGHLIGHT" val="0"/>
-  <p:tag name="KSO_WM_UNIT_COMPATIBLE" val="0"/>
-  <p:tag name="KSO_WM_UNIT_DIAGRAM_ISNUMVISUAL" val="0"/>
-  <p:tag name="KSO_WM_UNIT_DIAGRAM_ISREFERUNIT" val="0"/>
-  <p:tag name="KSO_WM_UNIT_ID" val="_8**"/>
-  <p:tag name="KSO_WM_UNIT_LAYERLEVEL" val="1"/>
-  <p:tag name="KSO_WM_TAG_VERSION" val="1.0"/>
-  <p:tag name="KSO_WM_BEAUTIFY_FLAG" val="#wm#"/>
-</p:tagLst>
-</file>
-
-<file path=ppt/tags/tag42.xml><?xml version="1.0" encoding="utf-8"?>
-<p:tagLst xmlns:p="http://schemas.openxmlformats.org/presentationml/2006/main">
-  <p:tag name="KSO_WM_UNIT_HIGHLIGHT" val="0"/>
-  <p:tag name="KSO_WM_UNIT_COMPATIBLE" val="0"/>
-  <p:tag name="KSO_WM_UNIT_DIAGRAM_ISNUMVISUAL" val="0"/>
-  <p:tag name="KSO_WM_UNIT_DIAGRAM_ISREFERUNIT" val="0"/>
-  <p:tag name="KSO_WM_UNIT_ID" val="_8**"/>
-  <p:tag name="KSO_WM_UNIT_LAYERLEVEL" val="1"/>
-  <p:tag name="KSO_WM_TAG_VERSION" val="1.0"/>
-  <p:tag name="KSO_WM_BEAUTIFY_FLAG" val="#wm#"/>
-</p:tagLst>
-</file>
-
-<file path=ppt/tags/tag43.xml><?xml version="1.0" encoding="utf-8"?>
-<p:tagLst xmlns:p="http://schemas.openxmlformats.org/presentationml/2006/main">
-  <p:tag name="KSO_WM_UNIT_HIGHLIGHT" val="0"/>
-  <p:tag name="KSO_WM_UNIT_COMPATIBLE" val="0"/>
-  <p:tag name="KSO_WM_UNIT_DIAGRAM_ISNUMVISUAL" val="0"/>
-  <p:tag name="KSO_WM_UNIT_DIAGRAM_ISREFERUNIT" val="0"/>
-  <p:tag name="KSO_WM_UNIT_ID" val="_9**"/>
-  <p:tag name="KSO_WM_UNIT_LAYERLEVEL" val="1"/>
-  <p:tag name="KSO_WM_TAG_VERSION" val="1.0"/>
-  <p:tag name="KSO_WM_BEAUTIFY_FLAG" val="#wm#"/>
-</p:tagLst>
-</file>
-
-<file path=ppt/tags/tag44.xml><?xml version="1.0" encoding="utf-8"?>
-<p:tagLst xmlns:p="http://schemas.openxmlformats.org/presentationml/2006/main">
-  <p:tag name="KSO_WM_UNIT_HIGHLIGHT" val="0"/>
-  <p:tag name="KSO_WM_UNIT_COMPATIBLE" val="0"/>
-  <p:tag name="KSO_WM_UNIT_DIAGRAM_ISNUMVISUAL" val="0"/>
-  <p:tag name="KSO_WM_UNIT_DIAGRAM_ISREFERUNIT" val="0"/>
-  <p:tag name="KSO_WM_UNIT_ID" val="_9**"/>
-  <p:tag name="KSO_WM_UNIT_LAYERLEVEL" val="1"/>
-  <p:tag name="KSO_WM_TAG_VERSION" val="1.0"/>
-  <p:tag name="KSO_WM_BEAUTIFY_FLAG" val="#wm#"/>
-</p:tagLst>
-</file>
-
-<file path=ppt/tags/tag45.xml><?xml version="1.0" encoding="utf-8"?>
-<p:tagLst xmlns:p="http://schemas.openxmlformats.org/presentationml/2006/main">
-  <p:tag name="KSO_WM_UNIT_HIGHLIGHT" val="0"/>
-  <p:tag name="KSO_WM_UNIT_COMPATIBLE" val="0"/>
-  <p:tag name="KSO_WM_UNIT_DIAGRAM_ISNUMVISUAL" val="0"/>
-  <p:tag name="KSO_WM_UNIT_DIAGRAM_ISREFERUNIT" val="0"/>
-  <p:tag name="KSO_WM_UNIT_ID" val="_9**"/>
-  <p:tag name="KSO_WM_UNIT_LAYERLEVEL" val="1"/>
-  <p:tag name="KSO_WM_TAG_VERSION" val="1.0"/>
-  <p:tag name="KSO_WM_BEAUTIFY_FLAG" val="#wm#"/>
-</p:tagLst>
-</file>
-
-<file path=ppt/tags/tag46.xml><?xml version="1.0" encoding="utf-8"?>
-<p:tagLst xmlns:p="http://schemas.openxmlformats.org/presentationml/2006/main">
-  <p:tag name="KSO_WM_UNIT_HIGHLIGHT" val="0"/>
-  <p:tag name="KSO_WM_UNIT_COMPATIBLE" val="0"/>
-  <p:tag name="KSO_WM_UNIT_DIAGRAM_ISNUMVISUAL" val="0"/>
-  <p:tag name="KSO_WM_UNIT_DIAGRAM_ISREFERUNIT" val="0"/>
-  <p:tag name="KSO_WM_UNIT_ID" val="_9**"/>
-  <p:tag name="KSO_WM_UNIT_LAYERLEVEL" val="1"/>
-  <p:tag name="KSO_WM_TAG_VERSION" val="1.0"/>
-  <p:tag name="KSO_WM_BEAUTIFY_FLAG" val="#wm#"/>
-</p:tagLst>
-</file>
-
-<file path=ppt/tags/tag47.xml><?xml version="1.0" encoding="utf-8"?>
-<p:tagLst xmlns:p="http://schemas.openxmlformats.org/presentationml/2006/main">
-  <p:tag name="KSO_WM_UNIT_HIGHLIGHT" val="0"/>
-  <p:tag name="KSO_WM_UNIT_COMPATIBLE" val="0"/>
-  <p:tag name="KSO_WM_UNIT_DIAGRAM_ISNUMVISUAL" val="0"/>
-  <p:tag name="KSO_WM_UNIT_DIAGRAM_ISREFERUNIT" val="0"/>
-  <p:tag name="KSO_WM_UNIT_ID" val="_9**"/>
-  <p:tag name="KSO_WM_UNIT_LAYERLEVEL" val="1"/>
-  <p:tag name="KSO_WM_TAG_VERSION" val="1.0"/>
-  <p:tag name="KSO_WM_BEAUTIFY_FLAG" val="#wm#"/>
-</p:tagLst>
-</file>
-
-<file path=ppt/tags/tag48.xml><?xml version="1.0" encoding="utf-8"?>
-<p:tagLst xmlns:p="http://schemas.openxmlformats.org/presentationml/2006/main">
-  <p:tag name="KSO_WM_UNIT_HIGHLIGHT" val="0"/>
-  <p:tag name="KSO_WM_UNIT_COMPATIBLE" val="0"/>
-  <p:tag name="KSO_WM_UNIT_DIAGRAM_ISNUMVISUAL" val="0"/>
-  <p:tag name="KSO_WM_UNIT_DIAGRAM_ISREFERUNIT" val="0"/>
-  <p:tag name="KSO_WM_UNIT_ID" val="_10**"/>
-  <p:tag name="KSO_WM_UNIT_LAYERLEVEL" val="1"/>
-  <p:tag name="KSO_WM_TAG_VERSION" val="1.0"/>
-  <p:tag name="KSO_WM_BEAUTIFY_FLAG" val="#wm#"/>
-</p:tagLst>
-</file>
-
-<file path=ppt/tags/tag49.xml><?xml version="1.0" encoding="utf-8"?>
-<p:tagLst xmlns:p="http://schemas.openxmlformats.org/presentationml/2006/main">
-  <p:tag name="KSO_WM_UNIT_HIGHLIGHT" val="0"/>
-  <p:tag name="KSO_WM_UNIT_COMPATIBLE" val="0"/>
-  <p:tag name="KSO_WM_UNIT_DIAGRAM_ISNUMVISUAL" val="0"/>
-  <p:tag name="KSO_WM_UNIT_DIAGRAM_ISREFERUNIT" val="0"/>
-  <p:tag name="KSO_WM_UNIT_ID" val="_10**"/>
-  <p:tag name="KSO_WM_UNIT_LAYERLEVEL" val="1"/>
-  <p:tag name="KSO_WM_TAG_VERSION" val="1.0"/>
-  <p:tag name="KSO_WM_BEAUTIFY_FLAG" val="#wm#"/>
-</p:tagLst>
-</file>
-
-<file path=ppt/tags/tag5.xml><?xml version="1.0" encoding="utf-8"?>
-<p:tagLst xmlns:p="http://schemas.openxmlformats.org/presentationml/2006/main">
-  <p:tag name="KSO_WM_UNIT_HIGHLIGHT" val="0"/>
-  <p:tag name="KSO_WM_UNIT_COMPATIBLE" val="0"/>
-  <p:tag name="KSO_WM_UNIT_DIAGRAM_ISNUMVISUAL" val="0"/>
-  <p:tag name="KSO_WM_UNIT_DIAGRAM_ISREFERUNIT" val="0"/>
-  <p:tag name="KSO_WM_UNIT_ID" val="_1**"/>
-  <p:tag name="KSO_WM_UNIT_LAYERLEVEL" val="1"/>
-  <p:tag name="KSO_WM_TAG_VERSION" val="1.0"/>
-  <p:tag name="KSO_WM_BEAUTIFY_FLAG" val="#wm#"/>
-</p:tagLst>
-</file>
-
-<file path=ppt/tags/tag50.xml><?xml version="1.0" encoding="utf-8"?>
-<p:tagLst xmlns:p="http://schemas.openxmlformats.org/presentationml/2006/main">
-  <p:tag name="KSO_WM_UNIT_HIGHLIGHT" val="0"/>
-  <p:tag name="KSO_WM_UNIT_COMPATIBLE" val="0"/>
-  <p:tag name="KSO_WM_UNIT_DIAGRAM_ISNUMVISUAL" val="0"/>
-  <p:tag name="KSO_WM_UNIT_DIAGRAM_ISREFERUNIT" val="0"/>
-  <p:tag name="KSO_WM_UNIT_ID" val="_10**"/>
-  <p:tag name="KSO_WM_UNIT_LAYERLEVEL" val="1"/>
-  <p:tag name="KSO_WM_TAG_VERSION" val="1.0"/>
-  <p:tag name="KSO_WM_BEAUTIFY_FLAG" val="#wm#"/>
-</p:tagLst>
-</file>
-
-<file path=ppt/tags/tag51.xml><?xml version="1.0" encoding="utf-8"?>
-<p:tagLst xmlns:p="http://schemas.openxmlformats.org/presentationml/2006/main">
-  <p:tag name="KSO_WM_UNIT_HIGHLIGHT" val="0"/>
-  <p:tag name="KSO_WM_UNIT_COMPATIBLE" val="0"/>
-  <p:tag name="KSO_WM_UNIT_DIAGRAM_ISNUMVISUAL" val="0"/>
-  <p:tag name="KSO_WM_UNIT_DIAGRAM_ISREFERUNIT" val="0"/>
-  <p:tag name="KSO_WM_UNIT_ID" val="_10**"/>
-  <p:tag name="KSO_WM_UNIT_LAYERLEVEL" val="1"/>
-  <p:tag name="KSO_WM_TAG_VERSION" val="1.0"/>
-  <p:tag name="KSO_WM_BEAUTIFY_FLAG" val="#wm#"/>
-</p:tagLst>
-</file>
-
-<file path=ppt/tags/tag52.xml><?xml version="1.0" encoding="utf-8"?>
-<p:tagLst xmlns:p="http://schemas.openxmlformats.org/presentationml/2006/main">
-  <p:tag name="KSO_WM_UNIT_HIGHLIGHT" val="0"/>
-  <p:tag name="KSO_WM_UNIT_COMPATIBLE" val="0"/>
-  <p:tag name="KSO_WM_UNIT_DIAGRAM_ISNUMVISUAL" val="0"/>
-  <p:tag name="KSO_WM_UNIT_DIAGRAM_ISREFERUNIT" val="0"/>
-  <p:tag name="KSO_WM_UNIT_ID" val="_11**"/>
-  <p:tag name="KSO_WM_UNIT_LAYERLEVEL" val="1"/>
-  <p:tag name="KSO_WM_TAG_VERSION" val="1.0"/>
-  <p:tag name="KSO_WM_BEAUTIFY_FLAG" val="#wm#"/>
-</p:tagLst>
-</file>
-
-<file path=ppt/tags/tag53.xml><?xml version="1.0" encoding="utf-8"?>
-<p:tagLst xmlns:p="http://schemas.openxmlformats.org/presentationml/2006/main">
-  <p:tag name="KSO_WM_UNIT_HIGHLIGHT" val="0"/>
-  <p:tag name="KSO_WM_UNIT_COMPATIBLE" val="0"/>
-  <p:tag name="KSO_WM_UNIT_DIAGRAM_ISNUMVISUAL" val="0"/>
-  <p:tag name="KSO_WM_UNIT_DIAGRAM_ISREFERUNIT" val="0"/>
-  <p:tag name="KSO_WM_UNIT_ID" val="_11**"/>
-  <p:tag name="KSO_WM_UNIT_LAYERLEVEL" val="1"/>
-  <p:tag name="KSO_WM_TAG_VERSION" val="1.0"/>
-  <p:tag name="KSO_WM_BEAUTIFY_FLAG" val="#wm#"/>
-</p:tagLst>
-</file>
-
-<file path=ppt/tags/tag54.xml><?xml version="1.0" encoding="utf-8"?>
-<p:tagLst xmlns:p="http://schemas.openxmlformats.org/presentationml/2006/main">
-  <p:tag name="KSO_WM_UNIT_HIGHLIGHT" val="0"/>
-  <p:tag name="KSO_WM_UNIT_COMPATIBLE" val="0"/>
-  <p:tag name="KSO_WM_UNIT_DIAGRAM_ISNUMVISUAL" val="0"/>
-  <p:tag name="KSO_WM_UNIT_DIAGRAM_ISREFERUNIT" val="0"/>
-  <p:tag name="KSO_WM_UNIT_ID" val="_11**"/>
-  <p:tag name="KSO_WM_UNIT_LAYERLEVEL" val="1"/>
-  <p:tag name="KSO_WM_TAG_VERSION" val="1.0"/>
-  <p:tag name="KSO_WM_BEAUTIFY_FLAG" val="#wm#"/>
-</p:tagLst>
-</file>
-
-<file path=ppt/tags/tag55.xml><?xml version="1.0" encoding="utf-8"?>
-<p:tagLst xmlns:p="http://schemas.openxmlformats.org/presentationml/2006/main">
-  <p:tag name="KSO_WM_UNIT_HIGHLIGHT" val="0"/>
-  <p:tag name="KSO_WM_UNIT_COMPATIBLE" val="0"/>
-  <p:tag name="KSO_WM_UNIT_DIAGRAM_ISNUMVISUAL" val="0"/>
-  <p:tag name="KSO_WM_UNIT_DIAGRAM_ISREFERUNIT" val="0"/>
-  <p:tag name="KSO_WM_UNIT_ID" val="_11**"/>
-  <p:tag name="KSO_WM_UNIT_LAYERLEVEL" val="1"/>
-  <p:tag name="KSO_WM_TAG_VERSION" val="1.0"/>
-  <p:tag name="KSO_WM_BEAUTIFY_FLAG" val="#wm#"/>
-</p:tagLst>
-</file>
-
-<file path=ppt/tags/tag56.xml><?xml version="1.0" encoding="utf-8"?>
-<p:tagLst xmlns:p="http://schemas.openxmlformats.org/presentationml/2006/main">
-  <p:tag name="KSO_WM_UNIT_HIGHLIGHT" val="0"/>
-  <p:tag name="KSO_WM_UNIT_COMPATIBLE" val="0"/>
-  <p:tag name="KSO_WM_UNIT_DIAGRAM_ISNUMVISUAL" val="0"/>
-  <p:tag name="KSO_WM_UNIT_DIAGRAM_ISREFERUNIT" val="0"/>
-  <p:tag name="KSO_WM_UNIT_ID" val="_11**"/>
-  <p:tag name="KSO_WM_UNIT_LAYERLEVEL" val="1"/>
-  <p:tag name="KSO_WM_TAG_VERSION" val="1.0"/>
-  <p:tag name="KSO_WM_BEAUTIFY_FLAG" val="#wm#"/>
-</p:tagLst>
-</file>
-
-<file path=ppt/tags/tag57.xml><?xml version="1.0" encoding="utf-8"?>
-<p:tagLst xmlns:p="http://schemas.openxmlformats.org/presentationml/2006/main">
-  <p:tag name="KSO_WM_UNIT_HIGHLIGHT" val="0"/>
-  <p:tag name="KSO_WM_UNIT_COMPATIBLE" val="0"/>
-  <p:tag name="KSO_WM_UNIT_DIAGRAM_ISNUMVISUAL" val="0"/>
-  <p:tag name="KSO_WM_UNIT_DIAGRAM_ISREFERUNIT" val="0"/>
-  <p:tag name="KSO_WM_UNIT_ID" val="_0**"/>
-  <p:tag name="KSO_WM_UNIT_LAYERLEVEL" val="1"/>
-  <p:tag name="KSO_WM_TAG_VERSION" val="1.0"/>
-  <p:tag name="KSO_WM_BEAUTIFY_FLAG" val="#wm#"/>
-  <p:tag name="KSO_WM_TEMPLATE_CATEGORY" val="custom"/>
-  <p:tag name="KSO_WM_TEMPLATE_INDEX" val="20205081"/>
-</p:tagLst>
-</file>
-
-<file path=ppt/tags/tag58.xml><?xml version="1.0" encoding="utf-8"?>
-<p:tagLst xmlns:p="http://schemas.openxmlformats.org/presentationml/2006/main">
-  <p:tag name="KSO_WM_UNIT_HIGHLIGHT" val="0"/>
-  <p:tag name="KSO_WM_UNIT_COMPATIBLE" val="0"/>
-  <p:tag name="KSO_WM_UNIT_DIAGRAM_ISNUMVISUAL" val="0"/>
-  <p:tag name="KSO_WM_UNIT_DIAGRAM_ISREFERUNIT" val="0"/>
-  <p:tag name="KSO_WM_UNIT_ID" val="_0**"/>
-  <p:tag name="KSO_WM_UNIT_LAYERLEVEL" val="1"/>
-  <p:tag name="KSO_WM_TAG_VERSION" val="1.0"/>
-  <p:tag name="KSO_WM_BEAUTIFY_FLAG" val="#wm#"/>
-  <p:tag name="KSO_WM_TEMPLATE_CATEGORY" val="custom"/>
-  <p:tag name="KSO_WM_TEMPLATE_INDEX" val="20205081"/>
-</p:tagLst>
-</file>
-
-<file path=ppt/tags/tag59.xml><?xml version="1.0" encoding="utf-8"?>
-<p:tagLst xmlns:p="http://schemas.openxmlformats.org/presentationml/2006/main">
-  <p:tag name="KSO_WM_UNIT_HIGHLIGHT" val="0"/>
-  <p:tag name="KSO_WM_UNIT_COMPATIBLE" val="0"/>
-  <p:tag name="KSO_WM_UNIT_DIAGRAM_ISNUMVISUAL" val="0"/>
-  <p:tag name="KSO_WM_UNIT_DIAGRAM_ISREFERUNIT" val="0"/>
-  <p:tag name="KSO_WM_UNIT_ID" val="_0**"/>
-  <p:tag name="KSO_WM_UNIT_LAYERLEVEL" val="1"/>
-  <p:tag name="KSO_WM_TAG_VERSION" val="1.0"/>
-  <p:tag name="KSO_WM_BEAUTIFY_FLAG" val="#wm#"/>
-</p:tagLst>
-</file>
-
-<file path=ppt/tags/tag6.xml><?xml version="1.0" encoding="utf-8"?>
-<p:tagLst xmlns:p="http://schemas.openxmlformats.org/presentationml/2006/main">
-  <p:tag name="KSO_WM_UNIT_HIGHLIGHT" val="0"/>
-  <p:tag name="KSO_WM_UNIT_COMPATIBLE" val="0"/>
-  <p:tag name="KSO_WM_UNIT_DIAGRAM_ISNUMVISUAL" val="0"/>
-  <p:tag name="KSO_WM_UNIT_DIAGRAM_ISREFERUNIT" val="0"/>
-  <p:tag name="KSO_WM_UNIT_ID" val="_2**"/>
-  <p:tag name="KSO_WM_UNIT_LAYERLEVEL" val="1"/>
-  <p:tag name="KSO_WM_TAG_VERSION" val="1.0"/>
-  <p:tag name="KSO_WM_BEAUTIFY_FLAG" val="#wm#"/>
-</p:tagLst>
-</file>
-
-<file path=ppt/tags/tag60.xml><?xml version="1.0" encoding="utf-8"?>
-<p:tagLst xmlns:p="http://schemas.openxmlformats.org/presentationml/2006/main">
-  <p:tag name="KSO_WM_UNIT_HIGHLIGHT" val="0"/>
-  <p:tag name="KSO_WM_UNIT_COMPATIBLE" val="0"/>
-  <p:tag name="KSO_WM_UNIT_DIAGRAM_ISNUMVISUAL" val="0"/>
-  <p:tag name="KSO_WM_UNIT_DIAGRAM_ISREFERUNIT" val="0"/>
-  <p:tag name="KSO_WM_UNIT_ID" val="_0**"/>
-  <p:tag name="KSO_WM_UNIT_LAYERLEVEL" val="1"/>
-  <p:tag name="KSO_WM_TAG_VERSION" val="1.0"/>
-  <p:tag name="KSO_WM_BEAUTIFY_FLAG" val="#wm#"/>
-</p:tagLst>
-</file>
-
-<file path=ppt/tags/tag61.xml><?xml version="1.0" encoding="utf-8"?>
-<p:tagLst xmlns:p="http://schemas.openxmlformats.org/presentationml/2006/main">
-  <p:tag name="KSO_WM_UNIT_HIGHLIGHT" val="0"/>
-  <p:tag name="KSO_WM_UNIT_COMPATIBLE" val="0"/>
-  <p:tag name="KSO_WM_UNIT_DIAGRAM_ISNUMVISUAL" val="0"/>
-  <p:tag name="KSO_WM_UNIT_DIAGRAM_ISREFERUNIT" val="0"/>
-  <p:tag name="KSO_WM_UNIT_ID" val="_0**"/>
-  <p:tag name="KSO_WM_UNIT_LAYERLEVEL" val="1"/>
-  <p:tag name="KSO_WM_TAG_VERSION" val="1.0"/>
-  <p:tag name="KSO_WM_BEAUTIFY_FLAG" val="#wm#"/>
-</p:tagLst>
-</file>
-
-<file path=ppt/tags/tag62.xml><?xml version="1.0" encoding="utf-8"?>
-<p:tagLst xmlns:p="http://schemas.openxmlformats.org/presentationml/2006/main">
-  <p:tag name="KSO_WM_TEMPLATE_THUMBS_INDEX" val="1、4、7、12、13、14、15、16、17、18、20、24、25、28、33、36、40、43、44"/>
-  <p:tag name="KSO_WM_TEMPLATE_SUBCATEGORY" val="19"/>
-  <p:tag name="KSO_WM_TAG_VERSION" val="1.0"/>
-  <p:tag name="KSO_WM_BEAUTIFY_FLAG" val="#wm#"/>
-  <p:tag name="KSO_WM_TEMPLATE_CATEGORY" val="custom"/>
-  <p:tag name="KSO_WM_TEMPLATE_INDEX" val="20205081"/>
-  <p:tag name="KSO_WM_TEMPLATE_MASTER_TYPE" val="0"/>
-  <p:tag name="KSO_WM_TEMPLATE_COLOR_TYPE" val="1"/>
-  <p:tag name="KSO_WM_UNIT_SHOW_EDIT_AREA_INDICATION" val="1"/>
-</p:tagLst>
-</file>
-
-<file path=ppt/tags/tag63.xml><?xml version="1.0" encoding="utf-8"?>
+<file path=ppt/tags/tag110.xml><?xml version="1.0" encoding="utf-8"?>
 <p:tagLst xmlns:p="http://schemas.openxmlformats.org/presentationml/2006/main">
   <p:tag name="KSO_WM_BEAUTIFY_FLAG" val=""/>
 </p:tagLst>
 </file>
 
-<file path=ppt/tags/tag64.xml><?xml version="1.0" encoding="utf-8"?>
+<file path=ppt/tags/tag111.xml><?xml version="1.0" encoding="utf-8"?>
 <p:tagLst xmlns:p="http://schemas.openxmlformats.org/presentationml/2006/main">
   <p:tag name="KSO_WM_BEAUTIFY_FLAG" val=""/>
 </p:tagLst>
 </file>
 
-<file path=ppt/tags/tag65.xml><?xml version="1.0" encoding="utf-8"?>
+<file path=ppt/tags/tag112.xml><?xml version="1.0" encoding="utf-8"?>
 <p:tagLst xmlns:p="http://schemas.openxmlformats.org/presentationml/2006/main">
   <p:tag name="KSO_WM_BEAUTIFY_FLAG" val=""/>
 </p:tagLst>
 </file>
 
-<file path=ppt/tags/tag66.xml><?xml version="1.0" encoding="utf-8"?>
+<file path=ppt/tags/tag113.xml><?xml version="1.0" encoding="utf-8"?>
 <p:tagLst xmlns:p="http://schemas.openxmlformats.org/presentationml/2006/main">
   <p:tag name="KSO_WM_BEAUTIFY_FLAG" val=""/>
 </p:tagLst>
 </file>
 
-<file path=ppt/tags/tag67.xml><?xml version="1.0" encoding="utf-8"?>
+<file path=ppt/tags/tag114.xml><?xml version="1.0" encoding="utf-8"?>
 <p:tagLst xmlns:p="http://schemas.openxmlformats.org/presentationml/2006/main">
   <p:tag name="KSO_WM_BEAUTIFY_FLAG" val=""/>
 </p:tagLst>
 </file>
 
-<file path=ppt/tags/tag68.xml><?xml version="1.0" encoding="utf-8"?>
+<file path=ppt/tags/tag115.xml><?xml version="1.0" encoding="utf-8"?>
 <p:tagLst xmlns:p="http://schemas.openxmlformats.org/presentationml/2006/main">
   <p:tag name="KSO_WM_BEAUTIFY_FLAG" val=""/>
 </p:tagLst>
 </file>
 
-<file path=ppt/tags/tag69.xml><?xml version="1.0" encoding="utf-8"?>
+<file path=ppt/tags/tag116.xml><?xml version="1.0" encoding="utf-8"?>
 <p:tagLst xmlns:p="http://schemas.openxmlformats.org/presentationml/2006/main">
   <p:tag name="KSO_WM_BEAUTIFY_FLAG" val=""/>
 </p:tagLst>
 </file>
 
-<file path=ppt/tags/tag7.xml><?xml version="1.0" encoding="utf-8"?>
-<p:tagLst xmlns:p="http://schemas.openxmlformats.org/presentationml/2006/main">
-  <p:tag name="KSO_WM_UNIT_HIGHLIGHT" val="0"/>
-  <p:tag name="KSO_WM_UNIT_COMPATIBLE" val="0"/>
-  <p:tag name="KSO_WM_UNIT_DIAGRAM_ISNUMVISUAL" val="0"/>
-  <p:tag name="KSO_WM_UNIT_DIAGRAM_ISREFERUNIT" val="0"/>
-  <p:tag name="KSO_WM_UNIT_ID" val="_2**"/>
-  <p:tag name="KSO_WM_UNIT_LAYERLEVEL" val="1"/>
-  <p:tag name="KSO_WM_TAG_VERSION" val="1.0"/>
-  <p:tag name="KSO_WM_BEAUTIFY_FLAG" val="#wm#"/>
-</p:tagLst>
-</file>
-
-<file path=ppt/tags/tag70.xml><?xml version="1.0" encoding="utf-8"?>
+<file path=ppt/tags/tag117.xml><?xml version="1.0" encoding="utf-8"?>
 <p:tagLst xmlns:p="http://schemas.openxmlformats.org/presentationml/2006/main">
   <p:tag name="KSO_WM_BEAUTIFY_FLAG" val=""/>
 </p:tagLst>
 </file>
 
-<file path=ppt/tags/tag71.xml><?xml version="1.0" encoding="utf-8"?>
+<file path=ppt/tags/tag118.xml><?xml version="1.0" encoding="utf-8"?>
 <p:tagLst xmlns:p="http://schemas.openxmlformats.org/presentationml/2006/main">
   <p:tag name="KSO_WM_BEAUTIFY_FLAG" val=""/>
 </p:tagLst>
 </file>
 
-<file path=ppt/tags/tag72.xml><?xml version="1.0" encoding="utf-8"?>
-<p:tagLst xmlns:p="http://schemas.openxmlformats.org/presentationml/2006/main">
-  <p:tag name="KSO_WM_BEAUTIFY_FLAG" val=""/>
-</p:tagLst>
-</file>
-
-<file path=ppt/tags/tag73.xml><?xml version="1.0" encoding="utf-8"?>
-<p:tagLst xmlns:p="http://schemas.openxmlformats.org/presentationml/2006/main">
-  <p:tag name="KSO_WM_BEAUTIFY_FLAG" val=""/>
-</p:tagLst>
-</file>
-
-<file path=ppt/tags/tag74.xml><?xml version="1.0" encoding="utf-8"?>
-<p:tagLst xmlns:p="http://schemas.openxmlformats.org/presentationml/2006/main">
-  <p:tag name="KSO_WM_BEAUTIFY_FLAG" val=""/>
-</p:tagLst>
-</file>
-
-<file path=ppt/tags/tag75.xml><?xml version="1.0" encoding="utf-8"?>
-<p:tagLst xmlns:p="http://schemas.openxmlformats.org/presentationml/2006/main">
-  <p:tag name="KSO_WM_BEAUTIFY_FLAG" val=""/>
-</p:tagLst>
-</file>
-
-<file path=ppt/tags/tag76.xml><?xml version="1.0" encoding="utf-8"?>
-<p:tagLst xmlns:p="http://schemas.openxmlformats.org/presentationml/2006/main">
-  <p:tag name="KSO_WM_BEAUTIFY_FLAG" val=""/>
-</p:tagLst>
-</file>
-
-<file path=ppt/tags/tag77.xml><?xml version="1.0" encoding="utf-8"?>
-<p:tagLst xmlns:p="http://schemas.openxmlformats.org/presentationml/2006/main">
-  <p:tag name="KSO_WM_BEAUTIFY_FLAG" val=""/>
-</p:tagLst>
-</file>
-
-<file path=ppt/tags/tag78.xml><?xml version="1.0" encoding="utf-8"?>
-<p:tagLst xmlns:p="http://schemas.openxmlformats.org/presentationml/2006/main">
-  <p:tag name="KSO_WM_BEAUTIFY_FLAG" val=""/>
-</p:tagLst>
-</file>
-
-<file path=ppt/tags/tag79.xml><?xml version="1.0" encoding="utf-8"?>
-<p:tagLst xmlns:p="http://schemas.openxmlformats.org/presentationml/2006/main">
-  <p:tag name="KSO_WM_BEAUTIFY_FLAG" val=""/>
-</p:tagLst>
-</file>
-
-<file path=ppt/tags/tag8.xml><?xml version="1.0" encoding="utf-8"?>
-<p:tagLst xmlns:p="http://schemas.openxmlformats.org/presentationml/2006/main">
-  <p:tag name="KSO_WM_UNIT_HIGHLIGHT" val="0"/>
-  <p:tag name="KSO_WM_UNIT_COMPATIBLE" val="0"/>
-  <p:tag name="KSO_WM_UNIT_DIAGRAM_ISNUMVISUAL" val="0"/>
-  <p:tag name="KSO_WM_UNIT_DIAGRAM_ISREFERUNIT" val="0"/>
-  <p:tag name="KSO_WM_UNIT_ID" val="_2**"/>
-  <p:tag name="KSO_WM_UNIT_LAYERLEVEL" val="1"/>
-  <p:tag name="KSO_WM_TAG_VERSION" val="1.0"/>
-  <p:tag name="KSO_WM_BEAUTIFY_FLAG" val="#wm#"/>
-</p:tagLst>
-</file>
-
-<file path=ppt/tags/tag80.xml><?xml version="1.0" encoding="utf-8"?>
-<p:tagLst xmlns:p="http://schemas.openxmlformats.org/presentationml/2006/main">
-  <p:tag name="KSO_WM_BEAUTIFY_FLAG" val=""/>
-</p:tagLst>
-</file>
-
-<file path=ppt/tags/tag81.xml><?xml version="1.0" encoding="utf-8"?>
-<p:tagLst xmlns:p="http://schemas.openxmlformats.org/presentationml/2006/main">
-  <p:tag name="KSO_WM_BEAUTIFY_FLAG" val=""/>
-</p:tagLst>
-</file>
-
-<file path=ppt/tags/tag82.xml><?xml version="1.0" encoding="utf-8"?>
-<p:tagLst xmlns:p="http://schemas.openxmlformats.org/presentationml/2006/main">
-  <p:tag name="KSO_WM_BEAUTIFY_FLAG" val=""/>
-</p:tagLst>
-</file>
-
-<file path=ppt/tags/tag83.xml><?xml version="1.0" encoding="utf-8"?>
-<p:tagLst xmlns:p="http://schemas.openxmlformats.org/presentationml/2006/main">
-  <p:tag name="KSO_WM_BEAUTIFY_FLAG" val=""/>
-</p:tagLst>
-</file>
-
-<file path=ppt/tags/tag84.xml><?xml version="1.0" encoding="utf-8"?>
-<p:tagLst xmlns:p="http://schemas.openxmlformats.org/presentationml/2006/main">
-  <p:tag name="KSO_WM_BEAUTIFY_FLAG" val=""/>
-</p:tagLst>
-</file>
-
-<file path=ppt/tags/tag85.xml><?xml version="1.0" encoding="utf-8"?>
-<p:tagLst xmlns:p="http://schemas.openxmlformats.org/presentationml/2006/main">
-  <p:tag name="KSO_WM_BEAUTIFY_FLAG" val=""/>
-</p:tagLst>
-</file>
-
-<file path=ppt/tags/tag86.xml><?xml version="1.0" encoding="utf-8"?>
-<p:tagLst xmlns:p="http://schemas.openxmlformats.org/presentationml/2006/main">
-  <p:tag name="KSO_WM_BEAUTIFY_FLAG" val=""/>
-</p:tagLst>
-</file>
-
-<file path=ppt/tags/tag87.xml><?xml version="1.0" encoding="utf-8"?>
-<p:tagLst xmlns:p="http://schemas.openxmlformats.org/presentationml/2006/main">
-  <p:tag name="KSO_WM_BEAUTIFY_FLAG" val=""/>
-</p:tagLst>
-</file>
-
-<file path=ppt/tags/tag88.xml><?xml version="1.0" encoding="utf-8"?>
+<file path=ppt/tags/tag119.xml><?xml version="1.0" encoding="utf-8"?>
 <p:tagLst xmlns:p="http://schemas.openxmlformats.org/presentationml/2006/main">
   <p:tag name="KSO_WM_SLIDE_ID" val="custom20205081_1"/>
   <p:tag name="KSO_WM_TEMPLATE_SUBCATEGORY" val="19"/>
@@ -5337,13 +6220,693 @@
 </p:tagLst>
 </file>
 
-<file path=ppt/tags/tag89.xml><?xml version="1.0" encoding="utf-8"?>
-<p:tagLst xmlns:p="http://schemas.openxmlformats.org/presentationml/2006/main">
-  <p:tag name="commondata" val="eyJoZGlkIjoiODk1NDdmOWI0N2Q4MzQyOGU1OWJhNWMzMTY3N2I1NDYifQ=="/>
-</p:tagLst>
-</file>
-
-<file path=ppt/tags/tag9.xml><?xml version="1.0" encoding="utf-8"?>
+<file path=ppt/tags/tag12.xml><?xml version="1.0" encoding="utf-8"?>
+<p:tagLst xmlns:p="http://schemas.openxmlformats.org/presentationml/2006/main">
+  <p:tag name="KSO_WM_UNIT_HIGHLIGHT" val="0"/>
+  <p:tag name="KSO_WM_UNIT_COMPATIBLE" val="0"/>
+  <p:tag name="KSO_WM_UNIT_DIAGRAM_ISNUMVISUAL" val="0"/>
+  <p:tag name="KSO_WM_UNIT_DIAGRAM_ISREFERUNIT" val="0"/>
+  <p:tag name="KSO_WM_UNIT_ID" val="_3**"/>
+  <p:tag name="KSO_WM_UNIT_LAYERLEVEL" val="1"/>
+  <p:tag name="KSO_WM_TAG_VERSION" val="1.0"/>
+  <p:tag name="KSO_WM_BEAUTIFY_FLAG" val="#wm#"/>
+</p:tagLst>
+</file>
+
+<file path=ppt/tags/tag120.xml><?xml version="1.0" encoding="utf-8"?>
+<p:tagLst xmlns:p="http://schemas.openxmlformats.org/presentationml/2006/main">
+  <p:tag name="commondata" val="eyJoZGlkIjoiNWFiYmViZjBlODY5ZjI0ZWJkOGY5ZGQxOTRjMzFmNTYifQ=="/>
+</p:tagLst>
+</file>
+
+<file path=ppt/tags/tag13.xml><?xml version="1.0" encoding="utf-8"?>
+<p:tagLst xmlns:p="http://schemas.openxmlformats.org/presentationml/2006/main">
+  <p:tag name="KSO_WM_UNIT_HIGHLIGHT" val="0"/>
+  <p:tag name="KSO_WM_UNIT_COMPATIBLE" val="0"/>
+  <p:tag name="KSO_WM_UNIT_DIAGRAM_ISNUMVISUAL" val="0"/>
+  <p:tag name="KSO_WM_UNIT_DIAGRAM_ISREFERUNIT" val="0"/>
+  <p:tag name="KSO_WM_UNIT_ID" val="_3**"/>
+  <p:tag name="KSO_WM_UNIT_LAYERLEVEL" val="1"/>
+  <p:tag name="KSO_WM_TAG_VERSION" val="1.0"/>
+  <p:tag name="KSO_WM_BEAUTIFY_FLAG" val="#wm#"/>
+</p:tagLst>
+</file>
+
+<file path=ppt/tags/tag14.xml><?xml version="1.0" encoding="utf-8"?>
+<p:tagLst xmlns:p="http://schemas.openxmlformats.org/presentationml/2006/main">
+  <p:tag name="KSO_WM_UNIT_HIGHLIGHT" val="0"/>
+  <p:tag name="KSO_WM_UNIT_COMPATIBLE" val="0"/>
+  <p:tag name="KSO_WM_UNIT_DIAGRAM_ISNUMVISUAL" val="0"/>
+  <p:tag name="KSO_WM_UNIT_DIAGRAM_ISREFERUNIT" val="0"/>
+  <p:tag name="KSO_WM_UNIT_ID" val="_3**"/>
+  <p:tag name="KSO_WM_UNIT_LAYERLEVEL" val="1"/>
+  <p:tag name="KSO_WM_TAG_VERSION" val="1.0"/>
+  <p:tag name="KSO_WM_BEAUTIFY_FLAG" val="#wm#"/>
+</p:tagLst>
+</file>
+
+<file path=ppt/tags/tag15.xml><?xml version="1.0" encoding="utf-8"?>
+<p:tagLst xmlns:p="http://schemas.openxmlformats.org/presentationml/2006/main">
+  <p:tag name="KSO_WM_UNIT_HIGHLIGHT" val="0"/>
+  <p:tag name="KSO_WM_UNIT_COMPATIBLE" val="0"/>
+  <p:tag name="KSO_WM_UNIT_DIAGRAM_ISNUMVISUAL" val="0"/>
+  <p:tag name="KSO_WM_UNIT_DIAGRAM_ISREFERUNIT" val="0"/>
+  <p:tag name="KSO_WM_UNIT_ID" val="_3**"/>
+  <p:tag name="KSO_WM_UNIT_LAYERLEVEL" val="1"/>
+  <p:tag name="KSO_WM_TAG_VERSION" val="1.0"/>
+  <p:tag name="KSO_WM_BEAUTIFY_FLAG" val="#wm#"/>
+</p:tagLst>
+</file>
+
+<file path=ppt/tags/tag16.xml><?xml version="1.0" encoding="utf-8"?>
+<p:tagLst xmlns:p="http://schemas.openxmlformats.org/presentationml/2006/main">
+  <p:tag name="KSO_WM_UNIT_HIGHLIGHT" val="0"/>
+  <p:tag name="KSO_WM_UNIT_COMPATIBLE" val="0"/>
+  <p:tag name="KSO_WM_UNIT_DIAGRAM_ISNUMVISUAL" val="0"/>
+  <p:tag name="KSO_WM_UNIT_DIAGRAM_ISREFERUNIT" val="0"/>
+  <p:tag name="KSO_WM_UNIT_ID" val="_4**"/>
+  <p:tag name="KSO_WM_UNIT_LAYERLEVEL" val="1"/>
+  <p:tag name="KSO_WM_TAG_VERSION" val="1.0"/>
+  <p:tag name="KSO_WM_BEAUTIFY_FLAG" val="#wm#"/>
+</p:tagLst>
+</file>
+
+<file path=ppt/tags/tag17.xml><?xml version="1.0" encoding="utf-8"?>
+<p:tagLst xmlns:p="http://schemas.openxmlformats.org/presentationml/2006/main">
+  <p:tag name="KSO_WM_UNIT_HIGHLIGHT" val="0"/>
+  <p:tag name="KSO_WM_UNIT_COMPATIBLE" val="0"/>
+  <p:tag name="KSO_WM_UNIT_DIAGRAM_ISNUMVISUAL" val="0"/>
+  <p:tag name="KSO_WM_UNIT_DIAGRAM_ISREFERUNIT" val="0"/>
+  <p:tag name="KSO_WM_UNIT_ID" val="_4**"/>
+  <p:tag name="KSO_WM_UNIT_LAYERLEVEL" val="1"/>
+  <p:tag name="KSO_WM_TAG_VERSION" val="1.0"/>
+  <p:tag name="KSO_WM_BEAUTIFY_FLAG" val="#wm#"/>
+</p:tagLst>
+</file>
+
+<file path=ppt/tags/tag18.xml><?xml version="1.0" encoding="utf-8"?>
+<p:tagLst xmlns:p="http://schemas.openxmlformats.org/presentationml/2006/main">
+  <p:tag name="KSO_WM_UNIT_HIGHLIGHT" val="0"/>
+  <p:tag name="KSO_WM_UNIT_COMPATIBLE" val="0"/>
+  <p:tag name="KSO_WM_UNIT_DIAGRAM_ISNUMVISUAL" val="0"/>
+  <p:tag name="KSO_WM_UNIT_DIAGRAM_ISREFERUNIT" val="0"/>
+  <p:tag name="KSO_WM_UNIT_ID" val="_4**"/>
+  <p:tag name="KSO_WM_UNIT_LAYERLEVEL" val="1"/>
+  <p:tag name="KSO_WM_TAG_VERSION" val="1.0"/>
+  <p:tag name="KSO_WM_BEAUTIFY_FLAG" val="#wm#"/>
+</p:tagLst>
+</file>
+
+<file path=ppt/tags/tag19.xml><?xml version="1.0" encoding="utf-8"?>
+<p:tagLst xmlns:p="http://schemas.openxmlformats.org/presentationml/2006/main">
+  <p:tag name="KSO_WM_UNIT_HIGHLIGHT" val="0"/>
+  <p:tag name="KSO_WM_UNIT_COMPATIBLE" val="0"/>
+  <p:tag name="KSO_WM_UNIT_DIAGRAM_ISNUMVISUAL" val="0"/>
+  <p:tag name="KSO_WM_UNIT_DIAGRAM_ISREFERUNIT" val="0"/>
+  <p:tag name="KSO_WM_UNIT_ID" val="_4**"/>
+  <p:tag name="KSO_WM_UNIT_LAYERLEVEL" val="1"/>
+  <p:tag name="KSO_WM_TAG_VERSION" val="1.0"/>
+  <p:tag name="KSO_WM_BEAUTIFY_FLAG" val="#wm#"/>
+</p:tagLst>
+</file>
+
+<file path=ppt/tags/tag2.xml><?xml version="1.0" encoding="utf-8"?>
+<p:tagLst xmlns:p="http://schemas.openxmlformats.org/presentationml/2006/main">
+  <p:tag name="KSO_WM_UNIT_HIGHLIGHT" val="0"/>
+  <p:tag name="KSO_WM_UNIT_COMPATIBLE" val="0"/>
+  <p:tag name="KSO_WM_UNIT_DIAGRAM_ISNUMVISUAL" val="0"/>
+  <p:tag name="KSO_WM_UNIT_DIAGRAM_ISREFERUNIT" val="0"/>
+  <p:tag name="KSO_WM_UNIT_ID" val="_1**"/>
+  <p:tag name="KSO_WM_UNIT_LAYERLEVEL" val="1"/>
+  <p:tag name="KSO_WM_TAG_VERSION" val="1.0"/>
+  <p:tag name="KSO_WM_BEAUTIFY_FLAG" val="#wm#"/>
+</p:tagLst>
+</file>
+
+<file path=ppt/tags/tag20.xml><?xml version="1.0" encoding="utf-8"?>
+<p:tagLst xmlns:p="http://schemas.openxmlformats.org/presentationml/2006/main">
+  <p:tag name="KSO_WM_UNIT_HIGHLIGHT" val="0"/>
+  <p:tag name="KSO_WM_UNIT_COMPATIBLE" val="0"/>
+  <p:tag name="KSO_WM_UNIT_DIAGRAM_ISNUMVISUAL" val="0"/>
+  <p:tag name="KSO_WM_UNIT_DIAGRAM_ISREFERUNIT" val="0"/>
+  <p:tag name="KSO_WM_UNIT_ID" val="_4**"/>
+  <p:tag name="KSO_WM_UNIT_LAYERLEVEL" val="1"/>
+  <p:tag name="KSO_WM_TAG_VERSION" val="1.0"/>
+  <p:tag name="KSO_WM_BEAUTIFY_FLAG" val="#wm#"/>
+</p:tagLst>
+</file>
+
+<file path=ppt/tags/tag21.xml><?xml version="1.0" encoding="utf-8"?>
+<p:tagLst xmlns:p="http://schemas.openxmlformats.org/presentationml/2006/main">
+  <p:tag name="KSO_WM_UNIT_HIGHLIGHT" val="0"/>
+  <p:tag name="KSO_WM_UNIT_COMPATIBLE" val="0"/>
+  <p:tag name="KSO_WM_UNIT_DIAGRAM_ISNUMVISUAL" val="0"/>
+  <p:tag name="KSO_WM_UNIT_DIAGRAM_ISREFERUNIT" val="0"/>
+  <p:tag name="KSO_WM_UNIT_ID" val="_4**"/>
+  <p:tag name="KSO_WM_UNIT_LAYERLEVEL" val="1"/>
+  <p:tag name="KSO_WM_TAG_VERSION" val="1.0"/>
+  <p:tag name="KSO_WM_BEAUTIFY_FLAG" val="#wm#"/>
+</p:tagLst>
+</file>
+
+<file path=ppt/tags/tag22.xml><?xml version="1.0" encoding="utf-8"?>
+<p:tagLst xmlns:p="http://schemas.openxmlformats.org/presentationml/2006/main">
+  <p:tag name="KSO_WM_UNIT_HIGHLIGHT" val="0"/>
+  <p:tag name="KSO_WM_UNIT_COMPATIBLE" val="0"/>
+  <p:tag name="KSO_WM_UNIT_DIAGRAM_ISNUMVISUAL" val="0"/>
+  <p:tag name="KSO_WM_UNIT_DIAGRAM_ISREFERUNIT" val="0"/>
+  <p:tag name="KSO_WM_UNIT_ID" val="_5**"/>
+  <p:tag name="KSO_WM_UNIT_LAYERLEVEL" val="1"/>
+  <p:tag name="KSO_WM_TAG_VERSION" val="1.0"/>
+  <p:tag name="KSO_WM_BEAUTIFY_FLAG" val="#wm#"/>
+</p:tagLst>
+</file>
+
+<file path=ppt/tags/tag23.xml><?xml version="1.0" encoding="utf-8"?>
+<p:tagLst xmlns:p="http://schemas.openxmlformats.org/presentationml/2006/main">
+  <p:tag name="KSO_WM_UNIT_HIGHLIGHT" val="0"/>
+  <p:tag name="KSO_WM_UNIT_COMPATIBLE" val="0"/>
+  <p:tag name="KSO_WM_UNIT_DIAGRAM_ISNUMVISUAL" val="0"/>
+  <p:tag name="KSO_WM_UNIT_DIAGRAM_ISREFERUNIT" val="0"/>
+  <p:tag name="KSO_WM_UNIT_ID" val="_5**"/>
+  <p:tag name="KSO_WM_UNIT_LAYERLEVEL" val="1"/>
+  <p:tag name="KSO_WM_TAG_VERSION" val="1.0"/>
+  <p:tag name="KSO_WM_BEAUTIFY_FLAG" val="#wm#"/>
+</p:tagLst>
+</file>
+
+<file path=ppt/tags/tag24.xml><?xml version="1.0" encoding="utf-8"?>
+<p:tagLst xmlns:p="http://schemas.openxmlformats.org/presentationml/2006/main">
+  <p:tag name="KSO_WM_UNIT_HIGHLIGHT" val="0"/>
+  <p:tag name="KSO_WM_UNIT_COMPATIBLE" val="0"/>
+  <p:tag name="KSO_WM_UNIT_DIAGRAM_ISNUMVISUAL" val="0"/>
+  <p:tag name="KSO_WM_UNIT_DIAGRAM_ISREFERUNIT" val="0"/>
+  <p:tag name="KSO_WM_UNIT_ID" val="_5**"/>
+  <p:tag name="KSO_WM_UNIT_LAYERLEVEL" val="1"/>
+  <p:tag name="KSO_WM_TAG_VERSION" val="1.0"/>
+  <p:tag name="KSO_WM_BEAUTIFY_FLAG" val="#wm#"/>
+</p:tagLst>
+</file>
+
+<file path=ppt/tags/tag25.xml><?xml version="1.0" encoding="utf-8"?>
+<p:tagLst xmlns:p="http://schemas.openxmlformats.org/presentationml/2006/main">
+  <p:tag name="KSO_WM_UNIT_HIGHLIGHT" val="0"/>
+  <p:tag name="KSO_WM_UNIT_COMPATIBLE" val="0"/>
+  <p:tag name="KSO_WM_UNIT_DIAGRAM_ISNUMVISUAL" val="0"/>
+  <p:tag name="KSO_WM_UNIT_DIAGRAM_ISREFERUNIT" val="0"/>
+  <p:tag name="KSO_WM_UNIT_ID" val="_5**"/>
+  <p:tag name="KSO_WM_UNIT_LAYERLEVEL" val="1"/>
+  <p:tag name="KSO_WM_TAG_VERSION" val="1.0"/>
+  <p:tag name="KSO_WM_BEAUTIFY_FLAG" val="#wm#"/>
+</p:tagLst>
+</file>
+
+<file path=ppt/tags/tag26.xml><?xml version="1.0" encoding="utf-8"?>
+<p:tagLst xmlns:p="http://schemas.openxmlformats.org/presentationml/2006/main">
+  <p:tag name="KSO_WM_UNIT_HIGHLIGHT" val="0"/>
+  <p:tag name="KSO_WM_UNIT_COMPATIBLE" val="0"/>
+  <p:tag name="KSO_WM_UNIT_DIAGRAM_ISNUMVISUAL" val="0"/>
+  <p:tag name="KSO_WM_UNIT_DIAGRAM_ISREFERUNIT" val="0"/>
+  <p:tag name="KSO_WM_UNIT_ID" val="_5**"/>
+  <p:tag name="KSO_WM_UNIT_LAYERLEVEL" val="1"/>
+  <p:tag name="KSO_WM_TAG_VERSION" val="1.0"/>
+  <p:tag name="KSO_WM_BEAUTIFY_FLAG" val="#wm#"/>
+</p:tagLst>
+</file>
+
+<file path=ppt/tags/tag27.xml><?xml version="1.0" encoding="utf-8"?>
+<p:tagLst xmlns:p="http://schemas.openxmlformats.org/presentationml/2006/main">
+  <p:tag name="KSO_WM_UNIT_HIGHLIGHT" val="0"/>
+  <p:tag name="KSO_WM_UNIT_COMPATIBLE" val="0"/>
+  <p:tag name="KSO_WM_UNIT_DIAGRAM_ISNUMVISUAL" val="0"/>
+  <p:tag name="KSO_WM_UNIT_DIAGRAM_ISREFERUNIT" val="0"/>
+  <p:tag name="KSO_WM_UNIT_ID" val="_5**"/>
+  <p:tag name="KSO_WM_UNIT_LAYERLEVEL" val="1"/>
+  <p:tag name="KSO_WM_TAG_VERSION" val="1.0"/>
+  <p:tag name="KSO_WM_BEAUTIFY_FLAG" val="#wm#"/>
+</p:tagLst>
+</file>
+
+<file path=ppt/tags/tag28.xml><?xml version="1.0" encoding="utf-8"?>
+<p:tagLst xmlns:p="http://schemas.openxmlformats.org/presentationml/2006/main">
+  <p:tag name="KSO_WM_UNIT_HIGHLIGHT" val="0"/>
+  <p:tag name="KSO_WM_UNIT_COMPATIBLE" val="0"/>
+  <p:tag name="KSO_WM_UNIT_DIAGRAM_ISNUMVISUAL" val="0"/>
+  <p:tag name="KSO_WM_UNIT_DIAGRAM_ISREFERUNIT" val="0"/>
+  <p:tag name="KSO_WM_UNIT_ID" val="_5**"/>
+  <p:tag name="KSO_WM_UNIT_LAYERLEVEL" val="1"/>
+  <p:tag name="KSO_WM_TAG_VERSION" val="1.0"/>
+  <p:tag name="KSO_WM_BEAUTIFY_FLAG" val="#wm#"/>
+</p:tagLst>
+</file>
+
+<file path=ppt/tags/tag29.xml><?xml version="1.0" encoding="utf-8"?>
+<p:tagLst xmlns:p="http://schemas.openxmlformats.org/presentationml/2006/main">
+  <p:tag name="KSO_WM_UNIT_HIGHLIGHT" val="0"/>
+  <p:tag name="KSO_WM_UNIT_COMPATIBLE" val="0"/>
+  <p:tag name="KSO_WM_UNIT_DIAGRAM_ISNUMVISUAL" val="0"/>
+  <p:tag name="KSO_WM_UNIT_DIAGRAM_ISREFERUNIT" val="0"/>
+  <p:tag name="KSO_WM_UNIT_ID" val="_5**"/>
+  <p:tag name="KSO_WM_UNIT_LAYERLEVEL" val="1"/>
+  <p:tag name="KSO_WM_TAG_VERSION" val="1.0"/>
+  <p:tag name="KSO_WM_BEAUTIFY_FLAG" val="#wm#"/>
+</p:tagLst>
+</file>
+
+<file path=ppt/tags/tag3.xml><?xml version="1.0" encoding="utf-8"?>
+<p:tagLst xmlns:p="http://schemas.openxmlformats.org/presentationml/2006/main">
+  <p:tag name="KSO_WM_UNIT_HIGHLIGHT" val="0"/>
+  <p:tag name="KSO_WM_UNIT_COMPATIBLE" val="0"/>
+  <p:tag name="KSO_WM_UNIT_DIAGRAM_ISNUMVISUAL" val="0"/>
+  <p:tag name="KSO_WM_UNIT_DIAGRAM_ISREFERUNIT" val="0"/>
+  <p:tag name="KSO_WM_UNIT_ID" val="_1**"/>
+  <p:tag name="KSO_WM_UNIT_LAYERLEVEL" val="1"/>
+  <p:tag name="KSO_WM_TAG_VERSION" val="1.0"/>
+  <p:tag name="KSO_WM_BEAUTIFY_FLAG" val="#wm#"/>
+</p:tagLst>
+</file>
+
+<file path=ppt/tags/tag30.xml><?xml version="1.0" encoding="utf-8"?>
+<p:tagLst xmlns:p="http://schemas.openxmlformats.org/presentationml/2006/main">
+  <p:tag name="KSO_WM_UNIT_HIGHLIGHT" val="0"/>
+  <p:tag name="KSO_WM_UNIT_COMPATIBLE" val="0"/>
+  <p:tag name="KSO_WM_UNIT_DIAGRAM_ISNUMVISUAL" val="0"/>
+  <p:tag name="KSO_WM_UNIT_DIAGRAM_ISREFERUNIT" val="0"/>
+  <p:tag name="KSO_WM_UNIT_ID" val="_6**"/>
+  <p:tag name="KSO_WM_UNIT_LAYERLEVEL" val="1"/>
+  <p:tag name="KSO_WM_TAG_VERSION" val="1.0"/>
+  <p:tag name="KSO_WM_BEAUTIFY_FLAG" val="#wm#"/>
+</p:tagLst>
+</file>
+
+<file path=ppt/tags/tag31.xml><?xml version="1.0" encoding="utf-8"?>
+<p:tagLst xmlns:p="http://schemas.openxmlformats.org/presentationml/2006/main">
+  <p:tag name="KSO_WM_UNIT_HIGHLIGHT" val="0"/>
+  <p:tag name="KSO_WM_UNIT_COMPATIBLE" val="0"/>
+  <p:tag name="KSO_WM_UNIT_DIAGRAM_ISNUMVISUAL" val="0"/>
+  <p:tag name="KSO_WM_UNIT_DIAGRAM_ISREFERUNIT" val="0"/>
+  <p:tag name="KSO_WM_UNIT_ID" val="_6**"/>
+  <p:tag name="KSO_WM_UNIT_LAYERLEVEL" val="1"/>
+  <p:tag name="KSO_WM_TAG_VERSION" val="1.0"/>
+  <p:tag name="KSO_WM_BEAUTIFY_FLAG" val="#wm#"/>
+</p:tagLst>
+</file>
+
+<file path=ppt/tags/tag32.xml><?xml version="1.0" encoding="utf-8"?>
+<p:tagLst xmlns:p="http://schemas.openxmlformats.org/presentationml/2006/main">
+  <p:tag name="KSO_WM_UNIT_HIGHLIGHT" val="0"/>
+  <p:tag name="KSO_WM_UNIT_COMPATIBLE" val="0"/>
+  <p:tag name="KSO_WM_UNIT_DIAGRAM_ISNUMVISUAL" val="0"/>
+  <p:tag name="KSO_WM_UNIT_DIAGRAM_ISREFERUNIT" val="0"/>
+  <p:tag name="KSO_WM_UNIT_ID" val="_6**"/>
+  <p:tag name="KSO_WM_UNIT_LAYERLEVEL" val="1"/>
+  <p:tag name="KSO_WM_TAG_VERSION" val="1.0"/>
+  <p:tag name="KSO_WM_BEAUTIFY_FLAG" val="#wm#"/>
+</p:tagLst>
+</file>
+
+<file path=ppt/tags/tag33.xml><?xml version="1.0" encoding="utf-8"?>
+<p:tagLst xmlns:p="http://schemas.openxmlformats.org/presentationml/2006/main">
+  <p:tag name="KSO_WM_UNIT_HIGHLIGHT" val="0"/>
+  <p:tag name="KSO_WM_UNIT_COMPATIBLE" val="0"/>
+  <p:tag name="KSO_WM_UNIT_DIAGRAM_ISNUMVISUAL" val="0"/>
+  <p:tag name="KSO_WM_UNIT_DIAGRAM_ISREFERUNIT" val="0"/>
+  <p:tag name="KSO_WM_UNIT_ID" val="_6**"/>
+  <p:tag name="KSO_WM_UNIT_LAYERLEVEL" val="1"/>
+  <p:tag name="KSO_WM_TAG_VERSION" val="1.0"/>
+  <p:tag name="KSO_WM_BEAUTIFY_FLAG" val="#wm#"/>
+</p:tagLst>
+</file>
+
+<file path=ppt/tags/tag34.xml><?xml version="1.0" encoding="utf-8"?>
+<p:tagLst xmlns:p="http://schemas.openxmlformats.org/presentationml/2006/main">
+  <p:tag name="KSO_WM_UNIT_HIGHLIGHT" val="0"/>
+  <p:tag name="KSO_WM_UNIT_COMPATIBLE" val="0"/>
+  <p:tag name="KSO_WM_UNIT_DIAGRAM_ISNUMVISUAL" val="0"/>
+  <p:tag name="KSO_WM_UNIT_DIAGRAM_ISREFERUNIT" val="0"/>
+  <p:tag name="KSO_WM_UNIT_ID" val="_7**"/>
+  <p:tag name="KSO_WM_UNIT_LAYERLEVEL" val="1"/>
+  <p:tag name="KSO_WM_TAG_VERSION" val="1.0"/>
+  <p:tag name="KSO_WM_BEAUTIFY_FLAG" val="#wm#"/>
+</p:tagLst>
+</file>
+
+<file path=ppt/tags/tag35.xml><?xml version="1.0" encoding="utf-8"?>
+<p:tagLst xmlns:p="http://schemas.openxmlformats.org/presentationml/2006/main">
+  <p:tag name="KSO_WM_UNIT_HIGHLIGHT" val="0"/>
+  <p:tag name="KSO_WM_UNIT_COMPATIBLE" val="0"/>
+  <p:tag name="KSO_WM_UNIT_DIAGRAM_ISNUMVISUAL" val="0"/>
+  <p:tag name="KSO_WM_UNIT_DIAGRAM_ISREFERUNIT" val="0"/>
+  <p:tag name="KSO_WM_UNIT_ID" val="_7**"/>
+  <p:tag name="KSO_WM_UNIT_LAYERLEVEL" val="1"/>
+  <p:tag name="KSO_WM_TAG_VERSION" val="1.0"/>
+  <p:tag name="KSO_WM_BEAUTIFY_FLAG" val="#wm#"/>
+</p:tagLst>
+</file>
+
+<file path=ppt/tags/tag36.xml><?xml version="1.0" encoding="utf-8"?>
+<p:tagLst xmlns:p="http://schemas.openxmlformats.org/presentationml/2006/main">
+  <p:tag name="KSO_WM_UNIT_HIGHLIGHT" val="0"/>
+  <p:tag name="KSO_WM_UNIT_COMPATIBLE" val="0"/>
+  <p:tag name="KSO_WM_UNIT_DIAGRAM_ISNUMVISUAL" val="0"/>
+  <p:tag name="KSO_WM_UNIT_DIAGRAM_ISREFERUNIT" val="0"/>
+  <p:tag name="KSO_WM_UNIT_ID" val="_7**"/>
+  <p:tag name="KSO_WM_UNIT_LAYERLEVEL" val="1"/>
+  <p:tag name="KSO_WM_TAG_VERSION" val="1.0"/>
+  <p:tag name="KSO_WM_BEAUTIFY_FLAG" val="#wm#"/>
+</p:tagLst>
+</file>
+
+<file path=ppt/tags/tag37.xml><?xml version="1.0" encoding="utf-8"?>
+<p:tagLst xmlns:p="http://schemas.openxmlformats.org/presentationml/2006/main">
+  <p:tag name="KSO_WM_UNIT_HIGHLIGHT" val="0"/>
+  <p:tag name="KSO_WM_UNIT_COMPATIBLE" val="0"/>
+  <p:tag name="KSO_WM_UNIT_DIAGRAM_ISNUMVISUAL" val="0"/>
+  <p:tag name="KSO_WM_UNIT_DIAGRAM_ISREFERUNIT" val="0"/>
+  <p:tag name="KSO_WM_UNIT_ID" val="_8**"/>
+  <p:tag name="KSO_WM_UNIT_LAYERLEVEL" val="1"/>
+  <p:tag name="KSO_WM_TAG_VERSION" val="1.0"/>
+  <p:tag name="KSO_WM_BEAUTIFY_FLAG" val="#wm#"/>
+</p:tagLst>
+</file>
+
+<file path=ppt/tags/tag38.xml><?xml version="1.0" encoding="utf-8"?>
+<p:tagLst xmlns:p="http://schemas.openxmlformats.org/presentationml/2006/main">
+  <p:tag name="KSO_WM_UNIT_HIGHLIGHT" val="0"/>
+  <p:tag name="KSO_WM_UNIT_COMPATIBLE" val="0"/>
+  <p:tag name="KSO_WM_UNIT_DIAGRAM_ISNUMVISUAL" val="0"/>
+  <p:tag name="KSO_WM_UNIT_DIAGRAM_ISREFERUNIT" val="0"/>
+  <p:tag name="KSO_WM_UNIT_ID" val="_8**"/>
+  <p:tag name="KSO_WM_UNIT_LAYERLEVEL" val="1"/>
+  <p:tag name="KSO_WM_TAG_VERSION" val="1.0"/>
+  <p:tag name="KSO_WM_BEAUTIFY_FLAG" val="#wm#"/>
+</p:tagLst>
+</file>
+
+<file path=ppt/tags/tag39.xml><?xml version="1.0" encoding="utf-8"?>
+<p:tagLst xmlns:p="http://schemas.openxmlformats.org/presentationml/2006/main">
+  <p:tag name="KSO_WM_UNIT_HIGHLIGHT" val="0"/>
+  <p:tag name="KSO_WM_UNIT_COMPATIBLE" val="0"/>
+  <p:tag name="KSO_WM_UNIT_DIAGRAM_ISNUMVISUAL" val="0"/>
+  <p:tag name="KSO_WM_UNIT_DIAGRAM_ISREFERUNIT" val="0"/>
+  <p:tag name="KSO_WM_UNIT_ID" val="_8**"/>
+  <p:tag name="KSO_WM_UNIT_LAYERLEVEL" val="1"/>
+  <p:tag name="KSO_WM_TAG_VERSION" val="1.0"/>
+  <p:tag name="KSO_WM_BEAUTIFY_FLAG" val="#wm#"/>
+</p:tagLst>
+</file>
+
+<file path=ppt/tags/tag4.xml><?xml version="1.0" encoding="utf-8"?>
+<p:tagLst xmlns:p="http://schemas.openxmlformats.org/presentationml/2006/main">
+  <p:tag name="KSO_WM_UNIT_HIGHLIGHT" val="0"/>
+  <p:tag name="KSO_WM_UNIT_COMPATIBLE" val="0"/>
+  <p:tag name="KSO_WM_UNIT_DIAGRAM_ISNUMVISUAL" val="0"/>
+  <p:tag name="KSO_WM_UNIT_DIAGRAM_ISREFERUNIT" val="0"/>
+  <p:tag name="KSO_WM_UNIT_ID" val="_1**"/>
+  <p:tag name="KSO_WM_UNIT_LAYERLEVEL" val="1"/>
+  <p:tag name="KSO_WM_TAG_VERSION" val="1.0"/>
+  <p:tag name="KSO_WM_BEAUTIFY_FLAG" val="#wm#"/>
+</p:tagLst>
+</file>
+
+<file path=ppt/tags/tag40.xml><?xml version="1.0" encoding="utf-8"?>
+<p:tagLst xmlns:p="http://schemas.openxmlformats.org/presentationml/2006/main">
+  <p:tag name="KSO_WM_UNIT_HIGHLIGHT" val="0"/>
+  <p:tag name="KSO_WM_UNIT_COMPATIBLE" val="0"/>
+  <p:tag name="KSO_WM_UNIT_DIAGRAM_ISNUMVISUAL" val="0"/>
+  <p:tag name="KSO_WM_UNIT_DIAGRAM_ISREFERUNIT" val="0"/>
+  <p:tag name="KSO_WM_UNIT_ID" val="_8**"/>
+  <p:tag name="KSO_WM_UNIT_LAYERLEVEL" val="1"/>
+  <p:tag name="KSO_WM_TAG_VERSION" val="1.0"/>
+  <p:tag name="KSO_WM_BEAUTIFY_FLAG" val="#wm#"/>
+</p:tagLst>
+</file>
+
+<file path=ppt/tags/tag41.xml><?xml version="1.0" encoding="utf-8"?>
+<p:tagLst xmlns:p="http://schemas.openxmlformats.org/presentationml/2006/main">
+  <p:tag name="KSO_WM_UNIT_HIGHLIGHT" val="0"/>
+  <p:tag name="KSO_WM_UNIT_COMPATIBLE" val="0"/>
+  <p:tag name="KSO_WM_UNIT_DIAGRAM_ISNUMVISUAL" val="0"/>
+  <p:tag name="KSO_WM_UNIT_DIAGRAM_ISREFERUNIT" val="0"/>
+  <p:tag name="KSO_WM_UNIT_ID" val="_8**"/>
+  <p:tag name="KSO_WM_UNIT_LAYERLEVEL" val="1"/>
+  <p:tag name="KSO_WM_TAG_VERSION" val="1.0"/>
+  <p:tag name="KSO_WM_BEAUTIFY_FLAG" val="#wm#"/>
+</p:tagLst>
+</file>
+
+<file path=ppt/tags/tag42.xml><?xml version="1.0" encoding="utf-8"?>
+<p:tagLst xmlns:p="http://schemas.openxmlformats.org/presentationml/2006/main">
+  <p:tag name="KSO_WM_UNIT_HIGHLIGHT" val="0"/>
+  <p:tag name="KSO_WM_UNIT_COMPATIBLE" val="0"/>
+  <p:tag name="KSO_WM_UNIT_DIAGRAM_ISNUMVISUAL" val="0"/>
+  <p:tag name="KSO_WM_UNIT_DIAGRAM_ISREFERUNIT" val="0"/>
+  <p:tag name="KSO_WM_UNIT_ID" val="_8**"/>
+  <p:tag name="KSO_WM_UNIT_LAYERLEVEL" val="1"/>
+  <p:tag name="KSO_WM_TAG_VERSION" val="1.0"/>
+  <p:tag name="KSO_WM_BEAUTIFY_FLAG" val="#wm#"/>
+</p:tagLst>
+</file>
+
+<file path=ppt/tags/tag43.xml><?xml version="1.0" encoding="utf-8"?>
+<p:tagLst xmlns:p="http://schemas.openxmlformats.org/presentationml/2006/main">
+  <p:tag name="KSO_WM_UNIT_HIGHLIGHT" val="0"/>
+  <p:tag name="KSO_WM_UNIT_COMPATIBLE" val="0"/>
+  <p:tag name="KSO_WM_UNIT_DIAGRAM_ISNUMVISUAL" val="0"/>
+  <p:tag name="KSO_WM_UNIT_DIAGRAM_ISREFERUNIT" val="0"/>
+  <p:tag name="KSO_WM_UNIT_ID" val="_9**"/>
+  <p:tag name="KSO_WM_UNIT_LAYERLEVEL" val="1"/>
+  <p:tag name="KSO_WM_TAG_VERSION" val="1.0"/>
+  <p:tag name="KSO_WM_BEAUTIFY_FLAG" val="#wm#"/>
+</p:tagLst>
+</file>
+
+<file path=ppt/tags/tag44.xml><?xml version="1.0" encoding="utf-8"?>
+<p:tagLst xmlns:p="http://schemas.openxmlformats.org/presentationml/2006/main">
+  <p:tag name="KSO_WM_UNIT_HIGHLIGHT" val="0"/>
+  <p:tag name="KSO_WM_UNIT_COMPATIBLE" val="0"/>
+  <p:tag name="KSO_WM_UNIT_DIAGRAM_ISNUMVISUAL" val="0"/>
+  <p:tag name="KSO_WM_UNIT_DIAGRAM_ISREFERUNIT" val="0"/>
+  <p:tag name="KSO_WM_UNIT_ID" val="_9**"/>
+  <p:tag name="KSO_WM_UNIT_LAYERLEVEL" val="1"/>
+  <p:tag name="KSO_WM_TAG_VERSION" val="1.0"/>
+  <p:tag name="KSO_WM_BEAUTIFY_FLAG" val="#wm#"/>
+</p:tagLst>
+</file>
+
+<file path=ppt/tags/tag45.xml><?xml version="1.0" encoding="utf-8"?>
+<p:tagLst xmlns:p="http://schemas.openxmlformats.org/presentationml/2006/main">
+  <p:tag name="KSO_WM_UNIT_HIGHLIGHT" val="0"/>
+  <p:tag name="KSO_WM_UNIT_COMPATIBLE" val="0"/>
+  <p:tag name="KSO_WM_UNIT_DIAGRAM_ISNUMVISUAL" val="0"/>
+  <p:tag name="KSO_WM_UNIT_DIAGRAM_ISREFERUNIT" val="0"/>
+  <p:tag name="KSO_WM_UNIT_ID" val="_9**"/>
+  <p:tag name="KSO_WM_UNIT_LAYERLEVEL" val="1"/>
+  <p:tag name="KSO_WM_TAG_VERSION" val="1.0"/>
+  <p:tag name="KSO_WM_BEAUTIFY_FLAG" val="#wm#"/>
+</p:tagLst>
+</file>
+
+<file path=ppt/tags/tag46.xml><?xml version="1.0" encoding="utf-8"?>
+<p:tagLst xmlns:p="http://schemas.openxmlformats.org/presentationml/2006/main">
+  <p:tag name="KSO_WM_UNIT_HIGHLIGHT" val="0"/>
+  <p:tag name="KSO_WM_UNIT_COMPATIBLE" val="0"/>
+  <p:tag name="KSO_WM_UNIT_DIAGRAM_ISNUMVISUAL" val="0"/>
+  <p:tag name="KSO_WM_UNIT_DIAGRAM_ISREFERUNIT" val="0"/>
+  <p:tag name="KSO_WM_UNIT_ID" val="_9**"/>
+  <p:tag name="KSO_WM_UNIT_LAYERLEVEL" val="1"/>
+  <p:tag name="KSO_WM_TAG_VERSION" val="1.0"/>
+  <p:tag name="KSO_WM_BEAUTIFY_FLAG" val="#wm#"/>
+</p:tagLst>
+</file>
+
+<file path=ppt/tags/tag47.xml><?xml version="1.0" encoding="utf-8"?>
+<p:tagLst xmlns:p="http://schemas.openxmlformats.org/presentationml/2006/main">
+  <p:tag name="KSO_WM_UNIT_HIGHLIGHT" val="0"/>
+  <p:tag name="KSO_WM_UNIT_COMPATIBLE" val="0"/>
+  <p:tag name="KSO_WM_UNIT_DIAGRAM_ISNUMVISUAL" val="0"/>
+  <p:tag name="KSO_WM_UNIT_DIAGRAM_ISREFERUNIT" val="0"/>
+  <p:tag name="KSO_WM_UNIT_ID" val="_9**"/>
+  <p:tag name="KSO_WM_UNIT_LAYERLEVEL" val="1"/>
+  <p:tag name="KSO_WM_TAG_VERSION" val="1.0"/>
+  <p:tag name="KSO_WM_BEAUTIFY_FLAG" val="#wm#"/>
+</p:tagLst>
+</file>
+
+<file path=ppt/tags/tag48.xml><?xml version="1.0" encoding="utf-8"?>
+<p:tagLst xmlns:p="http://schemas.openxmlformats.org/presentationml/2006/main">
+  <p:tag name="KSO_WM_UNIT_HIGHLIGHT" val="0"/>
+  <p:tag name="KSO_WM_UNIT_COMPATIBLE" val="0"/>
+  <p:tag name="KSO_WM_UNIT_DIAGRAM_ISNUMVISUAL" val="0"/>
+  <p:tag name="KSO_WM_UNIT_DIAGRAM_ISREFERUNIT" val="0"/>
+  <p:tag name="KSO_WM_UNIT_ID" val="_10**"/>
+  <p:tag name="KSO_WM_UNIT_LAYERLEVEL" val="1"/>
+  <p:tag name="KSO_WM_TAG_VERSION" val="1.0"/>
+  <p:tag name="KSO_WM_BEAUTIFY_FLAG" val="#wm#"/>
+</p:tagLst>
+</file>
+
+<file path=ppt/tags/tag49.xml><?xml version="1.0" encoding="utf-8"?>
+<p:tagLst xmlns:p="http://schemas.openxmlformats.org/presentationml/2006/main">
+  <p:tag name="KSO_WM_UNIT_HIGHLIGHT" val="0"/>
+  <p:tag name="KSO_WM_UNIT_COMPATIBLE" val="0"/>
+  <p:tag name="KSO_WM_UNIT_DIAGRAM_ISNUMVISUAL" val="0"/>
+  <p:tag name="KSO_WM_UNIT_DIAGRAM_ISREFERUNIT" val="0"/>
+  <p:tag name="KSO_WM_UNIT_ID" val="_10**"/>
+  <p:tag name="KSO_WM_UNIT_LAYERLEVEL" val="1"/>
+  <p:tag name="KSO_WM_TAG_VERSION" val="1.0"/>
+  <p:tag name="KSO_WM_BEAUTIFY_FLAG" val="#wm#"/>
+</p:tagLst>
+</file>
+
+<file path=ppt/tags/tag5.xml><?xml version="1.0" encoding="utf-8"?>
+<p:tagLst xmlns:p="http://schemas.openxmlformats.org/presentationml/2006/main">
+  <p:tag name="KSO_WM_UNIT_HIGHLIGHT" val="0"/>
+  <p:tag name="KSO_WM_UNIT_COMPATIBLE" val="0"/>
+  <p:tag name="KSO_WM_UNIT_DIAGRAM_ISNUMVISUAL" val="0"/>
+  <p:tag name="KSO_WM_UNIT_DIAGRAM_ISREFERUNIT" val="0"/>
+  <p:tag name="KSO_WM_UNIT_ID" val="_1**"/>
+  <p:tag name="KSO_WM_UNIT_LAYERLEVEL" val="1"/>
+  <p:tag name="KSO_WM_TAG_VERSION" val="1.0"/>
+  <p:tag name="KSO_WM_BEAUTIFY_FLAG" val="#wm#"/>
+</p:tagLst>
+</file>
+
+<file path=ppt/tags/tag50.xml><?xml version="1.0" encoding="utf-8"?>
+<p:tagLst xmlns:p="http://schemas.openxmlformats.org/presentationml/2006/main">
+  <p:tag name="KSO_WM_UNIT_HIGHLIGHT" val="0"/>
+  <p:tag name="KSO_WM_UNIT_COMPATIBLE" val="0"/>
+  <p:tag name="KSO_WM_UNIT_DIAGRAM_ISNUMVISUAL" val="0"/>
+  <p:tag name="KSO_WM_UNIT_DIAGRAM_ISREFERUNIT" val="0"/>
+  <p:tag name="KSO_WM_UNIT_ID" val="_10**"/>
+  <p:tag name="KSO_WM_UNIT_LAYERLEVEL" val="1"/>
+  <p:tag name="KSO_WM_TAG_VERSION" val="1.0"/>
+  <p:tag name="KSO_WM_BEAUTIFY_FLAG" val="#wm#"/>
+</p:tagLst>
+</file>
+
+<file path=ppt/tags/tag51.xml><?xml version="1.0" encoding="utf-8"?>
+<p:tagLst xmlns:p="http://schemas.openxmlformats.org/presentationml/2006/main">
+  <p:tag name="KSO_WM_UNIT_HIGHLIGHT" val="0"/>
+  <p:tag name="KSO_WM_UNIT_COMPATIBLE" val="0"/>
+  <p:tag name="KSO_WM_UNIT_DIAGRAM_ISNUMVISUAL" val="0"/>
+  <p:tag name="KSO_WM_UNIT_DIAGRAM_ISREFERUNIT" val="0"/>
+  <p:tag name="KSO_WM_UNIT_ID" val="_10**"/>
+  <p:tag name="KSO_WM_UNIT_LAYERLEVEL" val="1"/>
+  <p:tag name="KSO_WM_TAG_VERSION" val="1.0"/>
+  <p:tag name="KSO_WM_BEAUTIFY_FLAG" val="#wm#"/>
+</p:tagLst>
+</file>
+
+<file path=ppt/tags/tag52.xml><?xml version="1.0" encoding="utf-8"?>
+<p:tagLst xmlns:p="http://schemas.openxmlformats.org/presentationml/2006/main">
+  <p:tag name="KSO_WM_UNIT_HIGHLIGHT" val="0"/>
+  <p:tag name="KSO_WM_UNIT_COMPATIBLE" val="0"/>
+  <p:tag name="KSO_WM_UNIT_DIAGRAM_ISNUMVISUAL" val="0"/>
+  <p:tag name="KSO_WM_UNIT_DIAGRAM_ISREFERUNIT" val="0"/>
+  <p:tag name="KSO_WM_UNIT_ID" val="_11**"/>
+  <p:tag name="KSO_WM_UNIT_LAYERLEVEL" val="1"/>
+  <p:tag name="KSO_WM_TAG_VERSION" val="1.0"/>
+  <p:tag name="KSO_WM_BEAUTIFY_FLAG" val="#wm#"/>
+</p:tagLst>
+</file>
+
+<file path=ppt/tags/tag53.xml><?xml version="1.0" encoding="utf-8"?>
+<p:tagLst xmlns:p="http://schemas.openxmlformats.org/presentationml/2006/main">
+  <p:tag name="KSO_WM_UNIT_HIGHLIGHT" val="0"/>
+  <p:tag name="KSO_WM_UNIT_COMPATIBLE" val="0"/>
+  <p:tag name="KSO_WM_UNIT_DIAGRAM_ISNUMVISUAL" val="0"/>
+  <p:tag name="KSO_WM_UNIT_DIAGRAM_ISREFERUNIT" val="0"/>
+  <p:tag name="KSO_WM_UNIT_ID" val="_11**"/>
+  <p:tag name="KSO_WM_UNIT_LAYERLEVEL" val="1"/>
+  <p:tag name="KSO_WM_TAG_VERSION" val="1.0"/>
+  <p:tag name="KSO_WM_BEAUTIFY_FLAG" val="#wm#"/>
+</p:tagLst>
+</file>
+
+<file path=ppt/tags/tag54.xml><?xml version="1.0" encoding="utf-8"?>
+<p:tagLst xmlns:p="http://schemas.openxmlformats.org/presentationml/2006/main">
+  <p:tag name="KSO_WM_UNIT_HIGHLIGHT" val="0"/>
+  <p:tag name="KSO_WM_UNIT_COMPATIBLE" val="0"/>
+  <p:tag name="KSO_WM_UNIT_DIAGRAM_ISNUMVISUAL" val="0"/>
+  <p:tag name="KSO_WM_UNIT_DIAGRAM_ISREFERUNIT" val="0"/>
+  <p:tag name="KSO_WM_UNIT_ID" val="_11**"/>
+  <p:tag name="KSO_WM_UNIT_LAYERLEVEL" val="1"/>
+  <p:tag name="KSO_WM_TAG_VERSION" val="1.0"/>
+  <p:tag name="KSO_WM_BEAUTIFY_FLAG" val="#wm#"/>
+</p:tagLst>
+</file>
+
+<file path=ppt/tags/tag55.xml><?xml version="1.0" encoding="utf-8"?>
+<p:tagLst xmlns:p="http://schemas.openxmlformats.org/presentationml/2006/main">
+  <p:tag name="KSO_WM_UNIT_HIGHLIGHT" val="0"/>
+  <p:tag name="KSO_WM_UNIT_COMPATIBLE" val="0"/>
+  <p:tag name="KSO_WM_UNIT_DIAGRAM_ISNUMVISUAL" val="0"/>
+  <p:tag name="KSO_WM_UNIT_DIAGRAM_ISREFERUNIT" val="0"/>
+  <p:tag name="KSO_WM_UNIT_ID" val="_11**"/>
+  <p:tag name="KSO_WM_UNIT_LAYERLEVEL" val="1"/>
+  <p:tag name="KSO_WM_TAG_VERSION" val="1.0"/>
+  <p:tag name="KSO_WM_BEAUTIFY_FLAG" val="#wm#"/>
+</p:tagLst>
+</file>
+
+<file path=ppt/tags/tag56.xml><?xml version="1.0" encoding="utf-8"?>
+<p:tagLst xmlns:p="http://schemas.openxmlformats.org/presentationml/2006/main">
+  <p:tag name="KSO_WM_UNIT_HIGHLIGHT" val="0"/>
+  <p:tag name="KSO_WM_UNIT_COMPATIBLE" val="0"/>
+  <p:tag name="KSO_WM_UNIT_DIAGRAM_ISNUMVISUAL" val="0"/>
+  <p:tag name="KSO_WM_UNIT_DIAGRAM_ISREFERUNIT" val="0"/>
+  <p:tag name="KSO_WM_UNIT_ID" val="_11**"/>
+  <p:tag name="KSO_WM_UNIT_LAYERLEVEL" val="1"/>
+  <p:tag name="KSO_WM_TAG_VERSION" val="1.0"/>
+  <p:tag name="KSO_WM_BEAUTIFY_FLAG" val="#wm#"/>
+</p:tagLst>
+</file>
+
+<file path=ppt/tags/tag57.xml><?xml version="1.0" encoding="utf-8"?>
+<p:tagLst xmlns:p="http://schemas.openxmlformats.org/presentationml/2006/main">
+  <p:tag name="KSO_WM_UNIT_HIGHLIGHT" val="0"/>
+  <p:tag name="KSO_WM_UNIT_COMPATIBLE" val="0"/>
+  <p:tag name="KSO_WM_UNIT_DIAGRAM_ISNUMVISUAL" val="0"/>
+  <p:tag name="KSO_WM_UNIT_DIAGRAM_ISREFERUNIT" val="0"/>
+  <p:tag name="KSO_WM_UNIT_ID" val="_0**"/>
+  <p:tag name="KSO_WM_UNIT_LAYERLEVEL" val="1"/>
+  <p:tag name="KSO_WM_TAG_VERSION" val="1.0"/>
+  <p:tag name="KSO_WM_BEAUTIFY_FLAG" val="#wm#"/>
+  <p:tag name="KSO_WM_TEMPLATE_CATEGORY" val="custom"/>
+  <p:tag name="KSO_WM_TEMPLATE_INDEX" val="20205081"/>
+</p:tagLst>
+</file>
+
+<file path=ppt/tags/tag58.xml><?xml version="1.0" encoding="utf-8"?>
+<p:tagLst xmlns:p="http://schemas.openxmlformats.org/presentationml/2006/main">
+  <p:tag name="KSO_WM_UNIT_HIGHLIGHT" val="0"/>
+  <p:tag name="KSO_WM_UNIT_COMPATIBLE" val="0"/>
+  <p:tag name="KSO_WM_UNIT_DIAGRAM_ISNUMVISUAL" val="0"/>
+  <p:tag name="KSO_WM_UNIT_DIAGRAM_ISREFERUNIT" val="0"/>
+  <p:tag name="KSO_WM_UNIT_ID" val="_0**"/>
+  <p:tag name="KSO_WM_UNIT_LAYERLEVEL" val="1"/>
+  <p:tag name="KSO_WM_TAG_VERSION" val="1.0"/>
+  <p:tag name="KSO_WM_BEAUTIFY_FLAG" val="#wm#"/>
+  <p:tag name="KSO_WM_TEMPLATE_CATEGORY" val="custom"/>
+  <p:tag name="KSO_WM_TEMPLATE_INDEX" val="20205081"/>
+</p:tagLst>
+</file>
+
+<file path=ppt/tags/tag59.xml><?xml version="1.0" encoding="utf-8"?>
+<p:tagLst xmlns:p="http://schemas.openxmlformats.org/presentationml/2006/main">
+  <p:tag name="KSO_WM_UNIT_HIGHLIGHT" val="0"/>
+  <p:tag name="KSO_WM_UNIT_COMPATIBLE" val="0"/>
+  <p:tag name="KSO_WM_UNIT_DIAGRAM_ISNUMVISUAL" val="0"/>
+  <p:tag name="KSO_WM_UNIT_DIAGRAM_ISREFERUNIT" val="0"/>
+  <p:tag name="KSO_WM_UNIT_ID" val="_0**"/>
+  <p:tag name="KSO_WM_UNIT_LAYERLEVEL" val="1"/>
+  <p:tag name="KSO_WM_TAG_VERSION" val="1.0"/>
+  <p:tag name="KSO_WM_BEAUTIFY_FLAG" val="#wm#"/>
+</p:tagLst>
+</file>
+
+<file path=ppt/tags/tag6.xml><?xml version="1.0" encoding="utf-8"?>
 <p:tagLst xmlns:p="http://schemas.openxmlformats.org/presentationml/2006/main">
   <p:tag name="KSO_WM_UNIT_HIGHLIGHT" val="0"/>
   <p:tag name="KSO_WM_UNIT_COMPATIBLE" val="0"/>
@@ -5353,6 +6916,322 @@
   <p:tag name="KSO_WM_UNIT_LAYERLEVEL" val="1"/>
   <p:tag name="KSO_WM_TAG_VERSION" val="1.0"/>
   <p:tag name="KSO_WM_BEAUTIFY_FLAG" val="#wm#"/>
+</p:tagLst>
+</file>
+
+<file path=ppt/tags/tag60.xml><?xml version="1.0" encoding="utf-8"?>
+<p:tagLst xmlns:p="http://schemas.openxmlformats.org/presentationml/2006/main">
+  <p:tag name="KSO_WM_UNIT_HIGHLIGHT" val="0"/>
+  <p:tag name="KSO_WM_UNIT_COMPATIBLE" val="0"/>
+  <p:tag name="KSO_WM_UNIT_DIAGRAM_ISNUMVISUAL" val="0"/>
+  <p:tag name="KSO_WM_UNIT_DIAGRAM_ISREFERUNIT" val="0"/>
+  <p:tag name="KSO_WM_UNIT_ID" val="_0**"/>
+  <p:tag name="KSO_WM_UNIT_LAYERLEVEL" val="1"/>
+  <p:tag name="KSO_WM_TAG_VERSION" val="1.0"/>
+  <p:tag name="KSO_WM_BEAUTIFY_FLAG" val="#wm#"/>
+</p:tagLst>
+</file>
+
+<file path=ppt/tags/tag61.xml><?xml version="1.0" encoding="utf-8"?>
+<p:tagLst xmlns:p="http://schemas.openxmlformats.org/presentationml/2006/main">
+  <p:tag name="KSO_WM_UNIT_HIGHLIGHT" val="0"/>
+  <p:tag name="KSO_WM_UNIT_COMPATIBLE" val="0"/>
+  <p:tag name="KSO_WM_UNIT_DIAGRAM_ISNUMVISUAL" val="0"/>
+  <p:tag name="KSO_WM_UNIT_DIAGRAM_ISREFERUNIT" val="0"/>
+  <p:tag name="KSO_WM_UNIT_ID" val="_0**"/>
+  <p:tag name="KSO_WM_UNIT_LAYERLEVEL" val="1"/>
+  <p:tag name="KSO_WM_TAG_VERSION" val="1.0"/>
+  <p:tag name="KSO_WM_BEAUTIFY_FLAG" val="#wm#"/>
+</p:tagLst>
+</file>
+
+<file path=ppt/tags/tag62.xml><?xml version="1.0" encoding="utf-8"?>
+<p:tagLst xmlns:p="http://schemas.openxmlformats.org/presentationml/2006/main">
+  <p:tag name="KSO_WM_TEMPLATE_THUMBS_INDEX" val="1、4、7、12、13、14、15、16、17、18、20、24、25、28、33、36、40、43、44"/>
+  <p:tag name="KSO_WM_TEMPLATE_SUBCATEGORY" val="19"/>
+  <p:tag name="KSO_WM_TAG_VERSION" val="1.0"/>
+  <p:tag name="KSO_WM_BEAUTIFY_FLAG" val="#wm#"/>
+  <p:tag name="KSO_WM_TEMPLATE_CATEGORY" val="custom"/>
+  <p:tag name="KSO_WM_TEMPLATE_INDEX" val="20205081"/>
+  <p:tag name="KSO_WM_TEMPLATE_MASTER_TYPE" val="0"/>
+  <p:tag name="KSO_WM_TEMPLATE_COLOR_TYPE" val="1"/>
+  <p:tag name="KSO_WM_UNIT_SHOW_EDIT_AREA_INDICATION" val="1"/>
+</p:tagLst>
+</file>
+
+<file path=ppt/tags/tag63.xml><?xml version="1.0" encoding="utf-8"?>
+<p:tagLst xmlns:p="http://schemas.openxmlformats.org/presentationml/2006/main">
+  <p:tag name="KSO_WM_BEAUTIFY_FLAG" val=""/>
+</p:tagLst>
+</file>
+
+<file path=ppt/tags/tag64.xml><?xml version="1.0" encoding="utf-8"?>
+<p:tagLst xmlns:p="http://schemas.openxmlformats.org/presentationml/2006/main">
+  <p:tag name="KSO_WM_BEAUTIFY_FLAG" val=""/>
+</p:tagLst>
+</file>
+
+<file path=ppt/tags/tag65.xml><?xml version="1.0" encoding="utf-8"?>
+<p:tagLst xmlns:p="http://schemas.openxmlformats.org/presentationml/2006/main">
+  <p:tag name="KSO_WM_BEAUTIFY_FLAG" val=""/>
+</p:tagLst>
+</file>
+
+<file path=ppt/tags/tag66.xml><?xml version="1.0" encoding="utf-8"?>
+<p:tagLst xmlns:p="http://schemas.openxmlformats.org/presentationml/2006/main">
+  <p:tag name="KSO_WM_BEAUTIFY_FLAG" val=""/>
+</p:tagLst>
+</file>
+
+<file path=ppt/tags/tag67.xml><?xml version="1.0" encoding="utf-8"?>
+<p:tagLst xmlns:p="http://schemas.openxmlformats.org/presentationml/2006/main">
+  <p:tag name="KSO_WM_BEAUTIFY_FLAG" val=""/>
+</p:tagLst>
+</file>
+
+<file path=ppt/tags/tag68.xml><?xml version="1.0" encoding="utf-8"?>
+<p:tagLst xmlns:p="http://schemas.openxmlformats.org/presentationml/2006/main">
+  <p:tag name="KSO_WM_BEAUTIFY_FLAG" val=""/>
+</p:tagLst>
+</file>
+
+<file path=ppt/tags/tag69.xml><?xml version="1.0" encoding="utf-8"?>
+<p:tagLst xmlns:p="http://schemas.openxmlformats.org/presentationml/2006/main">
+  <p:tag name="KSO_WM_BEAUTIFY_FLAG" val=""/>
+</p:tagLst>
+</file>
+
+<file path=ppt/tags/tag7.xml><?xml version="1.0" encoding="utf-8"?>
+<p:tagLst xmlns:p="http://schemas.openxmlformats.org/presentationml/2006/main">
+  <p:tag name="KSO_WM_UNIT_HIGHLIGHT" val="0"/>
+  <p:tag name="KSO_WM_UNIT_COMPATIBLE" val="0"/>
+  <p:tag name="KSO_WM_UNIT_DIAGRAM_ISNUMVISUAL" val="0"/>
+  <p:tag name="KSO_WM_UNIT_DIAGRAM_ISREFERUNIT" val="0"/>
+  <p:tag name="KSO_WM_UNIT_ID" val="_2**"/>
+  <p:tag name="KSO_WM_UNIT_LAYERLEVEL" val="1"/>
+  <p:tag name="KSO_WM_TAG_VERSION" val="1.0"/>
+  <p:tag name="KSO_WM_BEAUTIFY_FLAG" val="#wm#"/>
+</p:tagLst>
+</file>
+
+<file path=ppt/tags/tag70.xml><?xml version="1.0" encoding="utf-8"?>
+<p:tagLst xmlns:p="http://schemas.openxmlformats.org/presentationml/2006/main">
+  <p:tag name="KSO_WM_BEAUTIFY_FLAG" val=""/>
+</p:tagLst>
+</file>
+
+<file path=ppt/tags/tag71.xml><?xml version="1.0" encoding="utf-8"?>
+<p:tagLst xmlns:p="http://schemas.openxmlformats.org/presentationml/2006/main">
+  <p:tag name="KSO_WM_BEAUTIFY_FLAG" val=""/>
+</p:tagLst>
+</file>
+
+<file path=ppt/tags/tag72.xml><?xml version="1.0" encoding="utf-8"?>
+<p:tagLst xmlns:p="http://schemas.openxmlformats.org/presentationml/2006/main">
+  <p:tag name="KSO_WM_BEAUTIFY_FLAG" val=""/>
+</p:tagLst>
+</file>
+
+<file path=ppt/tags/tag73.xml><?xml version="1.0" encoding="utf-8"?>
+<p:tagLst xmlns:p="http://schemas.openxmlformats.org/presentationml/2006/main">
+  <p:tag name="KSO_WM_BEAUTIFY_FLAG" val=""/>
+</p:tagLst>
+</file>
+
+<file path=ppt/tags/tag74.xml><?xml version="1.0" encoding="utf-8"?>
+<p:tagLst xmlns:p="http://schemas.openxmlformats.org/presentationml/2006/main">
+  <p:tag name="KSO_WM_BEAUTIFY_FLAG" val=""/>
+</p:tagLst>
+</file>
+
+<file path=ppt/tags/tag75.xml><?xml version="1.0" encoding="utf-8"?>
+<p:tagLst xmlns:p="http://schemas.openxmlformats.org/presentationml/2006/main">
+  <p:tag name="KSO_WM_BEAUTIFY_FLAG" val=""/>
+</p:tagLst>
+</file>
+
+<file path=ppt/tags/tag76.xml><?xml version="1.0" encoding="utf-8"?>
+<p:tagLst xmlns:p="http://schemas.openxmlformats.org/presentationml/2006/main">
+  <p:tag name="KSO_WM_BEAUTIFY_FLAG" val=""/>
+</p:tagLst>
+</file>
+
+<file path=ppt/tags/tag77.xml><?xml version="1.0" encoding="utf-8"?>
+<p:tagLst xmlns:p="http://schemas.openxmlformats.org/presentationml/2006/main">
+  <p:tag name="KSO_WM_BEAUTIFY_FLAG" val=""/>
+</p:tagLst>
+</file>
+
+<file path=ppt/tags/tag78.xml><?xml version="1.0" encoding="utf-8"?>
+<p:tagLst xmlns:p="http://schemas.openxmlformats.org/presentationml/2006/main">
+  <p:tag name="KSO_WM_BEAUTIFY_FLAG" val=""/>
+</p:tagLst>
+</file>
+
+<file path=ppt/tags/tag79.xml><?xml version="1.0" encoding="utf-8"?>
+<p:tagLst xmlns:p="http://schemas.openxmlformats.org/presentationml/2006/main">
+  <p:tag name="KSO_WM_BEAUTIFY_FLAG" val=""/>
+</p:tagLst>
+</file>
+
+<file path=ppt/tags/tag8.xml><?xml version="1.0" encoding="utf-8"?>
+<p:tagLst xmlns:p="http://schemas.openxmlformats.org/presentationml/2006/main">
+  <p:tag name="KSO_WM_UNIT_HIGHLIGHT" val="0"/>
+  <p:tag name="KSO_WM_UNIT_COMPATIBLE" val="0"/>
+  <p:tag name="KSO_WM_UNIT_DIAGRAM_ISNUMVISUAL" val="0"/>
+  <p:tag name="KSO_WM_UNIT_DIAGRAM_ISREFERUNIT" val="0"/>
+  <p:tag name="KSO_WM_UNIT_ID" val="_2**"/>
+  <p:tag name="KSO_WM_UNIT_LAYERLEVEL" val="1"/>
+  <p:tag name="KSO_WM_TAG_VERSION" val="1.0"/>
+  <p:tag name="KSO_WM_BEAUTIFY_FLAG" val="#wm#"/>
+</p:tagLst>
+</file>
+
+<file path=ppt/tags/tag80.xml><?xml version="1.0" encoding="utf-8"?>
+<p:tagLst xmlns:p="http://schemas.openxmlformats.org/presentationml/2006/main">
+  <p:tag name="KSO_WM_BEAUTIFY_FLAG" val=""/>
+</p:tagLst>
+</file>
+
+<file path=ppt/tags/tag81.xml><?xml version="1.0" encoding="utf-8"?>
+<p:tagLst xmlns:p="http://schemas.openxmlformats.org/presentationml/2006/main">
+  <p:tag name="KSO_WM_BEAUTIFY_FLAG" val=""/>
+</p:tagLst>
+</file>
+
+<file path=ppt/tags/tag82.xml><?xml version="1.0" encoding="utf-8"?>
+<p:tagLst xmlns:p="http://schemas.openxmlformats.org/presentationml/2006/main">
+  <p:tag name="KSO_WM_BEAUTIFY_FLAG" val=""/>
+</p:tagLst>
+</file>
+
+<file path=ppt/tags/tag83.xml><?xml version="1.0" encoding="utf-8"?>
+<p:tagLst xmlns:p="http://schemas.openxmlformats.org/presentationml/2006/main">
+  <p:tag name="KSO_WM_BEAUTIFY_FLAG" val=""/>
+</p:tagLst>
+</file>
+
+<file path=ppt/tags/tag84.xml><?xml version="1.0" encoding="utf-8"?>
+<p:tagLst xmlns:p="http://schemas.openxmlformats.org/presentationml/2006/main">
+  <p:tag name="KSO_WM_BEAUTIFY_FLAG" val=""/>
+</p:tagLst>
+</file>
+
+<file path=ppt/tags/tag85.xml><?xml version="1.0" encoding="utf-8"?>
+<p:tagLst xmlns:p="http://schemas.openxmlformats.org/presentationml/2006/main">
+  <p:tag name="KSO_WM_BEAUTIFY_FLAG" val=""/>
+</p:tagLst>
+</file>
+
+<file path=ppt/tags/tag86.xml><?xml version="1.0" encoding="utf-8"?>
+<p:tagLst xmlns:p="http://schemas.openxmlformats.org/presentationml/2006/main">
+  <p:tag name="KSO_WM_BEAUTIFY_FLAG" val=""/>
+</p:tagLst>
+</file>
+
+<file path=ppt/tags/tag87.xml><?xml version="1.0" encoding="utf-8"?>
+<p:tagLst xmlns:p="http://schemas.openxmlformats.org/presentationml/2006/main">
+  <p:tag name="KSO_WM_BEAUTIFY_FLAG" val=""/>
+</p:tagLst>
+</file>
+
+<file path=ppt/tags/tag88.xml><?xml version="1.0" encoding="utf-8"?>
+<p:tagLst xmlns:p="http://schemas.openxmlformats.org/presentationml/2006/main">
+  <p:tag name="KSO_WM_BEAUTIFY_FLAG" val=""/>
+</p:tagLst>
+</file>
+
+<file path=ppt/tags/tag89.xml><?xml version="1.0" encoding="utf-8"?>
+<p:tagLst xmlns:p="http://schemas.openxmlformats.org/presentationml/2006/main">
+  <p:tag name="KSO_WM_BEAUTIFY_FLAG" val=""/>
+</p:tagLst>
+</file>
+
+<file path=ppt/tags/tag9.xml><?xml version="1.0" encoding="utf-8"?>
+<p:tagLst xmlns:p="http://schemas.openxmlformats.org/presentationml/2006/main">
+  <p:tag name="KSO_WM_UNIT_HIGHLIGHT" val="0"/>
+  <p:tag name="KSO_WM_UNIT_COMPATIBLE" val="0"/>
+  <p:tag name="KSO_WM_UNIT_DIAGRAM_ISNUMVISUAL" val="0"/>
+  <p:tag name="KSO_WM_UNIT_DIAGRAM_ISREFERUNIT" val="0"/>
+  <p:tag name="KSO_WM_UNIT_ID" val="_2**"/>
+  <p:tag name="KSO_WM_UNIT_LAYERLEVEL" val="1"/>
+  <p:tag name="KSO_WM_TAG_VERSION" val="1.0"/>
+  <p:tag name="KSO_WM_BEAUTIFY_FLAG" val="#wm#"/>
+</p:tagLst>
+</file>
+
+<file path=ppt/tags/tag90.xml><?xml version="1.0" encoding="utf-8"?>
+<p:tagLst xmlns:p="http://schemas.openxmlformats.org/presentationml/2006/main">
+  <p:tag name="KSO_WM_BEAUTIFY_FLAG" val=""/>
+</p:tagLst>
+</file>
+
+<file path=ppt/tags/tag91.xml><?xml version="1.0" encoding="utf-8"?>
+<p:tagLst xmlns:p="http://schemas.openxmlformats.org/presentationml/2006/main">
+  <p:tag name="KSO_WM_BEAUTIFY_FLAG" val=""/>
+</p:tagLst>
+</file>
+
+<file path=ppt/tags/tag92.xml><?xml version="1.0" encoding="utf-8"?>
+<p:tagLst xmlns:p="http://schemas.openxmlformats.org/presentationml/2006/main">
+  <p:tag name="KSO_WM_BEAUTIFY_FLAG" val=""/>
+</p:tagLst>
+</file>
+
+<file path=ppt/tags/tag93.xml><?xml version="1.0" encoding="utf-8"?>
+<p:tagLst xmlns:p="http://schemas.openxmlformats.org/presentationml/2006/main">
+  <p:tag name="KSO_WM_SLIDE_ID" val="custom20205081_1"/>
+  <p:tag name="KSO_WM_TEMPLATE_SUBCATEGORY" val="19"/>
+  <p:tag name="KSO_WM_TEMPLATE_MASTER_TYPE" val="0"/>
+  <p:tag name="KSO_WM_TEMPLATE_COLOR_TYPE" val="1"/>
+  <p:tag name="KSO_WM_SLIDE_TYPE" val="title"/>
+  <p:tag name="KSO_WM_SLIDE_SUBTYPE" val="defaultBlank"/>
+  <p:tag name="KSO_WM_SLIDE_ITEM_CNT" val="0"/>
+  <p:tag name="KSO_WM_SLIDE_INDEX" val="1"/>
+  <p:tag name="KSO_WM_TAG_VERSION" val="1.0"/>
+  <p:tag name="KSO_WM_BEAUTIFY_FLAG" val="#wm#"/>
+  <p:tag name="KSO_WM_TEMPLATE_CATEGORY" val="custom"/>
+  <p:tag name="KSO_WM_TEMPLATE_INDEX" val="20205081"/>
+  <p:tag name="KSO_WM_SLIDE_LAYOUT" val="a_b"/>
+  <p:tag name="KSO_WM_SLIDE_LAYOUT_CNT" val="1_1"/>
+  <p:tag name="KSO_WM_UNIT_SHOW_EDIT_AREA_INDICATION" val="1"/>
+  <p:tag name="KSO_WM_TEMPLATE_THUMBS_INDEX" val="1、4、7、12、13、14、15、16、17、18、20、24、25、28、33、36、40、43、44"/>
+</p:tagLst>
+</file>
+
+<file path=ppt/tags/tag94.xml><?xml version="1.0" encoding="utf-8"?>
+<p:tagLst xmlns:p="http://schemas.openxmlformats.org/presentationml/2006/main">
+  <p:tag name="KSO_WM_BEAUTIFY_FLAG" val=""/>
+</p:tagLst>
+</file>
+
+<file path=ppt/tags/tag95.xml><?xml version="1.0" encoding="utf-8"?>
+<p:tagLst xmlns:p="http://schemas.openxmlformats.org/presentationml/2006/main">
+  <p:tag name="KSO_WM_BEAUTIFY_FLAG" val=""/>
+</p:tagLst>
+</file>
+
+<file path=ppt/tags/tag96.xml><?xml version="1.0" encoding="utf-8"?>
+<p:tagLst xmlns:p="http://schemas.openxmlformats.org/presentationml/2006/main">
+  <p:tag name="KSO_WM_BEAUTIFY_FLAG" val=""/>
+</p:tagLst>
+</file>
+
+<file path=ppt/tags/tag97.xml><?xml version="1.0" encoding="utf-8"?>
+<p:tagLst xmlns:p="http://schemas.openxmlformats.org/presentationml/2006/main">
+  <p:tag name="KSO_WM_BEAUTIFY_FLAG" val=""/>
+</p:tagLst>
+</file>
+
+<file path=ppt/tags/tag98.xml><?xml version="1.0" encoding="utf-8"?>
+<p:tagLst xmlns:p="http://schemas.openxmlformats.org/presentationml/2006/main">
+  <p:tag name="KSO_WM_BEAUTIFY_FLAG" val=""/>
+</p:tagLst>
+</file>
+
+<file path=ppt/tags/tag99.xml><?xml version="1.0" encoding="utf-8"?>
+<p:tagLst xmlns:p="http://schemas.openxmlformats.org/presentationml/2006/main">
+  <p:tag name="KSO_WM_BEAUTIFY_FLAG" val=""/>
 </p:tagLst>
 </file>
 

--- a/figures_ppt/figure1.pptx
+++ b/figures_ppt/figure1.pptx
@@ -5,13 +5,14 @@
     <p:sldMasterId id="2147483648" r:id="rId1"/>
   </p:sldMasterIdLst>
   <p:sldIdLst>
+    <p:sldId id="258" r:id="rId2"/>
     <p:sldId id="256" r:id="rId3"/>
     <p:sldId id="257" r:id="rId4"/>
   </p:sldIdLst>
   <p:sldSz cx="12192000" cy="6858000"/>
   <p:notesSz cx="6858000" cy="9144000"/>
   <p:custDataLst>
-    <p:tags r:id="rId8"/>
+    <p:tags r:id="rId5"/>
   </p:custDataLst>
   <p:defaultTextStyle>
     <a:defPPr>
@@ -123,6 +124,9 @@
         </p15:guide>
       </p15:sldGuideLst>
     </p:ext>
+    <p:ext uri="{2D200454-40CA-4A62-9FC3-DE9A4176ACB9}">
+      <p15:notesGuideLst xmlns:p15="http://schemas.microsoft.com/office/powerpoint/2012/main"/>
+    </p:ext>
   </p:extLst>
 </p:presentation>
 </file>
@@ -153,7 +157,7 @@
           <p:nvPr>
             <p:ph type="ctrTitle"/>
             <p:custDataLst>
-              <p:tags r:id="rId2"/>
+              <p:tags r:id="rId1"/>
             </p:custDataLst>
           </p:nvPr>
         </p:nvSpPr>
@@ -177,7 +181,6 @@
               <a:rPr lang="zh-CN" altLang="en-US" dirty="0"/>
               <a:t>单击此处编辑母版标题样式</a:t>
             </a:r>
-            <a:endParaRPr lang="zh-CN" altLang="en-US" dirty="0"/>
           </a:p>
         </p:txBody>
       </p:sp>
@@ -190,7 +193,7 @@
           <p:nvPr>
             <p:ph type="subTitle" idx="1"/>
             <p:custDataLst>
-              <p:tags r:id="rId3"/>
+              <p:tags r:id="rId2"/>
             </p:custDataLst>
           </p:nvPr>
         </p:nvSpPr>
@@ -250,7 +253,6 @@
               <a:rPr lang="zh-CN" altLang="en-US" dirty="0"/>
               <a:t>单击此处编辑母版副标题样式</a:t>
             </a:r>
-            <a:endParaRPr lang="zh-CN" altLang="en-US" dirty="0"/>
           </a:p>
         </p:txBody>
       </p:sp>
@@ -263,7 +265,7 @@
           <p:nvPr>
             <p:ph type="dt" sz="half" idx="10"/>
             <p:custDataLst>
-              <p:tags r:id="rId4"/>
+              <p:tags r:id="rId3"/>
             </p:custDataLst>
           </p:nvPr>
         </p:nvSpPr>
@@ -274,6 +276,7 @@
           <a:p>
             <a:fld id="{760FBDFE-C587-4B4C-A407-44438C67B59E}" type="datetimeFigureOut">
               <a:rPr lang="zh-CN" altLang="en-US" smtClean="0"/>
+              <a:t>2024/6/3</a:t>
             </a:fld>
             <a:endParaRPr lang="zh-CN" altLang="en-US"/>
           </a:p>
@@ -288,7 +291,7 @@
           <p:nvPr>
             <p:ph type="ftr" sz="quarter" idx="11"/>
             <p:custDataLst>
-              <p:tags r:id="rId5"/>
+              <p:tags r:id="rId4"/>
             </p:custDataLst>
           </p:nvPr>
         </p:nvSpPr>
@@ -310,7 +313,7 @@
           <p:nvPr>
             <p:ph type="sldNum" sz="quarter" idx="12"/>
             <p:custDataLst>
-              <p:tags r:id="rId6"/>
+              <p:tags r:id="rId5"/>
             </p:custDataLst>
           </p:nvPr>
         </p:nvSpPr>
@@ -321,6 +324,7 @@
           <a:p>
             <a:fld id="{49AE70B2-8BF9-45C0-BB95-33D1B9D3A854}" type="slidenum">
               <a:rPr lang="zh-CN" altLang="en-US" smtClean="0"/>
+              <a:t>‹#›</a:t>
             </a:fld>
             <a:endParaRPr lang="zh-CN" altLang="en-US" dirty="0"/>
           </a:p>
@@ -360,7 +364,7 @@
           <p:nvPr>
             <p:ph type="dt" sz="half" idx="10"/>
             <p:custDataLst>
-              <p:tags r:id="rId2"/>
+              <p:tags r:id="rId1"/>
             </p:custDataLst>
           </p:nvPr>
         </p:nvSpPr>
@@ -371,6 +375,7 @@
           <a:p>
             <a:fld id="{760FBDFE-C587-4B4C-A407-44438C67B59E}" type="datetimeFigureOut">
               <a:rPr lang="zh-CN" altLang="en-US" smtClean="0"/>
+              <a:t>2024/6/3</a:t>
             </a:fld>
             <a:endParaRPr lang="zh-CN" altLang="en-US"/>
           </a:p>
@@ -385,7 +390,7 @@
           <p:nvPr>
             <p:ph type="ftr" sz="quarter" idx="11"/>
             <p:custDataLst>
-              <p:tags r:id="rId3"/>
+              <p:tags r:id="rId2"/>
             </p:custDataLst>
           </p:nvPr>
         </p:nvSpPr>
@@ -407,7 +412,7 @@
           <p:nvPr>
             <p:ph type="sldNum" sz="quarter" idx="12"/>
             <p:custDataLst>
-              <p:tags r:id="rId4"/>
+              <p:tags r:id="rId3"/>
             </p:custDataLst>
           </p:nvPr>
         </p:nvSpPr>
@@ -418,6 +423,7 @@
           <a:p>
             <a:fld id="{49AE70B2-8BF9-45C0-BB95-33D1B9D3A854}" type="slidenum">
               <a:rPr lang="zh-CN" altLang="en-US" smtClean="0"/>
+              <a:t>‹#›</a:t>
             </a:fld>
             <a:endParaRPr lang="zh-CN" altLang="en-US"/>
           </a:p>
@@ -432,7 +438,7 @@
           <p:nvPr>
             <p:ph sz="quarter" idx="13"/>
             <p:custDataLst>
-              <p:tags r:id="rId5"/>
+              <p:tags r:id="rId4"/>
             </p:custDataLst>
           </p:nvPr>
         </p:nvSpPr>
@@ -451,7 +457,6 @@
               <a:rPr lang="zh-CN" altLang="en-US" dirty="0"/>
               <a:t>单击此处编辑母版文本样式</a:t>
             </a:r>
-            <a:endParaRPr lang="zh-CN" altLang="en-US" dirty="0"/>
           </a:p>
           <a:p>
             <a:pPr lvl="1"/>
@@ -459,7 +464,6 @@
               <a:rPr lang="zh-CN" altLang="en-US" dirty="0"/>
               <a:t>第二级</a:t>
             </a:r>
-            <a:endParaRPr lang="zh-CN" altLang="en-US" dirty="0"/>
           </a:p>
           <a:p>
             <a:pPr lvl="2"/>
@@ -467,7 +471,6 @@
               <a:rPr lang="zh-CN" altLang="en-US" dirty="0"/>
               <a:t>第三级</a:t>
             </a:r>
-            <a:endParaRPr lang="zh-CN" altLang="en-US" dirty="0"/>
           </a:p>
           <a:p>
             <a:pPr lvl="3"/>
@@ -475,7 +478,6 @@
               <a:rPr lang="zh-CN" altLang="en-US" dirty="0"/>
               <a:t>第四级</a:t>
             </a:r>
-            <a:endParaRPr lang="zh-CN" altLang="en-US" dirty="0"/>
           </a:p>
           <a:p>
             <a:pPr lvl="4"/>
@@ -483,7 +485,6 @@
               <a:rPr lang="zh-CN" altLang="en-US" dirty="0"/>
               <a:t>第五级</a:t>
             </a:r>
-            <a:endParaRPr lang="zh-CN" altLang="en-US" dirty="0"/>
           </a:p>
         </p:txBody>
       </p:sp>
@@ -521,7 +522,7 @@
           <p:nvPr>
             <p:ph type="dt" sz="half" idx="10"/>
             <p:custDataLst>
-              <p:tags r:id="rId2"/>
+              <p:tags r:id="rId1"/>
             </p:custDataLst>
           </p:nvPr>
         </p:nvSpPr>
@@ -532,6 +533,7 @@
           <a:p>
             <a:fld id="{760FBDFE-C587-4B4C-A407-44438C67B59E}" type="datetimeFigureOut">
               <a:rPr lang="zh-CN" altLang="en-US" smtClean="0"/>
+              <a:t>2024/6/3</a:t>
             </a:fld>
             <a:endParaRPr lang="zh-CN" altLang="en-US"/>
           </a:p>
@@ -546,7 +548,7 @@
           <p:nvPr>
             <p:ph type="ftr" sz="quarter" idx="11"/>
             <p:custDataLst>
-              <p:tags r:id="rId3"/>
+              <p:tags r:id="rId2"/>
             </p:custDataLst>
           </p:nvPr>
         </p:nvSpPr>
@@ -568,7 +570,7 @@
           <p:nvPr>
             <p:ph type="sldNum" sz="quarter" idx="12"/>
             <p:custDataLst>
-              <p:tags r:id="rId4"/>
+              <p:tags r:id="rId3"/>
             </p:custDataLst>
           </p:nvPr>
         </p:nvSpPr>
@@ -579,6 +581,7 @@
           <a:p>
             <a:fld id="{49AE70B2-8BF9-45C0-BB95-33D1B9D3A854}" type="slidenum">
               <a:rPr lang="zh-CN" altLang="en-US" smtClean="0"/>
+              <a:t>‹#›</a:t>
             </a:fld>
             <a:endParaRPr lang="zh-CN" altLang="en-US"/>
           </a:p>
@@ -593,7 +596,7 @@
           <p:nvPr>
             <p:ph type="title" hasCustomPrompt="1"/>
             <p:custDataLst>
-              <p:tags r:id="rId5"/>
+              <p:tags r:id="rId4"/>
             </p:custDataLst>
           </p:nvPr>
         </p:nvSpPr>
@@ -615,10 +618,9 @@
           <a:p>
             <a:pPr lvl="0"/>
             <a:r>
-              <a:rPr lang="zh-CN" altLang="en-US" smtClean="0"/>
+              <a:rPr lang="zh-CN" altLang="en-US"/>
               <a:t>单击此处编辑标题</a:t>
             </a:r>
-            <a:endParaRPr lang="zh-CN" altLang="en-US"/>
           </a:p>
         </p:txBody>
       </p:sp>
@@ -631,7 +633,7 @@
           <p:nvPr>
             <p:ph type="body" sz="quarter" idx="13"/>
             <p:custDataLst>
-              <p:tags r:id="rId6"/>
+              <p:tags r:id="rId5"/>
             </p:custDataLst>
           </p:nvPr>
         </p:nvSpPr>
@@ -660,7 +662,6 @@
               <a:rPr lang="zh-CN" altLang="en-US" dirty="0"/>
               <a:t>单击此处编辑母版文本样式</a:t>
             </a:r>
-            <a:endParaRPr lang="zh-CN" altLang="en-US" dirty="0"/>
           </a:p>
         </p:txBody>
       </p:sp>
@@ -698,7 +699,7 @@
           <p:nvPr>
             <p:ph type="title"/>
             <p:custDataLst>
-              <p:tags r:id="rId2"/>
+              <p:tags r:id="rId1"/>
             </p:custDataLst>
           </p:nvPr>
         </p:nvSpPr>
@@ -716,10 +717,9 @@
           <a:p>
             <a:pPr lvl="0"/>
             <a:r>
-              <a:rPr lang="zh-CN" altLang="en-US" smtClean="0"/>
+              <a:rPr lang="zh-CN" altLang="en-US"/>
               <a:t>单击此处编辑母版标题样式</a:t>
             </a:r>
-            <a:endParaRPr lang="zh-CN" altLang="en-US"/>
           </a:p>
         </p:txBody>
       </p:sp>
@@ -732,7 +732,7 @@
           <p:nvPr>
             <p:ph idx="1"/>
             <p:custDataLst>
-              <p:tags r:id="rId3"/>
+              <p:tags r:id="rId2"/>
             </p:custDataLst>
           </p:nvPr>
         </p:nvSpPr>
@@ -750,42 +750,37 @@
           <a:p>
             <a:pPr lvl="0"/>
             <a:r>
-              <a:rPr lang="zh-CN" altLang="en-US" smtClean="0"/>
+              <a:rPr lang="zh-CN" altLang="en-US"/>
               <a:t>单击此处编辑母版文本样式</a:t>
             </a:r>
-            <a:endParaRPr lang="zh-CN" altLang="en-US" smtClean="0"/>
           </a:p>
           <a:p>
             <a:pPr lvl="1"/>
             <a:r>
-              <a:rPr lang="zh-CN" altLang="en-US" smtClean="0"/>
+              <a:rPr lang="zh-CN" altLang="en-US"/>
               <a:t>第二级</a:t>
             </a:r>
-            <a:endParaRPr lang="zh-CN" altLang="en-US" smtClean="0"/>
           </a:p>
           <a:p>
             <a:pPr lvl="2"/>
             <a:r>
-              <a:rPr lang="zh-CN" altLang="en-US" smtClean="0"/>
+              <a:rPr lang="zh-CN" altLang="en-US"/>
               <a:t>第三级</a:t>
             </a:r>
-            <a:endParaRPr lang="zh-CN" altLang="en-US" smtClean="0"/>
           </a:p>
           <a:p>
             <a:pPr lvl="3"/>
             <a:r>
-              <a:rPr lang="zh-CN" altLang="en-US" smtClean="0"/>
+              <a:rPr lang="zh-CN" altLang="en-US"/>
               <a:t>第四级</a:t>
             </a:r>
-            <a:endParaRPr lang="zh-CN" altLang="en-US" smtClean="0"/>
           </a:p>
           <a:p>
             <a:pPr lvl="4"/>
             <a:r>
-              <a:rPr lang="zh-CN" altLang="en-US" smtClean="0"/>
+              <a:rPr lang="zh-CN" altLang="en-US"/>
               <a:t>第五级</a:t>
             </a:r>
-            <a:endParaRPr lang="zh-CN" altLang="en-US"/>
           </a:p>
         </p:txBody>
       </p:sp>
@@ -798,7 +793,7 @@
           <p:nvPr>
             <p:ph type="dt" sz="half" idx="10"/>
             <p:custDataLst>
-              <p:tags r:id="rId4"/>
+              <p:tags r:id="rId3"/>
             </p:custDataLst>
           </p:nvPr>
         </p:nvSpPr>
@@ -809,6 +804,7 @@
           <a:p>
             <a:fld id="{760FBDFE-C587-4B4C-A407-44438C67B59E}" type="datetimeFigureOut">
               <a:rPr lang="zh-CN" altLang="en-US" smtClean="0"/>
+              <a:t>2024/6/3</a:t>
             </a:fld>
             <a:endParaRPr lang="zh-CN" altLang="en-US"/>
           </a:p>
@@ -823,7 +819,7 @@
           <p:nvPr>
             <p:ph type="ftr" sz="quarter" idx="11"/>
             <p:custDataLst>
-              <p:tags r:id="rId5"/>
+              <p:tags r:id="rId4"/>
             </p:custDataLst>
           </p:nvPr>
         </p:nvSpPr>
@@ -845,7 +841,7 @@
           <p:nvPr>
             <p:ph type="sldNum" sz="quarter" idx="12"/>
             <p:custDataLst>
-              <p:tags r:id="rId6"/>
+              <p:tags r:id="rId5"/>
             </p:custDataLst>
           </p:nvPr>
         </p:nvSpPr>
@@ -856,6 +852,7 @@
           <a:p>
             <a:fld id="{49AE70B2-8BF9-45C0-BB95-33D1B9D3A854}" type="slidenum">
               <a:rPr lang="zh-CN" altLang="en-US" smtClean="0"/>
+              <a:t>‹#›</a:t>
             </a:fld>
             <a:endParaRPr lang="zh-CN" altLang="en-US"/>
           </a:p>
@@ -895,7 +892,7 @@
           <p:nvPr>
             <p:ph type="title" hasCustomPrompt="1"/>
             <p:custDataLst>
-              <p:tags r:id="rId2"/>
+              <p:tags r:id="rId1"/>
             </p:custDataLst>
           </p:nvPr>
         </p:nvSpPr>
@@ -919,7 +916,6 @@
               <a:rPr lang="zh-CN" altLang="en-US" dirty="0"/>
               <a:t>单击此处编辑标题</a:t>
             </a:r>
-            <a:endParaRPr lang="zh-CN" altLang="en-US" dirty="0"/>
           </a:p>
         </p:txBody>
       </p:sp>
@@ -932,7 +928,7 @@
           <p:nvPr>
             <p:ph type="body" idx="1" hasCustomPrompt="1"/>
             <p:custDataLst>
-              <p:tags r:id="rId3"/>
+              <p:tags r:id="rId2"/>
             </p:custDataLst>
           </p:nvPr>
         </p:nvSpPr>
@@ -1045,7 +1041,6 @@
               <a:rPr lang="zh-CN" altLang="en-US" dirty="0"/>
               <a:t>单击此处编辑文本</a:t>
             </a:r>
-            <a:endParaRPr lang="zh-CN" altLang="en-US" dirty="0"/>
           </a:p>
         </p:txBody>
       </p:sp>
@@ -1058,7 +1053,7 @@
           <p:nvPr>
             <p:ph type="dt" sz="half" idx="10"/>
             <p:custDataLst>
-              <p:tags r:id="rId4"/>
+              <p:tags r:id="rId3"/>
             </p:custDataLst>
           </p:nvPr>
         </p:nvSpPr>
@@ -1069,6 +1064,7 @@
           <a:p>
             <a:fld id="{760FBDFE-C587-4B4C-A407-44438C67B59E}" type="datetimeFigureOut">
               <a:rPr lang="zh-CN" altLang="en-US" smtClean="0"/>
+              <a:t>2024/6/3</a:t>
             </a:fld>
             <a:endParaRPr lang="zh-CN" altLang="en-US"/>
           </a:p>
@@ -1083,7 +1079,7 @@
           <p:nvPr>
             <p:ph type="ftr" sz="quarter" idx="11"/>
             <p:custDataLst>
-              <p:tags r:id="rId5"/>
+              <p:tags r:id="rId4"/>
             </p:custDataLst>
           </p:nvPr>
         </p:nvSpPr>
@@ -1105,7 +1101,7 @@
           <p:nvPr>
             <p:ph type="sldNum" sz="quarter" idx="12"/>
             <p:custDataLst>
-              <p:tags r:id="rId6"/>
+              <p:tags r:id="rId5"/>
             </p:custDataLst>
           </p:nvPr>
         </p:nvSpPr>
@@ -1116,6 +1112,7 @@
           <a:p>
             <a:fld id="{49AE70B2-8BF9-45C0-BB95-33D1B9D3A854}" type="slidenum">
               <a:rPr lang="zh-CN" altLang="en-US" smtClean="0"/>
+              <a:t>‹#›</a:t>
             </a:fld>
             <a:endParaRPr lang="zh-CN" altLang="en-US"/>
           </a:p>
@@ -1155,7 +1152,7 @@
           <p:nvPr>
             <p:ph type="title"/>
             <p:custDataLst>
-              <p:tags r:id="rId2"/>
+              <p:tags r:id="rId1"/>
             </p:custDataLst>
           </p:nvPr>
         </p:nvSpPr>
@@ -1173,10 +1170,9 @@
           <a:p>
             <a:pPr lvl="0"/>
             <a:r>
-              <a:rPr lang="zh-CN" altLang="en-US" smtClean="0"/>
+              <a:rPr lang="zh-CN" altLang="en-US"/>
               <a:t>单击此处编辑母版标题样式</a:t>
             </a:r>
-            <a:endParaRPr lang="zh-CN" altLang="en-US"/>
           </a:p>
         </p:txBody>
       </p:sp>
@@ -1189,7 +1185,7 @@
           <p:nvPr>
             <p:ph sz="half" idx="1"/>
             <p:custDataLst>
-              <p:tags r:id="rId3"/>
+              <p:tags r:id="rId2"/>
             </p:custDataLst>
           </p:nvPr>
         </p:nvSpPr>
@@ -1207,42 +1203,37 @@
           <a:p>
             <a:pPr lvl="0"/>
             <a:r>
-              <a:rPr lang="zh-CN" altLang="en-US" smtClean="0"/>
+              <a:rPr lang="zh-CN" altLang="en-US"/>
               <a:t>单击此处编辑母版文本样式</a:t>
             </a:r>
-            <a:endParaRPr lang="zh-CN" altLang="en-US" smtClean="0"/>
           </a:p>
           <a:p>
             <a:pPr lvl="1"/>
             <a:r>
-              <a:rPr lang="zh-CN" altLang="en-US" smtClean="0"/>
+              <a:rPr lang="zh-CN" altLang="en-US"/>
               <a:t>第二级</a:t>
             </a:r>
-            <a:endParaRPr lang="zh-CN" altLang="en-US" smtClean="0"/>
           </a:p>
           <a:p>
             <a:pPr lvl="2"/>
             <a:r>
-              <a:rPr lang="zh-CN" altLang="en-US" smtClean="0"/>
+              <a:rPr lang="zh-CN" altLang="en-US"/>
               <a:t>第三级</a:t>
             </a:r>
-            <a:endParaRPr lang="zh-CN" altLang="en-US" smtClean="0"/>
           </a:p>
           <a:p>
             <a:pPr lvl="3"/>
             <a:r>
-              <a:rPr lang="zh-CN" altLang="en-US" smtClean="0"/>
+              <a:rPr lang="zh-CN" altLang="en-US"/>
               <a:t>第四级</a:t>
             </a:r>
-            <a:endParaRPr lang="zh-CN" altLang="en-US" smtClean="0"/>
           </a:p>
           <a:p>
             <a:pPr lvl="4"/>
             <a:r>
-              <a:rPr lang="zh-CN" altLang="en-US" smtClean="0"/>
+              <a:rPr lang="zh-CN" altLang="en-US"/>
               <a:t>第五级</a:t>
             </a:r>
-            <a:endParaRPr lang="zh-CN" altLang="en-US"/>
           </a:p>
         </p:txBody>
       </p:sp>
@@ -1255,7 +1246,7 @@
           <p:nvPr>
             <p:ph sz="half" idx="2"/>
             <p:custDataLst>
-              <p:tags r:id="rId4"/>
+              <p:tags r:id="rId3"/>
             </p:custDataLst>
           </p:nvPr>
         </p:nvSpPr>
@@ -1276,7 +1267,6 @@
               <a:rPr lang="zh-CN" altLang="en-US" dirty="0"/>
               <a:t>单击此处编辑母版文本样式</a:t>
             </a:r>
-            <a:endParaRPr lang="zh-CN" altLang="en-US" dirty="0"/>
           </a:p>
           <a:p>
             <a:pPr lvl="1"/>
@@ -1284,7 +1274,6 @@
               <a:rPr lang="zh-CN" altLang="en-US" dirty="0"/>
               <a:t>第二级</a:t>
             </a:r>
-            <a:endParaRPr lang="zh-CN" altLang="en-US" dirty="0"/>
           </a:p>
           <a:p>
             <a:pPr lvl="2"/>
@@ -1292,7 +1281,6 @@
               <a:rPr lang="zh-CN" altLang="en-US" dirty="0"/>
               <a:t>第三级</a:t>
             </a:r>
-            <a:endParaRPr lang="zh-CN" altLang="en-US" dirty="0"/>
           </a:p>
           <a:p>
             <a:pPr lvl="3"/>
@@ -1300,7 +1288,6 @@
               <a:rPr lang="zh-CN" altLang="en-US" dirty="0"/>
               <a:t>第四级</a:t>
             </a:r>
-            <a:endParaRPr lang="zh-CN" altLang="en-US" dirty="0"/>
           </a:p>
           <a:p>
             <a:pPr lvl="4"/>
@@ -1308,7 +1295,6 @@
               <a:rPr lang="zh-CN" altLang="en-US" dirty="0"/>
               <a:t>第五级</a:t>
             </a:r>
-            <a:endParaRPr lang="zh-CN" altLang="en-US" dirty="0"/>
           </a:p>
         </p:txBody>
       </p:sp>
@@ -1321,7 +1307,7 @@
           <p:nvPr>
             <p:ph type="dt" sz="half" idx="10"/>
             <p:custDataLst>
-              <p:tags r:id="rId5"/>
+              <p:tags r:id="rId4"/>
             </p:custDataLst>
           </p:nvPr>
         </p:nvSpPr>
@@ -1332,6 +1318,7 @@
           <a:p>
             <a:fld id="{760FBDFE-C587-4B4C-A407-44438C67B59E}" type="datetimeFigureOut">
               <a:rPr lang="zh-CN" altLang="en-US" smtClean="0"/>
+              <a:t>2024/6/3</a:t>
             </a:fld>
             <a:endParaRPr lang="zh-CN" altLang="en-US"/>
           </a:p>
@@ -1346,7 +1333,7 @@
           <p:nvPr>
             <p:ph type="ftr" sz="quarter" idx="11"/>
             <p:custDataLst>
-              <p:tags r:id="rId6"/>
+              <p:tags r:id="rId5"/>
             </p:custDataLst>
           </p:nvPr>
         </p:nvSpPr>
@@ -1368,7 +1355,7 @@
           <p:nvPr>
             <p:ph type="sldNum" sz="quarter" idx="12"/>
             <p:custDataLst>
-              <p:tags r:id="rId7"/>
+              <p:tags r:id="rId6"/>
             </p:custDataLst>
           </p:nvPr>
         </p:nvSpPr>
@@ -1379,6 +1366,7 @@
           <a:p>
             <a:fld id="{49AE70B2-8BF9-45C0-BB95-33D1B9D3A854}" type="slidenum">
               <a:rPr lang="zh-CN" altLang="en-US" smtClean="0"/>
+              <a:t>‹#›</a:t>
             </a:fld>
             <a:endParaRPr lang="zh-CN" altLang="en-US"/>
           </a:p>
@@ -1418,7 +1406,7 @@
           <p:nvPr>
             <p:ph type="title"/>
             <p:custDataLst>
-              <p:tags r:id="rId2"/>
+              <p:tags r:id="rId1"/>
             </p:custDataLst>
           </p:nvPr>
         </p:nvSpPr>
@@ -1436,10 +1424,9 @@
           <a:p>
             <a:pPr lvl="0"/>
             <a:r>
-              <a:rPr lang="zh-CN" altLang="en-US" smtClean="0"/>
+              <a:rPr lang="zh-CN" altLang="en-US"/>
               <a:t>单击此处编辑母版标题样式</a:t>
             </a:r>
-            <a:endParaRPr lang="zh-CN" altLang="en-US"/>
           </a:p>
         </p:txBody>
       </p:sp>
@@ -1452,7 +1439,7 @@
           <p:nvPr>
             <p:ph type="body" idx="1" hasCustomPrompt="1"/>
             <p:custDataLst>
-              <p:tags r:id="rId3"/>
+              <p:tags r:id="rId2"/>
             </p:custDataLst>
           </p:nvPr>
         </p:nvSpPr>
@@ -1520,7 +1507,6 @@
               <a:rPr lang="zh-CN" altLang="en-US" dirty="0"/>
               <a:t>单击此处编辑文本</a:t>
             </a:r>
-            <a:endParaRPr lang="zh-CN" altLang="en-US" dirty="0"/>
           </a:p>
         </p:txBody>
       </p:sp>
@@ -1533,7 +1519,7 @@
           <p:nvPr>
             <p:ph sz="half" idx="2"/>
             <p:custDataLst>
-              <p:tags r:id="rId4"/>
+              <p:tags r:id="rId3"/>
             </p:custDataLst>
           </p:nvPr>
         </p:nvSpPr>
@@ -1551,42 +1537,37 @@
           <a:p>
             <a:pPr lvl="0"/>
             <a:r>
-              <a:rPr lang="zh-CN" altLang="en-US" smtClean="0"/>
+              <a:rPr lang="zh-CN" altLang="en-US"/>
               <a:t>单击此处编辑母版文本样式</a:t>
             </a:r>
-            <a:endParaRPr lang="zh-CN" altLang="en-US" smtClean="0"/>
           </a:p>
           <a:p>
             <a:pPr lvl="1"/>
             <a:r>
-              <a:rPr lang="zh-CN" altLang="en-US" smtClean="0"/>
+              <a:rPr lang="zh-CN" altLang="en-US"/>
               <a:t>第二级</a:t>
             </a:r>
-            <a:endParaRPr lang="zh-CN" altLang="en-US" smtClean="0"/>
           </a:p>
           <a:p>
             <a:pPr lvl="2"/>
             <a:r>
-              <a:rPr lang="zh-CN" altLang="en-US" smtClean="0"/>
+              <a:rPr lang="zh-CN" altLang="en-US"/>
               <a:t>第三级</a:t>
             </a:r>
-            <a:endParaRPr lang="zh-CN" altLang="en-US" smtClean="0"/>
           </a:p>
           <a:p>
             <a:pPr lvl="3"/>
             <a:r>
-              <a:rPr lang="zh-CN" altLang="en-US" smtClean="0"/>
+              <a:rPr lang="zh-CN" altLang="en-US"/>
               <a:t>第四级</a:t>
             </a:r>
-            <a:endParaRPr lang="zh-CN" altLang="en-US" smtClean="0"/>
           </a:p>
           <a:p>
             <a:pPr lvl="4"/>
             <a:r>
-              <a:rPr lang="zh-CN" altLang="en-US" smtClean="0"/>
+              <a:rPr lang="zh-CN" altLang="en-US"/>
               <a:t>第五级</a:t>
             </a:r>
-            <a:endParaRPr lang="zh-CN" altLang="en-US"/>
           </a:p>
         </p:txBody>
       </p:sp>
@@ -1599,7 +1580,7 @@
           <p:nvPr>
             <p:ph type="body" sz="quarter" idx="3" hasCustomPrompt="1"/>
             <p:custDataLst>
-              <p:tags r:id="rId5"/>
+              <p:tags r:id="rId4"/>
             </p:custDataLst>
           </p:nvPr>
         </p:nvSpPr>
@@ -1664,10 +1645,9 @@
           <a:p>
             <a:pPr lvl="0"/>
             <a:r>
-              <a:rPr lang="zh-CN" altLang="en-US" smtClean="0"/>
+              <a:rPr lang="zh-CN" altLang="en-US"/>
               <a:t>单击此处编辑文本</a:t>
             </a:r>
-            <a:endParaRPr lang="zh-CN" altLang="en-US"/>
           </a:p>
         </p:txBody>
       </p:sp>
@@ -1680,7 +1660,7 @@
           <p:nvPr>
             <p:ph sz="quarter" idx="4"/>
             <p:custDataLst>
-              <p:tags r:id="rId6"/>
+              <p:tags r:id="rId5"/>
             </p:custDataLst>
           </p:nvPr>
         </p:nvSpPr>
@@ -1698,42 +1678,37 @@
           <a:p>
             <a:pPr lvl="0"/>
             <a:r>
-              <a:rPr lang="zh-CN" altLang="en-US" smtClean="0"/>
+              <a:rPr lang="zh-CN" altLang="en-US"/>
               <a:t>单击此处编辑母版文本样式</a:t>
             </a:r>
-            <a:endParaRPr lang="zh-CN" altLang="en-US" smtClean="0"/>
           </a:p>
           <a:p>
             <a:pPr lvl="1"/>
             <a:r>
-              <a:rPr lang="zh-CN" altLang="en-US" smtClean="0"/>
+              <a:rPr lang="zh-CN" altLang="en-US"/>
               <a:t>第二级</a:t>
             </a:r>
-            <a:endParaRPr lang="zh-CN" altLang="en-US" smtClean="0"/>
           </a:p>
           <a:p>
             <a:pPr lvl="2"/>
             <a:r>
-              <a:rPr lang="zh-CN" altLang="en-US" smtClean="0"/>
+              <a:rPr lang="zh-CN" altLang="en-US"/>
               <a:t>第三级</a:t>
             </a:r>
-            <a:endParaRPr lang="zh-CN" altLang="en-US" smtClean="0"/>
           </a:p>
           <a:p>
             <a:pPr lvl="3"/>
             <a:r>
-              <a:rPr lang="zh-CN" altLang="en-US" smtClean="0"/>
+              <a:rPr lang="zh-CN" altLang="en-US"/>
               <a:t>第四级</a:t>
             </a:r>
-            <a:endParaRPr lang="zh-CN" altLang="en-US" smtClean="0"/>
           </a:p>
           <a:p>
             <a:pPr lvl="4"/>
             <a:r>
-              <a:rPr lang="zh-CN" altLang="en-US" smtClean="0"/>
+              <a:rPr lang="zh-CN" altLang="en-US"/>
               <a:t>第五级</a:t>
             </a:r>
-            <a:endParaRPr lang="zh-CN" altLang="en-US"/>
           </a:p>
         </p:txBody>
       </p:sp>
@@ -1746,7 +1721,7 @@
           <p:nvPr>
             <p:ph type="dt" sz="half" idx="10"/>
             <p:custDataLst>
-              <p:tags r:id="rId7"/>
+              <p:tags r:id="rId6"/>
             </p:custDataLst>
           </p:nvPr>
         </p:nvSpPr>
@@ -1757,6 +1732,7 @@
           <a:p>
             <a:fld id="{760FBDFE-C587-4B4C-A407-44438C67B59E}" type="datetimeFigureOut">
               <a:rPr lang="zh-CN" altLang="en-US" smtClean="0"/>
+              <a:t>2024/6/3</a:t>
             </a:fld>
             <a:endParaRPr lang="zh-CN" altLang="en-US"/>
           </a:p>
@@ -1771,7 +1747,7 @@
           <p:nvPr>
             <p:ph type="ftr" sz="quarter" idx="11"/>
             <p:custDataLst>
-              <p:tags r:id="rId8"/>
+              <p:tags r:id="rId7"/>
             </p:custDataLst>
           </p:nvPr>
         </p:nvSpPr>
@@ -1793,7 +1769,7 @@
           <p:nvPr>
             <p:ph type="sldNum" sz="quarter" idx="12"/>
             <p:custDataLst>
-              <p:tags r:id="rId9"/>
+              <p:tags r:id="rId8"/>
             </p:custDataLst>
           </p:nvPr>
         </p:nvSpPr>
@@ -1804,6 +1780,7 @@
           <a:p>
             <a:fld id="{49AE70B2-8BF9-45C0-BB95-33D1B9D3A854}" type="slidenum">
               <a:rPr lang="zh-CN" altLang="en-US" smtClean="0"/>
+              <a:t>‹#›</a:t>
             </a:fld>
             <a:endParaRPr lang="zh-CN" altLang="en-US"/>
           </a:p>
@@ -1843,7 +1820,7 @@
           <p:nvPr>
             <p:ph type="title"/>
             <p:custDataLst>
-              <p:tags r:id="rId2"/>
+              <p:tags r:id="rId1"/>
             </p:custDataLst>
           </p:nvPr>
         </p:nvSpPr>
@@ -1861,10 +1838,9 @@
           <a:p>
             <a:pPr lvl="0"/>
             <a:r>
-              <a:rPr lang="zh-CN" altLang="en-US" smtClean="0"/>
+              <a:rPr lang="zh-CN" altLang="en-US"/>
               <a:t>单击此处编辑母版标题样式</a:t>
             </a:r>
-            <a:endParaRPr lang="zh-CN" altLang="en-US"/>
           </a:p>
         </p:txBody>
       </p:sp>
@@ -1877,7 +1853,7 @@
           <p:nvPr>
             <p:ph type="dt" sz="half" idx="10"/>
             <p:custDataLst>
-              <p:tags r:id="rId3"/>
+              <p:tags r:id="rId2"/>
             </p:custDataLst>
           </p:nvPr>
         </p:nvSpPr>
@@ -1888,6 +1864,7 @@
           <a:p>
             <a:fld id="{760FBDFE-C587-4B4C-A407-44438C67B59E}" type="datetimeFigureOut">
               <a:rPr lang="zh-CN" altLang="en-US" smtClean="0"/>
+              <a:t>2024/6/3</a:t>
             </a:fld>
             <a:endParaRPr lang="zh-CN" altLang="en-US"/>
           </a:p>
@@ -1902,7 +1879,7 @@
           <p:nvPr>
             <p:ph type="ftr" sz="quarter" idx="11"/>
             <p:custDataLst>
-              <p:tags r:id="rId4"/>
+              <p:tags r:id="rId3"/>
             </p:custDataLst>
           </p:nvPr>
         </p:nvSpPr>
@@ -1924,7 +1901,7 @@
           <p:nvPr>
             <p:ph type="sldNum" sz="quarter" idx="12"/>
             <p:custDataLst>
-              <p:tags r:id="rId5"/>
+              <p:tags r:id="rId4"/>
             </p:custDataLst>
           </p:nvPr>
         </p:nvSpPr>
@@ -1935,6 +1912,7 @@
           <a:p>
             <a:fld id="{49AE70B2-8BF9-45C0-BB95-33D1B9D3A854}" type="slidenum">
               <a:rPr lang="zh-CN" altLang="en-US" smtClean="0"/>
+              <a:t>‹#›</a:t>
             </a:fld>
             <a:endParaRPr lang="zh-CN" altLang="en-US"/>
           </a:p>
@@ -1974,7 +1952,7 @@
           <p:nvPr>
             <p:ph type="dt" sz="half" idx="10"/>
             <p:custDataLst>
-              <p:tags r:id="rId2"/>
+              <p:tags r:id="rId1"/>
             </p:custDataLst>
           </p:nvPr>
         </p:nvSpPr>
@@ -1985,6 +1963,7 @@
           <a:p>
             <a:fld id="{760FBDFE-C587-4B4C-A407-44438C67B59E}" type="datetimeFigureOut">
               <a:rPr lang="zh-CN" altLang="en-US" smtClean="0"/>
+              <a:t>2024/6/3</a:t>
             </a:fld>
             <a:endParaRPr lang="zh-CN" altLang="en-US"/>
           </a:p>
@@ -1999,7 +1978,7 @@
           <p:nvPr>
             <p:ph type="ftr" sz="quarter" idx="11"/>
             <p:custDataLst>
-              <p:tags r:id="rId3"/>
+              <p:tags r:id="rId2"/>
             </p:custDataLst>
           </p:nvPr>
         </p:nvSpPr>
@@ -2021,7 +2000,7 @@
           <p:nvPr>
             <p:ph type="sldNum" sz="quarter" idx="12"/>
             <p:custDataLst>
-              <p:tags r:id="rId4"/>
+              <p:tags r:id="rId3"/>
             </p:custDataLst>
           </p:nvPr>
         </p:nvSpPr>
@@ -2032,6 +2011,7 @@
           <a:p>
             <a:fld id="{49AE70B2-8BF9-45C0-BB95-33D1B9D3A854}" type="slidenum">
               <a:rPr lang="zh-CN" altLang="en-US" smtClean="0"/>
+              <a:t>‹#›</a:t>
             </a:fld>
             <a:endParaRPr lang="zh-CN" altLang="en-US"/>
           </a:p>
@@ -2071,7 +2051,7 @@
           <p:nvPr>
             <p:ph type="pic" idx="1"/>
             <p:custDataLst>
-              <p:tags r:id="rId2"/>
+              <p:tags r:id="rId1"/>
             </p:custDataLst>
           </p:nvPr>
         </p:nvSpPr>
@@ -2106,7 +2086,7 @@
           <p:nvPr>
             <p:ph type="body" sz="half" idx="2"/>
             <p:custDataLst>
-              <p:tags r:id="rId3"/>
+              <p:tags r:id="rId2"/>
             </p:custDataLst>
           </p:nvPr>
         </p:nvSpPr>
@@ -2129,10 +2109,9 @@
           <a:p>
             <a:pPr lvl="0"/>
             <a:r>
-              <a:rPr lang="zh-CN" altLang="en-US" smtClean="0"/>
+              <a:rPr lang="zh-CN" altLang="en-US"/>
               <a:t>单击此处编辑母版文本样式</a:t>
             </a:r>
-            <a:endParaRPr lang="zh-CN" altLang="en-US"/>
           </a:p>
         </p:txBody>
       </p:sp>
@@ -2145,7 +2124,7 @@
           <p:nvPr>
             <p:ph type="dt" sz="half" idx="10"/>
             <p:custDataLst>
-              <p:tags r:id="rId4"/>
+              <p:tags r:id="rId3"/>
             </p:custDataLst>
           </p:nvPr>
         </p:nvSpPr>
@@ -2156,6 +2135,7 @@
           <a:p>
             <a:fld id="{9EFD9D74-47D9-4702-A33C-335B63B48DBF}" type="datetimeFigureOut">
               <a:rPr lang="zh-CN" altLang="en-US" smtClean="0"/>
+              <a:t>2024/6/3</a:t>
             </a:fld>
             <a:endParaRPr lang="zh-CN" altLang="en-US" dirty="0"/>
           </a:p>
@@ -2170,7 +2150,7 @@
           <p:nvPr>
             <p:ph type="ftr" sz="quarter" idx="11"/>
             <p:custDataLst>
-              <p:tags r:id="rId5"/>
+              <p:tags r:id="rId4"/>
             </p:custDataLst>
           </p:nvPr>
         </p:nvSpPr>
@@ -2192,7 +2172,7 @@
           <p:nvPr>
             <p:ph type="sldNum" sz="quarter" idx="12"/>
             <p:custDataLst>
-              <p:tags r:id="rId6"/>
+              <p:tags r:id="rId5"/>
             </p:custDataLst>
           </p:nvPr>
         </p:nvSpPr>
@@ -2203,6 +2183,7 @@
           <a:p>
             <a:fld id="{FABC47A4-756D-490B-A52F-7D9E2C9FC05F}" type="slidenum">
               <a:rPr lang="zh-CN" altLang="en-US" smtClean="0"/>
+              <a:t>‹#›</a:t>
             </a:fld>
             <a:endParaRPr lang="zh-CN" altLang="en-US"/>
           </a:p>
@@ -2217,19 +2198,19 @@
           <p:nvPr>
             <p:ph type="title"/>
             <p:custDataLst>
-              <p:tags r:id="rId7"/>
+              <p:tags r:id="rId6"/>
             </p:custDataLst>
           </p:nvPr>
         </p:nvSpPr>
         <p:spPr/>
         <p:txBody>
           <a:bodyPr/>
+          <a:lstStyle/>
           <a:p>
             <a:r>
               <a:rPr lang="zh-CN" altLang="en-US"/>
               <a:t>单击此处编辑母版标题样式</a:t>
             </a:r>
-            <a:endParaRPr lang="zh-CN" altLang="en-US"/>
           </a:p>
         </p:txBody>
       </p:sp>
@@ -2267,7 +2248,7 @@
           <p:nvPr>
             <p:ph type="title" orient="vert" hasCustomPrompt="1"/>
             <p:custDataLst>
-              <p:tags r:id="rId2"/>
+              <p:tags r:id="rId1"/>
             </p:custDataLst>
           </p:nvPr>
         </p:nvSpPr>
@@ -2290,10 +2271,9 @@
           <a:p>
             <a:pPr lvl="0"/>
             <a:r>
-              <a:rPr lang="zh-CN" altLang="en-US" smtClean="0"/>
+              <a:rPr lang="zh-CN" altLang="en-US"/>
               <a:t>单击此处编辑标题</a:t>
             </a:r>
-            <a:endParaRPr lang="zh-CN" altLang="en-US"/>
           </a:p>
         </p:txBody>
       </p:sp>
@@ -2306,7 +2286,7 @@
           <p:nvPr>
             <p:ph type="body" orient="vert" idx="1"/>
             <p:custDataLst>
-              <p:tags r:id="rId3"/>
+              <p:tags r:id="rId2"/>
             </p:custDataLst>
           </p:nvPr>
         </p:nvSpPr>
@@ -2344,7 +2324,6 @@
               <a:rPr lang="zh-CN" altLang="en-US" dirty="0"/>
               <a:t>单击此处编辑母版文本样式</a:t>
             </a:r>
-            <a:endParaRPr lang="zh-CN" altLang="en-US" dirty="0"/>
           </a:p>
           <a:p>
             <a:pPr lvl="1"/>
@@ -2352,7 +2331,6 @@
               <a:rPr lang="zh-CN" altLang="en-US" dirty="0"/>
               <a:t>第二级</a:t>
             </a:r>
-            <a:endParaRPr lang="zh-CN" altLang="en-US" dirty="0"/>
           </a:p>
           <a:p>
             <a:pPr lvl="2"/>
@@ -2360,7 +2338,6 @@
               <a:rPr lang="zh-CN" altLang="en-US" dirty="0"/>
               <a:t>第三级</a:t>
             </a:r>
-            <a:endParaRPr lang="zh-CN" altLang="en-US" dirty="0"/>
           </a:p>
           <a:p>
             <a:pPr lvl="3"/>
@@ -2368,7 +2345,6 @@
               <a:rPr lang="zh-CN" altLang="en-US" dirty="0"/>
               <a:t>第四级</a:t>
             </a:r>
-            <a:endParaRPr lang="zh-CN" altLang="en-US" dirty="0"/>
           </a:p>
           <a:p>
             <a:pPr lvl="4"/>
@@ -2376,7 +2352,6 @@
               <a:rPr lang="zh-CN" altLang="en-US" dirty="0"/>
               <a:t>第五级</a:t>
             </a:r>
-            <a:endParaRPr lang="zh-CN" altLang="en-US" dirty="0"/>
           </a:p>
         </p:txBody>
       </p:sp>
@@ -2389,7 +2364,7 @@
           <p:nvPr>
             <p:ph type="dt" sz="half" idx="10"/>
             <p:custDataLst>
-              <p:tags r:id="rId4"/>
+              <p:tags r:id="rId3"/>
             </p:custDataLst>
           </p:nvPr>
         </p:nvSpPr>
@@ -2400,6 +2375,7 @@
           <a:p>
             <a:fld id="{760FBDFE-C587-4B4C-A407-44438C67B59E}" type="datetimeFigureOut">
               <a:rPr lang="zh-CN" altLang="en-US" smtClean="0"/>
+              <a:t>2024/6/3</a:t>
             </a:fld>
             <a:endParaRPr lang="zh-CN" altLang="en-US"/>
           </a:p>
@@ -2414,7 +2390,7 @@
           <p:nvPr>
             <p:ph type="ftr" sz="quarter" idx="11"/>
             <p:custDataLst>
-              <p:tags r:id="rId5"/>
+              <p:tags r:id="rId4"/>
             </p:custDataLst>
           </p:nvPr>
         </p:nvSpPr>
@@ -2436,7 +2412,7 @@
           <p:nvPr>
             <p:ph type="sldNum" sz="quarter" idx="12"/>
             <p:custDataLst>
-              <p:tags r:id="rId6"/>
+              <p:tags r:id="rId5"/>
             </p:custDataLst>
           </p:nvPr>
         </p:nvSpPr>
@@ -2447,6 +2423,7 @@
           <a:p>
             <a:fld id="{49AE70B2-8BF9-45C0-BB95-33D1B9D3A854}" type="slidenum">
               <a:rPr lang="zh-CN" altLang="en-US" smtClean="0"/>
+              <a:t>‹#›</a:t>
             </a:fld>
             <a:endParaRPr lang="zh-CN" altLang="en-US"/>
           </a:p>
@@ -2491,7 +2468,7 @@
           <p:nvPr>
             <p:ph type="title"/>
             <p:custDataLst>
-              <p:tags r:id="rId12"/>
+              <p:tags r:id="rId14"/>
             </p:custDataLst>
           </p:nvPr>
         </p:nvSpPr>
@@ -2514,7 +2491,6 @@
               <a:rPr lang="zh-CN" altLang="en-US" dirty="0"/>
               <a:t>单击此处编辑母版标题样式</a:t>
             </a:r>
-            <a:endParaRPr lang="zh-CN" altLang="en-US" dirty="0"/>
           </a:p>
         </p:txBody>
       </p:sp>
@@ -2527,7 +2503,7 @@
           <p:nvPr>
             <p:ph type="body" idx="1"/>
             <p:custDataLst>
-              <p:tags r:id="rId13"/>
+              <p:tags r:id="rId15"/>
             </p:custDataLst>
           </p:nvPr>
         </p:nvSpPr>
@@ -2551,7 +2527,6 @@
               <a:rPr lang="zh-CN" altLang="en-US" dirty="0"/>
               <a:t>单击此处编辑母版文本样式</a:t>
             </a:r>
-            <a:endParaRPr lang="zh-CN" altLang="en-US" dirty="0"/>
           </a:p>
           <a:p>
             <a:pPr lvl="1"/>
@@ -2559,7 +2534,6 @@
               <a:rPr lang="zh-CN" altLang="en-US" dirty="0"/>
               <a:t>第二级</a:t>
             </a:r>
-            <a:endParaRPr lang="zh-CN" altLang="en-US" dirty="0"/>
           </a:p>
           <a:p>
             <a:pPr lvl="2"/>
@@ -2567,7 +2541,6 @@
               <a:rPr lang="zh-CN" altLang="en-US" dirty="0"/>
               <a:t>第三级</a:t>
             </a:r>
-            <a:endParaRPr lang="zh-CN" altLang="en-US" dirty="0"/>
           </a:p>
           <a:p>
             <a:pPr lvl="3"/>
@@ -2575,7 +2548,6 @@
               <a:rPr lang="zh-CN" altLang="en-US" dirty="0"/>
               <a:t>第四级</a:t>
             </a:r>
-            <a:endParaRPr lang="zh-CN" altLang="en-US" dirty="0"/>
           </a:p>
           <a:p>
             <a:pPr lvl="4"/>
@@ -2583,7 +2555,6 @@
               <a:rPr lang="zh-CN" altLang="en-US" dirty="0"/>
               <a:t>第五级</a:t>
             </a:r>
-            <a:endParaRPr lang="zh-CN" altLang="en-US" dirty="0"/>
           </a:p>
         </p:txBody>
       </p:sp>
@@ -2596,7 +2567,7 @@
           <p:nvPr>
             <p:ph type="dt" sz="half" idx="2"/>
             <p:custDataLst>
-              <p:tags r:id="rId14"/>
+              <p:tags r:id="rId16"/>
             </p:custDataLst>
           </p:nvPr>
         </p:nvSpPr>
@@ -2627,6 +2598,7 @@
           <a:p>
             <a:fld id="{760FBDFE-C587-4B4C-A407-44438C67B59E}" type="datetimeFigureOut">
               <a:rPr lang="zh-CN" altLang="en-US" smtClean="0"/>
+              <a:t>2024/6/3</a:t>
             </a:fld>
             <a:endParaRPr lang="zh-CN" altLang="en-US"/>
           </a:p>
@@ -2641,7 +2613,7 @@
           <p:nvPr>
             <p:ph type="ftr" sz="quarter" idx="3"/>
             <p:custDataLst>
-              <p:tags r:id="rId15"/>
+              <p:tags r:id="rId17"/>
             </p:custDataLst>
           </p:nvPr>
         </p:nvSpPr>
@@ -2683,7 +2655,7 @@
           <p:nvPr>
             <p:ph type="sldNum" sz="quarter" idx="4"/>
             <p:custDataLst>
-              <p:tags r:id="rId16"/>
+              <p:tags r:id="rId18"/>
             </p:custDataLst>
           </p:nvPr>
         </p:nvSpPr>
@@ -2714,6 +2686,7 @@
           <a:p>
             <a:fld id="{49AE70B2-8BF9-45C0-BB95-33D1B9D3A854}" type="slidenum">
               <a:rPr lang="zh-CN" altLang="en-US" smtClean="0"/>
+              <a:t>‹#›</a:t>
             </a:fld>
             <a:endParaRPr lang="zh-CN" altLang="en-US" dirty="0"/>
           </a:p>
@@ -2721,7 +2694,7 @@
       </p:sp>
     </p:spTree>
     <p:custDataLst>
-      <p:tags r:id="rId17"/>
+      <p:tags r:id="rId13"/>
     </p:custDataLst>
   </p:cSld>
   <p:clrMap bg1="lt1" tx1="dk1" bg2="lt2" tx2="dk2" accent1="accent1" accent2="accent2" accent3="accent3" accent4="accent4" accent5="accent5" accent6="accent6" hlink="hlink" folHlink="folHlink"/>
@@ -3083,6 +3056,1951 @@
           <a:chExt cx="0" cy="0"/>
         </a:xfrm>
       </p:grpSpPr>
+      <p:sp>
+        <p:nvSpPr>
+          <p:cNvPr id="46" name="矩形: 圆角 40">
+            <a:extLst>
+              <a:ext uri="{FF2B5EF4-FFF2-40B4-BE49-F238E27FC236}">
+                <a16:creationId xmlns:a16="http://schemas.microsoft.com/office/drawing/2014/main" id="{112EE25B-3139-40AA-B2EF-3F066E96589C}"/>
+              </a:ext>
+            </a:extLst>
+          </p:cNvPr>
+          <p:cNvSpPr/>
+          <p:nvPr>
+            <p:custDataLst>
+              <p:tags r:id="rId2"/>
+            </p:custDataLst>
+          </p:nvPr>
+        </p:nvSpPr>
+        <p:spPr>
+          <a:xfrm>
+            <a:off x="7646619" y="2040370"/>
+            <a:ext cx="2594662" cy="727075"/>
+          </a:xfrm>
+          <a:prstGeom prst="roundRect">
+            <a:avLst/>
+          </a:prstGeom>
+          <a:solidFill>
+            <a:schemeClr val="bg1"/>
+          </a:solidFill>
+          <a:ln w="28575">
+            <a:solidFill>
+              <a:srgbClr val="00B0F0"/>
+            </a:solidFill>
+          </a:ln>
+          <a:effectLst>
+            <a:outerShdw blurRad="50800" dist="38100" dir="5400000" algn="t" rotWithShape="0">
+              <a:prstClr val="black">
+                <a:alpha val="40000"/>
+              </a:prstClr>
+            </a:outerShdw>
+          </a:effectLst>
+        </p:spPr>
+        <p:style>
+          <a:lnRef idx="2">
+            <a:schemeClr val="accent1">
+              <a:shade val="15000"/>
+            </a:schemeClr>
+          </a:lnRef>
+          <a:fillRef idx="1">
+            <a:schemeClr val="accent1"/>
+          </a:fillRef>
+          <a:effectRef idx="0">
+            <a:schemeClr val="accent1"/>
+          </a:effectRef>
+          <a:fontRef idx="minor">
+            <a:schemeClr val="lt1"/>
+          </a:fontRef>
+        </p:style>
+        <p:txBody>
+          <a:bodyPr rtlCol="0" anchor="ctr"/>
+          <a:lstStyle/>
+          <a:p>
+            <a:pPr algn="ctr"/>
+            <a:r>
+              <a:rPr lang="zh-CN" altLang="en-US" dirty="0">
+                <a:ea typeface="等线" panose="02010600030101010101" charset="-122"/>
+                <a:cs typeface="Calibri" panose="020F0502020204030204"/>
+              </a:rPr>
+              <a:t>290</a:t>
+            </a:r>
+            <a:endParaRPr lang="zh-CN" dirty="0"/>
+          </a:p>
+        </p:txBody>
+      </p:sp>
+      <p:sp>
+        <p:nvSpPr>
+          <p:cNvPr id="5" name="箭头: 五边形 5"/>
+          <p:cNvSpPr/>
+          <p:nvPr>
+            <p:custDataLst>
+              <p:tags r:id="rId3"/>
+            </p:custDataLst>
+          </p:nvPr>
+        </p:nvSpPr>
+        <p:spPr>
+          <a:xfrm>
+            <a:off x="2008769" y="3578352"/>
+            <a:ext cx="8268072" cy="161387"/>
+          </a:xfrm>
+          <a:prstGeom prst="homePlate">
+            <a:avLst>
+              <a:gd name="adj" fmla="val 246073"/>
+            </a:avLst>
+          </a:prstGeom>
+          <a:effectLst/>
+        </p:spPr>
+        <p:style>
+          <a:lnRef idx="0">
+            <a:srgbClr val="FFFFFF"/>
+          </a:lnRef>
+          <a:fillRef idx="3">
+            <a:schemeClr val="accent1"/>
+          </a:fillRef>
+          <a:effectRef idx="0">
+            <a:srgbClr val="FFFFFF"/>
+          </a:effectRef>
+          <a:fontRef idx="minor">
+            <a:schemeClr val="lt1"/>
+          </a:fontRef>
+        </p:style>
+        <p:txBody>
+          <a:bodyPr rtlCol="0" anchor="ctr"/>
+          <a:lstStyle/>
+          <a:p>
+            <a:pPr algn="ctr"/>
+            <a:endParaRPr lang="zh-CN" altLang="en-US"/>
+          </a:p>
+        </p:txBody>
+      </p:sp>
+      <p:cxnSp>
+        <p:nvCxnSpPr>
+          <p:cNvPr id="7" name="直接箭头连接符 6"/>
+          <p:cNvCxnSpPr/>
+          <p:nvPr>
+            <p:custDataLst>
+              <p:tags r:id="rId4"/>
+            </p:custDataLst>
+          </p:nvPr>
+        </p:nvCxnSpPr>
+        <p:spPr>
+          <a:xfrm>
+            <a:off x="2670713" y="1972349"/>
+            <a:ext cx="0" cy="1644590"/>
+          </a:xfrm>
+          <a:prstGeom prst="straightConnector1">
+            <a:avLst/>
+          </a:prstGeom>
+          <a:ln w="28575">
+            <a:solidFill>
+              <a:srgbClr val="00B0F0"/>
+            </a:solidFill>
+          </a:ln>
+        </p:spPr>
+        <p:style>
+          <a:lnRef idx="1">
+            <a:schemeClr val="accent1"/>
+          </a:lnRef>
+          <a:fillRef idx="0">
+            <a:schemeClr val="accent1"/>
+          </a:fillRef>
+          <a:effectRef idx="0">
+            <a:schemeClr val="accent1"/>
+          </a:effectRef>
+          <a:fontRef idx="minor">
+            <a:schemeClr val="tx1"/>
+          </a:fontRef>
+        </p:style>
+      </p:cxnSp>
+      <p:sp>
+        <p:nvSpPr>
+          <p:cNvPr id="8" name="矩形: 圆角 9"/>
+          <p:cNvSpPr/>
+          <p:nvPr>
+            <p:custDataLst>
+              <p:tags r:id="rId5"/>
+            </p:custDataLst>
+          </p:nvPr>
+        </p:nvSpPr>
+        <p:spPr>
+          <a:xfrm>
+            <a:off x="1509659" y="1305663"/>
+            <a:ext cx="2474595" cy="636270"/>
+          </a:xfrm>
+          <a:prstGeom prst="roundRect">
+            <a:avLst/>
+          </a:prstGeom>
+          <a:solidFill>
+            <a:schemeClr val="bg1"/>
+          </a:solidFill>
+          <a:ln w="28575">
+            <a:solidFill>
+              <a:srgbClr val="00B0F0"/>
+            </a:solidFill>
+          </a:ln>
+          <a:effectLst>
+            <a:outerShdw blurRad="50800" dist="38100" dir="5400000" algn="t" rotWithShape="0">
+              <a:prstClr val="black">
+                <a:alpha val="40000"/>
+              </a:prstClr>
+            </a:outerShdw>
+          </a:effectLst>
+        </p:spPr>
+        <p:style>
+          <a:lnRef idx="2">
+            <a:schemeClr val="accent1">
+              <a:shade val="15000"/>
+            </a:schemeClr>
+          </a:lnRef>
+          <a:fillRef idx="1">
+            <a:schemeClr val="accent1"/>
+          </a:fillRef>
+          <a:effectRef idx="0">
+            <a:schemeClr val="accent1"/>
+          </a:effectRef>
+          <a:fontRef idx="minor">
+            <a:schemeClr val="lt1"/>
+          </a:fontRef>
+        </p:style>
+        <p:txBody>
+          <a:bodyPr rtlCol="0" anchor="ctr"/>
+          <a:lstStyle/>
+          <a:p>
+            <a:pPr algn="ctr"/>
+            <a:r>
+              <a:rPr lang="zh-CN" altLang="en-US" dirty="0">
+                <a:ea typeface="等线" panose="02010600030101010101" charset="-122"/>
+                <a:cs typeface="Calibri" panose="020F0502020204030204"/>
+              </a:rPr>
+              <a:t>290</a:t>
+            </a:r>
+            <a:endParaRPr lang="zh-CN" dirty="0"/>
+          </a:p>
+        </p:txBody>
+      </p:sp>
+      <p:sp>
+        <p:nvSpPr>
+          <p:cNvPr id="17" name="椭圆 16"/>
+          <p:cNvSpPr/>
+          <p:nvPr>
+            <p:custDataLst>
+              <p:tags r:id="rId6"/>
+            </p:custDataLst>
+          </p:nvPr>
+        </p:nvSpPr>
+        <p:spPr>
+          <a:xfrm>
+            <a:off x="2550780" y="3542480"/>
+            <a:ext cx="241709" cy="241709"/>
+          </a:xfrm>
+          <a:prstGeom prst="ellipse">
+            <a:avLst/>
+          </a:prstGeom>
+          <a:solidFill>
+            <a:srgbClr val="0070C0"/>
+          </a:solidFill>
+          <a:ln>
+            <a:solidFill>
+              <a:srgbClr val="0070C0"/>
+            </a:solidFill>
+          </a:ln>
+        </p:spPr>
+        <p:style>
+          <a:lnRef idx="2">
+            <a:schemeClr val="accent1">
+              <a:shade val="15000"/>
+            </a:schemeClr>
+          </a:lnRef>
+          <a:fillRef idx="1">
+            <a:schemeClr val="accent1"/>
+          </a:fillRef>
+          <a:effectRef idx="0">
+            <a:schemeClr val="accent1"/>
+          </a:effectRef>
+          <a:fontRef idx="minor">
+            <a:schemeClr val="lt1"/>
+          </a:fontRef>
+        </p:style>
+        <p:txBody>
+          <a:bodyPr rtlCol="0" anchor="ctr"/>
+          <a:lstStyle/>
+          <a:p>
+            <a:pPr algn="ctr"/>
+            <a:endParaRPr lang="zh-CN" altLang="en-US">
+              <a:solidFill>
+                <a:srgbClr val="0070C0"/>
+              </a:solidFill>
+            </a:endParaRPr>
+          </a:p>
+        </p:txBody>
+      </p:sp>
+      <p:sp>
+        <p:nvSpPr>
+          <p:cNvPr id="18" name="文本框 17"/>
+          <p:cNvSpPr txBox="1"/>
+          <p:nvPr>
+            <p:custDataLst>
+              <p:tags r:id="rId7"/>
+            </p:custDataLst>
+          </p:nvPr>
+        </p:nvSpPr>
+        <p:spPr>
+          <a:xfrm>
+            <a:off x="1575064" y="1280898"/>
+            <a:ext cx="2409190" cy="695325"/>
+          </a:xfrm>
+          <a:prstGeom prst="rect">
+            <a:avLst/>
+          </a:prstGeom>
+          <a:noFill/>
+        </p:spPr>
+        <p:txBody>
+          <a:bodyPr rot="0" spcFirstLastPara="0" vertOverflow="overflow" horzOverflow="overflow" vert="horz" wrap="square" lIns="91440" tIns="45720" rIns="91440" bIns="45720" numCol="1" spcCol="0" rtlCol="0" fromWordArt="0" anchor="t" anchorCtr="0" forceAA="0" compatLnSpc="1">
+            <a:noAutofit/>
+          </a:bodyPr>
+          <a:lstStyle/>
+          <a:p>
+            <a:r>
+              <a:rPr lang="en-US" altLang="zh-CN" dirty="0">
+                <a:latin typeface="Arial" panose="020B0604020202020204" pitchFamily="34" charset="0"/>
+                <a:cs typeface="Arial" panose="020B0604020202020204" pitchFamily="34" charset="0"/>
+              </a:rPr>
+              <a:t>First Linux kernel drivers written in Rust</a:t>
+            </a:r>
+            <a:endParaRPr lang="zh-CN" altLang="en-US" dirty="0">
+              <a:latin typeface="Arial" panose="020B0604020202020204" pitchFamily="34" charset="0"/>
+              <a:cs typeface="Arial" panose="020B0604020202020204" pitchFamily="34" charset="0"/>
+            </a:endParaRPr>
+          </a:p>
+        </p:txBody>
+      </p:sp>
+      <p:cxnSp>
+        <p:nvCxnSpPr>
+          <p:cNvPr id="19" name="直接箭头连接符 18"/>
+          <p:cNvCxnSpPr/>
+          <p:nvPr>
+            <p:custDataLst>
+              <p:tags r:id="rId8"/>
+            </p:custDataLst>
+          </p:nvPr>
+        </p:nvCxnSpPr>
+        <p:spPr>
+          <a:xfrm>
+            <a:off x="3662941" y="3642622"/>
+            <a:ext cx="0" cy="1934288"/>
+          </a:xfrm>
+          <a:prstGeom prst="straightConnector1">
+            <a:avLst/>
+          </a:prstGeom>
+          <a:ln w="28575">
+            <a:solidFill>
+              <a:srgbClr val="00B0F0"/>
+            </a:solidFill>
+          </a:ln>
+        </p:spPr>
+        <p:style>
+          <a:lnRef idx="1">
+            <a:schemeClr val="accent1"/>
+          </a:lnRef>
+          <a:fillRef idx="0">
+            <a:schemeClr val="accent1"/>
+          </a:fillRef>
+          <a:effectRef idx="0">
+            <a:schemeClr val="accent1"/>
+          </a:effectRef>
+          <a:fontRef idx="minor">
+            <a:schemeClr val="tx1"/>
+          </a:fontRef>
+        </p:style>
+      </p:cxnSp>
+      <p:sp>
+        <p:nvSpPr>
+          <p:cNvPr id="20" name="椭圆 19"/>
+          <p:cNvSpPr/>
+          <p:nvPr>
+            <p:custDataLst>
+              <p:tags r:id="rId9"/>
+            </p:custDataLst>
+          </p:nvPr>
+        </p:nvSpPr>
+        <p:spPr>
+          <a:xfrm>
+            <a:off x="3543824" y="3519821"/>
+            <a:ext cx="241709" cy="241709"/>
+          </a:xfrm>
+          <a:prstGeom prst="ellipse">
+            <a:avLst/>
+          </a:prstGeom>
+          <a:solidFill>
+            <a:srgbClr val="0070C0"/>
+          </a:solidFill>
+          <a:ln>
+            <a:solidFill>
+              <a:srgbClr val="0070C0"/>
+            </a:solidFill>
+          </a:ln>
+        </p:spPr>
+        <p:style>
+          <a:lnRef idx="2">
+            <a:schemeClr val="accent1">
+              <a:shade val="15000"/>
+            </a:schemeClr>
+          </a:lnRef>
+          <a:fillRef idx="1">
+            <a:schemeClr val="accent1"/>
+          </a:fillRef>
+          <a:effectRef idx="0">
+            <a:schemeClr val="accent1"/>
+          </a:effectRef>
+          <a:fontRef idx="minor">
+            <a:schemeClr val="lt1"/>
+          </a:fontRef>
+        </p:style>
+        <p:txBody>
+          <a:bodyPr rtlCol="0" anchor="ctr"/>
+          <a:lstStyle/>
+          <a:p>
+            <a:pPr algn="ctr"/>
+            <a:endParaRPr lang="zh-CN" altLang="en-US">
+              <a:solidFill>
+                <a:srgbClr val="0070C0"/>
+              </a:solidFill>
+            </a:endParaRPr>
+          </a:p>
+        </p:txBody>
+      </p:sp>
+      <p:sp>
+        <p:nvSpPr>
+          <p:cNvPr id="21" name="矩形: 圆角 14"/>
+          <p:cNvSpPr/>
+          <p:nvPr>
+            <p:custDataLst>
+              <p:tags r:id="rId10"/>
+            </p:custDataLst>
+          </p:nvPr>
+        </p:nvSpPr>
+        <p:spPr>
+          <a:xfrm>
+            <a:off x="2156724" y="5055973"/>
+            <a:ext cx="2961005" cy="716280"/>
+          </a:xfrm>
+          <a:prstGeom prst="roundRect">
+            <a:avLst/>
+          </a:prstGeom>
+          <a:solidFill>
+            <a:schemeClr val="bg1"/>
+          </a:solidFill>
+          <a:ln w="28575">
+            <a:solidFill>
+              <a:srgbClr val="00B0F0"/>
+            </a:solidFill>
+          </a:ln>
+          <a:effectLst>
+            <a:outerShdw blurRad="50800" dist="38100" dir="5400000" algn="t" rotWithShape="0">
+              <a:prstClr val="black">
+                <a:alpha val="40000"/>
+              </a:prstClr>
+            </a:outerShdw>
+          </a:effectLst>
+        </p:spPr>
+        <p:style>
+          <a:lnRef idx="2">
+            <a:schemeClr val="accent1">
+              <a:shade val="15000"/>
+            </a:schemeClr>
+          </a:lnRef>
+          <a:fillRef idx="1">
+            <a:schemeClr val="accent1"/>
+          </a:fillRef>
+          <a:effectRef idx="0">
+            <a:schemeClr val="accent1"/>
+          </a:effectRef>
+          <a:fontRef idx="minor">
+            <a:schemeClr val="lt1"/>
+          </a:fontRef>
+        </p:style>
+        <p:txBody>
+          <a:bodyPr rtlCol="0" anchor="ctr"/>
+          <a:lstStyle/>
+          <a:p>
+            <a:pPr algn="ctr"/>
+            <a:r>
+              <a:rPr lang="zh-CN" altLang="en-US" dirty="0"/>
+              <a:t>290</a:t>
+            </a:r>
+          </a:p>
+        </p:txBody>
+      </p:sp>
+      <p:sp>
+        <p:nvSpPr>
+          <p:cNvPr id="22" name="文本框 21"/>
+          <p:cNvSpPr txBox="1"/>
+          <p:nvPr>
+            <p:custDataLst>
+              <p:tags r:id="rId11"/>
+            </p:custDataLst>
+          </p:nvPr>
+        </p:nvSpPr>
+        <p:spPr>
+          <a:xfrm>
+            <a:off x="2262769" y="5114393"/>
+            <a:ext cx="2988945" cy="645160"/>
+          </a:xfrm>
+          <a:prstGeom prst="rect">
+            <a:avLst/>
+          </a:prstGeom>
+          <a:noFill/>
+        </p:spPr>
+        <p:txBody>
+          <a:bodyPr rot="0" spcFirstLastPara="0" vertOverflow="overflow" horzOverflow="overflow" vert="horz" wrap="square" lIns="91440" tIns="45720" rIns="91440" bIns="45720" numCol="1" spcCol="0" rtlCol="0" fromWordArt="0" anchor="t" anchorCtr="0" forceAA="0" compatLnSpc="1">
+            <a:spAutoFit/>
+          </a:bodyPr>
+          <a:lstStyle/>
+          <a:p>
+            <a:r>
+              <a:rPr lang="en-US" altLang="zh-CN" dirty="0">
+                <a:latin typeface="Arial" panose="020B0604020202020204" pitchFamily="34" charset="0"/>
+                <a:cs typeface="Arial" panose="020B0604020202020204" pitchFamily="34" charset="0"/>
+              </a:rPr>
+              <a:t>First L</a:t>
+            </a:r>
+            <a:r>
+              <a:rPr lang="en-US" altLang="zh-CN" dirty="0" err="1">
+                <a:latin typeface="Arial" panose="020B0604020202020204" pitchFamily="34" charset="0"/>
+                <a:cs typeface="Arial" panose="020B0604020202020204" pitchFamily="34" charset="0"/>
+              </a:rPr>
+              <a:t>inux</a:t>
+            </a:r>
+            <a:r>
+              <a:rPr lang="en-US" altLang="zh-CN" dirty="0">
+                <a:latin typeface="Arial" panose="020B0604020202020204" pitchFamily="34" charset="0"/>
+                <a:cs typeface="Arial" panose="020B0604020202020204" pitchFamily="34" charset="0"/>
+              </a:rPr>
+              <a:t>-kernel-module-rust presentation</a:t>
+            </a:r>
+            <a:endParaRPr lang="zh-CN" altLang="en-US" dirty="0">
+              <a:latin typeface="Arial" panose="020B0604020202020204" pitchFamily="34" charset="0"/>
+              <a:cs typeface="Arial" panose="020B0604020202020204" pitchFamily="34" charset="0"/>
+            </a:endParaRPr>
+          </a:p>
+        </p:txBody>
+      </p:sp>
+      <p:cxnSp>
+        <p:nvCxnSpPr>
+          <p:cNvPr id="23" name="直接箭头连接符 22"/>
+          <p:cNvCxnSpPr/>
+          <p:nvPr>
+            <p:custDataLst>
+              <p:tags r:id="rId12"/>
+            </p:custDataLst>
+          </p:nvPr>
+        </p:nvCxnSpPr>
+        <p:spPr>
+          <a:xfrm flipH="1">
+            <a:off x="5696309" y="3622957"/>
+            <a:ext cx="1987" cy="919031"/>
+          </a:xfrm>
+          <a:prstGeom prst="straightConnector1">
+            <a:avLst/>
+          </a:prstGeom>
+          <a:ln w="28575">
+            <a:solidFill>
+              <a:srgbClr val="00B0F0"/>
+            </a:solidFill>
+          </a:ln>
+        </p:spPr>
+        <p:style>
+          <a:lnRef idx="1">
+            <a:schemeClr val="accent1"/>
+          </a:lnRef>
+          <a:fillRef idx="0">
+            <a:schemeClr val="accent1"/>
+          </a:fillRef>
+          <a:effectRef idx="0">
+            <a:schemeClr val="accent1"/>
+          </a:effectRef>
+          <a:fontRef idx="minor">
+            <a:schemeClr val="tx1"/>
+          </a:fontRef>
+        </p:style>
+      </p:cxnSp>
+      <p:sp>
+        <p:nvSpPr>
+          <p:cNvPr id="24" name="椭圆 23"/>
+          <p:cNvSpPr/>
+          <p:nvPr>
+            <p:custDataLst>
+              <p:tags r:id="rId13"/>
+            </p:custDataLst>
+          </p:nvPr>
+        </p:nvSpPr>
+        <p:spPr>
+          <a:xfrm>
+            <a:off x="5575455" y="3519821"/>
+            <a:ext cx="241709" cy="241709"/>
+          </a:xfrm>
+          <a:prstGeom prst="ellipse">
+            <a:avLst/>
+          </a:prstGeom>
+          <a:solidFill>
+            <a:srgbClr val="0070C0"/>
+          </a:solidFill>
+          <a:ln>
+            <a:solidFill>
+              <a:srgbClr val="0070C0"/>
+            </a:solidFill>
+          </a:ln>
+        </p:spPr>
+        <p:style>
+          <a:lnRef idx="2">
+            <a:schemeClr val="accent1">
+              <a:shade val="15000"/>
+            </a:schemeClr>
+          </a:lnRef>
+          <a:fillRef idx="1">
+            <a:schemeClr val="accent1"/>
+          </a:fillRef>
+          <a:effectRef idx="0">
+            <a:schemeClr val="accent1"/>
+          </a:effectRef>
+          <a:fontRef idx="minor">
+            <a:schemeClr val="lt1"/>
+          </a:fontRef>
+        </p:style>
+        <p:txBody>
+          <a:bodyPr rtlCol="0" anchor="ctr"/>
+          <a:lstStyle/>
+          <a:p>
+            <a:pPr algn="ctr"/>
+            <a:endParaRPr lang="zh-CN" altLang="en-US">
+              <a:solidFill>
+                <a:srgbClr val="0070C0"/>
+              </a:solidFill>
+            </a:endParaRPr>
+          </a:p>
+        </p:txBody>
+      </p:sp>
+      <p:sp>
+        <p:nvSpPr>
+          <p:cNvPr id="25" name="矩形: 圆角 30"/>
+          <p:cNvSpPr/>
+          <p:nvPr>
+            <p:custDataLst>
+              <p:tags r:id="rId14"/>
+            </p:custDataLst>
+          </p:nvPr>
+        </p:nvSpPr>
+        <p:spPr>
+          <a:xfrm>
+            <a:off x="4422404" y="4149193"/>
+            <a:ext cx="2578100" cy="742950"/>
+          </a:xfrm>
+          <a:prstGeom prst="roundRect">
+            <a:avLst/>
+          </a:prstGeom>
+          <a:solidFill>
+            <a:schemeClr val="bg1"/>
+          </a:solidFill>
+          <a:ln w="28575">
+            <a:solidFill>
+              <a:srgbClr val="00B0F0"/>
+            </a:solidFill>
+          </a:ln>
+          <a:effectLst>
+            <a:outerShdw blurRad="50800" dist="38100" dir="5400000" algn="t" rotWithShape="0">
+              <a:prstClr val="black">
+                <a:alpha val="40000"/>
+              </a:prstClr>
+            </a:outerShdw>
+          </a:effectLst>
+        </p:spPr>
+        <p:style>
+          <a:lnRef idx="2">
+            <a:schemeClr val="accent1">
+              <a:shade val="15000"/>
+            </a:schemeClr>
+          </a:lnRef>
+          <a:fillRef idx="1">
+            <a:schemeClr val="accent1"/>
+          </a:fillRef>
+          <a:effectRef idx="0">
+            <a:schemeClr val="accent1"/>
+          </a:effectRef>
+          <a:fontRef idx="minor">
+            <a:schemeClr val="lt1"/>
+          </a:fontRef>
+        </p:style>
+        <p:txBody>
+          <a:bodyPr rtlCol="0" anchor="ctr"/>
+          <a:lstStyle/>
+          <a:p>
+            <a:pPr algn="ctr"/>
+            <a:r>
+              <a:rPr lang="zh-CN" altLang="en-US" dirty="0">
+                <a:ea typeface="等线" panose="02010600030101010101" charset="-122"/>
+                <a:cs typeface="Calibri" panose="020F0502020204030204"/>
+              </a:rPr>
+              <a:t>290</a:t>
+            </a:r>
+            <a:endParaRPr lang="zh-CN" dirty="0"/>
+          </a:p>
+        </p:txBody>
+      </p:sp>
+      <p:cxnSp>
+        <p:nvCxnSpPr>
+          <p:cNvPr id="26" name="直接箭头连接符 25"/>
+          <p:cNvCxnSpPr/>
+          <p:nvPr>
+            <p:custDataLst>
+              <p:tags r:id="rId15"/>
+            </p:custDataLst>
+          </p:nvPr>
+        </p:nvCxnSpPr>
+        <p:spPr>
+          <a:xfrm>
+            <a:off x="4764593" y="2828012"/>
+            <a:ext cx="0" cy="788927"/>
+          </a:xfrm>
+          <a:prstGeom prst="straightConnector1">
+            <a:avLst/>
+          </a:prstGeom>
+          <a:ln w="28575">
+            <a:solidFill>
+              <a:srgbClr val="00B0F0"/>
+            </a:solidFill>
+          </a:ln>
+        </p:spPr>
+        <p:style>
+          <a:lnRef idx="1">
+            <a:schemeClr val="accent1"/>
+          </a:lnRef>
+          <a:fillRef idx="0">
+            <a:schemeClr val="accent1"/>
+          </a:fillRef>
+          <a:effectRef idx="0">
+            <a:schemeClr val="accent1"/>
+          </a:effectRef>
+          <a:fontRef idx="minor">
+            <a:schemeClr val="tx1"/>
+          </a:fontRef>
+        </p:style>
+      </p:cxnSp>
+      <p:sp>
+        <p:nvSpPr>
+          <p:cNvPr id="27" name="矩形: 圆角 40"/>
+          <p:cNvSpPr/>
+          <p:nvPr>
+            <p:custDataLst>
+              <p:tags r:id="rId16"/>
+            </p:custDataLst>
+          </p:nvPr>
+        </p:nvSpPr>
+        <p:spPr>
+          <a:xfrm>
+            <a:off x="3464189" y="2049248"/>
+            <a:ext cx="2508250" cy="727075"/>
+          </a:xfrm>
+          <a:prstGeom prst="roundRect">
+            <a:avLst/>
+          </a:prstGeom>
+          <a:solidFill>
+            <a:schemeClr val="bg1"/>
+          </a:solidFill>
+          <a:ln w="28575">
+            <a:solidFill>
+              <a:srgbClr val="00B0F0"/>
+            </a:solidFill>
+          </a:ln>
+          <a:effectLst>
+            <a:outerShdw blurRad="50800" dist="38100" dir="5400000" algn="t" rotWithShape="0">
+              <a:prstClr val="black">
+                <a:alpha val="40000"/>
+              </a:prstClr>
+            </a:outerShdw>
+          </a:effectLst>
+        </p:spPr>
+        <p:style>
+          <a:lnRef idx="2">
+            <a:schemeClr val="accent1">
+              <a:shade val="15000"/>
+            </a:schemeClr>
+          </a:lnRef>
+          <a:fillRef idx="1">
+            <a:schemeClr val="accent1"/>
+          </a:fillRef>
+          <a:effectRef idx="0">
+            <a:schemeClr val="accent1"/>
+          </a:effectRef>
+          <a:fontRef idx="minor">
+            <a:schemeClr val="lt1"/>
+          </a:fontRef>
+        </p:style>
+        <p:txBody>
+          <a:bodyPr rtlCol="0" anchor="ctr"/>
+          <a:lstStyle/>
+          <a:p>
+            <a:pPr algn="ctr"/>
+            <a:r>
+              <a:rPr lang="zh-CN" altLang="en-US" dirty="0">
+                <a:ea typeface="等线" panose="02010600030101010101" charset="-122"/>
+                <a:cs typeface="Calibri" panose="020F0502020204030204"/>
+              </a:rPr>
+              <a:t>290</a:t>
+            </a:r>
+            <a:endParaRPr lang="zh-CN" dirty="0"/>
+          </a:p>
+        </p:txBody>
+      </p:sp>
+      <p:sp>
+        <p:nvSpPr>
+          <p:cNvPr id="28" name="椭圆 27"/>
+          <p:cNvSpPr/>
+          <p:nvPr>
+            <p:custDataLst>
+              <p:tags r:id="rId17"/>
+            </p:custDataLst>
+          </p:nvPr>
+        </p:nvSpPr>
+        <p:spPr>
+          <a:xfrm>
+            <a:off x="4644660" y="3542480"/>
+            <a:ext cx="241709" cy="241709"/>
+          </a:xfrm>
+          <a:prstGeom prst="ellipse">
+            <a:avLst/>
+          </a:prstGeom>
+          <a:solidFill>
+            <a:srgbClr val="0070C0"/>
+          </a:solidFill>
+          <a:ln>
+            <a:solidFill>
+              <a:srgbClr val="0070C0"/>
+            </a:solidFill>
+          </a:ln>
+        </p:spPr>
+        <p:style>
+          <a:lnRef idx="2">
+            <a:schemeClr val="accent1">
+              <a:shade val="15000"/>
+            </a:schemeClr>
+          </a:lnRef>
+          <a:fillRef idx="1">
+            <a:schemeClr val="accent1"/>
+          </a:fillRef>
+          <a:effectRef idx="0">
+            <a:schemeClr val="accent1"/>
+          </a:effectRef>
+          <a:fontRef idx="minor">
+            <a:schemeClr val="lt1"/>
+          </a:fontRef>
+        </p:style>
+        <p:txBody>
+          <a:bodyPr rtlCol="0" anchor="ctr"/>
+          <a:lstStyle/>
+          <a:p>
+            <a:pPr algn="ctr"/>
+            <a:endParaRPr lang="zh-CN" altLang="en-US">
+              <a:solidFill>
+                <a:srgbClr val="0070C0"/>
+              </a:solidFill>
+            </a:endParaRPr>
+          </a:p>
+        </p:txBody>
+      </p:sp>
+      <p:sp>
+        <p:nvSpPr>
+          <p:cNvPr id="32" name="文本框 31"/>
+          <p:cNvSpPr txBox="1"/>
+          <p:nvPr>
+            <p:custDataLst>
+              <p:tags r:id="rId18"/>
+            </p:custDataLst>
+          </p:nvPr>
+        </p:nvSpPr>
+        <p:spPr>
+          <a:xfrm>
+            <a:off x="3532769" y="2082903"/>
+            <a:ext cx="2362835" cy="645160"/>
+          </a:xfrm>
+          <a:prstGeom prst="rect">
+            <a:avLst/>
+          </a:prstGeom>
+          <a:noFill/>
+        </p:spPr>
+        <p:txBody>
+          <a:bodyPr rot="0" spcFirstLastPara="0" vertOverflow="overflow" horzOverflow="overflow" vert="horz" wrap="square" lIns="91440" tIns="45720" rIns="91440" bIns="45720" numCol="1" spcCol="0" rtlCol="0" fromWordArt="0" anchor="t" anchorCtr="0" forceAA="0" compatLnSpc="1">
+            <a:spAutoFit/>
+          </a:bodyPr>
+          <a:lstStyle/>
+          <a:p>
+            <a:r>
+              <a:rPr lang="en-US" altLang="zh-CN" dirty="0">
+                <a:latin typeface="Arial" panose="020B0604020202020204" pitchFamily="34" charset="0"/>
+                <a:cs typeface="Arial" panose="020B0604020202020204" pitchFamily="34" charset="0"/>
+              </a:rPr>
+              <a:t>RFL debuts in Linux Plumber Conference</a:t>
+            </a:r>
+            <a:endParaRPr lang="zh-CN" altLang="en-US" dirty="0">
+              <a:latin typeface="Arial" panose="020B0604020202020204" pitchFamily="34" charset="0"/>
+              <a:cs typeface="Arial" panose="020B0604020202020204" pitchFamily="34" charset="0"/>
+            </a:endParaRPr>
+          </a:p>
+        </p:txBody>
+      </p:sp>
+      <p:sp>
+        <p:nvSpPr>
+          <p:cNvPr id="33" name="文本框 32"/>
+          <p:cNvSpPr txBox="1"/>
+          <p:nvPr>
+            <p:custDataLst>
+              <p:tags r:id="rId19"/>
+            </p:custDataLst>
+          </p:nvPr>
+        </p:nvSpPr>
+        <p:spPr>
+          <a:xfrm>
+            <a:off x="4509399" y="4203168"/>
+            <a:ext cx="2577465" cy="646430"/>
+          </a:xfrm>
+          <a:prstGeom prst="rect">
+            <a:avLst/>
+          </a:prstGeom>
+          <a:noFill/>
+        </p:spPr>
+        <p:txBody>
+          <a:bodyPr rot="0" spcFirstLastPara="0" vertOverflow="overflow" horzOverflow="overflow" vert="horz" wrap="square" lIns="91440" tIns="45720" rIns="91440" bIns="45720" numCol="1" spcCol="0" rtlCol="0" fromWordArt="0" anchor="t" anchorCtr="0" forceAA="0" compatLnSpc="1">
+            <a:noAutofit/>
+          </a:bodyPr>
+          <a:lstStyle/>
+          <a:p>
+            <a:r>
+              <a:rPr lang="en-US" altLang="zh-CN" dirty="0">
+                <a:latin typeface="Arial" panose="020B0604020202020204" pitchFamily="34" charset="0"/>
+                <a:cs typeface="Arial" panose="020B0604020202020204" pitchFamily="34" charset="0"/>
+              </a:rPr>
+              <a:t>First RFL PR committed on GitHub</a:t>
+            </a:r>
+            <a:endParaRPr lang="zh-CN" altLang="en-US" dirty="0">
+              <a:latin typeface="Arial" panose="020B0604020202020204" pitchFamily="34" charset="0"/>
+              <a:cs typeface="Arial" panose="020B0604020202020204" pitchFamily="34" charset="0"/>
+            </a:endParaRPr>
+          </a:p>
+        </p:txBody>
+      </p:sp>
+      <p:cxnSp>
+        <p:nvCxnSpPr>
+          <p:cNvPr id="34" name="直接箭头连接符 33"/>
+          <p:cNvCxnSpPr/>
+          <p:nvPr>
+            <p:custDataLst>
+              <p:tags r:id="rId20"/>
+            </p:custDataLst>
+          </p:nvPr>
+        </p:nvCxnSpPr>
+        <p:spPr>
+          <a:xfrm>
+            <a:off x="6764339" y="1972349"/>
+            <a:ext cx="0" cy="1644590"/>
+          </a:xfrm>
+          <a:prstGeom prst="straightConnector1">
+            <a:avLst/>
+          </a:prstGeom>
+          <a:ln w="28575">
+            <a:solidFill>
+              <a:srgbClr val="00B0F0"/>
+            </a:solidFill>
+          </a:ln>
+        </p:spPr>
+        <p:style>
+          <a:lnRef idx="1">
+            <a:schemeClr val="accent1"/>
+          </a:lnRef>
+          <a:fillRef idx="0">
+            <a:schemeClr val="accent1"/>
+          </a:fillRef>
+          <a:effectRef idx="0">
+            <a:schemeClr val="accent1"/>
+          </a:effectRef>
+          <a:fontRef idx="minor">
+            <a:schemeClr val="tx1"/>
+          </a:fontRef>
+        </p:style>
+      </p:cxnSp>
+      <p:sp>
+        <p:nvSpPr>
+          <p:cNvPr id="35" name="矩形: 圆角 52"/>
+          <p:cNvSpPr/>
+          <p:nvPr>
+            <p:custDataLst>
+              <p:tags r:id="rId21"/>
+            </p:custDataLst>
+          </p:nvPr>
+        </p:nvSpPr>
+        <p:spPr>
+          <a:xfrm>
+            <a:off x="5806069" y="1270103"/>
+            <a:ext cx="2075815" cy="686435"/>
+          </a:xfrm>
+          <a:prstGeom prst="roundRect">
+            <a:avLst/>
+          </a:prstGeom>
+          <a:solidFill>
+            <a:schemeClr val="bg1"/>
+          </a:solidFill>
+          <a:ln w="28575">
+            <a:solidFill>
+              <a:srgbClr val="00B0F0"/>
+            </a:solidFill>
+          </a:ln>
+          <a:effectLst>
+            <a:outerShdw blurRad="50800" dist="38100" dir="2700000" algn="tl" rotWithShape="0">
+              <a:prstClr val="black">
+                <a:alpha val="40000"/>
+              </a:prstClr>
+            </a:outerShdw>
+          </a:effectLst>
+        </p:spPr>
+        <p:style>
+          <a:lnRef idx="2">
+            <a:schemeClr val="accent1">
+              <a:shade val="15000"/>
+            </a:schemeClr>
+          </a:lnRef>
+          <a:fillRef idx="1">
+            <a:schemeClr val="accent1"/>
+          </a:fillRef>
+          <a:effectRef idx="0">
+            <a:schemeClr val="accent1"/>
+          </a:effectRef>
+          <a:fontRef idx="minor">
+            <a:schemeClr val="lt1"/>
+          </a:fontRef>
+        </p:style>
+        <p:txBody>
+          <a:bodyPr rtlCol="0" anchor="ctr"/>
+          <a:lstStyle/>
+          <a:p>
+            <a:pPr algn="ctr"/>
+            <a:r>
+              <a:rPr lang="zh-CN" altLang="en-US" dirty="0">
+                <a:ea typeface="等线" panose="02010600030101010101" charset="-122"/>
+                <a:cs typeface="Calibri" panose="020F0502020204030204"/>
+              </a:rPr>
+              <a:t>290</a:t>
+            </a:r>
+            <a:endParaRPr lang="zh-CN" dirty="0"/>
+          </a:p>
+        </p:txBody>
+      </p:sp>
+      <p:sp>
+        <p:nvSpPr>
+          <p:cNvPr id="36" name="椭圆 35"/>
+          <p:cNvSpPr/>
+          <p:nvPr>
+            <p:custDataLst>
+              <p:tags r:id="rId22"/>
+            </p:custDataLst>
+          </p:nvPr>
+        </p:nvSpPr>
+        <p:spPr>
+          <a:xfrm>
+            <a:off x="6644406" y="3542480"/>
+            <a:ext cx="241709" cy="241709"/>
+          </a:xfrm>
+          <a:prstGeom prst="ellipse">
+            <a:avLst/>
+          </a:prstGeom>
+          <a:solidFill>
+            <a:srgbClr val="0070C0"/>
+          </a:solidFill>
+          <a:ln>
+            <a:solidFill>
+              <a:srgbClr val="0070C0"/>
+            </a:solidFill>
+          </a:ln>
+        </p:spPr>
+        <p:style>
+          <a:lnRef idx="2">
+            <a:schemeClr val="accent1">
+              <a:shade val="15000"/>
+            </a:schemeClr>
+          </a:lnRef>
+          <a:fillRef idx="1">
+            <a:schemeClr val="accent1"/>
+          </a:fillRef>
+          <a:effectRef idx="0">
+            <a:schemeClr val="accent1"/>
+          </a:effectRef>
+          <a:fontRef idx="minor">
+            <a:schemeClr val="lt1"/>
+          </a:fontRef>
+        </p:style>
+        <p:txBody>
+          <a:bodyPr rtlCol="0" anchor="ctr"/>
+          <a:lstStyle/>
+          <a:p>
+            <a:pPr algn="ctr"/>
+            <a:endParaRPr lang="zh-CN" altLang="en-US">
+              <a:solidFill>
+                <a:srgbClr val="0070C0"/>
+              </a:solidFill>
+            </a:endParaRPr>
+          </a:p>
+        </p:txBody>
+      </p:sp>
+      <p:sp>
+        <p:nvSpPr>
+          <p:cNvPr id="37" name="文本框 36"/>
+          <p:cNvSpPr txBox="1"/>
+          <p:nvPr>
+            <p:custDataLst>
+              <p:tags r:id="rId23"/>
+            </p:custDataLst>
+          </p:nvPr>
+        </p:nvSpPr>
+        <p:spPr>
+          <a:xfrm>
+            <a:off x="5880364" y="1299313"/>
+            <a:ext cx="2080895" cy="645160"/>
+          </a:xfrm>
+          <a:prstGeom prst="rect">
+            <a:avLst/>
+          </a:prstGeom>
+          <a:noFill/>
+        </p:spPr>
+        <p:txBody>
+          <a:bodyPr rot="0" spcFirstLastPara="0" vertOverflow="overflow" horzOverflow="overflow" vert="horz" wrap="square" lIns="91440" tIns="45720" rIns="91440" bIns="45720" numCol="1" spcCol="0" rtlCol="0" fromWordArt="0" anchor="t" anchorCtr="0" forceAA="0" compatLnSpc="1">
+            <a:spAutoFit/>
+          </a:bodyPr>
+          <a:lstStyle/>
+          <a:p>
+            <a:r>
+              <a:rPr lang="en-US" altLang="zh-CN" dirty="0">
+                <a:latin typeface="Arial" panose="020B0604020202020204" pitchFamily="34" charset="0"/>
+                <a:cs typeface="Arial" panose="020B0604020202020204" pitchFamily="34" charset="0"/>
+              </a:rPr>
+              <a:t>First RFL RFC in the mailing list</a:t>
+            </a:r>
+            <a:endParaRPr lang="zh-CN" altLang="en-US" dirty="0">
+              <a:latin typeface="Arial" panose="020B0604020202020204" pitchFamily="34" charset="0"/>
+              <a:cs typeface="Arial" panose="020B0604020202020204" pitchFamily="34" charset="0"/>
+            </a:endParaRPr>
+          </a:p>
+        </p:txBody>
+      </p:sp>
+      <p:cxnSp>
+        <p:nvCxnSpPr>
+          <p:cNvPr id="38" name="直接箭头连接符 37"/>
+          <p:cNvCxnSpPr/>
+          <p:nvPr>
+            <p:custDataLst>
+              <p:tags r:id="rId24"/>
+            </p:custDataLst>
+          </p:nvPr>
+        </p:nvCxnSpPr>
+        <p:spPr>
+          <a:xfrm>
+            <a:off x="7759271" y="3680658"/>
+            <a:ext cx="0" cy="1934288"/>
+          </a:xfrm>
+          <a:prstGeom prst="straightConnector1">
+            <a:avLst/>
+          </a:prstGeom>
+          <a:ln w="28575">
+            <a:solidFill>
+              <a:srgbClr val="00B0F0"/>
+            </a:solidFill>
+          </a:ln>
+        </p:spPr>
+        <p:style>
+          <a:lnRef idx="1">
+            <a:schemeClr val="accent1"/>
+          </a:lnRef>
+          <a:fillRef idx="0">
+            <a:schemeClr val="accent1"/>
+          </a:fillRef>
+          <a:effectRef idx="0">
+            <a:schemeClr val="accent1"/>
+          </a:effectRef>
+          <a:fontRef idx="minor">
+            <a:schemeClr val="tx1"/>
+          </a:fontRef>
+        </p:style>
+      </p:cxnSp>
+      <p:sp>
+        <p:nvSpPr>
+          <p:cNvPr id="39" name="椭圆 38"/>
+          <p:cNvSpPr/>
+          <p:nvPr>
+            <p:custDataLst>
+              <p:tags r:id="rId25"/>
+            </p:custDataLst>
+          </p:nvPr>
+        </p:nvSpPr>
+        <p:spPr>
+          <a:xfrm>
+            <a:off x="7640154" y="3557857"/>
+            <a:ext cx="241709" cy="241709"/>
+          </a:xfrm>
+          <a:prstGeom prst="ellipse">
+            <a:avLst/>
+          </a:prstGeom>
+          <a:solidFill>
+            <a:srgbClr val="0070C0"/>
+          </a:solidFill>
+          <a:ln>
+            <a:solidFill>
+              <a:srgbClr val="0070C0"/>
+            </a:solidFill>
+          </a:ln>
+        </p:spPr>
+        <p:style>
+          <a:lnRef idx="2">
+            <a:schemeClr val="accent1">
+              <a:shade val="15000"/>
+            </a:schemeClr>
+          </a:lnRef>
+          <a:fillRef idx="1">
+            <a:schemeClr val="accent1"/>
+          </a:fillRef>
+          <a:effectRef idx="0">
+            <a:schemeClr val="accent1"/>
+          </a:effectRef>
+          <a:fontRef idx="minor">
+            <a:schemeClr val="lt1"/>
+          </a:fontRef>
+        </p:style>
+        <p:txBody>
+          <a:bodyPr rtlCol="0" anchor="ctr"/>
+          <a:lstStyle/>
+          <a:p>
+            <a:pPr algn="ctr"/>
+            <a:endParaRPr lang="zh-CN" altLang="en-US">
+              <a:solidFill>
+                <a:srgbClr val="0070C0"/>
+              </a:solidFill>
+            </a:endParaRPr>
+          </a:p>
+        </p:txBody>
+      </p:sp>
+      <p:sp>
+        <p:nvSpPr>
+          <p:cNvPr id="44" name="矩形: 圆角 57"/>
+          <p:cNvSpPr/>
+          <p:nvPr>
+            <p:custDataLst>
+              <p:tags r:id="rId26"/>
+            </p:custDataLst>
+          </p:nvPr>
+        </p:nvSpPr>
+        <p:spPr>
+          <a:xfrm>
+            <a:off x="6644904" y="5099788"/>
+            <a:ext cx="2201545" cy="695325"/>
+          </a:xfrm>
+          <a:prstGeom prst="roundRect">
+            <a:avLst/>
+          </a:prstGeom>
+          <a:solidFill>
+            <a:schemeClr val="bg1"/>
+          </a:solidFill>
+          <a:ln w="28575">
+            <a:solidFill>
+              <a:srgbClr val="00B0F0"/>
+            </a:solidFill>
+          </a:ln>
+          <a:effectLst>
+            <a:outerShdw blurRad="50800" dist="38100" dir="5400000" algn="t" rotWithShape="0">
+              <a:prstClr val="black">
+                <a:alpha val="40000"/>
+              </a:prstClr>
+            </a:outerShdw>
+          </a:effectLst>
+        </p:spPr>
+        <p:style>
+          <a:lnRef idx="2">
+            <a:schemeClr val="accent1">
+              <a:shade val="15000"/>
+            </a:schemeClr>
+          </a:lnRef>
+          <a:fillRef idx="1">
+            <a:schemeClr val="accent1"/>
+          </a:fillRef>
+          <a:effectRef idx="0">
+            <a:schemeClr val="accent1"/>
+          </a:effectRef>
+          <a:fontRef idx="minor">
+            <a:schemeClr val="lt1"/>
+          </a:fontRef>
+        </p:style>
+        <p:txBody>
+          <a:bodyPr rtlCol="0" anchor="ctr"/>
+          <a:lstStyle/>
+          <a:p>
+            <a:pPr algn="ctr"/>
+            <a:r>
+              <a:rPr lang="zh-CN" altLang="en-US" dirty="0"/>
+              <a:t>290</a:t>
+            </a:r>
+          </a:p>
+        </p:txBody>
+      </p:sp>
+      <p:sp>
+        <p:nvSpPr>
+          <p:cNvPr id="45" name="文本框 44"/>
+          <p:cNvSpPr txBox="1"/>
+          <p:nvPr>
+            <p:custDataLst>
+              <p:tags r:id="rId27"/>
+            </p:custDataLst>
+          </p:nvPr>
+        </p:nvSpPr>
+        <p:spPr>
+          <a:xfrm>
+            <a:off x="6690624" y="5149953"/>
+            <a:ext cx="2155825" cy="574675"/>
+          </a:xfrm>
+          <a:prstGeom prst="rect">
+            <a:avLst/>
+          </a:prstGeom>
+          <a:noFill/>
+        </p:spPr>
+        <p:txBody>
+          <a:bodyPr rot="0" spcFirstLastPara="0" vertOverflow="overflow" horzOverflow="overflow" vert="horz" wrap="square" lIns="91440" tIns="45720" rIns="91440" bIns="45720" numCol="1" spcCol="0" rtlCol="0" fromWordArt="0" anchor="t" anchorCtr="0" forceAA="0" compatLnSpc="1">
+            <a:noAutofit/>
+          </a:bodyPr>
+          <a:lstStyle/>
+          <a:p>
+            <a:r>
+              <a:rPr lang="en-US" altLang="zh-CN" dirty="0">
+                <a:latin typeface="Arial" panose="020B0604020202020204" pitchFamily="34" charset="0"/>
+                <a:cs typeface="Arial" panose="020B0604020202020204" pitchFamily="34" charset="0"/>
+              </a:rPr>
+              <a:t>RFL merged into Linux mainline v6.1</a:t>
+            </a:r>
+            <a:endParaRPr lang="zh-CN" altLang="en-US" dirty="0">
+              <a:latin typeface="Arial" panose="020B0604020202020204" pitchFamily="34" charset="0"/>
+              <a:cs typeface="Arial" panose="020B0604020202020204" pitchFamily="34" charset="0"/>
+            </a:endParaRPr>
+          </a:p>
+          <a:p>
+            <a:endParaRPr lang="zh-CN" altLang="en-US" dirty="0">
+              <a:latin typeface="Arial" panose="020B0604020202020204" pitchFamily="34" charset="0"/>
+              <a:cs typeface="Arial" panose="020B0604020202020204" pitchFamily="34" charset="0"/>
+            </a:endParaRPr>
+          </a:p>
+        </p:txBody>
+      </p:sp>
+      <p:sp>
+        <p:nvSpPr>
+          <p:cNvPr id="2" name="圆角矩形 1"/>
+          <p:cNvSpPr/>
+          <p:nvPr/>
+        </p:nvSpPr>
+        <p:spPr>
+          <a:xfrm>
+            <a:off x="2262505" y="1892300"/>
+            <a:ext cx="798830" cy="320040"/>
+          </a:xfrm>
+          <a:prstGeom prst="roundRect">
+            <a:avLst/>
+          </a:prstGeom>
+          <a:solidFill>
+            <a:schemeClr val="bg1"/>
+          </a:solidFill>
+          <a:ln w="28575"/>
+        </p:spPr>
+        <p:style>
+          <a:lnRef idx="3">
+            <a:schemeClr val="accent1"/>
+          </a:lnRef>
+          <a:fillRef idx="0">
+            <a:srgbClr val="FFFFFF"/>
+          </a:fillRef>
+          <a:effectRef idx="0">
+            <a:srgbClr val="FFFFFF"/>
+          </a:effectRef>
+          <a:fontRef idx="minor">
+            <a:schemeClr val="tx1"/>
+          </a:fontRef>
+        </p:style>
+        <p:txBody>
+          <a:bodyPr rtlCol="0" anchor="ctr"/>
+          <a:lstStyle/>
+          <a:p>
+            <a:pPr algn="ctr"/>
+            <a:r>
+              <a:rPr lang="en-US" altLang="zh-CN" b="1"/>
+              <a:t>2013</a:t>
+            </a:r>
+          </a:p>
+        </p:txBody>
+      </p:sp>
+      <p:sp>
+        <p:nvSpPr>
+          <p:cNvPr id="3" name="圆角矩形 2"/>
+          <p:cNvSpPr/>
+          <p:nvPr>
+            <p:custDataLst>
+              <p:tags r:id="rId28"/>
+            </p:custDataLst>
+          </p:nvPr>
+        </p:nvSpPr>
+        <p:spPr>
+          <a:xfrm>
+            <a:off x="4314190" y="2676525"/>
+            <a:ext cx="798830" cy="320040"/>
+          </a:xfrm>
+          <a:prstGeom prst="roundRect">
+            <a:avLst/>
+          </a:prstGeom>
+          <a:solidFill>
+            <a:schemeClr val="bg1"/>
+          </a:solidFill>
+          <a:ln w="28575"/>
+        </p:spPr>
+        <p:style>
+          <a:lnRef idx="3">
+            <a:schemeClr val="accent1"/>
+          </a:lnRef>
+          <a:fillRef idx="0">
+            <a:srgbClr val="FFFFFF"/>
+          </a:fillRef>
+          <a:effectRef idx="0">
+            <a:srgbClr val="FFFFFF"/>
+          </a:effectRef>
+          <a:fontRef idx="minor">
+            <a:schemeClr val="tx1"/>
+          </a:fontRef>
+        </p:style>
+        <p:txBody>
+          <a:bodyPr rtlCol="0" anchor="ctr"/>
+          <a:lstStyle/>
+          <a:p>
+            <a:pPr algn="ctr"/>
+            <a:r>
+              <a:rPr lang="en-US" altLang="zh-CN" b="1" i="1"/>
+              <a:t>2020</a:t>
+            </a:r>
+          </a:p>
+        </p:txBody>
+      </p:sp>
+      <p:sp>
+        <p:nvSpPr>
+          <p:cNvPr id="6" name="圆角矩形 5"/>
+          <p:cNvSpPr/>
+          <p:nvPr>
+            <p:custDataLst>
+              <p:tags r:id="rId29"/>
+            </p:custDataLst>
+          </p:nvPr>
+        </p:nvSpPr>
+        <p:spPr>
+          <a:xfrm>
+            <a:off x="3263265" y="4801870"/>
+            <a:ext cx="798830" cy="320040"/>
+          </a:xfrm>
+          <a:prstGeom prst="roundRect">
+            <a:avLst/>
+          </a:prstGeom>
+          <a:solidFill>
+            <a:schemeClr val="bg1"/>
+          </a:solidFill>
+          <a:ln w="28575"/>
+        </p:spPr>
+        <p:style>
+          <a:lnRef idx="3">
+            <a:schemeClr val="accent1"/>
+          </a:lnRef>
+          <a:fillRef idx="0">
+            <a:srgbClr val="FFFFFF"/>
+          </a:fillRef>
+          <a:effectRef idx="0">
+            <a:srgbClr val="FFFFFF"/>
+          </a:effectRef>
+          <a:fontRef idx="minor">
+            <a:schemeClr val="tx1"/>
+          </a:fontRef>
+        </p:style>
+        <p:txBody>
+          <a:bodyPr rtlCol="0" anchor="ctr"/>
+          <a:lstStyle/>
+          <a:p>
+            <a:pPr algn="ctr"/>
+            <a:r>
+              <a:rPr lang="en-US" altLang="zh-CN" b="1" i="1"/>
+              <a:t>2019</a:t>
+            </a:r>
+          </a:p>
+        </p:txBody>
+      </p:sp>
+      <p:sp>
+        <p:nvSpPr>
+          <p:cNvPr id="9" name="圆角矩形 8"/>
+          <p:cNvSpPr/>
+          <p:nvPr>
+            <p:custDataLst>
+              <p:tags r:id="rId30"/>
+            </p:custDataLst>
+          </p:nvPr>
+        </p:nvSpPr>
+        <p:spPr>
+          <a:xfrm>
+            <a:off x="6365875" y="1910080"/>
+            <a:ext cx="798830" cy="320040"/>
+          </a:xfrm>
+          <a:prstGeom prst="roundRect">
+            <a:avLst/>
+          </a:prstGeom>
+          <a:solidFill>
+            <a:schemeClr val="bg1"/>
+          </a:solidFill>
+          <a:ln w="28575"/>
+        </p:spPr>
+        <p:style>
+          <a:lnRef idx="3">
+            <a:schemeClr val="accent1"/>
+          </a:lnRef>
+          <a:fillRef idx="0">
+            <a:srgbClr val="FFFFFF"/>
+          </a:fillRef>
+          <a:effectRef idx="0">
+            <a:srgbClr val="FFFFFF"/>
+          </a:effectRef>
+          <a:fontRef idx="minor">
+            <a:schemeClr val="tx1"/>
+          </a:fontRef>
+        </p:style>
+        <p:txBody>
+          <a:bodyPr rtlCol="0" anchor="ctr"/>
+          <a:lstStyle/>
+          <a:p>
+            <a:pPr algn="ctr"/>
+            <a:r>
+              <a:rPr lang="en-US" altLang="zh-CN" b="1" i="1"/>
+              <a:t>2021</a:t>
+            </a:r>
+          </a:p>
+        </p:txBody>
+      </p:sp>
+      <p:sp>
+        <p:nvSpPr>
+          <p:cNvPr id="10" name="圆角矩形 9"/>
+          <p:cNvSpPr/>
+          <p:nvPr>
+            <p:custDataLst>
+              <p:tags r:id="rId31"/>
+            </p:custDataLst>
+          </p:nvPr>
+        </p:nvSpPr>
+        <p:spPr>
+          <a:xfrm>
+            <a:off x="5296535" y="3891280"/>
+            <a:ext cx="798830" cy="320040"/>
+          </a:xfrm>
+          <a:prstGeom prst="roundRect">
+            <a:avLst/>
+          </a:prstGeom>
+          <a:solidFill>
+            <a:schemeClr val="bg1"/>
+          </a:solidFill>
+          <a:ln w="28575"/>
+        </p:spPr>
+        <p:style>
+          <a:lnRef idx="3">
+            <a:schemeClr val="accent1"/>
+          </a:lnRef>
+          <a:fillRef idx="0">
+            <a:srgbClr val="FFFFFF"/>
+          </a:fillRef>
+          <a:effectRef idx="0">
+            <a:srgbClr val="FFFFFF"/>
+          </a:effectRef>
+          <a:fontRef idx="minor">
+            <a:schemeClr val="tx1"/>
+          </a:fontRef>
+        </p:style>
+        <p:txBody>
+          <a:bodyPr rtlCol="0" anchor="ctr"/>
+          <a:lstStyle/>
+          <a:p>
+            <a:pPr algn="ctr"/>
+            <a:r>
+              <a:rPr lang="en-US" altLang="zh-CN" b="1" i="1"/>
+              <a:t>2020</a:t>
+            </a:r>
+          </a:p>
+        </p:txBody>
+      </p:sp>
+      <p:sp>
+        <p:nvSpPr>
+          <p:cNvPr id="11" name="圆角矩形 10"/>
+          <p:cNvSpPr/>
+          <p:nvPr>
+            <p:custDataLst>
+              <p:tags r:id="rId32"/>
+            </p:custDataLst>
+          </p:nvPr>
+        </p:nvSpPr>
+        <p:spPr>
+          <a:xfrm>
+            <a:off x="7359650" y="4842510"/>
+            <a:ext cx="798830" cy="320040"/>
+          </a:xfrm>
+          <a:prstGeom prst="roundRect">
+            <a:avLst/>
+          </a:prstGeom>
+          <a:solidFill>
+            <a:schemeClr val="bg1"/>
+          </a:solidFill>
+          <a:ln w="28575"/>
+        </p:spPr>
+        <p:style>
+          <a:lnRef idx="3">
+            <a:schemeClr val="accent1"/>
+          </a:lnRef>
+          <a:fillRef idx="0">
+            <a:srgbClr val="FFFFFF"/>
+          </a:fillRef>
+          <a:effectRef idx="0">
+            <a:srgbClr val="FFFFFF"/>
+          </a:effectRef>
+          <a:fontRef idx="minor">
+            <a:schemeClr val="tx1"/>
+          </a:fontRef>
+        </p:style>
+        <p:txBody>
+          <a:bodyPr rtlCol="0" anchor="ctr"/>
+          <a:lstStyle/>
+          <a:p>
+            <a:pPr algn="ctr"/>
+            <a:r>
+              <a:rPr lang="en-US" altLang="zh-CN" b="1" i="1"/>
+              <a:t>2022</a:t>
+            </a:r>
+          </a:p>
+        </p:txBody>
+      </p:sp>
+      <p:pic>
+        <p:nvPicPr>
+          <p:cNvPr id="100" name="图片 99"/>
+          <p:cNvPicPr/>
+          <p:nvPr/>
+        </p:nvPicPr>
+        <p:blipFill>
+          <a:blip r:embed="rId38">
+            <a:extLst>
+              <a:ext uri="{96DAC541-7B7A-43D3-8B79-37D633B846F1}">
+                <asvg:svgBlip xmlns:asvg="http://schemas.microsoft.com/office/drawing/2016/SVG/main" r:embed="rId39"/>
+              </a:ext>
+            </a:extLst>
+          </a:blip>
+          <a:stretch>
+            <a:fillRect/>
+          </a:stretch>
+        </p:blipFill>
+        <p:spPr>
+          <a:xfrm>
+            <a:off x="7359650" y="3187700"/>
+            <a:ext cx="828040" cy="828040"/>
+          </a:xfrm>
+          <a:prstGeom prst="rect">
+            <a:avLst/>
+          </a:prstGeom>
+          <a:noFill/>
+        </p:spPr>
+      </p:pic>
+      <p:pic>
+        <p:nvPicPr>
+          <p:cNvPr id="103" name="图片 102"/>
+          <p:cNvPicPr/>
+          <p:nvPr/>
+        </p:nvPicPr>
+        <p:blipFill>
+          <a:blip r:embed="rId40"/>
+          <a:stretch>
+            <a:fillRect/>
+          </a:stretch>
+        </p:blipFill>
+        <p:spPr>
+          <a:xfrm>
+            <a:off x="2262505" y="3202305"/>
+            <a:ext cx="798830" cy="798830"/>
+          </a:xfrm>
+          <a:prstGeom prst="rect">
+            <a:avLst/>
+          </a:prstGeom>
+          <a:noFill/>
+          <a:ln w="9525">
+            <a:noFill/>
+          </a:ln>
+        </p:spPr>
+      </p:pic>
+      <p:pic>
+        <p:nvPicPr>
+          <p:cNvPr id="15" name="图片 14" descr="Tux"/>
+          <p:cNvPicPr>
+            <a:picLocks noChangeAspect="1"/>
+          </p:cNvPicPr>
+          <p:nvPr/>
+        </p:nvPicPr>
+        <p:blipFill>
+          <a:blip r:embed="rId41"/>
+          <a:stretch>
+            <a:fillRect/>
+          </a:stretch>
+        </p:blipFill>
+        <p:spPr>
+          <a:xfrm>
+            <a:off x="4391660" y="3188018"/>
+            <a:ext cx="698500" cy="827405"/>
+          </a:xfrm>
+          <a:prstGeom prst="rect">
+            <a:avLst/>
+          </a:prstGeom>
+        </p:spPr>
+      </p:pic>
+      <p:cxnSp>
+        <p:nvCxnSpPr>
+          <p:cNvPr id="41" name="直接箭头连接符 40">
+            <a:extLst>
+              <a:ext uri="{FF2B5EF4-FFF2-40B4-BE49-F238E27FC236}">
+                <a16:creationId xmlns:a16="http://schemas.microsoft.com/office/drawing/2014/main" id="{62B28904-1F97-4137-8077-882583E9049E}"/>
+              </a:ext>
+            </a:extLst>
+          </p:cNvPr>
+          <p:cNvCxnSpPr/>
+          <p:nvPr>
+            <p:custDataLst>
+              <p:tags r:id="rId33"/>
+            </p:custDataLst>
+          </p:nvPr>
+        </p:nvCxnSpPr>
+        <p:spPr>
+          <a:xfrm>
+            <a:off x="8947709" y="2853695"/>
+            <a:ext cx="0" cy="788927"/>
+          </a:xfrm>
+          <a:prstGeom prst="straightConnector1">
+            <a:avLst/>
+          </a:prstGeom>
+          <a:ln w="28575">
+            <a:solidFill>
+              <a:srgbClr val="00B0F0"/>
+            </a:solidFill>
+          </a:ln>
+        </p:spPr>
+        <p:style>
+          <a:lnRef idx="1">
+            <a:schemeClr val="accent1"/>
+          </a:lnRef>
+          <a:fillRef idx="0">
+            <a:schemeClr val="accent1"/>
+          </a:fillRef>
+          <a:effectRef idx="0">
+            <a:schemeClr val="accent1"/>
+          </a:effectRef>
+          <a:fontRef idx="minor">
+            <a:schemeClr val="tx1"/>
+          </a:fontRef>
+        </p:style>
+      </p:cxnSp>
+      <p:sp>
+        <p:nvSpPr>
+          <p:cNvPr id="42" name="文本框 41">
+            <a:extLst>
+              <a:ext uri="{FF2B5EF4-FFF2-40B4-BE49-F238E27FC236}">
+                <a16:creationId xmlns:a16="http://schemas.microsoft.com/office/drawing/2014/main" id="{7C124F74-BBBA-4C72-9878-5106B60AA3E6}"/>
+              </a:ext>
+            </a:extLst>
+          </p:cNvPr>
+          <p:cNvSpPr txBox="1"/>
+          <p:nvPr>
+            <p:custDataLst>
+              <p:tags r:id="rId34"/>
+            </p:custDataLst>
+          </p:nvPr>
+        </p:nvSpPr>
+        <p:spPr>
+          <a:xfrm>
+            <a:off x="7646619" y="2108586"/>
+            <a:ext cx="2630222" cy="646331"/>
+          </a:xfrm>
+          <a:prstGeom prst="rect">
+            <a:avLst/>
+          </a:prstGeom>
+          <a:noFill/>
+        </p:spPr>
+        <p:txBody>
+          <a:bodyPr rot="0" spcFirstLastPara="0" vertOverflow="overflow" horzOverflow="overflow" vert="horz" wrap="square" lIns="91440" tIns="45720" rIns="91440" bIns="45720" numCol="1" spcCol="0" rtlCol="0" fromWordArt="0" anchor="t" anchorCtr="0" forceAA="0" compatLnSpc="1">
+            <a:spAutoFit/>
+          </a:bodyPr>
+          <a:lstStyle/>
+          <a:p>
+            <a:r>
+              <a:rPr lang="en-US" altLang="zh-CN" dirty="0">
+                <a:latin typeface="Arial" panose="020B0604020202020204" pitchFamily="34" charset="0"/>
+                <a:cs typeface="Arial" panose="020B0604020202020204" pitchFamily="34" charset="0"/>
+              </a:rPr>
+              <a:t>First RFL driver merged into Linux mainline v6.8</a:t>
+            </a:r>
+            <a:endParaRPr lang="zh-CN" altLang="en-US" dirty="0">
+              <a:latin typeface="Arial" panose="020B0604020202020204" pitchFamily="34" charset="0"/>
+              <a:cs typeface="Arial" panose="020B0604020202020204" pitchFamily="34" charset="0"/>
+            </a:endParaRPr>
+          </a:p>
+        </p:txBody>
+      </p:sp>
+      <p:sp>
+        <p:nvSpPr>
+          <p:cNvPr id="43" name="圆角矩形 2">
+            <a:extLst>
+              <a:ext uri="{FF2B5EF4-FFF2-40B4-BE49-F238E27FC236}">
+                <a16:creationId xmlns:a16="http://schemas.microsoft.com/office/drawing/2014/main" id="{2A692929-AE4F-403A-BA4C-745EE6BFB49F}"/>
+              </a:ext>
+            </a:extLst>
+          </p:cNvPr>
+          <p:cNvSpPr/>
+          <p:nvPr>
+            <p:custDataLst>
+              <p:tags r:id="rId35"/>
+            </p:custDataLst>
+          </p:nvPr>
+        </p:nvSpPr>
+        <p:spPr>
+          <a:xfrm>
+            <a:off x="8512546" y="2702208"/>
+            <a:ext cx="798830" cy="320040"/>
+          </a:xfrm>
+          <a:prstGeom prst="roundRect">
+            <a:avLst/>
+          </a:prstGeom>
+          <a:solidFill>
+            <a:schemeClr val="bg1"/>
+          </a:solidFill>
+          <a:ln w="28575"/>
+        </p:spPr>
+        <p:style>
+          <a:lnRef idx="3">
+            <a:schemeClr val="accent1"/>
+          </a:lnRef>
+          <a:fillRef idx="0">
+            <a:srgbClr val="FFFFFF"/>
+          </a:fillRef>
+          <a:effectRef idx="0">
+            <a:srgbClr val="FFFFFF"/>
+          </a:effectRef>
+          <a:fontRef idx="minor">
+            <a:schemeClr val="tx1"/>
+          </a:fontRef>
+        </p:style>
+        <p:txBody>
+          <a:bodyPr rtlCol="0" anchor="ctr"/>
+          <a:lstStyle/>
+          <a:p>
+            <a:pPr algn="ctr"/>
+            <a:r>
+              <a:rPr lang="en-US" altLang="zh-CN" b="1" i="1" dirty="0"/>
+              <a:t>2023</a:t>
+            </a:r>
+          </a:p>
+        </p:txBody>
+      </p:sp>
+      <p:sp>
+        <p:nvSpPr>
+          <p:cNvPr id="40" name="椭圆 39">
+            <a:extLst>
+              <a:ext uri="{FF2B5EF4-FFF2-40B4-BE49-F238E27FC236}">
+                <a16:creationId xmlns:a16="http://schemas.microsoft.com/office/drawing/2014/main" id="{99158083-FA31-4802-9165-905719F7B6C9}"/>
+              </a:ext>
+            </a:extLst>
+          </p:cNvPr>
+          <p:cNvSpPr/>
+          <p:nvPr>
+            <p:custDataLst>
+              <p:tags r:id="rId36"/>
+            </p:custDataLst>
+          </p:nvPr>
+        </p:nvSpPr>
+        <p:spPr>
+          <a:xfrm>
+            <a:off x="8823095" y="3519820"/>
+            <a:ext cx="241709" cy="241709"/>
+          </a:xfrm>
+          <a:prstGeom prst="ellipse">
+            <a:avLst/>
+          </a:prstGeom>
+          <a:solidFill>
+            <a:srgbClr val="0070C0"/>
+          </a:solidFill>
+          <a:ln>
+            <a:solidFill>
+              <a:srgbClr val="0070C0"/>
+            </a:solidFill>
+          </a:ln>
+        </p:spPr>
+        <p:style>
+          <a:lnRef idx="2">
+            <a:schemeClr val="accent1">
+              <a:shade val="15000"/>
+            </a:schemeClr>
+          </a:lnRef>
+          <a:fillRef idx="1">
+            <a:schemeClr val="accent1"/>
+          </a:fillRef>
+          <a:effectRef idx="0">
+            <a:schemeClr val="accent1"/>
+          </a:effectRef>
+          <a:fontRef idx="minor">
+            <a:schemeClr val="lt1"/>
+          </a:fontRef>
+        </p:style>
+        <p:txBody>
+          <a:bodyPr rtlCol="0" anchor="ctr"/>
+          <a:lstStyle/>
+          <a:p>
+            <a:pPr algn="ctr"/>
+            <a:endParaRPr lang="zh-CN" altLang="en-US">
+              <a:solidFill>
+                <a:srgbClr val="0070C0"/>
+              </a:solidFill>
+            </a:endParaRPr>
+          </a:p>
+        </p:txBody>
+      </p:sp>
+    </p:spTree>
+    <p:custDataLst>
+      <p:tags r:id="rId1"/>
+    </p:custDataLst>
+    <p:extLst>
+      <p:ext uri="{BB962C8B-B14F-4D97-AF65-F5344CB8AC3E}">
+        <p14:creationId xmlns:p14="http://schemas.microsoft.com/office/powerpoint/2010/main" val="2332747643"/>
+      </p:ext>
+    </p:extLst>
+  </p:cSld>
+  <p:clrMapOvr>
+    <a:masterClrMapping/>
+  </p:clrMapOvr>
+</p:sld>
+</file>
+
+<file path=ppt/slides/slide2.xml><?xml version="1.0" encoding="utf-8"?>
+<p:sld xmlns:a="http://schemas.openxmlformats.org/drawingml/2006/main" xmlns:r="http://schemas.openxmlformats.org/officeDocument/2006/relationships" xmlns:p="http://schemas.openxmlformats.org/presentationml/2006/main">
+  <p:cSld>
+    <p:spTree>
+      <p:nvGrpSpPr>
+        <p:cNvPr id="1" name=""/>
+        <p:cNvGrpSpPr/>
+        <p:nvPr/>
+      </p:nvGrpSpPr>
+      <p:grpSpPr>
+        <a:xfrm>
+          <a:off x="0" y="0"/>
+          <a:ext cx="0" cy="0"/>
+          <a:chOff x="0" y="0"/>
+          <a:chExt cx="0" cy="0"/>
+        </a:xfrm>
+      </p:grpSpPr>
       <p:grpSp>
         <p:nvGrpSpPr>
           <p:cNvPr id="4" name="组合 3"/>
@@ -3103,7 +5021,7 @@
             <p:cNvSpPr/>
             <p:nvPr>
               <p:custDataLst>
-                <p:tags r:id="rId1"/>
+                <p:tags r:id="rId7"/>
               </p:custDataLst>
             </p:nvPr>
           </p:nvSpPr>
@@ -3148,7 +5066,7 @@
             <p:cNvCxnSpPr/>
             <p:nvPr>
               <p:custDataLst>
-                <p:tags r:id="rId2"/>
+                <p:tags r:id="rId8"/>
               </p:custDataLst>
             </p:nvPr>
           </p:nvCxnSpPr>
@@ -3187,7 +5105,7 @@
             <p:cNvSpPr/>
             <p:nvPr>
               <p:custDataLst>
-                <p:tags r:id="rId3"/>
+                <p:tags r:id="rId9"/>
               </p:custDataLst>
             </p:nvPr>
           </p:nvSpPr>
@@ -3253,7 +5171,7 @@
             <p:cNvSpPr/>
             <p:nvPr>
               <p:custDataLst>
-                <p:tags r:id="rId4"/>
+                <p:tags r:id="rId10"/>
               </p:custDataLst>
             </p:nvPr>
           </p:nvSpPr>
@@ -3309,7 +5227,7 @@
             <p:cNvSpPr txBox="1"/>
             <p:nvPr>
               <p:custDataLst>
-                <p:tags r:id="rId5"/>
+                <p:tags r:id="rId11"/>
               </p:custDataLst>
             </p:nvPr>
           </p:nvSpPr>
@@ -3349,7 +5267,7 @@
             <p:cNvCxnSpPr/>
             <p:nvPr>
               <p:custDataLst>
-                <p:tags r:id="rId6"/>
+                <p:tags r:id="rId12"/>
               </p:custDataLst>
             </p:nvPr>
           </p:nvCxnSpPr>
@@ -3388,7 +5306,7 @@
             <p:cNvSpPr/>
             <p:nvPr>
               <p:custDataLst>
-                <p:tags r:id="rId7"/>
+                <p:tags r:id="rId13"/>
               </p:custDataLst>
             </p:nvPr>
           </p:nvSpPr>
@@ -3444,7 +5362,7 @@
             <p:cNvSpPr/>
             <p:nvPr>
               <p:custDataLst>
-                <p:tags r:id="rId8"/>
+                <p:tags r:id="rId14"/>
               </p:custDataLst>
             </p:nvPr>
           </p:nvSpPr>
@@ -3497,7 +5415,6 @@
                 <a:rPr lang="zh-CN" altLang="en-US" dirty="0"/>
                 <a:t>290</a:t>
               </a:r>
-              <a:endParaRPr lang="zh-CN" altLang="en-US" dirty="0"/>
             </a:p>
           </p:txBody>
         </p:sp>
@@ -3507,7 +5424,7 @@
             <p:cNvSpPr txBox="1"/>
             <p:nvPr>
               <p:custDataLst>
-                <p:tags r:id="rId9"/>
+                <p:tags r:id="rId15"/>
               </p:custDataLst>
             </p:nvPr>
           </p:nvSpPr>
@@ -3561,7 +5478,7 @@
             <p:cNvCxnSpPr/>
             <p:nvPr>
               <p:custDataLst>
-                <p:tags r:id="rId10"/>
+                <p:tags r:id="rId16"/>
               </p:custDataLst>
             </p:nvPr>
           </p:nvCxnSpPr>
@@ -3600,7 +5517,7 @@
             <p:cNvSpPr/>
             <p:nvPr>
               <p:custDataLst>
-                <p:tags r:id="rId11"/>
+                <p:tags r:id="rId17"/>
               </p:custDataLst>
             </p:nvPr>
           </p:nvSpPr>
@@ -3656,7 +5573,7 @@
             <p:cNvSpPr/>
             <p:nvPr>
               <p:custDataLst>
-                <p:tags r:id="rId12"/>
+                <p:tags r:id="rId18"/>
               </p:custDataLst>
             </p:nvPr>
           </p:nvSpPr>
@@ -3722,7 +5639,7 @@
             <p:cNvCxnSpPr/>
             <p:nvPr>
               <p:custDataLst>
-                <p:tags r:id="rId13"/>
+                <p:tags r:id="rId19"/>
               </p:custDataLst>
             </p:nvPr>
           </p:nvCxnSpPr>
@@ -3761,7 +5678,7 @@
             <p:cNvSpPr/>
             <p:nvPr>
               <p:custDataLst>
-                <p:tags r:id="rId14"/>
+                <p:tags r:id="rId20"/>
               </p:custDataLst>
             </p:nvPr>
           </p:nvSpPr>
@@ -3827,7 +5744,7 @@
             <p:cNvSpPr/>
             <p:nvPr>
               <p:custDataLst>
-                <p:tags r:id="rId15"/>
+                <p:tags r:id="rId21"/>
               </p:custDataLst>
             </p:nvPr>
           </p:nvSpPr>
@@ -3883,7 +5800,7 @@
             <p:cNvSpPr txBox="1"/>
             <p:nvPr>
               <p:custDataLst>
-                <p:tags r:id="rId16"/>
+                <p:tags r:id="rId22"/>
               </p:custDataLst>
             </p:nvPr>
           </p:nvSpPr>
@@ -3923,7 +5840,7 @@
             <p:cNvSpPr txBox="1"/>
             <p:nvPr>
               <p:custDataLst>
-                <p:tags r:id="rId17"/>
+                <p:tags r:id="rId23"/>
               </p:custDataLst>
             </p:nvPr>
           </p:nvSpPr>
@@ -3963,7 +5880,7 @@
             <p:cNvCxnSpPr/>
             <p:nvPr>
               <p:custDataLst>
-                <p:tags r:id="rId18"/>
+                <p:tags r:id="rId24"/>
               </p:custDataLst>
             </p:nvPr>
           </p:nvCxnSpPr>
@@ -4002,7 +5919,7 @@
             <p:cNvSpPr/>
             <p:nvPr>
               <p:custDataLst>
-                <p:tags r:id="rId19"/>
+                <p:tags r:id="rId25"/>
               </p:custDataLst>
             </p:nvPr>
           </p:nvSpPr>
@@ -4068,7 +5985,7 @@
             <p:cNvSpPr/>
             <p:nvPr>
               <p:custDataLst>
-                <p:tags r:id="rId20"/>
+                <p:tags r:id="rId26"/>
               </p:custDataLst>
             </p:nvPr>
           </p:nvSpPr>
@@ -4124,7 +6041,7 @@
             <p:cNvSpPr txBox="1"/>
             <p:nvPr>
               <p:custDataLst>
-                <p:tags r:id="rId21"/>
+                <p:tags r:id="rId27"/>
               </p:custDataLst>
             </p:nvPr>
           </p:nvSpPr>
@@ -4164,7 +6081,7 @@
             <p:cNvCxnSpPr/>
             <p:nvPr>
               <p:custDataLst>
-                <p:tags r:id="rId22"/>
+                <p:tags r:id="rId28"/>
               </p:custDataLst>
             </p:nvPr>
           </p:nvCxnSpPr>
@@ -4203,7 +6120,7 @@
             <p:cNvSpPr/>
             <p:nvPr>
               <p:custDataLst>
-                <p:tags r:id="rId23"/>
+                <p:tags r:id="rId29"/>
               </p:custDataLst>
             </p:nvPr>
           </p:nvSpPr>
@@ -4259,7 +6176,7 @@
             <p:cNvSpPr/>
             <p:nvPr>
               <p:custDataLst>
-                <p:tags r:id="rId24"/>
+                <p:tags r:id="rId30"/>
               </p:custDataLst>
             </p:nvPr>
           </p:nvSpPr>
@@ -4312,7 +6229,6 @@
                 <a:rPr lang="zh-CN" altLang="en-US" dirty="0"/>
                 <a:t>290</a:t>
               </a:r>
-              <a:endParaRPr lang="zh-CN" altLang="en-US" dirty="0"/>
             </a:p>
           </p:txBody>
         </p:sp>
@@ -4322,7 +6238,7 @@
             <p:cNvSpPr txBox="1"/>
             <p:nvPr>
               <p:custDataLst>
-                <p:tags r:id="rId25"/>
+                <p:tags r:id="rId31"/>
               </p:custDataLst>
             </p:nvPr>
           </p:nvSpPr>
@@ -4398,13 +6314,13 @@
         </p:style>
         <p:txBody>
           <a:bodyPr rtlCol="0" anchor="ctr"/>
+          <a:lstStyle/>
           <a:p>
             <a:pPr algn="ctr"/>
             <a:r>
               <a:rPr lang="en-US" altLang="zh-CN" b="1"/>
               <a:t>2013</a:t>
             </a:r>
-            <a:endParaRPr lang="en-US" altLang="zh-CN" b="1"/>
           </a:p>
         </p:txBody>
       </p:sp>
@@ -4414,7 +6330,7 @@
           <p:cNvSpPr/>
           <p:nvPr>
             <p:custDataLst>
-              <p:tags r:id="rId26"/>
+              <p:tags r:id="rId2"/>
             </p:custDataLst>
           </p:nvPr>
         </p:nvSpPr>
@@ -4447,13 +6363,13 @@
         </p:style>
         <p:txBody>
           <a:bodyPr rtlCol="0" anchor="ctr"/>
+          <a:lstStyle/>
           <a:p>
             <a:pPr algn="ctr"/>
             <a:r>
               <a:rPr lang="en-US" altLang="zh-CN" b="1" i="1"/>
               <a:t>2020</a:t>
             </a:r>
-            <a:endParaRPr lang="en-US" altLang="zh-CN" b="1" i="1"/>
           </a:p>
         </p:txBody>
       </p:sp>
@@ -4463,7 +6379,7 @@
           <p:cNvSpPr/>
           <p:nvPr>
             <p:custDataLst>
-              <p:tags r:id="rId27"/>
+              <p:tags r:id="rId3"/>
             </p:custDataLst>
           </p:nvPr>
         </p:nvSpPr>
@@ -4496,13 +6412,13 @@
         </p:style>
         <p:txBody>
           <a:bodyPr rtlCol="0" anchor="ctr"/>
+          <a:lstStyle/>
           <a:p>
             <a:pPr algn="ctr"/>
             <a:r>
               <a:rPr lang="en-US" altLang="zh-CN" b="1" i="1"/>
               <a:t>2019</a:t>
             </a:r>
-            <a:endParaRPr lang="en-US" altLang="zh-CN" b="1" i="1"/>
           </a:p>
         </p:txBody>
       </p:sp>
@@ -4512,7 +6428,7 @@
           <p:cNvSpPr/>
           <p:nvPr>
             <p:custDataLst>
-              <p:tags r:id="rId28"/>
+              <p:tags r:id="rId4"/>
             </p:custDataLst>
           </p:nvPr>
         </p:nvSpPr>
@@ -4545,13 +6461,13 @@
         </p:style>
         <p:txBody>
           <a:bodyPr rtlCol="0" anchor="ctr"/>
+          <a:lstStyle/>
           <a:p>
             <a:pPr algn="ctr"/>
             <a:r>
               <a:rPr lang="en-US" altLang="zh-CN" b="1" i="1"/>
               <a:t>2021</a:t>
             </a:r>
-            <a:endParaRPr lang="en-US" altLang="zh-CN" b="1" i="1"/>
           </a:p>
         </p:txBody>
       </p:sp>
@@ -4561,7 +6477,7 @@
           <p:cNvSpPr/>
           <p:nvPr>
             <p:custDataLst>
-              <p:tags r:id="rId29"/>
+              <p:tags r:id="rId5"/>
             </p:custDataLst>
           </p:nvPr>
         </p:nvSpPr>
@@ -4594,13 +6510,13 @@
         </p:style>
         <p:txBody>
           <a:bodyPr rtlCol="0" anchor="ctr"/>
+          <a:lstStyle/>
           <a:p>
             <a:pPr algn="ctr"/>
             <a:r>
               <a:rPr lang="en-US" altLang="zh-CN" b="1" i="1"/>
               <a:t>2020</a:t>
             </a:r>
-            <a:endParaRPr lang="en-US" altLang="zh-CN" b="1" i="1"/>
           </a:p>
         </p:txBody>
       </p:sp>
@@ -4610,7 +6526,7 @@
           <p:cNvSpPr/>
           <p:nvPr>
             <p:custDataLst>
-              <p:tags r:id="rId30"/>
+              <p:tags r:id="rId6"/>
             </p:custDataLst>
           </p:nvPr>
         </p:nvSpPr>
@@ -4643,13 +6559,13 @@
         </p:style>
         <p:txBody>
           <a:bodyPr rtlCol="0" anchor="ctr"/>
+          <a:lstStyle/>
           <a:p>
             <a:pPr algn="ctr"/>
             <a:r>
               <a:rPr lang="en-US" altLang="zh-CN" b="1" i="1"/>
               <a:t>2022</a:t>
             </a:r>
-            <a:endParaRPr lang="en-US" altLang="zh-CN" b="1" i="1"/>
           </a:p>
         </p:txBody>
       </p:sp>
@@ -4660,10 +6576,10 @@
           <p:nvPr/>
         </p:nvPicPr>
         <p:blipFill>
-          <a:blip r:embed="rId31">
+          <a:blip r:embed="rId33">
             <a:extLst>
               <a:ext uri="{96DAC541-7B7A-43D3-8B79-37D633B846F1}">
-                <asvg:svgBlip xmlns:asvg="http://schemas.microsoft.com/office/drawing/2016/SVG/main" r:embed="rId32"/>
+                <asvg:svgBlip xmlns:asvg="http://schemas.microsoft.com/office/drawing/2016/SVG/main" r:embed="rId34"/>
               </a:ext>
             </a:extLst>
           </a:blip>
@@ -4689,7 +6605,7 @@
           <p:nvPr/>
         </p:nvPicPr>
         <p:blipFill>
-          <a:blip r:embed="rId33"/>
+          <a:blip r:embed="rId35"/>
           <a:stretch>
             <a:fillRect/>
           </a:stretch>
@@ -4717,7 +6633,7 @@
           <p:nvPr/>
         </p:nvPicPr>
         <p:blipFill>
-          <a:blip r:embed="rId34"/>
+          <a:blip r:embed="rId36"/>
           <a:stretch>
             <a:fillRect/>
           </a:stretch>
@@ -4734,7 +6650,7 @@
       </p:pic>
     </p:spTree>
     <p:custDataLst>
-      <p:tags r:id="rId35"/>
+      <p:tags r:id="rId1"/>
     </p:custDataLst>
   </p:cSld>
   <p:clrMapOvr>
@@ -4743,7 +6659,7 @@
 </p:sld>
 </file>
 
-<file path=ppt/slides/slide2.xml><?xml version="1.0" encoding="utf-8"?>
+<file path=ppt/slides/slide3.xml><?xml version="1.0" encoding="utf-8"?>
 <p:sld xmlns:a="http://schemas.openxmlformats.org/drawingml/2006/main" xmlns:r="http://schemas.openxmlformats.org/officeDocument/2006/relationships" xmlns:p="http://schemas.openxmlformats.org/presentationml/2006/main">
   <p:cSld>
     <p:spTree>
@@ -4780,7 +6696,7 @@
             <p:cNvSpPr/>
             <p:nvPr>
               <p:custDataLst>
-                <p:tags r:id="rId1"/>
+                <p:tags r:id="rId2"/>
               </p:custDataLst>
             </p:nvPr>
           </p:nvSpPr>
@@ -4834,7 +6750,7 @@
             <p:cNvCxnSpPr/>
             <p:nvPr>
               <p:custDataLst>
-                <p:tags r:id="rId2"/>
+                <p:tags r:id="rId3"/>
               </p:custDataLst>
             </p:nvPr>
           </p:nvCxnSpPr>
@@ -4873,7 +6789,7 @@
             <p:cNvSpPr/>
             <p:nvPr>
               <p:custDataLst>
-                <p:tags r:id="rId3"/>
+                <p:tags r:id="rId4"/>
               </p:custDataLst>
             </p:nvPr>
           </p:nvSpPr>
@@ -4932,7 +6848,7 @@
             <p:cNvSpPr/>
             <p:nvPr>
               <p:custDataLst>
-                <p:tags r:id="rId4"/>
+                <p:tags r:id="rId5"/>
               </p:custDataLst>
             </p:nvPr>
           </p:nvSpPr>
@@ -4988,7 +6904,7 @@
             <p:cNvSpPr txBox="1"/>
             <p:nvPr>
               <p:custDataLst>
-                <p:tags r:id="rId5"/>
+                <p:tags r:id="rId6"/>
               </p:custDataLst>
             </p:nvPr>
           </p:nvSpPr>
@@ -5035,7 +6951,7 @@
             <p:cNvCxnSpPr/>
             <p:nvPr>
               <p:custDataLst>
-                <p:tags r:id="rId6"/>
+                <p:tags r:id="rId7"/>
               </p:custDataLst>
             </p:nvPr>
           </p:nvCxnSpPr>
@@ -5074,7 +6990,7 @@
             <p:cNvSpPr/>
             <p:nvPr>
               <p:custDataLst>
-                <p:tags r:id="rId7"/>
+                <p:tags r:id="rId8"/>
               </p:custDataLst>
             </p:nvPr>
           </p:nvSpPr>
@@ -5130,7 +7046,7 @@
             <p:cNvSpPr/>
             <p:nvPr>
               <p:custDataLst>
-                <p:tags r:id="rId8"/>
+                <p:tags r:id="rId9"/>
               </p:custDataLst>
             </p:nvPr>
           </p:nvSpPr>
@@ -5176,7 +7092,6 @@
                 <a:rPr lang="zh-CN" altLang="en-US" dirty="0"/>
                 <a:t>290</a:t>
               </a:r>
-              <a:endParaRPr lang="zh-CN" altLang="en-US" dirty="0"/>
             </a:p>
           </p:txBody>
         </p:sp>
@@ -5186,7 +7101,7 @@
             <p:cNvSpPr txBox="1"/>
             <p:nvPr>
               <p:custDataLst>
-                <p:tags r:id="rId9"/>
+                <p:tags r:id="rId10"/>
               </p:custDataLst>
             </p:nvPr>
           </p:nvSpPr>
@@ -5240,7 +7155,7 @@
             <p:cNvCxnSpPr/>
             <p:nvPr>
               <p:custDataLst>
-                <p:tags r:id="rId10"/>
+                <p:tags r:id="rId11"/>
               </p:custDataLst>
             </p:nvPr>
           </p:nvCxnSpPr>
@@ -5279,7 +7194,7 @@
             <p:cNvSpPr/>
             <p:nvPr>
               <p:custDataLst>
-                <p:tags r:id="rId11"/>
+                <p:tags r:id="rId12"/>
               </p:custDataLst>
             </p:nvPr>
           </p:nvSpPr>
@@ -5335,7 +7250,7 @@
             <p:cNvSpPr/>
             <p:nvPr>
               <p:custDataLst>
-                <p:tags r:id="rId12"/>
+                <p:tags r:id="rId13"/>
               </p:custDataLst>
             </p:nvPr>
           </p:nvSpPr>
@@ -5394,7 +7309,7 @@
             <p:cNvCxnSpPr/>
             <p:nvPr>
               <p:custDataLst>
-                <p:tags r:id="rId13"/>
+                <p:tags r:id="rId14"/>
               </p:custDataLst>
             </p:nvPr>
           </p:nvCxnSpPr>
@@ -5433,7 +7348,7 @@
             <p:cNvSpPr/>
             <p:nvPr>
               <p:custDataLst>
-                <p:tags r:id="rId14"/>
+                <p:tags r:id="rId15"/>
               </p:custDataLst>
             </p:nvPr>
           </p:nvSpPr>
@@ -5492,7 +7407,7 @@
             <p:cNvSpPr/>
             <p:nvPr>
               <p:custDataLst>
-                <p:tags r:id="rId15"/>
+                <p:tags r:id="rId16"/>
               </p:custDataLst>
             </p:nvPr>
           </p:nvSpPr>
@@ -5548,7 +7463,7 @@
             <p:cNvSpPr txBox="1"/>
             <p:nvPr>
               <p:custDataLst>
-                <p:tags r:id="rId16"/>
+                <p:tags r:id="rId17"/>
               </p:custDataLst>
             </p:nvPr>
           </p:nvSpPr>
@@ -5595,7 +7510,7 @@
             <p:cNvSpPr txBox="1"/>
             <p:nvPr>
               <p:custDataLst>
-                <p:tags r:id="rId17"/>
+                <p:tags r:id="rId18"/>
               </p:custDataLst>
             </p:nvPr>
           </p:nvSpPr>
@@ -5635,7 +7550,7 @@
             <p:cNvCxnSpPr/>
             <p:nvPr>
               <p:custDataLst>
-                <p:tags r:id="rId18"/>
+                <p:tags r:id="rId19"/>
               </p:custDataLst>
             </p:nvPr>
           </p:nvCxnSpPr>
@@ -5674,7 +7589,7 @@
             <p:cNvSpPr/>
             <p:nvPr>
               <p:custDataLst>
-                <p:tags r:id="rId19"/>
+                <p:tags r:id="rId20"/>
               </p:custDataLst>
             </p:nvPr>
           </p:nvSpPr>
@@ -5733,7 +7648,7 @@
             <p:cNvSpPr/>
             <p:nvPr>
               <p:custDataLst>
-                <p:tags r:id="rId20"/>
+                <p:tags r:id="rId21"/>
               </p:custDataLst>
             </p:nvPr>
           </p:nvSpPr>
@@ -5789,7 +7704,7 @@
             <p:cNvSpPr txBox="1"/>
             <p:nvPr>
               <p:custDataLst>
-                <p:tags r:id="rId21"/>
+                <p:tags r:id="rId22"/>
               </p:custDataLst>
             </p:nvPr>
           </p:nvSpPr>
@@ -5836,7 +7751,7 @@
             <p:cNvCxnSpPr/>
             <p:nvPr>
               <p:custDataLst>
-                <p:tags r:id="rId22"/>
+                <p:tags r:id="rId23"/>
               </p:custDataLst>
             </p:nvPr>
           </p:nvCxnSpPr>
@@ -5875,7 +7790,7 @@
             <p:cNvSpPr/>
             <p:nvPr>
               <p:custDataLst>
-                <p:tags r:id="rId23"/>
+                <p:tags r:id="rId24"/>
               </p:custDataLst>
             </p:nvPr>
           </p:nvSpPr>
@@ -5931,7 +7846,7 @@
             <p:cNvSpPr/>
             <p:nvPr>
               <p:custDataLst>
-                <p:tags r:id="rId24"/>
+                <p:tags r:id="rId25"/>
               </p:custDataLst>
             </p:nvPr>
           </p:nvSpPr>
@@ -5977,7 +7892,6 @@
                 <a:rPr lang="zh-CN" altLang="en-US" dirty="0"/>
                 <a:t>290</a:t>
               </a:r>
-              <a:endParaRPr lang="zh-CN" altLang="en-US" dirty="0"/>
             </a:p>
           </p:txBody>
         </p:sp>
@@ -5987,7 +7901,7 @@
             <p:cNvSpPr txBox="1"/>
             <p:nvPr>
               <p:custDataLst>
-                <p:tags r:id="rId25"/>
+                <p:tags r:id="rId26"/>
               </p:custDataLst>
             </p:nvPr>
           </p:nvSpPr>
@@ -6037,7 +7951,7 @@
       </p:grpSp>
     </p:spTree>
     <p:custDataLst>
-      <p:tags r:id="rId26"/>
+      <p:tags r:id="rId1"/>
     </p:custDataLst>
   </p:cSld>
   <p:clrMapOvr>
@@ -6047,7 +7961,13 @@
 </file>
 
 <file path=ppt/tags/tag1.xml><?xml version="1.0" encoding="utf-8"?>
-<p:tagLst xmlns:p="http://schemas.openxmlformats.org/presentationml/2006/main">
+<p:tagLst xmlns:a="http://schemas.openxmlformats.org/drawingml/2006/main" xmlns:r="http://schemas.openxmlformats.org/officeDocument/2006/relationships" xmlns:p="http://schemas.openxmlformats.org/presentationml/2006/main">
+  <p:tag name="COMMONDATA" val="eyJoZGlkIjoiNWFiYmViZjBlODY5ZjI0ZWJkOGY5ZGQxOTRjMzFmNTYifQ=="/>
+</p:tagLst>
+</file>
+
+<file path=ppt/tags/tag10.xml><?xml version="1.0" encoding="utf-8"?>
+<p:tagLst xmlns:a="http://schemas.openxmlformats.org/drawingml/2006/main" xmlns:r="http://schemas.openxmlformats.org/officeDocument/2006/relationships" xmlns:p="http://schemas.openxmlformats.org/presentationml/2006/main">
   <p:tag name="KSO_WM_UNIT_HIGHLIGHT" val="0"/>
   <p:tag name="KSO_WM_UNIT_COMPATIBLE" val="0"/>
   <p:tag name="KSO_WM_UNIT_DIAGRAM_ISNUMVISUAL" val="0"/>
@@ -6059,148 +7979,8 @@
 </p:tagLst>
 </file>
 
-<file path=ppt/tags/tag10.xml><?xml version="1.0" encoding="utf-8"?>
-<p:tagLst xmlns:p="http://schemas.openxmlformats.org/presentationml/2006/main">
-  <p:tag name="KSO_WM_UNIT_HIGHLIGHT" val="0"/>
-  <p:tag name="KSO_WM_UNIT_COMPATIBLE" val="0"/>
-  <p:tag name="KSO_WM_UNIT_DIAGRAM_ISNUMVISUAL" val="0"/>
-  <p:tag name="KSO_WM_UNIT_DIAGRAM_ISREFERUNIT" val="0"/>
-  <p:tag name="KSO_WM_UNIT_ID" val="_2**"/>
-  <p:tag name="KSO_WM_UNIT_LAYERLEVEL" val="1"/>
-  <p:tag name="KSO_WM_TAG_VERSION" val="1.0"/>
-  <p:tag name="KSO_WM_BEAUTIFY_FLAG" val="#wm#"/>
-</p:tagLst>
-</file>
-
 <file path=ppt/tags/tag100.xml><?xml version="1.0" encoding="utf-8"?>
-<p:tagLst xmlns:p="http://schemas.openxmlformats.org/presentationml/2006/main">
-  <p:tag name="KSO_WM_BEAUTIFY_FLAG" val=""/>
-</p:tagLst>
-</file>
-
-<file path=ppt/tags/tag101.xml><?xml version="1.0" encoding="utf-8"?>
-<p:tagLst xmlns:p="http://schemas.openxmlformats.org/presentationml/2006/main">
-  <p:tag name="KSO_WM_BEAUTIFY_FLAG" val=""/>
-</p:tagLst>
-</file>
-
-<file path=ppt/tags/tag102.xml><?xml version="1.0" encoding="utf-8"?>
-<p:tagLst xmlns:p="http://schemas.openxmlformats.org/presentationml/2006/main">
-  <p:tag name="KSO_WM_BEAUTIFY_FLAG" val=""/>
-</p:tagLst>
-</file>
-
-<file path=ppt/tags/tag103.xml><?xml version="1.0" encoding="utf-8"?>
-<p:tagLst xmlns:p="http://schemas.openxmlformats.org/presentationml/2006/main">
-  <p:tag name="KSO_WM_BEAUTIFY_FLAG" val=""/>
-</p:tagLst>
-</file>
-
-<file path=ppt/tags/tag104.xml><?xml version="1.0" encoding="utf-8"?>
-<p:tagLst xmlns:p="http://schemas.openxmlformats.org/presentationml/2006/main">
-  <p:tag name="KSO_WM_BEAUTIFY_FLAG" val=""/>
-</p:tagLst>
-</file>
-
-<file path=ppt/tags/tag105.xml><?xml version="1.0" encoding="utf-8"?>
-<p:tagLst xmlns:p="http://schemas.openxmlformats.org/presentationml/2006/main">
-  <p:tag name="KSO_WM_BEAUTIFY_FLAG" val=""/>
-</p:tagLst>
-</file>
-
-<file path=ppt/tags/tag106.xml><?xml version="1.0" encoding="utf-8"?>
-<p:tagLst xmlns:p="http://schemas.openxmlformats.org/presentationml/2006/main">
-  <p:tag name="KSO_WM_BEAUTIFY_FLAG" val=""/>
-</p:tagLst>
-</file>
-
-<file path=ppt/tags/tag107.xml><?xml version="1.0" encoding="utf-8"?>
-<p:tagLst xmlns:p="http://schemas.openxmlformats.org/presentationml/2006/main">
-  <p:tag name="KSO_WM_BEAUTIFY_FLAG" val=""/>
-</p:tagLst>
-</file>
-
-<file path=ppt/tags/tag108.xml><?xml version="1.0" encoding="utf-8"?>
-<p:tagLst xmlns:p="http://schemas.openxmlformats.org/presentationml/2006/main">
-  <p:tag name="KSO_WM_BEAUTIFY_FLAG" val=""/>
-</p:tagLst>
-</file>
-
-<file path=ppt/tags/tag109.xml><?xml version="1.0" encoding="utf-8"?>
-<p:tagLst xmlns:p="http://schemas.openxmlformats.org/presentationml/2006/main">
-  <p:tag name="KSO_WM_BEAUTIFY_FLAG" val=""/>
-</p:tagLst>
-</file>
-
-<file path=ppt/tags/tag11.xml><?xml version="1.0" encoding="utf-8"?>
-<p:tagLst xmlns:p="http://schemas.openxmlformats.org/presentationml/2006/main">
-  <p:tag name="KSO_WM_UNIT_HIGHLIGHT" val="0"/>
-  <p:tag name="KSO_WM_UNIT_COMPATIBLE" val="0"/>
-  <p:tag name="KSO_WM_UNIT_DIAGRAM_ISNUMVISUAL" val="0"/>
-  <p:tag name="KSO_WM_UNIT_DIAGRAM_ISREFERUNIT" val="0"/>
-  <p:tag name="KSO_WM_UNIT_ID" val="_3**"/>
-  <p:tag name="KSO_WM_UNIT_LAYERLEVEL" val="1"/>
-  <p:tag name="KSO_WM_TAG_VERSION" val="1.0"/>
-  <p:tag name="KSO_WM_BEAUTIFY_FLAG" val="#wm#"/>
-</p:tagLst>
-</file>
-
-<file path=ppt/tags/tag110.xml><?xml version="1.0" encoding="utf-8"?>
-<p:tagLst xmlns:p="http://schemas.openxmlformats.org/presentationml/2006/main">
-  <p:tag name="KSO_WM_BEAUTIFY_FLAG" val=""/>
-</p:tagLst>
-</file>
-
-<file path=ppt/tags/tag111.xml><?xml version="1.0" encoding="utf-8"?>
-<p:tagLst xmlns:p="http://schemas.openxmlformats.org/presentationml/2006/main">
-  <p:tag name="KSO_WM_BEAUTIFY_FLAG" val=""/>
-</p:tagLst>
-</file>
-
-<file path=ppt/tags/tag112.xml><?xml version="1.0" encoding="utf-8"?>
-<p:tagLst xmlns:p="http://schemas.openxmlformats.org/presentationml/2006/main">
-  <p:tag name="KSO_WM_BEAUTIFY_FLAG" val=""/>
-</p:tagLst>
-</file>
-
-<file path=ppt/tags/tag113.xml><?xml version="1.0" encoding="utf-8"?>
-<p:tagLst xmlns:p="http://schemas.openxmlformats.org/presentationml/2006/main">
-  <p:tag name="KSO_WM_BEAUTIFY_FLAG" val=""/>
-</p:tagLst>
-</file>
-
-<file path=ppt/tags/tag114.xml><?xml version="1.0" encoding="utf-8"?>
-<p:tagLst xmlns:p="http://schemas.openxmlformats.org/presentationml/2006/main">
-  <p:tag name="KSO_WM_BEAUTIFY_FLAG" val=""/>
-</p:tagLst>
-</file>
-
-<file path=ppt/tags/tag115.xml><?xml version="1.0" encoding="utf-8"?>
-<p:tagLst xmlns:p="http://schemas.openxmlformats.org/presentationml/2006/main">
-  <p:tag name="KSO_WM_BEAUTIFY_FLAG" val=""/>
-</p:tagLst>
-</file>
-
-<file path=ppt/tags/tag116.xml><?xml version="1.0" encoding="utf-8"?>
-<p:tagLst xmlns:p="http://schemas.openxmlformats.org/presentationml/2006/main">
-  <p:tag name="KSO_WM_BEAUTIFY_FLAG" val=""/>
-</p:tagLst>
-</file>
-
-<file path=ppt/tags/tag117.xml><?xml version="1.0" encoding="utf-8"?>
-<p:tagLst xmlns:p="http://schemas.openxmlformats.org/presentationml/2006/main">
-  <p:tag name="KSO_WM_BEAUTIFY_FLAG" val=""/>
-</p:tagLst>
-</file>
-
-<file path=ppt/tags/tag118.xml><?xml version="1.0" encoding="utf-8"?>
-<p:tagLst xmlns:p="http://schemas.openxmlformats.org/presentationml/2006/main">
-  <p:tag name="KSO_WM_BEAUTIFY_FLAG" val=""/>
-</p:tagLst>
-</file>
-
-<file path=ppt/tags/tag119.xml><?xml version="1.0" encoding="utf-8"?>
-<p:tagLst xmlns:p="http://schemas.openxmlformats.org/presentationml/2006/main">
+<p:tagLst xmlns:a="http://schemas.openxmlformats.org/drawingml/2006/main" xmlns:r="http://schemas.openxmlformats.org/officeDocument/2006/relationships" xmlns:p="http://schemas.openxmlformats.org/presentationml/2006/main">
   <p:tag name="KSO_WM_SLIDE_ID" val="custom20205081_1"/>
   <p:tag name="KSO_WM_TEMPLATE_SUBCATEGORY" val="19"/>
   <p:tag name="KSO_WM_TEMPLATE_MASTER_TYPE" val="0"/>
@@ -6220,118 +8000,62 @@
 </p:tagLst>
 </file>
 
-<file path=ppt/tags/tag12.xml><?xml version="1.0" encoding="utf-8"?>
-<p:tagLst xmlns:p="http://schemas.openxmlformats.org/presentationml/2006/main">
-  <p:tag name="KSO_WM_UNIT_HIGHLIGHT" val="0"/>
-  <p:tag name="KSO_WM_UNIT_COMPATIBLE" val="0"/>
-  <p:tag name="KSO_WM_UNIT_DIAGRAM_ISNUMVISUAL" val="0"/>
-  <p:tag name="KSO_WM_UNIT_DIAGRAM_ISREFERUNIT" val="0"/>
-  <p:tag name="KSO_WM_UNIT_ID" val="_3**"/>
-  <p:tag name="KSO_WM_UNIT_LAYERLEVEL" val="1"/>
-  <p:tag name="KSO_WM_TAG_VERSION" val="1.0"/>
-  <p:tag name="KSO_WM_BEAUTIFY_FLAG" val="#wm#"/>
-</p:tagLst>
-</file>
-
-<file path=ppt/tags/tag120.xml><?xml version="1.0" encoding="utf-8"?>
-<p:tagLst xmlns:p="http://schemas.openxmlformats.org/presentationml/2006/main">
-  <p:tag name="commondata" val="eyJoZGlkIjoiNWFiYmViZjBlODY5ZjI0ZWJkOGY5ZGQxOTRjMzFmNTYifQ=="/>
-</p:tagLst>
-</file>
-
-<file path=ppt/tags/tag13.xml><?xml version="1.0" encoding="utf-8"?>
-<p:tagLst xmlns:p="http://schemas.openxmlformats.org/presentationml/2006/main">
-  <p:tag name="KSO_WM_UNIT_HIGHLIGHT" val="0"/>
-  <p:tag name="KSO_WM_UNIT_COMPATIBLE" val="0"/>
-  <p:tag name="KSO_WM_UNIT_DIAGRAM_ISNUMVISUAL" val="0"/>
-  <p:tag name="KSO_WM_UNIT_DIAGRAM_ISREFERUNIT" val="0"/>
-  <p:tag name="KSO_WM_UNIT_ID" val="_3**"/>
-  <p:tag name="KSO_WM_UNIT_LAYERLEVEL" val="1"/>
-  <p:tag name="KSO_WM_TAG_VERSION" val="1.0"/>
-  <p:tag name="KSO_WM_BEAUTIFY_FLAG" val="#wm#"/>
-</p:tagLst>
-</file>
-
-<file path=ppt/tags/tag14.xml><?xml version="1.0" encoding="utf-8"?>
-<p:tagLst xmlns:p="http://schemas.openxmlformats.org/presentationml/2006/main">
-  <p:tag name="KSO_WM_UNIT_HIGHLIGHT" val="0"/>
-  <p:tag name="KSO_WM_UNIT_COMPATIBLE" val="0"/>
-  <p:tag name="KSO_WM_UNIT_DIAGRAM_ISNUMVISUAL" val="0"/>
-  <p:tag name="KSO_WM_UNIT_DIAGRAM_ISREFERUNIT" val="0"/>
-  <p:tag name="KSO_WM_UNIT_ID" val="_3**"/>
-  <p:tag name="KSO_WM_UNIT_LAYERLEVEL" val="1"/>
-  <p:tag name="KSO_WM_TAG_VERSION" val="1.0"/>
-  <p:tag name="KSO_WM_BEAUTIFY_FLAG" val="#wm#"/>
-</p:tagLst>
-</file>
-
-<file path=ppt/tags/tag15.xml><?xml version="1.0" encoding="utf-8"?>
-<p:tagLst xmlns:p="http://schemas.openxmlformats.org/presentationml/2006/main">
-  <p:tag name="KSO_WM_UNIT_HIGHLIGHT" val="0"/>
-  <p:tag name="KSO_WM_UNIT_COMPATIBLE" val="0"/>
-  <p:tag name="KSO_WM_UNIT_DIAGRAM_ISNUMVISUAL" val="0"/>
-  <p:tag name="KSO_WM_UNIT_DIAGRAM_ISREFERUNIT" val="0"/>
-  <p:tag name="KSO_WM_UNIT_ID" val="_3**"/>
-  <p:tag name="KSO_WM_UNIT_LAYERLEVEL" val="1"/>
-  <p:tag name="KSO_WM_TAG_VERSION" val="1.0"/>
-  <p:tag name="KSO_WM_BEAUTIFY_FLAG" val="#wm#"/>
-</p:tagLst>
-</file>
-
-<file path=ppt/tags/tag16.xml><?xml version="1.0" encoding="utf-8"?>
-<p:tagLst xmlns:p="http://schemas.openxmlformats.org/presentationml/2006/main">
-  <p:tag name="KSO_WM_UNIT_HIGHLIGHT" val="0"/>
-  <p:tag name="KSO_WM_UNIT_COMPATIBLE" val="0"/>
-  <p:tag name="KSO_WM_UNIT_DIAGRAM_ISNUMVISUAL" val="0"/>
-  <p:tag name="KSO_WM_UNIT_DIAGRAM_ISREFERUNIT" val="0"/>
-  <p:tag name="KSO_WM_UNIT_ID" val="_4**"/>
-  <p:tag name="KSO_WM_UNIT_LAYERLEVEL" val="1"/>
-  <p:tag name="KSO_WM_TAG_VERSION" val="1.0"/>
-  <p:tag name="KSO_WM_BEAUTIFY_FLAG" val="#wm#"/>
-</p:tagLst>
-</file>
-
-<file path=ppt/tags/tag17.xml><?xml version="1.0" encoding="utf-8"?>
-<p:tagLst xmlns:p="http://schemas.openxmlformats.org/presentationml/2006/main">
-  <p:tag name="KSO_WM_UNIT_HIGHLIGHT" val="0"/>
-  <p:tag name="KSO_WM_UNIT_COMPATIBLE" val="0"/>
-  <p:tag name="KSO_WM_UNIT_DIAGRAM_ISNUMVISUAL" val="0"/>
-  <p:tag name="KSO_WM_UNIT_DIAGRAM_ISREFERUNIT" val="0"/>
-  <p:tag name="KSO_WM_UNIT_ID" val="_4**"/>
-  <p:tag name="KSO_WM_UNIT_LAYERLEVEL" val="1"/>
-  <p:tag name="KSO_WM_TAG_VERSION" val="1.0"/>
-  <p:tag name="KSO_WM_BEAUTIFY_FLAG" val="#wm#"/>
-</p:tagLst>
-</file>
-
-<file path=ppt/tags/tag18.xml><?xml version="1.0" encoding="utf-8"?>
-<p:tagLst xmlns:p="http://schemas.openxmlformats.org/presentationml/2006/main">
-  <p:tag name="KSO_WM_UNIT_HIGHLIGHT" val="0"/>
-  <p:tag name="KSO_WM_UNIT_COMPATIBLE" val="0"/>
-  <p:tag name="KSO_WM_UNIT_DIAGRAM_ISNUMVISUAL" val="0"/>
-  <p:tag name="KSO_WM_UNIT_DIAGRAM_ISREFERUNIT" val="0"/>
-  <p:tag name="KSO_WM_UNIT_ID" val="_4**"/>
-  <p:tag name="KSO_WM_UNIT_LAYERLEVEL" val="1"/>
-  <p:tag name="KSO_WM_TAG_VERSION" val="1.0"/>
-  <p:tag name="KSO_WM_BEAUTIFY_FLAG" val="#wm#"/>
-</p:tagLst>
-</file>
-
-<file path=ppt/tags/tag19.xml><?xml version="1.0" encoding="utf-8"?>
-<p:tagLst xmlns:p="http://schemas.openxmlformats.org/presentationml/2006/main">
-  <p:tag name="KSO_WM_UNIT_HIGHLIGHT" val="0"/>
-  <p:tag name="KSO_WM_UNIT_COMPATIBLE" val="0"/>
-  <p:tag name="KSO_WM_UNIT_DIAGRAM_ISNUMVISUAL" val="0"/>
-  <p:tag name="KSO_WM_UNIT_DIAGRAM_ISREFERUNIT" val="0"/>
-  <p:tag name="KSO_WM_UNIT_ID" val="_4**"/>
-  <p:tag name="KSO_WM_UNIT_LAYERLEVEL" val="1"/>
-  <p:tag name="KSO_WM_TAG_VERSION" val="1.0"/>
-  <p:tag name="KSO_WM_BEAUTIFY_FLAG" val="#wm#"/>
-</p:tagLst>
-</file>
-
-<file path=ppt/tags/tag2.xml><?xml version="1.0" encoding="utf-8"?>
-<p:tagLst xmlns:p="http://schemas.openxmlformats.org/presentationml/2006/main">
+<file path=ppt/tags/tag101.xml><?xml version="1.0" encoding="utf-8"?>
+<p:tagLst xmlns:a="http://schemas.openxmlformats.org/drawingml/2006/main" xmlns:r="http://schemas.openxmlformats.org/officeDocument/2006/relationships" xmlns:p="http://schemas.openxmlformats.org/presentationml/2006/main">
+  <p:tag name="KSO_WM_BEAUTIFY_FLAG" val=""/>
+</p:tagLst>
+</file>
+
+<file path=ppt/tags/tag102.xml><?xml version="1.0" encoding="utf-8"?>
+<p:tagLst xmlns:a="http://schemas.openxmlformats.org/drawingml/2006/main" xmlns:r="http://schemas.openxmlformats.org/officeDocument/2006/relationships" xmlns:p="http://schemas.openxmlformats.org/presentationml/2006/main">
+  <p:tag name="KSO_WM_BEAUTIFY_FLAG" val=""/>
+</p:tagLst>
+</file>
+
+<file path=ppt/tags/tag103.xml><?xml version="1.0" encoding="utf-8"?>
+<p:tagLst xmlns:a="http://schemas.openxmlformats.org/drawingml/2006/main" xmlns:r="http://schemas.openxmlformats.org/officeDocument/2006/relationships" xmlns:p="http://schemas.openxmlformats.org/presentationml/2006/main">
+  <p:tag name="KSO_WM_BEAUTIFY_FLAG" val=""/>
+</p:tagLst>
+</file>
+
+<file path=ppt/tags/tag104.xml><?xml version="1.0" encoding="utf-8"?>
+<p:tagLst xmlns:a="http://schemas.openxmlformats.org/drawingml/2006/main" xmlns:r="http://schemas.openxmlformats.org/officeDocument/2006/relationships" xmlns:p="http://schemas.openxmlformats.org/presentationml/2006/main">
+  <p:tag name="KSO_WM_BEAUTIFY_FLAG" val=""/>
+</p:tagLst>
+</file>
+
+<file path=ppt/tags/tag105.xml><?xml version="1.0" encoding="utf-8"?>
+<p:tagLst xmlns:a="http://schemas.openxmlformats.org/drawingml/2006/main" xmlns:r="http://schemas.openxmlformats.org/officeDocument/2006/relationships" xmlns:p="http://schemas.openxmlformats.org/presentationml/2006/main">
+  <p:tag name="KSO_WM_BEAUTIFY_FLAG" val=""/>
+</p:tagLst>
+</file>
+
+<file path=ppt/tags/tag106.xml><?xml version="1.0" encoding="utf-8"?>
+<p:tagLst xmlns:a="http://schemas.openxmlformats.org/drawingml/2006/main" xmlns:r="http://schemas.openxmlformats.org/officeDocument/2006/relationships" xmlns:p="http://schemas.openxmlformats.org/presentationml/2006/main">
+  <p:tag name="KSO_WM_BEAUTIFY_FLAG" val=""/>
+</p:tagLst>
+</file>
+
+<file path=ppt/tags/tag107.xml><?xml version="1.0" encoding="utf-8"?>
+<p:tagLst xmlns:a="http://schemas.openxmlformats.org/drawingml/2006/main" xmlns:r="http://schemas.openxmlformats.org/officeDocument/2006/relationships" xmlns:p="http://schemas.openxmlformats.org/presentationml/2006/main">
+  <p:tag name="KSO_WM_BEAUTIFY_FLAG" val=""/>
+</p:tagLst>
+</file>
+
+<file path=ppt/tags/tag108.xml><?xml version="1.0" encoding="utf-8"?>
+<p:tagLst xmlns:a="http://schemas.openxmlformats.org/drawingml/2006/main" xmlns:r="http://schemas.openxmlformats.org/officeDocument/2006/relationships" xmlns:p="http://schemas.openxmlformats.org/presentationml/2006/main">
+  <p:tag name="KSO_WM_BEAUTIFY_FLAG" val=""/>
+</p:tagLst>
+</file>
+
+<file path=ppt/tags/tag109.xml><?xml version="1.0" encoding="utf-8"?>
+<p:tagLst xmlns:a="http://schemas.openxmlformats.org/drawingml/2006/main" xmlns:r="http://schemas.openxmlformats.org/officeDocument/2006/relationships" xmlns:p="http://schemas.openxmlformats.org/presentationml/2006/main">
+  <p:tag name="KSO_WM_BEAUTIFY_FLAG" val=""/>
+</p:tagLst>
+</file>
+
+<file path=ppt/tags/tag11.xml><?xml version="1.0" encoding="utf-8"?>
+<p:tagLst xmlns:a="http://schemas.openxmlformats.org/drawingml/2006/main" xmlns:r="http://schemas.openxmlformats.org/officeDocument/2006/relationships" xmlns:p="http://schemas.openxmlformats.org/presentationml/2006/main">
   <p:tag name="KSO_WM_UNIT_HIGHLIGHT" val="0"/>
   <p:tag name="KSO_WM_UNIT_COMPATIBLE" val="0"/>
   <p:tag name="KSO_WM_UNIT_DIAGRAM_ISNUMVISUAL" val="0"/>
@@ -6343,138 +8067,68 @@
 </p:tagLst>
 </file>
 
-<file path=ppt/tags/tag20.xml><?xml version="1.0" encoding="utf-8"?>
-<p:tagLst xmlns:p="http://schemas.openxmlformats.org/presentationml/2006/main">
-  <p:tag name="KSO_WM_UNIT_HIGHLIGHT" val="0"/>
-  <p:tag name="KSO_WM_UNIT_COMPATIBLE" val="0"/>
-  <p:tag name="KSO_WM_UNIT_DIAGRAM_ISNUMVISUAL" val="0"/>
-  <p:tag name="KSO_WM_UNIT_DIAGRAM_ISREFERUNIT" val="0"/>
-  <p:tag name="KSO_WM_UNIT_ID" val="_4**"/>
-  <p:tag name="KSO_WM_UNIT_LAYERLEVEL" val="1"/>
-  <p:tag name="KSO_WM_TAG_VERSION" val="1.0"/>
-  <p:tag name="KSO_WM_BEAUTIFY_FLAG" val="#wm#"/>
-</p:tagLst>
-</file>
-
-<file path=ppt/tags/tag21.xml><?xml version="1.0" encoding="utf-8"?>
-<p:tagLst xmlns:p="http://schemas.openxmlformats.org/presentationml/2006/main">
-  <p:tag name="KSO_WM_UNIT_HIGHLIGHT" val="0"/>
-  <p:tag name="KSO_WM_UNIT_COMPATIBLE" val="0"/>
-  <p:tag name="KSO_WM_UNIT_DIAGRAM_ISNUMVISUAL" val="0"/>
-  <p:tag name="KSO_WM_UNIT_DIAGRAM_ISREFERUNIT" val="0"/>
-  <p:tag name="KSO_WM_UNIT_ID" val="_4**"/>
-  <p:tag name="KSO_WM_UNIT_LAYERLEVEL" val="1"/>
-  <p:tag name="KSO_WM_TAG_VERSION" val="1.0"/>
-  <p:tag name="KSO_WM_BEAUTIFY_FLAG" val="#wm#"/>
-</p:tagLst>
-</file>
-
-<file path=ppt/tags/tag22.xml><?xml version="1.0" encoding="utf-8"?>
-<p:tagLst xmlns:p="http://schemas.openxmlformats.org/presentationml/2006/main">
-  <p:tag name="KSO_WM_UNIT_HIGHLIGHT" val="0"/>
-  <p:tag name="KSO_WM_UNIT_COMPATIBLE" val="0"/>
-  <p:tag name="KSO_WM_UNIT_DIAGRAM_ISNUMVISUAL" val="0"/>
-  <p:tag name="KSO_WM_UNIT_DIAGRAM_ISREFERUNIT" val="0"/>
-  <p:tag name="KSO_WM_UNIT_ID" val="_5**"/>
-  <p:tag name="KSO_WM_UNIT_LAYERLEVEL" val="1"/>
-  <p:tag name="KSO_WM_TAG_VERSION" val="1.0"/>
-  <p:tag name="KSO_WM_BEAUTIFY_FLAG" val="#wm#"/>
-</p:tagLst>
-</file>
-
-<file path=ppt/tags/tag23.xml><?xml version="1.0" encoding="utf-8"?>
-<p:tagLst xmlns:p="http://schemas.openxmlformats.org/presentationml/2006/main">
-  <p:tag name="KSO_WM_UNIT_HIGHLIGHT" val="0"/>
-  <p:tag name="KSO_WM_UNIT_COMPATIBLE" val="0"/>
-  <p:tag name="KSO_WM_UNIT_DIAGRAM_ISNUMVISUAL" val="0"/>
-  <p:tag name="KSO_WM_UNIT_DIAGRAM_ISREFERUNIT" val="0"/>
-  <p:tag name="KSO_WM_UNIT_ID" val="_5**"/>
-  <p:tag name="KSO_WM_UNIT_LAYERLEVEL" val="1"/>
-  <p:tag name="KSO_WM_TAG_VERSION" val="1.0"/>
-  <p:tag name="KSO_WM_BEAUTIFY_FLAG" val="#wm#"/>
-</p:tagLst>
-</file>
-
-<file path=ppt/tags/tag24.xml><?xml version="1.0" encoding="utf-8"?>
-<p:tagLst xmlns:p="http://schemas.openxmlformats.org/presentationml/2006/main">
-  <p:tag name="KSO_WM_UNIT_HIGHLIGHT" val="0"/>
-  <p:tag name="KSO_WM_UNIT_COMPATIBLE" val="0"/>
-  <p:tag name="KSO_WM_UNIT_DIAGRAM_ISNUMVISUAL" val="0"/>
-  <p:tag name="KSO_WM_UNIT_DIAGRAM_ISREFERUNIT" val="0"/>
-  <p:tag name="KSO_WM_UNIT_ID" val="_5**"/>
-  <p:tag name="KSO_WM_UNIT_LAYERLEVEL" val="1"/>
-  <p:tag name="KSO_WM_TAG_VERSION" val="1.0"/>
-  <p:tag name="KSO_WM_BEAUTIFY_FLAG" val="#wm#"/>
-</p:tagLst>
-</file>
-
-<file path=ppt/tags/tag25.xml><?xml version="1.0" encoding="utf-8"?>
-<p:tagLst xmlns:p="http://schemas.openxmlformats.org/presentationml/2006/main">
-  <p:tag name="KSO_WM_UNIT_HIGHLIGHT" val="0"/>
-  <p:tag name="KSO_WM_UNIT_COMPATIBLE" val="0"/>
-  <p:tag name="KSO_WM_UNIT_DIAGRAM_ISNUMVISUAL" val="0"/>
-  <p:tag name="KSO_WM_UNIT_DIAGRAM_ISREFERUNIT" val="0"/>
-  <p:tag name="KSO_WM_UNIT_ID" val="_5**"/>
-  <p:tag name="KSO_WM_UNIT_LAYERLEVEL" val="1"/>
-  <p:tag name="KSO_WM_TAG_VERSION" val="1.0"/>
-  <p:tag name="KSO_WM_BEAUTIFY_FLAG" val="#wm#"/>
-</p:tagLst>
-</file>
-
-<file path=ppt/tags/tag26.xml><?xml version="1.0" encoding="utf-8"?>
-<p:tagLst xmlns:p="http://schemas.openxmlformats.org/presentationml/2006/main">
-  <p:tag name="KSO_WM_UNIT_HIGHLIGHT" val="0"/>
-  <p:tag name="KSO_WM_UNIT_COMPATIBLE" val="0"/>
-  <p:tag name="KSO_WM_UNIT_DIAGRAM_ISNUMVISUAL" val="0"/>
-  <p:tag name="KSO_WM_UNIT_DIAGRAM_ISREFERUNIT" val="0"/>
-  <p:tag name="KSO_WM_UNIT_ID" val="_5**"/>
-  <p:tag name="KSO_WM_UNIT_LAYERLEVEL" val="1"/>
-  <p:tag name="KSO_WM_TAG_VERSION" val="1.0"/>
-  <p:tag name="KSO_WM_BEAUTIFY_FLAG" val="#wm#"/>
-</p:tagLst>
-</file>
-
-<file path=ppt/tags/tag27.xml><?xml version="1.0" encoding="utf-8"?>
-<p:tagLst xmlns:p="http://schemas.openxmlformats.org/presentationml/2006/main">
-  <p:tag name="KSO_WM_UNIT_HIGHLIGHT" val="0"/>
-  <p:tag name="KSO_WM_UNIT_COMPATIBLE" val="0"/>
-  <p:tag name="KSO_WM_UNIT_DIAGRAM_ISNUMVISUAL" val="0"/>
-  <p:tag name="KSO_WM_UNIT_DIAGRAM_ISREFERUNIT" val="0"/>
-  <p:tag name="KSO_WM_UNIT_ID" val="_5**"/>
-  <p:tag name="KSO_WM_UNIT_LAYERLEVEL" val="1"/>
-  <p:tag name="KSO_WM_TAG_VERSION" val="1.0"/>
-  <p:tag name="KSO_WM_BEAUTIFY_FLAG" val="#wm#"/>
-</p:tagLst>
-</file>
-
-<file path=ppt/tags/tag28.xml><?xml version="1.0" encoding="utf-8"?>
-<p:tagLst xmlns:p="http://schemas.openxmlformats.org/presentationml/2006/main">
-  <p:tag name="KSO_WM_UNIT_HIGHLIGHT" val="0"/>
-  <p:tag name="KSO_WM_UNIT_COMPATIBLE" val="0"/>
-  <p:tag name="KSO_WM_UNIT_DIAGRAM_ISNUMVISUAL" val="0"/>
-  <p:tag name="KSO_WM_UNIT_DIAGRAM_ISREFERUNIT" val="0"/>
-  <p:tag name="KSO_WM_UNIT_ID" val="_5**"/>
-  <p:tag name="KSO_WM_UNIT_LAYERLEVEL" val="1"/>
-  <p:tag name="KSO_WM_TAG_VERSION" val="1.0"/>
-  <p:tag name="KSO_WM_BEAUTIFY_FLAG" val="#wm#"/>
-</p:tagLst>
-</file>
-
-<file path=ppt/tags/tag29.xml><?xml version="1.0" encoding="utf-8"?>
-<p:tagLst xmlns:p="http://schemas.openxmlformats.org/presentationml/2006/main">
-  <p:tag name="KSO_WM_UNIT_HIGHLIGHT" val="0"/>
-  <p:tag name="KSO_WM_UNIT_COMPATIBLE" val="0"/>
-  <p:tag name="KSO_WM_UNIT_DIAGRAM_ISNUMVISUAL" val="0"/>
-  <p:tag name="KSO_WM_UNIT_DIAGRAM_ISREFERUNIT" val="0"/>
-  <p:tag name="KSO_WM_UNIT_ID" val="_5**"/>
-  <p:tag name="KSO_WM_UNIT_LAYERLEVEL" val="1"/>
-  <p:tag name="KSO_WM_TAG_VERSION" val="1.0"/>
-  <p:tag name="KSO_WM_BEAUTIFY_FLAG" val="#wm#"/>
-</p:tagLst>
-</file>
-
-<file path=ppt/tags/tag3.xml><?xml version="1.0" encoding="utf-8"?>
-<p:tagLst xmlns:p="http://schemas.openxmlformats.org/presentationml/2006/main">
+<file path=ppt/tags/tag110.xml><?xml version="1.0" encoding="utf-8"?>
+<p:tagLst xmlns:a="http://schemas.openxmlformats.org/drawingml/2006/main" xmlns:r="http://schemas.openxmlformats.org/officeDocument/2006/relationships" xmlns:p="http://schemas.openxmlformats.org/presentationml/2006/main">
+  <p:tag name="KSO_WM_BEAUTIFY_FLAG" val=""/>
+</p:tagLst>
+</file>
+
+<file path=ppt/tags/tag111.xml><?xml version="1.0" encoding="utf-8"?>
+<p:tagLst xmlns:a="http://schemas.openxmlformats.org/drawingml/2006/main" xmlns:r="http://schemas.openxmlformats.org/officeDocument/2006/relationships" xmlns:p="http://schemas.openxmlformats.org/presentationml/2006/main">
+  <p:tag name="KSO_WM_BEAUTIFY_FLAG" val=""/>
+</p:tagLst>
+</file>
+
+<file path=ppt/tags/tag112.xml><?xml version="1.0" encoding="utf-8"?>
+<p:tagLst xmlns:a="http://schemas.openxmlformats.org/drawingml/2006/main" xmlns:r="http://schemas.openxmlformats.org/officeDocument/2006/relationships" xmlns:p="http://schemas.openxmlformats.org/presentationml/2006/main">
+  <p:tag name="KSO_WM_BEAUTIFY_FLAG" val=""/>
+</p:tagLst>
+</file>
+
+<file path=ppt/tags/tag113.xml><?xml version="1.0" encoding="utf-8"?>
+<p:tagLst xmlns:a="http://schemas.openxmlformats.org/drawingml/2006/main" xmlns:r="http://schemas.openxmlformats.org/officeDocument/2006/relationships" xmlns:p="http://schemas.openxmlformats.org/presentationml/2006/main">
+  <p:tag name="KSO_WM_BEAUTIFY_FLAG" val=""/>
+</p:tagLst>
+</file>
+
+<file path=ppt/tags/tag114.xml><?xml version="1.0" encoding="utf-8"?>
+<p:tagLst xmlns:a="http://schemas.openxmlformats.org/drawingml/2006/main" xmlns:r="http://schemas.openxmlformats.org/officeDocument/2006/relationships" xmlns:p="http://schemas.openxmlformats.org/presentationml/2006/main">
+  <p:tag name="KSO_WM_BEAUTIFY_FLAG" val=""/>
+</p:tagLst>
+</file>
+
+<file path=ppt/tags/tag115.xml><?xml version="1.0" encoding="utf-8"?>
+<p:tagLst xmlns:a="http://schemas.openxmlformats.org/drawingml/2006/main" xmlns:r="http://schemas.openxmlformats.org/officeDocument/2006/relationships" xmlns:p="http://schemas.openxmlformats.org/presentationml/2006/main">
+  <p:tag name="KSO_WM_BEAUTIFY_FLAG" val=""/>
+</p:tagLst>
+</file>
+
+<file path=ppt/tags/tag116.xml><?xml version="1.0" encoding="utf-8"?>
+<p:tagLst xmlns:a="http://schemas.openxmlformats.org/drawingml/2006/main" xmlns:r="http://schemas.openxmlformats.org/officeDocument/2006/relationships" xmlns:p="http://schemas.openxmlformats.org/presentationml/2006/main">
+  <p:tag name="KSO_WM_BEAUTIFY_FLAG" val=""/>
+</p:tagLst>
+</file>
+
+<file path=ppt/tags/tag117.xml><?xml version="1.0" encoding="utf-8"?>
+<p:tagLst xmlns:a="http://schemas.openxmlformats.org/drawingml/2006/main" xmlns:r="http://schemas.openxmlformats.org/officeDocument/2006/relationships" xmlns:p="http://schemas.openxmlformats.org/presentationml/2006/main">
+  <p:tag name="KSO_WM_BEAUTIFY_FLAG" val=""/>
+</p:tagLst>
+</file>
+
+<file path=ppt/tags/tag118.xml><?xml version="1.0" encoding="utf-8"?>
+<p:tagLst xmlns:a="http://schemas.openxmlformats.org/drawingml/2006/main" xmlns:r="http://schemas.openxmlformats.org/officeDocument/2006/relationships" xmlns:p="http://schemas.openxmlformats.org/presentationml/2006/main">
+  <p:tag name="KSO_WM_BEAUTIFY_FLAG" val=""/>
+</p:tagLst>
+</file>
+
+<file path=ppt/tags/tag119.xml><?xml version="1.0" encoding="utf-8"?>
+<p:tagLst xmlns:a="http://schemas.openxmlformats.org/drawingml/2006/main" xmlns:r="http://schemas.openxmlformats.org/officeDocument/2006/relationships" xmlns:p="http://schemas.openxmlformats.org/presentationml/2006/main">
+  <p:tag name="KSO_WM_BEAUTIFY_FLAG" val=""/>
+</p:tagLst>
+</file>
+
+<file path=ppt/tags/tag12.xml><?xml version="1.0" encoding="utf-8"?>
+<p:tagLst xmlns:a="http://schemas.openxmlformats.org/drawingml/2006/main" xmlns:r="http://schemas.openxmlformats.org/officeDocument/2006/relationships" xmlns:p="http://schemas.openxmlformats.org/presentationml/2006/main">
   <p:tag name="KSO_WM_UNIT_HIGHLIGHT" val="0"/>
   <p:tag name="KSO_WM_UNIT_COMPATIBLE" val="0"/>
   <p:tag name="KSO_WM_UNIT_DIAGRAM_ISNUMVISUAL" val="0"/>
@@ -6486,428 +8140,68 @@
 </p:tagLst>
 </file>
 
-<file path=ppt/tags/tag30.xml><?xml version="1.0" encoding="utf-8"?>
-<p:tagLst xmlns:p="http://schemas.openxmlformats.org/presentationml/2006/main">
-  <p:tag name="KSO_WM_UNIT_HIGHLIGHT" val="0"/>
-  <p:tag name="KSO_WM_UNIT_COMPATIBLE" val="0"/>
-  <p:tag name="KSO_WM_UNIT_DIAGRAM_ISNUMVISUAL" val="0"/>
-  <p:tag name="KSO_WM_UNIT_DIAGRAM_ISREFERUNIT" val="0"/>
-  <p:tag name="KSO_WM_UNIT_ID" val="_6**"/>
-  <p:tag name="KSO_WM_UNIT_LAYERLEVEL" val="1"/>
-  <p:tag name="KSO_WM_TAG_VERSION" val="1.0"/>
-  <p:tag name="KSO_WM_BEAUTIFY_FLAG" val="#wm#"/>
-</p:tagLst>
-</file>
-
-<file path=ppt/tags/tag31.xml><?xml version="1.0" encoding="utf-8"?>
-<p:tagLst xmlns:p="http://schemas.openxmlformats.org/presentationml/2006/main">
-  <p:tag name="KSO_WM_UNIT_HIGHLIGHT" val="0"/>
-  <p:tag name="KSO_WM_UNIT_COMPATIBLE" val="0"/>
-  <p:tag name="KSO_WM_UNIT_DIAGRAM_ISNUMVISUAL" val="0"/>
-  <p:tag name="KSO_WM_UNIT_DIAGRAM_ISREFERUNIT" val="0"/>
-  <p:tag name="KSO_WM_UNIT_ID" val="_6**"/>
-  <p:tag name="KSO_WM_UNIT_LAYERLEVEL" val="1"/>
-  <p:tag name="KSO_WM_TAG_VERSION" val="1.0"/>
-  <p:tag name="KSO_WM_BEAUTIFY_FLAG" val="#wm#"/>
-</p:tagLst>
-</file>
-
-<file path=ppt/tags/tag32.xml><?xml version="1.0" encoding="utf-8"?>
-<p:tagLst xmlns:p="http://schemas.openxmlformats.org/presentationml/2006/main">
-  <p:tag name="KSO_WM_UNIT_HIGHLIGHT" val="0"/>
-  <p:tag name="KSO_WM_UNIT_COMPATIBLE" val="0"/>
-  <p:tag name="KSO_WM_UNIT_DIAGRAM_ISNUMVISUAL" val="0"/>
-  <p:tag name="KSO_WM_UNIT_DIAGRAM_ISREFERUNIT" val="0"/>
-  <p:tag name="KSO_WM_UNIT_ID" val="_6**"/>
-  <p:tag name="KSO_WM_UNIT_LAYERLEVEL" val="1"/>
-  <p:tag name="KSO_WM_TAG_VERSION" val="1.0"/>
-  <p:tag name="KSO_WM_BEAUTIFY_FLAG" val="#wm#"/>
-</p:tagLst>
-</file>
-
-<file path=ppt/tags/tag33.xml><?xml version="1.0" encoding="utf-8"?>
-<p:tagLst xmlns:p="http://schemas.openxmlformats.org/presentationml/2006/main">
-  <p:tag name="KSO_WM_UNIT_HIGHLIGHT" val="0"/>
-  <p:tag name="KSO_WM_UNIT_COMPATIBLE" val="0"/>
-  <p:tag name="KSO_WM_UNIT_DIAGRAM_ISNUMVISUAL" val="0"/>
-  <p:tag name="KSO_WM_UNIT_DIAGRAM_ISREFERUNIT" val="0"/>
-  <p:tag name="KSO_WM_UNIT_ID" val="_6**"/>
-  <p:tag name="KSO_WM_UNIT_LAYERLEVEL" val="1"/>
-  <p:tag name="KSO_WM_TAG_VERSION" val="1.0"/>
-  <p:tag name="KSO_WM_BEAUTIFY_FLAG" val="#wm#"/>
-</p:tagLst>
-</file>
-
-<file path=ppt/tags/tag34.xml><?xml version="1.0" encoding="utf-8"?>
-<p:tagLst xmlns:p="http://schemas.openxmlformats.org/presentationml/2006/main">
-  <p:tag name="KSO_WM_UNIT_HIGHLIGHT" val="0"/>
-  <p:tag name="KSO_WM_UNIT_COMPATIBLE" val="0"/>
-  <p:tag name="KSO_WM_UNIT_DIAGRAM_ISNUMVISUAL" val="0"/>
-  <p:tag name="KSO_WM_UNIT_DIAGRAM_ISREFERUNIT" val="0"/>
-  <p:tag name="KSO_WM_UNIT_ID" val="_7**"/>
-  <p:tag name="KSO_WM_UNIT_LAYERLEVEL" val="1"/>
-  <p:tag name="KSO_WM_TAG_VERSION" val="1.0"/>
-  <p:tag name="KSO_WM_BEAUTIFY_FLAG" val="#wm#"/>
-</p:tagLst>
-</file>
-
-<file path=ppt/tags/tag35.xml><?xml version="1.0" encoding="utf-8"?>
-<p:tagLst xmlns:p="http://schemas.openxmlformats.org/presentationml/2006/main">
-  <p:tag name="KSO_WM_UNIT_HIGHLIGHT" val="0"/>
-  <p:tag name="KSO_WM_UNIT_COMPATIBLE" val="0"/>
-  <p:tag name="KSO_WM_UNIT_DIAGRAM_ISNUMVISUAL" val="0"/>
-  <p:tag name="KSO_WM_UNIT_DIAGRAM_ISREFERUNIT" val="0"/>
-  <p:tag name="KSO_WM_UNIT_ID" val="_7**"/>
-  <p:tag name="KSO_WM_UNIT_LAYERLEVEL" val="1"/>
-  <p:tag name="KSO_WM_TAG_VERSION" val="1.0"/>
-  <p:tag name="KSO_WM_BEAUTIFY_FLAG" val="#wm#"/>
-</p:tagLst>
-</file>
-
-<file path=ppt/tags/tag36.xml><?xml version="1.0" encoding="utf-8"?>
-<p:tagLst xmlns:p="http://schemas.openxmlformats.org/presentationml/2006/main">
-  <p:tag name="KSO_WM_UNIT_HIGHLIGHT" val="0"/>
-  <p:tag name="KSO_WM_UNIT_COMPATIBLE" val="0"/>
-  <p:tag name="KSO_WM_UNIT_DIAGRAM_ISNUMVISUAL" val="0"/>
-  <p:tag name="KSO_WM_UNIT_DIAGRAM_ISREFERUNIT" val="0"/>
-  <p:tag name="KSO_WM_UNIT_ID" val="_7**"/>
-  <p:tag name="KSO_WM_UNIT_LAYERLEVEL" val="1"/>
-  <p:tag name="KSO_WM_TAG_VERSION" val="1.0"/>
-  <p:tag name="KSO_WM_BEAUTIFY_FLAG" val="#wm#"/>
-</p:tagLst>
-</file>
-
-<file path=ppt/tags/tag37.xml><?xml version="1.0" encoding="utf-8"?>
-<p:tagLst xmlns:p="http://schemas.openxmlformats.org/presentationml/2006/main">
-  <p:tag name="KSO_WM_UNIT_HIGHLIGHT" val="0"/>
-  <p:tag name="KSO_WM_UNIT_COMPATIBLE" val="0"/>
-  <p:tag name="KSO_WM_UNIT_DIAGRAM_ISNUMVISUAL" val="0"/>
-  <p:tag name="KSO_WM_UNIT_DIAGRAM_ISREFERUNIT" val="0"/>
-  <p:tag name="KSO_WM_UNIT_ID" val="_8**"/>
-  <p:tag name="KSO_WM_UNIT_LAYERLEVEL" val="1"/>
-  <p:tag name="KSO_WM_TAG_VERSION" val="1.0"/>
-  <p:tag name="KSO_WM_BEAUTIFY_FLAG" val="#wm#"/>
-</p:tagLst>
-</file>
-
-<file path=ppt/tags/tag38.xml><?xml version="1.0" encoding="utf-8"?>
-<p:tagLst xmlns:p="http://schemas.openxmlformats.org/presentationml/2006/main">
-  <p:tag name="KSO_WM_UNIT_HIGHLIGHT" val="0"/>
-  <p:tag name="KSO_WM_UNIT_COMPATIBLE" val="0"/>
-  <p:tag name="KSO_WM_UNIT_DIAGRAM_ISNUMVISUAL" val="0"/>
-  <p:tag name="KSO_WM_UNIT_DIAGRAM_ISREFERUNIT" val="0"/>
-  <p:tag name="KSO_WM_UNIT_ID" val="_8**"/>
-  <p:tag name="KSO_WM_UNIT_LAYERLEVEL" val="1"/>
-  <p:tag name="KSO_WM_TAG_VERSION" val="1.0"/>
-  <p:tag name="KSO_WM_BEAUTIFY_FLAG" val="#wm#"/>
-</p:tagLst>
-</file>
-
-<file path=ppt/tags/tag39.xml><?xml version="1.0" encoding="utf-8"?>
-<p:tagLst xmlns:p="http://schemas.openxmlformats.org/presentationml/2006/main">
-  <p:tag name="KSO_WM_UNIT_HIGHLIGHT" val="0"/>
-  <p:tag name="KSO_WM_UNIT_COMPATIBLE" val="0"/>
-  <p:tag name="KSO_WM_UNIT_DIAGRAM_ISNUMVISUAL" val="0"/>
-  <p:tag name="KSO_WM_UNIT_DIAGRAM_ISREFERUNIT" val="0"/>
-  <p:tag name="KSO_WM_UNIT_ID" val="_8**"/>
-  <p:tag name="KSO_WM_UNIT_LAYERLEVEL" val="1"/>
-  <p:tag name="KSO_WM_TAG_VERSION" val="1.0"/>
-  <p:tag name="KSO_WM_BEAUTIFY_FLAG" val="#wm#"/>
-</p:tagLst>
-</file>
-
-<file path=ppt/tags/tag4.xml><?xml version="1.0" encoding="utf-8"?>
-<p:tagLst xmlns:p="http://schemas.openxmlformats.org/presentationml/2006/main">
-  <p:tag name="KSO_WM_UNIT_HIGHLIGHT" val="0"/>
-  <p:tag name="KSO_WM_UNIT_COMPATIBLE" val="0"/>
-  <p:tag name="KSO_WM_UNIT_DIAGRAM_ISNUMVISUAL" val="0"/>
-  <p:tag name="KSO_WM_UNIT_DIAGRAM_ISREFERUNIT" val="0"/>
-  <p:tag name="KSO_WM_UNIT_ID" val="_1**"/>
-  <p:tag name="KSO_WM_UNIT_LAYERLEVEL" val="1"/>
-  <p:tag name="KSO_WM_TAG_VERSION" val="1.0"/>
-  <p:tag name="KSO_WM_BEAUTIFY_FLAG" val="#wm#"/>
-</p:tagLst>
-</file>
-
-<file path=ppt/tags/tag40.xml><?xml version="1.0" encoding="utf-8"?>
-<p:tagLst xmlns:p="http://schemas.openxmlformats.org/presentationml/2006/main">
-  <p:tag name="KSO_WM_UNIT_HIGHLIGHT" val="0"/>
-  <p:tag name="KSO_WM_UNIT_COMPATIBLE" val="0"/>
-  <p:tag name="KSO_WM_UNIT_DIAGRAM_ISNUMVISUAL" val="0"/>
-  <p:tag name="KSO_WM_UNIT_DIAGRAM_ISREFERUNIT" val="0"/>
-  <p:tag name="KSO_WM_UNIT_ID" val="_8**"/>
-  <p:tag name="KSO_WM_UNIT_LAYERLEVEL" val="1"/>
-  <p:tag name="KSO_WM_TAG_VERSION" val="1.0"/>
-  <p:tag name="KSO_WM_BEAUTIFY_FLAG" val="#wm#"/>
-</p:tagLst>
-</file>
-
-<file path=ppt/tags/tag41.xml><?xml version="1.0" encoding="utf-8"?>
-<p:tagLst xmlns:p="http://schemas.openxmlformats.org/presentationml/2006/main">
-  <p:tag name="KSO_WM_UNIT_HIGHLIGHT" val="0"/>
-  <p:tag name="KSO_WM_UNIT_COMPATIBLE" val="0"/>
-  <p:tag name="KSO_WM_UNIT_DIAGRAM_ISNUMVISUAL" val="0"/>
-  <p:tag name="KSO_WM_UNIT_DIAGRAM_ISREFERUNIT" val="0"/>
-  <p:tag name="KSO_WM_UNIT_ID" val="_8**"/>
-  <p:tag name="KSO_WM_UNIT_LAYERLEVEL" val="1"/>
-  <p:tag name="KSO_WM_TAG_VERSION" val="1.0"/>
-  <p:tag name="KSO_WM_BEAUTIFY_FLAG" val="#wm#"/>
-</p:tagLst>
-</file>
-
-<file path=ppt/tags/tag42.xml><?xml version="1.0" encoding="utf-8"?>
-<p:tagLst xmlns:p="http://schemas.openxmlformats.org/presentationml/2006/main">
-  <p:tag name="KSO_WM_UNIT_HIGHLIGHT" val="0"/>
-  <p:tag name="KSO_WM_UNIT_COMPATIBLE" val="0"/>
-  <p:tag name="KSO_WM_UNIT_DIAGRAM_ISNUMVISUAL" val="0"/>
-  <p:tag name="KSO_WM_UNIT_DIAGRAM_ISREFERUNIT" val="0"/>
-  <p:tag name="KSO_WM_UNIT_ID" val="_8**"/>
-  <p:tag name="KSO_WM_UNIT_LAYERLEVEL" val="1"/>
-  <p:tag name="KSO_WM_TAG_VERSION" val="1.0"/>
-  <p:tag name="KSO_WM_BEAUTIFY_FLAG" val="#wm#"/>
-</p:tagLst>
-</file>
-
-<file path=ppt/tags/tag43.xml><?xml version="1.0" encoding="utf-8"?>
-<p:tagLst xmlns:p="http://schemas.openxmlformats.org/presentationml/2006/main">
-  <p:tag name="KSO_WM_UNIT_HIGHLIGHT" val="0"/>
-  <p:tag name="KSO_WM_UNIT_COMPATIBLE" val="0"/>
-  <p:tag name="KSO_WM_UNIT_DIAGRAM_ISNUMVISUAL" val="0"/>
-  <p:tag name="KSO_WM_UNIT_DIAGRAM_ISREFERUNIT" val="0"/>
-  <p:tag name="KSO_WM_UNIT_ID" val="_9**"/>
-  <p:tag name="KSO_WM_UNIT_LAYERLEVEL" val="1"/>
-  <p:tag name="KSO_WM_TAG_VERSION" val="1.0"/>
-  <p:tag name="KSO_WM_BEAUTIFY_FLAG" val="#wm#"/>
-</p:tagLst>
-</file>
-
-<file path=ppt/tags/tag44.xml><?xml version="1.0" encoding="utf-8"?>
-<p:tagLst xmlns:p="http://schemas.openxmlformats.org/presentationml/2006/main">
-  <p:tag name="KSO_WM_UNIT_HIGHLIGHT" val="0"/>
-  <p:tag name="KSO_WM_UNIT_COMPATIBLE" val="0"/>
-  <p:tag name="KSO_WM_UNIT_DIAGRAM_ISNUMVISUAL" val="0"/>
-  <p:tag name="KSO_WM_UNIT_DIAGRAM_ISREFERUNIT" val="0"/>
-  <p:tag name="KSO_WM_UNIT_ID" val="_9**"/>
-  <p:tag name="KSO_WM_UNIT_LAYERLEVEL" val="1"/>
-  <p:tag name="KSO_WM_TAG_VERSION" val="1.0"/>
-  <p:tag name="KSO_WM_BEAUTIFY_FLAG" val="#wm#"/>
-</p:tagLst>
-</file>
-
-<file path=ppt/tags/tag45.xml><?xml version="1.0" encoding="utf-8"?>
-<p:tagLst xmlns:p="http://schemas.openxmlformats.org/presentationml/2006/main">
-  <p:tag name="KSO_WM_UNIT_HIGHLIGHT" val="0"/>
-  <p:tag name="KSO_WM_UNIT_COMPATIBLE" val="0"/>
-  <p:tag name="KSO_WM_UNIT_DIAGRAM_ISNUMVISUAL" val="0"/>
-  <p:tag name="KSO_WM_UNIT_DIAGRAM_ISREFERUNIT" val="0"/>
-  <p:tag name="KSO_WM_UNIT_ID" val="_9**"/>
-  <p:tag name="KSO_WM_UNIT_LAYERLEVEL" val="1"/>
-  <p:tag name="KSO_WM_TAG_VERSION" val="1.0"/>
-  <p:tag name="KSO_WM_BEAUTIFY_FLAG" val="#wm#"/>
-</p:tagLst>
-</file>
-
-<file path=ppt/tags/tag46.xml><?xml version="1.0" encoding="utf-8"?>
-<p:tagLst xmlns:p="http://schemas.openxmlformats.org/presentationml/2006/main">
-  <p:tag name="KSO_WM_UNIT_HIGHLIGHT" val="0"/>
-  <p:tag name="KSO_WM_UNIT_COMPATIBLE" val="0"/>
-  <p:tag name="KSO_WM_UNIT_DIAGRAM_ISNUMVISUAL" val="0"/>
-  <p:tag name="KSO_WM_UNIT_DIAGRAM_ISREFERUNIT" val="0"/>
-  <p:tag name="KSO_WM_UNIT_ID" val="_9**"/>
-  <p:tag name="KSO_WM_UNIT_LAYERLEVEL" val="1"/>
-  <p:tag name="KSO_WM_TAG_VERSION" val="1.0"/>
-  <p:tag name="KSO_WM_BEAUTIFY_FLAG" val="#wm#"/>
-</p:tagLst>
-</file>
-
-<file path=ppt/tags/tag47.xml><?xml version="1.0" encoding="utf-8"?>
-<p:tagLst xmlns:p="http://schemas.openxmlformats.org/presentationml/2006/main">
-  <p:tag name="KSO_WM_UNIT_HIGHLIGHT" val="0"/>
-  <p:tag name="KSO_WM_UNIT_COMPATIBLE" val="0"/>
-  <p:tag name="KSO_WM_UNIT_DIAGRAM_ISNUMVISUAL" val="0"/>
-  <p:tag name="KSO_WM_UNIT_DIAGRAM_ISREFERUNIT" val="0"/>
-  <p:tag name="KSO_WM_UNIT_ID" val="_9**"/>
-  <p:tag name="KSO_WM_UNIT_LAYERLEVEL" val="1"/>
-  <p:tag name="KSO_WM_TAG_VERSION" val="1.0"/>
-  <p:tag name="KSO_WM_BEAUTIFY_FLAG" val="#wm#"/>
-</p:tagLst>
-</file>
-
-<file path=ppt/tags/tag48.xml><?xml version="1.0" encoding="utf-8"?>
-<p:tagLst xmlns:p="http://schemas.openxmlformats.org/presentationml/2006/main">
-  <p:tag name="KSO_WM_UNIT_HIGHLIGHT" val="0"/>
-  <p:tag name="KSO_WM_UNIT_COMPATIBLE" val="0"/>
-  <p:tag name="KSO_WM_UNIT_DIAGRAM_ISNUMVISUAL" val="0"/>
-  <p:tag name="KSO_WM_UNIT_DIAGRAM_ISREFERUNIT" val="0"/>
-  <p:tag name="KSO_WM_UNIT_ID" val="_10**"/>
-  <p:tag name="KSO_WM_UNIT_LAYERLEVEL" val="1"/>
-  <p:tag name="KSO_WM_TAG_VERSION" val="1.0"/>
-  <p:tag name="KSO_WM_BEAUTIFY_FLAG" val="#wm#"/>
-</p:tagLst>
-</file>
-
-<file path=ppt/tags/tag49.xml><?xml version="1.0" encoding="utf-8"?>
-<p:tagLst xmlns:p="http://schemas.openxmlformats.org/presentationml/2006/main">
-  <p:tag name="KSO_WM_UNIT_HIGHLIGHT" val="0"/>
-  <p:tag name="KSO_WM_UNIT_COMPATIBLE" val="0"/>
-  <p:tag name="KSO_WM_UNIT_DIAGRAM_ISNUMVISUAL" val="0"/>
-  <p:tag name="KSO_WM_UNIT_DIAGRAM_ISREFERUNIT" val="0"/>
-  <p:tag name="KSO_WM_UNIT_ID" val="_10**"/>
-  <p:tag name="KSO_WM_UNIT_LAYERLEVEL" val="1"/>
-  <p:tag name="KSO_WM_TAG_VERSION" val="1.0"/>
-  <p:tag name="KSO_WM_BEAUTIFY_FLAG" val="#wm#"/>
-</p:tagLst>
-</file>
-
-<file path=ppt/tags/tag5.xml><?xml version="1.0" encoding="utf-8"?>
-<p:tagLst xmlns:p="http://schemas.openxmlformats.org/presentationml/2006/main">
-  <p:tag name="KSO_WM_UNIT_HIGHLIGHT" val="0"/>
-  <p:tag name="KSO_WM_UNIT_COMPATIBLE" val="0"/>
-  <p:tag name="KSO_WM_UNIT_DIAGRAM_ISNUMVISUAL" val="0"/>
-  <p:tag name="KSO_WM_UNIT_DIAGRAM_ISREFERUNIT" val="0"/>
-  <p:tag name="KSO_WM_UNIT_ID" val="_1**"/>
-  <p:tag name="KSO_WM_UNIT_LAYERLEVEL" val="1"/>
-  <p:tag name="KSO_WM_TAG_VERSION" val="1.0"/>
-  <p:tag name="KSO_WM_BEAUTIFY_FLAG" val="#wm#"/>
-</p:tagLst>
-</file>
-
-<file path=ppt/tags/tag50.xml><?xml version="1.0" encoding="utf-8"?>
-<p:tagLst xmlns:p="http://schemas.openxmlformats.org/presentationml/2006/main">
-  <p:tag name="KSO_WM_UNIT_HIGHLIGHT" val="0"/>
-  <p:tag name="KSO_WM_UNIT_COMPATIBLE" val="0"/>
-  <p:tag name="KSO_WM_UNIT_DIAGRAM_ISNUMVISUAL" val="0"/>
-  <p:tag name="KSO_WM_UNIT_DIAGRAM_ISREFERUNIT" val="0"/>
-  <p:tag name="KSO_WM_UNIT_ID" val="_10**"/>
-  <p:tag name="KSO_WM_UNIT_LAYERLEVEL" val="1"/>
-  <p:tag name="KSO_WM_TAG_VERSION" val="1.0"/>
-  <p:tag name="KSO_WM_BEAUTIFY_FLAG" val="#wm#"/>
-</p:tagLst>
-</file>
-
-<file path=ppt/tags/tag51.xml><?xml version="1.0" encoding="utf-8"?>
-<p:tagLst xmlns:p="http://schemas.openxmlformats.org/presentationml/2006/main">
-  <p:tag name="KSO_WM_UNIT_HIGHLIGHT" val="0"/>
-  <p:tag name="KSO_WM_UNIT_COMPATIBLE" val="0"/>
-  <p:tag name="KSO_WM_UNIT_DIAGRAM_ISNUMVISUAL" val="0"/>
-  <p:tag name="KSO_WM_UNIT_DIAGRAM_ISREFERUNIT" val="0"/>
-  <p:tag name="KSO_WM_UNIT_ID" val="_10**"/>
-  <p:tag name="KSO_WM_UNIT_LAYERLEVEL" val="1"/>
-  <p:tag name="KSO_WM_TAG_VERSION" val="1.0"/>
-  <p:tag name="KSO_WM_BEAUTIFY_FLAG" val="#wm#"/>
-</p:tagLst>
-</file>
-
-<file path=ppt/tags/tag52.xml><?xml version="1.0" encoding="utf-8"?>
-<p:tagLst xmlns:p="http://schemas.openxmlformats.org/presentationml/2006/main">
-  <p:tag name="KSO_WM_UNIT_HIGHLIGHT" val="0"/>
-  <p:tag name="KSO_WM_UNIT_COMPATIBLE" val="0"/>
-  <p:tag name="KSO_WM_UNIT_DIAGRAM_ISNUMVISUAL" val="0"/>
-  <p:tag name="KSO_WM_UNIT_DIAGRAM_ISREFERUNIT" val="0"/>
-  <p:tag name="KSO_WM_UNIT_ID" val="_11**"/>
-  <p:tag name="KSO_WM_UNIT_LAYERLEVEL" val="1"/>
-  <p:tag name="KSO_WM_TAG_VERSION" val="1.0"/>
-  <p:tag name="KSO_WM_BEAUTIFY_FLAG" val="#wm#"/>
-</p:tagLst>
-</file>
-
-<file path=ppt/tags/tag53.xml><?xml version="1.0" encoding="utf-8"?>
-<p:tagLst xmlns:p="http://schemas.openxmlformats.org/presentationml/2006/main">
-  <p:tag name="KSO_WM_UNIT_HIGHLIGHT" val="0"/>
-  <p:tag name="KSO_WM_UNIT_COMPATIBLE" val="0"/>
-  <p:tag name="KSO_WM_UNIT_DIAGRAM_ISNUMVISUAL" val="0"/>
-  <p:tag name="KSO_WM_UNIT_DIAGRAM_ISREFERUNIT" val="0"/>
-  <p:tag name="KSO_WM_UNIT_ID" val="_11**"/>
-  <p:tag name="KSO_WM_UNIT_LAYERLEVEL" val="1"/>
-  <p:tag name="KSO_WM_TAG_VERSION" val="1.0"/>
-  <p:tag name="KSO_WM_BEAUTIFY_FLAG" val="#wm#"/>
-</p:tagLst>
-</file>
-
-<file path=ppt/tags/tag54.xml><?xml version="1.0" encoding="utf-8"?>
-<p:tagLst xmlns:p="http://schemas.openxmlformats.org/presentationml/2006/main">
-  <p:tag name="KSO_WM_UNIT_HIGHLIGHT" val="0"/>
-  <p:tag name="KSO_WM_UNIT_COMPATIBLE" val="0"/>
-  <p:tag name="KSO_WM_UNIT_DIAGRAM_ISNUMVISUAL" val="0"/>
-  <p:tag name="KSO_WM_UNIT_DIAGRAM_ISREFERUNIT" val="0"/>
-  <p:tag name="KSO_WM_UNIT_ID" val="_11**"/>
-  <p:tag name="KSO_WM_UNIT_LAYERLEVEL" val="1"/>
-  <p:tag name="KSO_WM_TAG_VERSION" val="1.0"/>
-  <p:tag name="KSO_WM_BEAUTIFY_FLAG" val="#wm#"/>
-</p:tagLst>
-</file>
-
-<file path=ppt/tags/tag55.xml><?xml version="1.0" encoding="utf-8"?>
-<p:tagLst xmlns:p="http://schemas.openxmlformats.org/presentationml/2006/main">
-  <p:tag name="KSO_WM_UNIT_HIGHLIGHT" val="0"/>
-  <p:tag name="KSO_WM_UNIT_COMPATIBLE" val="0"/>
-  <p:tag name="KSO_WM_UNIT_DIAGRAM_ISNUMVISUAL" val="0"/>
-  <p:tag name="KSO_WM_UNIT_DIAGRAM_ISREFERUNIT" val="0"/>
-  <p:tag name="KSO_WM_UNIT_ID" val="_11**"/>
-  <p:tag name="KSO_WM_UNIT_LAYERLEVEL" val="1"/>
-  <p:tag name="KSO_WM_TAG_VERSION" val="1.0"/>
-  <p:tag name="KSO_WM_BEAUTIFY_FLAG" val="#wm#"/>
-</p:tagLst>
-</file>
-
-<file path=ppt/tags/tag56.xml><?xml version="1.0" encoding="utf-8"?>
-<p:tagLst xmlns:p="http://schemas.openxmlformats.org/presentationml/2006/main">
-  <p:tag name="KSO_WM_UNIT_HIGHLIGHT" val="0"/>
-  <p:tag name="KSO_WM_UNIT_COMPATIBLE" val="0"/>
-  <p:tag name="KSO_WM_UNIT_DIAGRAM_ISNUMVISUAL" val="0"/>
-  <p:tag name="KSO_WM_UNIT_DIAGRAM_ISREFERUNIT" val="0"/>
-  <p:tag name="KSO_WM_UNIT_ID" val="_11**"/>
-  <p:tag name="KSO_WM_UNIT_LAYERLEVEL" val="1"/>
-  <p:tag name="KSO_WM_TAG_VERSION" val="1.0"/>
-  <p:tag name="KSO_WM_BEAUTIFY_FLAG" val="#wm#"/>
-</p:tagLst>
-</file>
-
-<file path=ppt/tags/tag57.xml><?xml version="1.0" encoding="utf-8"?>
-<p:tagLst xmlns:p="http://schemas.openxmlformats.org/presentationml/2006/main">
-  <p:tag name="KSO_WM_UNIT_HIGHLIGHT" val="0"/>
-  <p:tag name="KSO_WM_UNIT_COMPATIBLE" val="0"/>
-  <p:tag name="KSO_WM_UNIT_DIAGRAM_ISNUMVISUAL" val="0"/>
-  <p:tag name="KSO_WM_UNIT_DIAGRAM_ISREFERUNIT" val="0"/>
-  <p:tag name="KSO_WM_UNIT_ID" val="_0**"/>
-  <p:tag name="KSO_WM_UNIT_LAYERLEVEL" val="1"/>
-  <p:tag name="KSO_WM_TAG_VERSION" val="1.0"/>
-  <p:tag name="KSO_WM_BEAUTIFY_FLAG" val="#wm#"/>
-  <p:tag name="KSO_WM_TEMPLATE_CATEGORY" val="custom"/>
-  <p:tag name="KSO_WM_TEMPLATE_INDEX" val="20205081"/>
-</p:tagLst>
-</file>
-
-<file path=ppt/tags/tag58.xml><?xml version="1.0" encoding="utf-8"?>
-<p:tagLst xmlns:p="http://schemas.openxmlformats.org/presentationml/2006/main">
-  <p:tag name="KSO_WM_UNIT_HIGHLIGHT" val="0"/>
-  <p:tag name="KSO_WM_UNIT_COMPATIBLE" val="0"/>
-  <p:tag name="KSO_WM_UNIT_DIAGRAM_ISNUMVISUAL" val="0"/>
-  <p:tag name="KSO_WM_UNIT_DIAGRAM_ISREFERUNIT" val="0"/>
-  <p:tag name="KSO_WM_UNIT_ID" val="_0**"/>
-  <p:tag name="KSO_WM_UNIT_LAYERLEVEL" val="1"/>
-  <p:tag name="KSO_WM_TAG_VERSION" val="1.0"/>
-  <p:tag name="KSO_WM_BEAUTIFY_FLAG" val="#wm#"/>
-  <p:tag name="KSO_WM_TEMPLATE_CATEGORY" val="custom"/>
-  <p:tag name="KSO_WM_TEMPLATE_INDEX" val="20205081"/>
-</p:tagLst>
-</file>
-
-<file path=ppt/tags/tag59.xml><?xml version="1.0" encoding="utf-8"?>
-<p:tagLst xmlns:p="http://schemas.openxmlformats.org/presentationml/2006/main">
-  <p:tag name="KSO_WM_UNIT_HIGHLIGHT" val="0"/>
-  <p:tag name="KSO_WM_UNIT_COMPATIBLE" val="0"/>
-  <p:tag name="KSO_WM_UNIT_DIAGRAM_ISNUMVISUAL" val="0"/>
-  <p:tag name="KSO_WM_UNIT_DIAGRAM_ISREFERUNIT" val="0"/>
-  <p:tag name="KSO_WM_UNIT_ID" val="_0**"/>
-  <p:tag name="KSO_WM_UNIT_LAYERLEVEL" val="1"/>
-  <p:tag name="KSO_WM_TAG_VERSION" val="1.0"/>
-  <p:tag name="KSO_WM_BEAUTIFY_FLAG" val="#wm#"/>
-</p:tagLst>
-</file>
-
-<file path=ppt/tags/tag6.xml><?xml version="1.0" encoding="utf-8"?>
-<p:tagLst xmlns:p="http://schemas.openxmlformats.org/presentationml/2006/main">
+<file path=ppt/tags/tag120.xml><?xml version="1.0" encoding="utf-8"?>
+<p:tagLst xmlns:a="http://schemas.openxmlformats.org/drawingml/2006/main" xmlns:r="http://schemas.openxmlformats.org/officeDocument/2006/relationships" xmlns:p="http://schemas.openxmlformats.org/presentationml/2006/main">
+  <p:tag name="KSO_WM_BEAUTIFY_FLAG" val=""/>
+</p:tagLst>
+</file>
+
+<file path=ppt/tags/tag121.xml><?xml version="1.0" encoding="utf-8"?>
+<p:tagLst xmlns:a="http://schemas.openxmlformats.org/drawingml/2006/main" xmlns:r="http://schemas.openxmlformats.org/officeDocument/2006/relationships" xmlns:p="http://schemas.openxmlformats.org/presentationml/2006/main">
+  <p:tag name="KSO_WM_BEAUTIFY_FLAG" val=""/>
+</p:tagLst>
+</file>
+
+<file path=ppt/tags/tag122.xml><?xml version="1.0" encoding="utf-8"?>
+<p:tagLst xmlns:a="http://schemas.openxmlformats.org/drawingml/2006/main" xmlns:r="http://schemas.openxmlformats.org/officeDocument/2006/relationships" xmlns:p="http://schemas.openxmlformats.org/presentationml/2006/main">
+  <p:tag name="KSO_WM_BEAUTIFY_FLAG" val=""/>
+</p:tagLst>
+</file>
+
+<file path=ppt/tags/tag123.xml><?xml version="1.0" encoding="utf-8"?>
+<p:tagLst xmlns:a="http://schemas.openxmlformats.org/drawingml/2006/main" xmlns:r="http://schemas.openxmlformats.org/officeDocument/2006/relationships" xmlns:p="http://schemas.openxmlformats.org/presentationml/2006/main">
+  <p:tag name="KSO_WM_BEAUTIFY_FLAG" val=""/>
+</p:tagLst>
+</file>
+
+<file path=ppt/tags/tag124.xml><?xml version="1.0" encoding="utf-8"?>
+<p:tagLst xmlns:a="http://schemas.openxmlformats.org/drawingml/2006/main" xmlns:r="http://schemas.openxmlformats.org/officeDocument/2006/relationships" xmlns:p="http://schemas.openxmlformats.org/presentationml/2006/main">
+  <p:tag name="KSO_WM_BEAUTIFY_FLAG" val=""/>
+</p:tagLst>
+</file>
+
+<file path=ppt/tags/tag125.xml><?xml version="1.0" encoding="utf-8"?>
+<p:tagLst xmlns:a="http://schemas.openxmlformats.org/drawingml/2006/main" xmlns:r="http://schemas.openxmlformats.org/officeDocument/2006/relationships" xmlns:p="http://schemas.openxmlformats.org/presentationml/2006/main">
+  <p:tag name="KSO_WM_BEAUTIFY_FLAG" val=""/>
+</p:tagLst>
+</file>
+
+<file path=ppt/tags/tag126.xml><?xml version="1.0" encoding="utf-8"?>
+<p:tagLst xmlns:a="http://schemas.openxmlformats.org/drawingml/2006/main" xmlns:r="http://schemas.openxmlformats.org/officeDocument/2006/relationships" xmlns:p="http://schemas.openxmlformats.org/presentationml/2006/main">
+  <p:tag name="KSO_WM_BEAUTIFY_FLAG" val=""/>
+</p:tagLst>
+</file>
+
+<file path=ppt/tags/tag127.xml><?xml version="1.0" encoding="utf-8"?>
+<p:tagLst xmlns:a="http://schemas.openxmlformats.org/drawingml/2006/main" xmlns:r="http://schemas.openxmlformats.org/officeDocument/2006/relationships" xmlns:p="http://schemas.openxmlformats.org/presentationml/2006/main">
+  <p:tag name="KSO_WM_BEAUTIFY_FLAG" val=""/>
+</p:tagLst>
+</file>
+
+<file path=ppt/tags/tag128.xml><?xml version="1.0" encoding="utf-8"?>
+<p:tagLst xmlns:a="http://schemas.openxmlformats.org/drawingml/2006/main" xmlns:r="http://schemas.openxmlformats.org/officeDocument/2006/relationships" xmlns:p="http://schemas.openxmlformats.org/presentationml/2006/main">
+  <p:tag name="KSO_WM_BEAUTIFY_FLAG" val=""/>
+</p:tagLst>
+</file>
+
+<file path=ppt/tags/tag129.xml><?xml version="1.0" encoding="utf-8"?>
+<p:tagLst xmlns:a="http://schemas.openxmlformats.org/drawingml/2006/main" xmlns:r="http://schemas.openxmlformats.org/officeDocument/2006/relationships" xmlns:p="http://schemas.openxmlformats.org/presentationml/2006/main">
+  <p:tag name="KSO_WM_BEAUTIFY_FLAG" val=""/>
+</p:tagLst>
+</file>
+
+<file path=ppt/tags/tag13.xml><?xml version="1.0" encoding="utf-8"?>
+<p:tagLst xmlns:a="http://schemas.openxmlformats.org/drawingml/2006/main" xmlns:r="http://schemas.openxmlformats.org/officeDocument/2006/relationships" xmlns:p="http://schemas.openxmlformats.org/presentationml/2006/main">
   <p:tag name="KSO_WM_UNIT_HIGHLIGHT" val="0"/>
   <p:tag name="KSO_WM_UNIT_COMPATIBLE" val="0"/>
   <p:tag name="KSO_WM_UNIT_DIAGRAM_ISNUMVISUAL" val="0"/>
@@ -6919,267 +8213,14 @@
 </p:tagLst>
 </file>
 
-<file path=ppt/tags/tag60.xml><?xml version="1.0" encoding="utf-8"?>
-<p:tagLst xmlns:p="http://schemas.openxmlformats.org/presentationml/2006/main">
-  <p:tag name="KSO_WM_UNIT_HIGHLIGHT" val="0"/>
-  <p:tag name="KSO_WM_UNIT_COMPATIBLE" val="0"/>
-  <p:tag name="KSO_WM_UNIT_DIAGRAM_ISNUMVISUAL" val="0"/>
-  <p:tag name="KSO_WM_UNIT_DIAGRAM_ISREFERUNIT" val="0"/>
-  <p:tag name="KSO_WM_UNIT_ID" val="_0**"/>
-  <p:tag name="KSO_WM_UNIT_LAYERLEVEL" val="1"/>
-  <p:tag name="KSO_WM_TAG_VERSION" val="1.0"/>
-  <p:tag name="KSO_WM_BEAUTIFY_FLAG" val="#wm#"/>
-</p:tagLst>
-</file>
-
-<file path=ppt/tags/tag61.xml><?xml version="1.0" encoding="utf-8"?>
-<p:tagLst xmlns:p="http://schemas.openxmlformats.org/presentationml/2006/main">
-  <p:tag name="KSO_WM_UNIT_HIGHLIGHT" val="0"/>
-  <p:tag name="KSO_WM_UNIT_COMPATIBLE" val="0"/>
-  <p:tag name="KSO_WM_UNIT_DIAGRAM_ISNUMVISUAL" val="0"/>
-  <p:tag name="KSO_WM_UNIT_DIAGRAM_ISREFERUNIT" val="0"/>
-  <p:tag name="KSO_WM_UNIT_ID" val="_0**"/>
-  <p:tag name="KSO_WM_UNIT_LAYERLEVEL" val="1"/>
-  <p:tag name="KSO_WM_TAG_VERSION" val="1.0"/>
-  <p:tag name="KSO_WM_BEAUTIFY_FLAG" val="#wm#"/>
-</p:tagLst>
-</file>
-
-<file path=ppt/tags/tag62.xml><?xml version="1.0" encoding="utf-8"?>
-<p:tagLst xmlns:p="http://schemas.openxmlformats.org/presentationml/2006/main">
-  <p:tag name="KSO_WM_TEMPLATE_THUMBS_INDEX" val="1、4、7、12、13、14、15、16、17、18、20、24、25、28、33、36、40、43、44"/>
-  <p:tag name="KSO_WM_TEMPLATE_SUBCATEGORY" val="19"/>
-  <p:tag name="KSO_WM_TAG_VERSION" val="1.0"/>
-  <p:tag name="KSO_WM_BEAUTIFY_FLAG" val="#wm#"/>
-  <p:tag name="KSO_WM_TEMPLATE_CATEGORY" val="custom"/>
-  <p:tag name="KSO_WM_TEMPLATE_INDEX" val="20205081"/>
-  <p:tag name="KSO_WM_TEMPLATE_MASTER_TYPE" val="0"/>
-  <p:tag name="KSO_WM_TEMPLATE_COLOR_TYPE" val="1"/>
-  <p:tag name="KSO_WM_UNIT_SHOW_EDIT_AREA_INDICATION" val="1"/>
-</p:tagLst>
-</file>
-
-<file path=ppt/tags/tag63.xml><?xml version="1.0" encoding="utf-8"?>
-<p:tagLst xmlns:p="http://schemas.openxmlformats.org/presentationml/2006/main">
+<file path=ppt/tags/tag130.xml><?xml version="1.0" encoding="utf-8"?>
+<p:tagLst xmlns:a="http://schemas.openxmlformats.org/drawingml/2006/main" xmlns:r="http://schemas.openxmlformats.org/officeDocument/2006/relationships" xmlns:p="http://schemas.openxmlformats.org/presentationml/2006/main">
   <p:tag name="KSO_WM_BEAUTIFY_FLAG" val=""/>
 </p:tagLst>
 </file>
 
-<file path=ppt/tags/tag64.xml><?xml version="1.0" encoding="utf-8"?>
-<p:tagLst xmlns:p="http://schemas.openxmlformats.org/presentationml/2006/main">
-  <p:tag name="KSO_WM_BEAUTIFY_FLAG" val=""/>
-</p:tagLst>
-</file>
-
-<file path=ppt/tags/tag65.xml><?xml version="1.0" encoding="utf-8"?>
-<p:tagLst xmlns:p="http://schemas.openxmlformats.org/presentationml/2006/main">
-  <p:tag name="KSO_WM_BEAUTIFY_FLAG" val=""/>
-</p:tagLst>
-</file>
-
-<file path=ppt/tags/tag66.xml><?xml version="1.0" encoding="utf-8"?>
-<p:tagLst xmlns:p="http://schemas.openxmlformats.org/presentationml/2006/main">
-  <p:tag name="KSO_WM_BEAUTIFY_FLAG" val=""/>
-</p:tagLst>
-</file>
-
-<file path=ppt/tags/tag67.xml><?xml version="1.0" encoding="utf-8"?>
-<p:tagLst xmlns:p="http://schemas.openxmlformats.org/presentationml/2006/main">
-  <p:tag name="KSO_WM_BEAUTIFY_FLAG" val=""/>
-</p:tagLst>
-</file>
-
-<file path=ppt/tags/tag68.xml><?xml version="1.0" encoding="utf-8"?>
-<p:tagLst xmlns:p="http://schemas.openxmlformats.org/presentationml/2006/main">
-  <p:tag name="KSO_WM_BEAUTIFY_FLAG" val=""/>
-</p:tagLst>
-</file>
-
-<file path=ppt/tags/tag69.xml><?xml version="1.0" encoding="utf-8"?>
-<p:tagLst xmlns:p="http://schemas.openxmlformats.org/presentationml/2006/main">
-  <p:tag name="KSO_WM_BEAUTIFY_FLAG" val=""/>
-</p:tagLst>
-</file>
-
-<file path=ppt/tags/tag7.xml><?xml version="1.0" encoding="utf-8"?>
-<p:tagLst xmlns:p="http://schemas.openxmlformats.org/presentationml/2006/main">
-  <p:tag name="KSO_WM_UNIT_HIGHLIGHT" val="0"/>
-  <p:tag name="KSO_WM_UNIT_COMPATIBLE" val="0"/>
-  <p:tag name="KSO_WM_UNIT_DIAGRAM_ISNUMVISUAL" val="0"/>
-  <p:tag name="KSO_WM_UNIT_DIAGRAM_ISREFERUNIT" val="0"/>
-  <p:tag name="KSO_WM_UNIT_ID" val="_2**"/>
-  <p:tag name="KSO_WM_UNIT_LAYERLEVEL" val="1"/>
-  <p:tag name="KSO_WM_TAG_VERSION" val="1.0"/>
-  <p:tag name="KSO_WM_BEAUTIFY_FLAG" val="#wm#"/>
-</p:tagLst>
-</file>
-
-<file path=ppt/tags/tag70.xml><?xml version="1.0" encoding="utf-8"?>
-<p:tagLst xmlns:p="http://schemas.openxmlformats.org/presentationml/2006/main">
-  <p:tag name="KSO_WM_BEAUTIFY_FLAG" val=""/>
-</p:tagLst>
-</file>
-
-<file path=ppt/tags/tag71.xml><?xml version="1.0" encoding="utf-8"?>
-<p:tagLst xmlns:p="http://schemas.openxmlformats.org/presentationml/2006/main">
-  <p:tag name="KSO_WM_BEAUTIFY_FLAG" val=""/>
-</p:tagLst>
-</file>
-
-<file path=ppt/tags/tag72.xml><?xml version="1.0" encoding="utf-8"?>
-<p:tagLst xmlns:p="http://schemas.openxmlformats.org/presentationml/2006/main">
-  <p:tag name="KSO_WM_BEAUTIFY_FLAG" val=""/>
-</p:tagLst>
-</file>
-
-<file path=ppt/tags/tag73.xml><?xml version="1.0" encoding="utf-8"?>
-<p:tagLst xmlns:p="http://schemas.openxmlformats.org/presentationml/2006/main">
-  <p:tag name="KSO_WM_BEAUTIFY_FLAG" val=""/>
-</p:tagLst>
-</file>
-
-<file path=ppt/tags/tag74.xml><?xml version="1.0" encoding="utf-8"?>
-<p:tagLst xmlns:p="http://schemas.openxmlformats.org/presentationml/2006/main">
-  <p:tag name="KSO_WM_BEAUTIFY_FLAG" val=""/>
-</p:tagLst>
-</file>
-
-<file path=ppt/tags/tag75.xml><?xml version="1.0" encoding="utf-8"?>
-<p:tagLst xmlns:p="http://schemas.openxmlformats.org/presentationml/2006/main">
-  <p:tag name="KSO_WM_BEAUTIFY_FLAG" val=""/>
-</p:tagLst>
-</file>
-
-<file path=ppt/tags/tag76.xml><?xml version="1.0" encoding="utf-8"?>
-<p:tagLst xmlns:p="http://schemas.openxmlformats.org/presentationml/2006/main">
-  <p:tag name="KSO_WM_BEAUTIFY_FLAG" val=""/>
-</p:tagLst>
-</file>
-
-<file path=ppt/tags/tag77.xml><?xml version="1.0" encoding="utf-8"?>
-<p:tagLst xmlns:p="http://schemas.openxmlformats.org/presentationml/2006/main">
-  <p:tag name="KSO_WM_BEAUTIFY_FLAG" val=""/>
-</p:tagLst>
-</file>
-
-<file path=ppt/tags/tag78.xml><?xml version="1.0" encoding="utf-8"?>
-<p:tagLst xmlns:p="http://schemas.openxmlformats.org/presentationml/2006/main">
-  <p:tag name="KSO_WM_BEAUTIFY_FLAG" val=""/>
-</p:tagLst>
-</file>
-
-<file path=ppt/tags/tag79.xml><?xml version="1.0" encoding="utf-8"?>
-<p:tagLst xmlns:p="http://schemas.openxmlformats.org/presentationml/2006/main">
-  <p:tag name="KSO_WM_BEAUTIFY_FLAG" val=""/>
-</p:tagLst>
-</file>
-
-<file path=ppt/tags/tag8.xml><?xml version="1.0" encoding="utf-8"?>
-<p:tagLst xmlns:p="http://schemas.openxmlformats.org/presentationml/2006/main">
-  <p:tag name="KSO_WM_UNIT_HIGHLIGHT" val="0"/>
-  <p:tag name="KSO_WM_UNIT_COMPATIBLE" val="0"/>
-  <p:tag name="KSO_WM_UNIT_DIAGRAM_ISNUMVISUAL" val="0"/>
-  <p:tag name="KSO_WM_UNIT_DIAGRAM_ISREFERUNIT" val="0"/>
-  <p:tag name="KSO_WM_UNIT_ID" val="_2**"/>
-  <p:tag name="KSO_WM_UNIT_LAYERLEVEL" val="1"/>
-  <p:tag name="KSO_WM_TAG_VERSION" val="1.0"/>
-  <p:tag name="KSO_WM_BEAUTIFY_FLAG" val="#wm#"/>
-</p:tagLst>
-</file>
-
-<file path=ppt/tags/tag80.xml><?xml version="1.0" encoding="utf-8"?>
-<p:tagLst xmlns:p="http://schemas.openxmlformats.org/presentationml/2006/main">
-  <p:tag name="KSO_WM_BEAUTIFY_FLAG" val=""/>
-</p:tagLst>
-</file>
-
-<file path=ppt/tags/tag81.xml><?xml version="1.0" encoding="utf-8"?>
-<p:tagLst xmlns:p="http://schemas.openxmlformats.org/presentationml/2006/main">
-  <p:tag name="KSO_WM_BEAUTIFY_FLAG" val=""/>
-</p:tagLst>
-</file>
-
-<file path=ppt/tags/tag82.xml><?xml version="1.0" encoding="utf-8"?>
-<p:tagLst xmlns:p="http://schemas.openxmlformats.org/presentationml/2006/main">
-  <p:tag name="KSO_WM_BEAUTIFY_FLAG" val=""/>
-</p:tagLst>
-</file>
-
-<file path=ppt/tags/tag83.xml><?xml version="1.0" encoding="utf-8"?>
-<p:tagLst xmlns:p="http://schemas.openxmlformats.org/presentationml/2006/main">
-  <p:tag name="KSO_WM_BEAUTIFY_FLAG" val=""/>
-</p:tagLst>
-</file>
-
-<file path=ppt/tags/tag84.xml><?xml version="1.0" encoding="utf-8"?>
-<p:tagLst xmlns:p="http://schemas.openxmlformats.org/presentationml/2006/main">
-  <p:tag name="KSO_WM_BEAUTIFY_FLAG" val=""/>
-</p:tagLst>
-</file>
-
-<file path=ppt/tags/tag85.xml><?xml version="1.0" encoding="utf-8"?>
-<p:tagLst xmlns:p="http://schemas.openxmlformats.org/presentationml/2006/main">
-  <p:tag name="KSO_WM_BEAUTIFY_FLAG" val=""/>
-</p:tagLst>
-</file>
-
-<file path=ppt/tags/tag86.xml><?xml version="1.0" encoding="utf-8"?>
-<p:tagLst xmlns:p="http://schemas.openxmlformats.org/presentationml/2006/main">
-  <p:tag name="KSO_WM_BEAUTIFY_FLAG" val=""/>
-</p:tagLst>
-</file>
-
-<file path=ppt/tags/tag87.xml><?xml version="1.0" encoding="utf-8"?>
-<p:tagLst xmlns:p="http://schemas.openxmlformats.org/presentationml/2006/main">
-  <p:tag name="KSO_WM_BEAUTIFY_FLAG" val=""/>
-</p:tagLst>
-</file>
-
-<file path=ppt/tags/tag88.xml><?xml version="1.0" encoding="utf-8"?>
-<p:tagLst xmlns:p="http://schemas.openxmlformats.org/presentationml/2006/main">
-  <p:tag name="KSO_WM_BEAUTIFY_FLAG" val=""/>
-</p:tagLst>
-</file>
-
-<file path=ppt/tags/tag89.xml><?xml version="1.0" encoding="utf-8"?>
-<p:tagLst xmlns:p="http://schemas.openxmlformats.org/presentationml/2006/main">
-  <p:tag name="KSO_WM_BEAUTIFY_FLAG" val=""/>
-</p:tagLst>
-</file>
-
-<file path=ppt/tags/tag9.xml><?xml version="1.0" encoding="utf-8"?>
-<p:tagLst xmlns:p="http://schemas.openxmlformats.org/presentationml/2006/main">
-  <p:tag name="KSO_WM_UNIT_HIGHLIGHT" val="0"/>
-  <p:tag name="KSO_WM_UNIT_COMPATIBLE" val="0"/>
-  <p:tag name="KSO_WM_UNIT_DIAGRAM_ISNUMVISUAL" val="0"/>
-  <p:tag name="KSO_WM_UNIT_DIAGRAM_ISREFERUNIT" val="0"/>
-  <p:tag name="KSO_WM_UNIT_ID" val="_2**"/>
-  <p:tag name="KSO_WM_UNIT_LAYERLEVEL" val="1"/>
-  <p:tag name="KSO_WM_TAG_VERSION" val="1.0"/>
-  <p:tag name="KSO_WM_BEAUTIFY_FLAG" val="#wm#"/>
-</p:tagLst>
-</file>
-
-<file path=ppt/tags/tag90.xml><?xml version="1.0" encoding="utf-8"?>
-<p:tagLst xmlns:p="http://schemas.openxmlformats.org/presentationml/2006/main">
-  <p:tag name="KSO_WM_BEAUTIFY_FLAG" val=""/>
-</p:tagLst>
-</file>
-
-<file path=ppt/tags/tag91.xml><?xml version="1.0" encoding="utf-8"?>
-<p:tagLst xmlns:p="http://schemas.openxmlformats.org/presentationml/2006/main">
-  <p:tag name="KSO_WM_BEAUTIFY_FLAG" val=""/>
-</p:tagLst>
-</file>
-
-<file path=ppt/tags/tag92.xml><?xml version="1.0" encoding="utf-8"?>
-<p:tagLst xmlns:p="http://schemas.openxmlformats.org/presentationml/2006/main">
-  <p:tag name="KSO_WM_BEAUTIFY_FLAG" val=""/>
-</p:tagLst>
-</file>
-
-<file path=ppt/tags/tag93.xml><?xml version="1.0" encoding="utf-8"?>
-<p:tagLst xmlns:p="http://schemas.openxmlformats.org/presentationml/2006/main">
+<file path=ppt/tags/tag131.xml><?xml version="1.0" encoding="utf-8"?>
+<p:tagLst xmlns:a="http://schemas.openxmlformats.org/drawingml/2006/main" xmlns:r="http://schemas.openxmlformats.org/officeDocument/2006/relationships" xmlns:p="http://schemas.openxmlformats.org/presentationml/2006/main">
   <p:tag name="KSO_WM_SLIDE_ID" val="custom20205081_1"/>
   <p:tag name="KSO_WM_TEMPLATE_SUBCATEGORY" val="19"/>
   <p:tag name="KSO_WM_TEMPLATE_MASTER_TYPE" val="0"/>
@@ -7199,38 +8240,1142 @@
 </p:tagLst>
 </file>
 
+<file path=ppt/tags/tag132.xml><?xml version="1.0" encoding="utf-8"?>
+<p:tagLst xmlns:a="http://schemas.openxmlformats.org/drawingml/2006/main" xmlns:r="http://schemas.openxmlformats.org/officeDocument/2006/relationships" xmlns:p="http://schemas.openxmlformats.org/presentationml/2006/main">
+  <p:tag name="KSO_WM_BEAUTIFY_FLAG" val=""/>
+</p:tagLst>
+</file>
+
+<file path=ppt/tags/tag133.xml><?xml version="1.0" encoding="utf-8"?>
+<p:tagLst xmlns:a="http://schemas.openxmlformats.org/drawingml/2006/main" xmlns:r="http://schemas.openxmlformats.org/officeDocument/2006/relationships" xmlns:p="http://schemas.openxmlformats.org/presentationml/2006/main">
+  <p:tag name="KSO_WM_BEAUTIFY_FLAG" val=""/>
+</p:tagLst>
+</file>
+
+<file path=ppt/tags/tag134.xml><?xml version="1.0" encoding="utf-8"?>
+<p:tagLst xmlns:a="http://schemas.openxmlformats.org/drawingml/2006/main" xmlns:r="http://schemas.openxmlformats.org/officeDocument/2006/relationships" xmlns:p="http://schemas.openxmlformats.org/presentationml/2006/main">
+  <p:tag name="KSO_WM_BEAUTIFY_FLAG" val=""/>
+</p:tagLst>
+</file>
+
+<file path=ppt/tags/tag135.xml><?xml version="1.0" encoding="utf-8"?>
+<p:tagLst xmlns:a="http://schemas.openxmlformats.org/drawingml/2006/main" xmlns:r="http://schemas.openxmlformats.org/officeDocument/2006/relationships" xmlns:p="http://schemas.openxmlformats.org/presentationml/2006/main">
+  <p:tag name="KSO_WM_BEAUTIFY_FLAG" val=""/>
+</p:tagLst>
+</file>
+
+<file path=ppt/tags/tag136.xml><?xml version="1.0" encoding="utf-8"?>
+<p:tagLst xmlns:a="http://schemas.openxmlformats.org/drawingml/2006/main" xmlns:r="http://schemas.openxmlformats.org/officeDocument/2006/relationships" xmlns:p="http://schemas.openxmlformats.org/presentationml/2006/main">
+  <p:tag name="KSO_WM_BEAUTIFY_FLAG" val=""/>
+</p:tagLst>
+</file>
+
+<file path=ppt/tags/tag137.xml><?xml version="1.0" encoding="utf-8"?>
+<p:tagLst xmlns:a="http://schemas.openxmlformats.org/drawingml/2006/main" xmlns:r="http://schemas.openxmlformats.org/officeDocument/2006/relationships" xmlns:p="http://schemas.openxmlformats.org/presentationml/2006/main">
+  <p:tag name="KSO_WM_BEAUTIFY_FLAG" val=""/>
+</p:tagLst>
+</file>
+
+<file path=ppt/tags/tag138.xml><?xml version="1.0" encoding="utf-8"?>
+<p:tagLst xmlns:a="http://schemas.openxmlformats.org/drawingml/2006/main" xmlns:r="http://schemas.openxmlformats.org/officeDocument/2006/relationships" xmlns:p="http://schemas.openxmlformats.org/presentationml/2006/main">
+  <p:tag name="KSO_WM_BEAUTIFY_FLAG" val=""/>
+</p:tagLst>
+</file>
+
+<file path=ppt/tags/tag139.xml><?xml version="1.0" encoding="utf-8"?>
+<p:tagLst xmlns:a="http://schemas.openxmlformats.org/drawingml/2006/main" xmlns:r="http://schemas.openxmlformats.org/officeDocument/2006/relationships" xmlns:p="http://schemas.openxmlformats.org/presentationml/2006/main">
+  <p:tag name="KSO_WM_BEAUTIFY_FLAG" val=""/>
+</p:tagLst>
+</file>
+
+<file path=ppt/tags/tag14.xml><?xml version="1.0" encoding="utf-8"?>
+<p:tagLst xmlns:a="http://schemas.openxmlformats.org/drawingml/2006/main" xmlns:r="http://schemas.openxmlformats.org/officeDocument/2006/relationships" xmlns:p="http://schemas.openxmlformats.org/presentationml/2006/main">
+  <p:tag name="KSO_WM_UNIT_HIGHLIGHT" val="0"/>
+  <p:tag name="KSO_WM_UNIT_COMPATIBLE" val="0"/>
+  <p:tag name="KSO_WM_UNIT_DIAGRAM_ISNUMVISUAL" val="0"/>
+  <p:tag name="KSO_WM_UNIT_DIAGRAM_ISREFERUNIT" val="0"/>
+  <p:tag name="KSO_WM_UNIT_ID" val="_2**"/>
+  <p:tag name="KSO_WM_UNIT_LAYERLEVEL" val="1"/>
+  <p:tag name="KSO_WM_TAG_VERSION" val="1.0"/>
+  <p:tag name="KSO_WM_BEAUTIFY_FLAG" val="#wm#"/>
+</p:tagLst>
+</file>
+
+<file path=ppt/tags/tag140.xml><?xml version="1.0" encoding="utf-8"?>
+<p:tagLst xmlns:a="http://schemas.openxmlformats.org/drawingml/2006/main" xmlns:r="http://schemas.openxmlformats.org/officeDocument/2006/relationships" xmlns:p="http://schemas.openxmlformats.org/presentationml/2006/main">
+  <p:tag name="KSO_WM_BEAUTIFY_FLAG" val=""/>
+</p:tagLst>
+</file>
+
+<file path=ppt/tags/tag141.xml><?xml version="1.0" encoding="utf-8"?>
+<p:tagLst xmlns:a="http://schemas.openxmlformats.org/drawingml/2006/main" xmlns:r="http://schemas.openxmlformats.org/officeDocument/2006/relationships" xmlns:p="http://schemas.openxmlformats.org/presentationml/2006/main">
+  <p:tag name="KSO_WM_BEAUTIFY_FLAG" val=""/>
+</p:tagLst>
+</file>
+
+<file path=ppt/tags/tag142.xml><?xml version="1.0" encoding="utf-8"?>
+<p:tagLst xmlns:a="http://schemas.openxmlformats.org/drawingml/2006/main" xmlns:r="http://schemas.openxmlformats.org/officeDocument/2006/relationships" xmlns:p="http://schemas.openxmlformats.org/presentationml/2006/main">
+  <p:tag name="KSO_WM_BEAUTIFY_FLAG" val=""/>
+</p:tagLst>
+</file>
+
+<file path=ppt/tags/tag143.xml><?xml version="1.0" encoding="utf-8"?>
+<p:tagLst xmlns:a="http://schemas.openxmlformats.org/drawingml/2006/main" xmlns:r="http://schemas.openxmlformats.org/officeDocument/2006/relationships" xmlns:p="http://schemas.openxmlformats.org/presentationml/2006/main">
+  <p:tag name="KSO_WM_BEAUTIFY_FLAG" val=""/>
+</p:tagLst>
+</file>
+
+<file path=ppt/tags/tag144.xml><?xml version="1.0" encoding="utf-8"?>
+<p:tagLst xmlns:a="http://schemas.openxmlformats.org/drawingml/2006/main" xmlns:r="http://schemas.openxmlformats.org/officeDocument/2006/relationships" xmlns:p="http://schemas.openxmlformats.org/presentationml/2006/main">
+  <p:tag name="KSO_WM_BEAUTIFY_FLAG" val=""/>
+</p:tagLst>
+</file>
+
+<file path=ppt/tags/tag145.xml><?xml version="1.0" encoding="utf-8"?>
+<p:tagLst xmlns:a="http://schemas.openxmlformats.org/drawingml/2006/main" xmlns:r="http://schemas.openxmlformats.org/officeDocument/2006/relationships" xmlns:p="http://schemas.openxmlformats.org/presentationml/2006/main">
+  <p:tag name="KSO_WM_BEAUTIFY_FLAG" val=""/>
+</p:tagLst>
+</file>
+
+<file path=ppt/tags/tag146.xml><?xml version="1.0" encoding="utf-8"?>
+<p:tagLst xmlns:a="http://schemas.openxmlformats.org/drawingml/2006/main" xmlns:r="http://schemas.openxmlformats.org/officeDocument/2006/relationships" xmlns:p="http://schemas.openxmlformats.org/presentationml/2006/main">
+  <p:tag name="KSO_WM_BEAUTIFY_FLAG" val=""/>
+</p:tagLst>
+</file>
+
+<file path=ppt/tags/tag147.xml><?xml version="1.0" encoding="utf-8"?>
+<p:tagLst xmlns:a="http://schemas.openxmlformats.org/drawingml/2006/main" xmlns:r="http://schemas.openxmlformats.org/officeDocument/2006/relationships" xmlns:p="http://schemas.openxmlformats.org/presentationml/2006/main">
+  <p:tag name="KSO_WM_BEAUTIFY_FLAG" val=""/>
+</p:tagLst>
+</file>
+
+<file path=ppt/tags/tag148.xml><?xml version="1.0" encoding="utf-8"?>
+<p:tagLst xmlns:a="http://schemas.openxmlformats.org/drawingml/2006/main" xmlns:r="http://schemas.openxmlformats.org/officeDocument/2006/relationships" xmlns:p="http://schemas.openxmlformats.org/presentationml/2006/main">
+  <p:tag name="KSO_WM_BEAUTIFY_FLAG" val=""/>
+</p:tagLst>
+</file>
+
+<file path=ppt/tags/tag149.xml><?xml version="1.0" encoding="utf-8"?>
+<p:tagLst xmlns:a="http://schemas.openxmlformats.org/drawingml/2006/main" xmlns:r="http://schemas.openxmlformats.org/officeDocument/2006/relationships" xmlns:p="http://schemas.openxmlformats.org/presentationml/2006/main">
+  <p:tag name="KSO_WM_BEAUTIFY_FLAG" val=""/>
+</p:tagLst>
+</file>
+
+<file path=ppt/tags/tag15.xml><?xml version="1.0" encoding="utf-8"?>
+<p:tagLst xmlns:a="http://schemas.openxmlformats.org/drawingml/2006/main" xmlns:r="http://schemas.openxmlformats.org/officeDocument/2006/relationships" xmlns:p="http://schemas.openxmlformats.org/presentationml/2006/main">
+  <p:tag name="KSO_WM_UNIT_HIGHLIGHT" val="0"/>
+  <p:tag name="KSO_WM_UNIT_COMPATIBLE" val="0"/>
+  <p:tag name="KSO_WM_UNIT_DIAGRAM_ISNUMVISUAL" val="0"/>
+  <p:tag name="KSO_WM_UNIT_DIAGRAM_ISREFERUNIT" val="0"/>
+  <p:tag name="KSO_WM_UNIT_ID" val="_2**"/>
+  <p:tag name="KSO_WM_UNIT_LAYERLEVEL" val="1"/>
+  <p:tag name="KSO_WM_TAG_VERSION" val="1.0"/>
+  <p:tag name="KSO_WM_BEAUTIFY_FLAG" val="#wm#"/>
+</p:tagLst>
+</file>
+
+<file path=ppt/tags/tag150.xml><?xml version="1.0" encoding="utf-8"?>
+<p:tagLst xmlns:a="http://schemas.openxmlformats.org/drawingml/2006/main" xmlns:r="http://schemas.openxmlformats.org/officeDocument/2006/relationships" xmlns:p="http://schemas.openxmlformats.org/presentationml/2006/main">
+  <p:tag name="KSO_WM_BEAUTIFY_FLAG" val=""/>
+</p:tagLst>
+</file>
+
+<file path=ppt/tags/tag151.xml><?xml version="1.0" encoding="utf-8"?>
+<p:tagLst xmlns:a="http://schemas.openxmlformats.org/drawingml/2006/main" xmlns:r="http://schemas.openxmlformats.org/officeDocument/2006/relationships" xmlns:p="http://schemas.openxmlformats.org/presentationml/2006/main">
+  <p:tag name="KSO_WM_BEAUTIFY_FLAG" val=""/>
+</p:tagLst>
+</file>
+
+<file path=ppt/tags/tag152.xml><?xml version="1.0" encoding="utf-8"?>
+<p:tagLst xmlns:a="http://schemas.openxmlformats.org/drawingml/2006/main" xmlns:r="http://schemas.openxmlformats.org/officeDocument/2006/relationships" xmlns:p="http://schemas.openxmlformats.org/presentationml/2006/main">
+  <p:tag name="KSO_WM_BEAUTIFY_FLAG" val=""/>
+</p:tagLst>
+</file>
+
+<file path=ppt/tags/tag153.xml><?xml version="1.0" encoding="utf-8"?>
+<p:tagLst xmlns:a="http://schemas.openxmlformats.org/drawingml/2006/main" xmlns:r="http://schemas.openxmlformats.org/officeDocument/2006/relationships" xmlns:p="http://schemas.openxmlformats.org/presentationml/2006/main">
+  <p:tag name="KSO_WM_BEAUTIFY_FLAG" val=""/>
+</p:tagLst>
+</file>
+
+<file path=ppt/tags/tag154.xml><?xml version="1.0" encoding="utf-8"?>
+<p:tagLst xmlns:a="http://schemas.openxmlformats.org/drawingml/2006/main" xmlns:r="http://schemas.openxmlformats.org/officeDocument/2006/relationships" xmlns:p="http://schemas.openxmlformats.org/presentationml/2006/main">
+  <p:tag name="KSO_WM_BEAUTIFY_FLAG" val=""/>
+</p:tagLst>
+</file>
+
+<file path=ppt/tags/tag155.xml><?xml version="1.0" encoding="utf-8"?>
+<p:tagLst xmlns:a="http://schemas.openxmlformats.org/drawingml/2006/main" xmlns:r="http://schemas.openxmlformats.org/officeDocument/2006/relationships" xmlns:p="http://schemas.openxmlformats.org/presentationml/2006/main">
+  <p:tag name="KSO_WM_BEAUTIFY_FLAG" val=""/>
+</p:tagLst>
+</file>
+
+<file path=ppt/tags/tag156.xml><?xml version="1.0" encoding="utf-8"?>
+<p:tagLst xmlns:a="http://schemas.openxmlformats.org/drawingml/2006/main" xmlns:r="http://schemas.openxmlformats.org/officeDocument/2006/relationships" xmlns:p="http://schemas.openxmlformats.org/presentationml/2006/main">
+  <p:tag name="KSO_WM_BEAUTIFY_FLAG" val=""/>
+</p:tagLst>
+</file>
+
+<file path=ppt/tags/tag16.xml><?xml version="1.0" encoding="utf-8"?>
+<p:tagLst xmlns:a="http://schemas.openxmlformats.org/drawingml/2006/main" xmlns:r="http://schemas.openxmlformats.org/officeDocument/2006/relationships" xmlns:p="http://schemas.openxmlformats.org/presentationml/2006/main">
+  <p:tag name="KSO_WM_UNIT_HIGHLIGHT" val="0"/>
+  <p:tag name="KSO_WM_UNIT_COMPATIBLE" val="0"/>
+  <p:tag name="KSO_WM_UNIT_DIAGRAM_ISNUMVISUAL" val="0"/>
+  <p:tag name="KSO_WM_UNIT_DIAGRAM_ISREFERUNIT" val="0"/>
+  <p:tag name="KSO_WM_UNIT_ID" val="_2**"/>
+  <p:tag name="KSO_WM_UNIT_LAYERLEVEL" val="1"/>
+  <p:tag name="KSO_WM_TAG_VERSION" val="1.0"/>
+  <p:tag name="KSO_WM_BEAUTIFY_FLAG" val="#wm#"/>
+</p:tagLst>
+</file>
+
+<file path=ppt/tags/tag17.xml><?xml version="1.0" encoding="utf-8"?>
+<p:tagLst xmlns:a="http://schemas.openxmlformats.org/drawingml/2006/main" xmlns:r="http://schemas.openxmlformats.org/officeDocument/2006/relationships" xmlns:p="http://schemas.openxmlformats.org/presentationml/2006/main">
+  <p:tag name="KSO_WM_UNIT_HIGHLIGHT" val="0"/>
+  <p:tag name="KSO_WM_UNIT_COMPATIBLE" val="0"/>
+  <p:tag name="KSO_WM_UNIT_DIAGRAM_ISNUMVISUAL" val="0"/>
+  <p:tag name="KSO_WM_UNIT_DIAGRAM_ISREFERUNIT" val="0"/>
+  <p:tag name="KSO_WM_UNIT_ID" val="_2**"/>
+  <p:tag name="KSO_WM_UNIT_LAYERLEVEL" val="1"/>
+  <p:tag name="KSO_WM_TAG_VERSION" val="1.0"/>
+  <p:tag name="KSO_WM_BEAUTIFY_FLAG" val="#wm#"/>
+</p:tagLst>
+</file>
+
+<file path=ppt/tags/tag18.xml><?xml version="1.0" encoding="utf-8"?>
+<p:tagLst xmlns:a="http://schemas.openxmlformats.org/drawingml/2006/main" xmlns:r="http://schemas.openxmlformats.org/officeDocument/2006/relationships" xmlns:p="http://schemas.openxmlformats.org/presentationml/2006/main">
+  <p:tag name="KSO_WM_UNIT_HIGHLIGHT" val="0"/>
+  <p:tag name="KSO_WM_UNIT_COMPATIBLE" val="0"/>
+  <p:tag name="KSO_WM_UNIT_DIAGRAM_ISNUMVISUAL" val="0"/>
+  <p:tag name="KSO_WM_UNIT_DIAGRAM_ISREFERUNIT" val="0"/>
+  <p:tag name="KSO_WM_UNIT_ID" val="_3**"/>
+  <p:tag name="KSO_WM_UNIT_LAYERLEVEL" val="1"/>
+  <p:tag name="KSO_WM_TAG_VERSION" val="1.0"/>
+  <p:tag name="KSO_WM_BEAUTIFY_FLAG" val="#wm#"/>
+</p:tagLst>
+</file>
+
+<file path=ppt/tags/tag19.xml><?xml version="1.0" encoding="utf-8"?>
+<p:tagLst xmlns:a="http://schemas.openxmlformats.org/drawingml/2006/main" xmlns:r="http://schemas.openxmlformats.org/officeDocument/2006/relationships" xmlns:p="http://schemas.openxmlformats.org/presentationml/2006/main">
+  <p:tag name="KSO_WM_UNIT_HIGHLIGHT" val="0"/>
+  <p:tag name="KSO_WM_UNIT_COMPATIBLE" val="0"/>
+  <p:tag name="KSO_WM_UNIT_DIAGRAM_ISNUMVISUAL" val="0"/>
+  <p:tag name="KSO_WM_UNIT_DIAGRAM_ISREFERUNIT" val="0"/>
+  <p:tag name="KSO_WM_UNIT_ID" val="_3**"/>
+  <p:tag name="KSO_WM_UNIT_LAYERLEVEL" val="1"/>
+  <p:tag name="KSO_WM_TAG_VERSION" val="1.0"/>
+  <p:tag name="KSO_WM_BEAUTIFY_FLAG" val="#wm#"/>
+</p:tagLst>
+</file>
+
+<file path=ppt/tags/tag2.xml><?xml version="1.0" encoding="utf-8"?>
+<p:tagLst xmlns:a="http://schemas.openxmlformats.org/drawingml/2006/main" xmlns:r="http://schemas.openxmlformats.org/officeDocument/2006/relationships" xmlns:p="http://schemas.openxmlformats.org/presentationml/2006/main">
+  <p:tag name="KSO_WM_TEMPLATE_THUMBS_INDEX" val="1、4、7、12、13、14、15、16、17、18、20、24、25、28、33、36、40、43、44"/>
+  <p:tag name="KSO_WM_TEMPLATE_SUBCATEGORY" val="19"/>
+  <p:tag name="KSO_WM_TAG_VERSION" val="1.0"/>
+  <p:tag name="KSO_WM_BEAUTIFY_FLAG" val="#wm#"/>
+  <p:tag name="KSO_WM_TEMPLATE_CATEGORY" val="custom"/>
+  <p:tag name="KSO_WM_TEMPLATE_INDEX" val="20205081"/>
+  <p:tag name="KSO_WM_TEMPLATE_MASTER_TYPE" val="0"/>
+  <p:tag name="KSO_WM_TEMPLATE_COLOR_TYPE" val="1"/>
+  <p:tag name="KSO_WM_UNIT_SHOW_EDIT_AREA_INDICATION" val="1"/>
+</p:tagLst>
+</file>
+
+<file path=ppt/tags/tag20.xml><?xml version="1.0" encoding="utf-8"?>
+<p:tagLst xmlns:a="http://schemas.openxmlformats.org/drawingml/2006/main" xmlns:r="http://schemas.openxmlformats.org/officeDocument/2006/relationships" xmlns:p="http://schemas.openxmlformats.org/presentationml/2006/main">
+  <p:tag name="KSO_WM_UNIT_HIGHLIGHT" val="0"/>
+  <p:tag name="KSO_WM_UNIT_COMPATIBLE" val="0"/>
+  <p:tag name="KSO_WM_UNIT_DIAGRAM_ISNUMVISUAL" val="0"/>
+  <p:tag name="KSO_WM_UNIT_DIAGRAM_ISREFERUNIT" val="0"/>
+  <p:tag name="KSO_WM_UNIT_ID" val="_3**"/>
+  <p:tag name="KSO_WM_UNIT_LAYERLEVEL" val="1"/>
+  <p:tag name="KSO_WM_TAG_VERSION" val="1.0"/>
+  <p:tag name="KSO_WM_BEAUTIFY_FLAG" val="#wm#"/>
+</p:tagLst>
+</file>
+
+<file path=ppt/tags/tag21.xml><?xml version="1.0" encoding="utf-8"?>
+<p:tagLst xmlns:a="http://schemas.openxmlformats.org/drawingml/2006/main" xmlns:r="http://schemas.openxmlformats.org/officeDocument/2006/relationships" xmlns:p="http://schemas.openxmlformats.org/presentationml/2006/main">
+  <p:tag name="KSO_WM_UNIT_HIGHLIGHT" val="0"/>
+  <p:tag name="KSO_WM_UNIT_COMPATIBLE" val="0"/>
+  <p:tag name="KSO_WM_UNIT_DIAGRAM_ISNUMVISUAL" val="0"/>
+  <p:tag name="KSO_WM_UNIT_DIAGRAM_ISREFERUNIT" val="0"/>
+  <p:tag name="KSO_WM_UNIT_ID" val="_3**"/>
+  <p:tag name="KSO_WM_UNIT_LAYERLEVEL" val="1"/>
+  <p:tag name="KSO_WM_TAG_VERSION" val="1.0"/>
+  <p:tag name="KSO_WM_BEAUTIFY_FLAG" val="#wm#"/>
+</p:tagLst>
+</file>
+
+<file path=ppt/tags/tag22.xml><?xml version="1.0" encoding="utf-8"?>
+<p:tagLst xmlns:a="http://schemas.openxmlformats.org/drawingml/2006/main" xmlns:r="http://schemas.openxmlformats.org/officeDocument/2006/relationships" xmlns:p="http://schemas.openxmlformats.org/presentationml/2006/main">
+  <p:tag name="KSO_WM_UNIT_HIGHLIGHT" val="0"/>
+  <p:tag name="KSO_WM_UNIT_COMPATIBLE" val="0"/>
+  <p:tag name="KSO_WM_UNIT_DIAGRAM_ISNUMVISUAL" val="0"/>
+  <p:tag name="KSO_WM_UNIT_DIAGRAM_ISREFERUNIT" val="0"/>
+  <p:tag name="KSO_WM_UNIT_ID" val="_3**"/>
+  <p:tag name="KSO_WM_UNIT_LAYERLEVEL" val="1"/>
+  <p:tag name="KSO_WM_TAG_VERSION" val="1.0"/>
+  <p:tag name="KSO_WM_BEAUTIFY_FLAG" val="#wm#"/>
+</p:tagLst>
+</file>
+
+<file path=ppt/tags/tag23.xml><?xml version="1.0" encoding="utf-8"?>
+<p:tagLst xmlns:a="http://schemas.openxmlformats.org/drawingml/2006/main" xmlns:r="http://schemas.openxmlformats.org/officeDocument/2006/relationships" xmlns:p="http://schemas.openxmlformats.org/presentationml/2006/main">
+  <p:tag name="KSO_WM_UNIT_HIGHLIGHT" val="0"/>
+  <p:tag name="KSO_WM_UNIT_COMPATIBLE" val="0"/>
+  <p:tag name="KSO_WM_UNIT_DIAGRAM_ISNUMVISUAL" val="0"/>
+  <p:tag name="KSO_WM_UNIT_DIAGRAM_ISREFERUNIT" val="0"/>
+  <p:tag name="KSO_WM_UNIT_ID" val="_4**"/>
+  <p:tag name="KSO_WM_UNIT_LAYERLEVEL" val="1"/>
+  <p:tag name="KSO_WM_TAG_VERSION" val="1.0"/>
+  <p:tag name="KSO_WM_BEAUTIFY_FLAG" val="#wm#"/>
+</p:tagLst>
+</file>
+
+<file path=ppt/tags/tag24.xml><?xml version="1.0" encoding="utf-8"?>
+<p:tagLst xmlns:a="http://schemas.openxmlformats.org/drawingml/2006/main" xmlns:r="http://schemas.openxmlformats.org/officeDocument/2006/relationships" xmlns:p="http://schemas.openxmlformats.org/presentationml/2006/main">
+  <p:tag name="KSO_WM_UNIT_HIGHLIGHT" val="0"/>
+  <p:tag name="KSO_WM_UNIT_COMPATIBLE" val="0"/>
+  <p:tag name="KSO_WM_UNIT_DIAGRAM_ISNUMVISUAL" val="0"/>
+  <p:tag name="KSO_WM_UNIT_DIAGRAM_ISREFERUNIT" val="0"/>
+  <p:tag name="KSO_WM_UNIT_ID" val="_4**"/>
+  <p:tag name="KSO_WM_UNIT_LAYERLEVEL" val="1"/>
+  <p:tag name="KSO_WM_TAG_VERSION" val="1.0"/>
+  <p:tag name="KSO_WM_BEAUTIFY_FLAG" val="#wm#"/>
+</p:tagLst>
+</file>
+
+<file path=ppt/tags/tag25.xml><?xml version="1.0" encoding="utf-8"?>
+<p:tagLst xmlns:a="http://schemas.openxmlformats.org/drawingml/2006/main" xmlns:r="http://schemas.openxmlformats.org/officeDocument/2006/relationships" xmlns:p="http://schemas.openxmlformats.org/presentationml/2006/main">
+  <p:tag name="KSO_WM_UNIT_HIGHLIGHT" val="0"/>
+  <p:tag name="KSO_WM_UNIT_COMPATIBLE" val="0"/>
+  <p:tag name="KSO_WM_UNIT_DIAGRAM_ISNUMVISUAL" val="0"/>
+  <p:tag name="KSO_WM_UNIT_DIAGRAM_ISREFERUNIT" val="0"/>
+  <p:tag name="KSO_WM_UNIT_ID" val="_4**"/>
+  <p:tag name="KSO_WM_UNIT_LAYERLEVEL" val="1"/>
+  <p:tag name="KSO_WM_TAG_VERSION" val="1.0"/>
+  <p:tag name="KSO_WM_BEAUTIFY_FLAG" val="#wm#"/>
+</p:tagLst>
+</file>
+
+<file path=ppt/tags/tag26.xml><?xml version="1.0" encoding="utf-8"?>
+<p:tagLst xmlns:a="http://schemas.openxmlformats.org/drawingml/2006/main" xmlns:r="http://schemas.openxmlformats.org/officeDocument/2006/relationships" xmlns:p="http://schemas.openxmlformats.org/presentationml/2006/main">
+  <p:tag name="KSO_WM_UNIT_HIGHLIGHT" val="0"/>
+  <p:tag name="KSO_WM_UNIT_COMPATIBLE" val="0"/>
+  <p:tag name="KSO_WM_UNIT_DIAGRAM_ISNUMVISUAL" val="0"/>
+  <p:tag name="KSO_WM_UNIT_DIAGRAM_ISREFERUNIT" val="0"/>
+  <p:tag name="KSO_WM_UNIT_ID" val="_4**"/>
+  <p:tag name="KSO_WM_UNIT_LAYERLEVEL" val="1"/>
+  <p:tag name="KSO_WM_TAG_VERSION" val="1.0"/>
+  <p:tag name="KSO_WM_BEAUTIFY_FLAG" val="#wm#"/>
+</p:tagLst>
+</file>
+
+<file path=ppt/tags/tag27.xml><?xml version="1.0" encoding="utf-8"?>
+<p:tagLst xmlns:a="http://schemas.openxmlformats.org/drawingml/2006/main" xmlns:r="http://schemas.openxmlformats.org/officeDocument/2006/relationships" xmlns:p="http://schemas.openxmlformats.org/presentationml/2006/main">
+  <p:tag name="KSO_WM_UNIT_HIGHLIGHT" val="0"/>
+  <p:tag name="KSO_WM_UNIT_COMPATIBLE" val="0"/>
+  <p:tag name="KSO_WM_UNIT_DIAGRAM_ISNUMVISUAL" val="0"/>
+  <p:tag name="KSO_WM_UNIT_DIAGRAM_ISREFERUNIT" val="0"/>
+  <p:tag name="KSO_WM_UNIT_ID" val="_4**"/>
+  <p:tag name="KSO_WM_UNIT_LAYERLEVEL" val="1"/>
+  <p:tag name="KSO_WM_TAG_VERSION" val="1.0"/>
+  <p:tag name="KSO_WM_BEAUTIFY_FLAG" val="#wm#"/>
+</p:tagLst>
+</file>
+
+<file path=ppt/tags/tag28.xml><?xml version="1.0" encoding="utf-8"?>
+<p:tagLst xmlns:a="http://schemas.openxmlformats.org/drawingml/2006/main" xmlns:r="http://schemas.openxmlformats.org/officeDocument/2006/relationships" xmlns:p="http://schemas.openxmlformats.org/presentationml/2006/main">
+  <p:tag name="KSO_WM_UNIT_HIGHLIGHT" val="0"/>
+  <p:tag name="KSO_WM_UNIT_COMPATIBLE" val="0"/>
+  <p:tag name="KSO_WM_UNIT_DIAGRAM_ISNUMVISUAL" val="0"/>
+  <p:tag name="KSO_WM_UNIT_DIAGRAM_ISREFERUNIT" val="0"/>
+  <p:tag name="KSO_WM_UNIT_ID" val="_4**"/>
+  <p:tag name="KSO_WM_UNIT_LAYERLEVEL" val="1"/>
+  <p:tag name="KSO_WM_TAG_VERSION" val="1.0"/>
+  <p:tag name="KSO_WM_BEAUTIFY_FLAG" val="#wm#"/>
+</p:tagLst>
+</file>
+
+<file path=ppt/tags/tag29.xml><?xml version="1.0" encoding="utf-8"?>
+<p:tagLst xmlns:a="http://schemas.openxmlformats.org/drawingml/2006/main" xmlns:r="http://schemas.openxmlformats.org/officeDocument/2006/relationships" xmlns:p="http://schemas.openxmlformats.org/presentationml/2006/main">
+  <p:tag name="KSO_WM_UNIT_HIGHLIGHT" val="0"/>
+  <p:tag name="KSO_WM_UNIT_COMPATIBLE" val="0"/>
+  <p:tag name="KSO_WM_UNIT_DIAGRAM_ISNUMVISUAL" val="0"/>
+  <p:tag name="KSO_WM_UNIT_DIAGRAM_ISREFERUNIT" val="0"/>
+  <p:tag name="KSO_WM_UNIT_ID" val="_5**"/>
+  <p:tag name="KSO_WM_UNIT_LAYERLEVEL" val="1"/>
+  <p:tag name="KSO_WM_TAG_VERSION" val="1.0"/>
+  <p:tag name="KSO_WM_BEAUTIFY_FLAG" val="#wm#"/>
+</p:tagLst>
+</file>
+
+<file path=ppt/tags/tag3.xml><?xml version="1.0" encoding="utf-8"?>
+<p:tagLst xmlns:a="http://schemas.openxmlformats.org/drawingml/2006/main" xmlns:r="http://schemas.openxmlformats.org/officeDocument/2006/relationships" xmlns:p="http://schemas.openxmlformats.org/presentationml/2006/main">
+  <p:tag name="KSO_WM_UNIT_HIGHLIGHT" val="0"/>
+  <p:tag name="KSO_WM_UNIT_COMPATIBLE" val="0"/>
+  <p:tag name="KSO_WM_UNIT_DIAGRAM_ISNUMVISUAL" val="0"/>
+  <p:tag name="KSO_WM_UNIT_DIAGRAM_ISREFERUNIT" val="0"/>
+  <p:tag name="KSO_WM_UNIT_ID" val="_0**"/>
+  <p:tag name="KSO_WM_UNIT_LAYERLEVEL" val="1"/>
+  <p:tag name="KSO_WM_TAG_VERSION" val="1.0"/>
+  <p:tag name="KSO_WM_BEAUTIFY_FLAG" val="#wm#"/>
+  <p:tag name="KSO_WM_TEMPLATE_CATEGORY" val="custom"/>
+  <p:tag name="KSO_WM_TEMPLATE_INDEX" val="20205081"/>
+</p:tagLst>
+</file>
+
+<file path=ppt/tags/tag30.xml><?xml version="1.0" encoding="utf-8"?>
+<p:tagLst xmlns:a="http://schemas.openxmlformats.org/drawingml/2006/main" xmlns:r="http://schemas.openxmlformats.org/officeDocument/2006/relationships" xmlns:p="http://schemas.openxmlformats.org/presentationml/2006/main">
+  <p:tag name="KSO_WM_UNIT_HIGHLIGHT" val="0"/>
+  <p:tag name="KSO_WM_UNIT_COMPATIBLE" val="0"/>
+  <p:tag name="KSO_WM_UNIT_DIAGRAM_ISNUMVISUAL" val="0"/>
+  <p:tag name="KSO_WM_UNIT_DIAGRAM_ISREFERUNIT" val="0"/>
+  <p:tag name="KSO_WM_UNIT_ID" val="_5**"/>
+  <p:tag name="KSO_WM_UNIT_LAYERLEVEL" val="1"/>
+  <p:tag name="KSO_WM_TAG_VERSION" val="1.0"/>
+  <p:tag name="KSO_WM_BEAUTIFY_FLAG" val="#wm#"/>
+</p:tagLst>
+</file>
+
+<file path=ppt/tags/tag31.xml><?xml version="1.0" encoding="utf-8"?>
+<p:tagLst xmlns:a="http://schemas.openxmlformats.org/drawingml/2006/main" xmlns:r="http://schemas.openxmlformats.org/officeDocument/2006/relationships" xmlns:p="http://schemas.openxmlformats.org/presentationml/2006/main">
+  <p:tag name="KSO_WM_UNIT_HIGHLIGHT" val="0"/>
+  <p:tag name="KSO_WM_UNIT_COMPATIBLE" val="0"/>
+  <p:tag name="KSO_WM_UNIT_DIAGRAM_ISNUMVISUAL" val="0"/>
+  <p:tag name="KSO_WM_UNIT_DIAGRAM_ISREFERUNIT" val="0"/>
+  <p:tag name="KSO_WM_UNIT_ID" val="_5**"/>
+  <p:tag name="KSO_WM_UNIT_LAYERLEVEL" val="1"/>
+  <p:tag name="KSO_WM_TAG_VERSION" val="1.0"/>
+  <p:tag name="KSO_WM_BEAUTIFY_FLAG" val="#wm#"/>
+</p:tagLst>
+</file>
+
+<file path=ppt/tags/tag32.xml><?xml version="1.0" encoding="utf-8"?>
+<p:tagLst xmlns:a="http://schemas.openxmlformats.org/drawingml/2006/main" xmlns:r="http://schemas.openxmlformats.org/officeDocument/2006/relationships" xmlns:p="http://schemas.openxmlformats.org/presentationml/2006/main">
+  <p:tag name="KSO_WM_UNIT_HIGHLIGHT" val="0"/>
+  <p:tag name="KSO_WM_UNIT_COMPATIBLE" val="0"/>
+  <p:tag name="KSO_WM_UNIT_DIAGRAM_ISNUMVISUAL" val="0"/>
+  <p:tag name="KSO_WM_UNIT_DIAGRAM_ISREFERUNIT" val="0"/>
+  <p:tag name="KSO_WM_UNIT_ID" val="_5**"/>
+  <p:tag name="KSO_WM_UNIT_LAYERLEVEL" val="1"/>
+  <p:tag name="KSO_WM_TAG_VERSION" val="1.0"/>
+  <p:tag name="KSO_WM_BEAUTIFY_FLAG" val="#wm#"/>
+</p:tagLst>
+</file>
+
+<file path=ppt/tags/tag33.xml><?xml version="1.0" encoding="utf-8"?>
+<p:tagLst xmlns:a="http://schemas.openxmlformats.org/drawingml/2006/main" xmlns:r="http://schemas.openxmlformats.org/officeDocument/2006/relationships" xmlns:p="http://schemas.openxmlformats.org/presentationml/2006/main">
+  <p:tag name="KSO_WM_UNIT_HIGHLIGHT" val="0"/>
+  <p:tag name="KSO_WM_UNIT_COMPATIBLE" val="0"/>
+  <p:tag name="KSO_WM_UNIT_DIAGRAM_ISNUMVISUAL" val="0"/>
+  <p:tag name="KSO_WM_UNIT_DIAGRAM_ISREFERUNIT" val="0"/>
+  <p:tag name="KSO_WM_UNIT_ID" val="_5**"/>
+  <p:tag name="KSO_WM_UNIT_LAYERLEVEL" val="1"/>
+  <p:tag name="KSO_WM_TAG_VERSION" val="1.0"/>
+  <p:tag name="KSO_WM_BEAUTIFY_FLAG" val="#wm#"/>
+</p:tagLst>
+</file>
+
+<file path=ppt/tags/tag34.xml><?xml version="1.0" encoding="utf-8"?>
+<p:tagLst xmlns:a="http://schemas.openxmlformats.org/drawingml/2006/main" xmlns:r="http://schemas.openxmlformats.org/officeDocument/2006/relationships" xmlns:p="http://schemas.openxmlformats.org/presentationml/2006/main">
+  <p:tag name="KSO_WM_UNIT_HIGHLIGHT" val="0"/>
+  <p:tag name="KSO_WM_UNIT_COMPATIBLE" val="0"/>
+  <p:tag name="KSO_WM_UNIT_DIAGRAM_ISNUMVISUAL" val="0"/>
+  <p:tag name="KSO_WM_UNIT_DIAGRAM_ISREFERUNIT" val="0"/>
+  <p:tag name="KSO_WM_UNIT_ID" val="_5**"/>
+  <p:tag name="KSO_WM_UNIT_LAYERLEVEL" val="1"/>
+  <p:tag name="KSO_WM_TAG_VERSION" val="1.0"/>
+  <p:tag name="KSO_WM_BEAUTIFY_FLAG" val="#wm#"/>
+</p:tagLst>
+</file>
+
+<file path=ppt/tags/tag35.xml><?xml version="1.0" encoding="utf-8"?>
+<p:tagLst xmlns:a="http://schemas.openxmlformats.org/drawingml/2006/main" xmlns:r="http://schemas.openxmlformats.org/officeDocument/2006/relationships" xmlns:p="http://schemas.openxmlformats.org/presentationml/2006/main">
+  <p:tag name="KSO_WM_UNIT_HIGHLIGHT" val="0"/>
+  <p:tag name="KSO_WM_UNIT_COMPATIBLE" val="0"/>
+  <p:tag name="KSO_WM_UNIT_DIAGRAM_ISNUMVISUAL" val="0"/>
+  <p:tag name="KSO_WM_UNIT_DIAGRAM_ISREFERUNIT" val="0"/>
+  <p:tag name="KSO_WM_UNIT_ID" val="_5**"/>
+  <p:tag name="KSO_WM_UNIT_LAYERLEVEL" val="1"/>
+  <p:tag name="KSO_WM_TAG_VERSION" val="1.0"/>
+  <p:tag name="KSO_WM_BEAUTIFY_FLAG" val="#wm#"/>
+</p:tagLst>
+</file>
+
+<file path=ppt/tags/tag36.xml><?xml version="1.0" encoding="utf-8"?>
+<p:tagLst xmlns:a="http://schemas.openxmlformats.org/drawingml/2006/main" xmlns:r="http://schemas.openxmlformats.org/officeDocument/2006/relationships" xmlns:p="http://schemas.openxmlformats.org/presentationml/2006/main">
+  <p:tag name="KSO_WM_UNIT_HIGHLIGHT" val="0"/>
+  <p:tag name="KSO_WM_UNIT_COMPATIBLE" val="0"/>
+  <p:tag name="KSO_WM_UNIT_DIAGRAM_ISNUMVISUAL" val="0"/>
+  <p:tag name="KSO_WM_UNIT_DIAGRAM_ISREFERUNIT" val="0"/>
+  <p:tag name="KSO_WM_UNIT_ID" val="_5**"/>
+  <p:tag name="KSO_WM_UNIT_LAYERLEVEL" val="1"/>
+  <p:tag name="KSO_WM_TAG_VERSION" val="1.0"/>
+  <p:tag name="KSO_WM_BEAUTIFY_FLAG" val="#wm#"/>
+</p:tagLst>
+</file>
+
+<file path=ppt/tags/tag37.xml><?xml version="1.0" encoding="utf-8"?>
+<p:tagLst xmlns:a="http://schemas.openxmlformats.org/drawingml/2006/main" xmlns:r="http://schemas.openxmlformats.org/officeDocument/2006/relationships" xmlns:p="http://schemas.openxmlformats.org/presentationml/2006/main">
+  <p:tag name="KSO_WM_UNIT_HIGHLIGHT" val="0"/>
+  <p:tag name="KSO_WM_UNIT_COMPATIBLE" val="0"/>
+  <p:tag name="KSO_WM_UNIT_DIAGRAM_ISNUMVISUAL" val="0"/>
+  <p:tag name="KSO_WM_UNIT_DIAGRAM_ISREFERUNIT" val="0"/>
+  <p:tag name="KSO_WM_UNIT_ID" val="_6**"/>
+  <p:tag name="KSO_WM_UNIT_LAYERLEVEL" val="1"/>
+  <p:tag name="KSO_WM_TAG_VERSION" val="1.0"/>
+  <p:tag name="KSO_WM_BEAUTIFY_FLAG" val="#wm#"/>
+</p:tagLst>
+</file>
+
+<file path=ppt/tags/tag38.xml><?xml version="1.0" encoding="utf-8"?>
+<p:tagLst xmlns:a="http://schemas.openxmlformats.org/drawingml/2006/main" xmlns:r="http://schemas.openxmlformats.org/officeDocument/2006/relationships" xmlns:p="http://schemas.openxmlformats.org/presentationml/2006/main">
+  <p:tag name="KSO_WM_UNIT_HIGHLIGHT" val="0"/>
+  <p:tag name="KSO_WM_UNIT_COMPATIBLE" val="0"/>
+  <p:tag name="KSO_WM_UNIT_DIAGRAM_ISNUMVISUAL" val="0"/>
+  <p:tag name="KSO_WM_UNIT_DIAGRAM_ISREFERUNIT" val="0"/>
+  <p:tag name="KSO_WM_UNIT_ID" val="_6**"/>
+  <p:tag name="KSO_WM_UNIT_LAYERLEVEL" val="1"/>
+  <p:tag name="KSO_WM_TAG_VERSION" val="1.0"/>
+  <p:tag name="KSO_WM_BEAUTIFY_FLAG" val="#wm#"/>
+</p:tagLst>
+</file>
+
+<file path=ppt/tags/tag39.xml><?xml version="1.0" encoding="utf-8"?>
+<p:tagLst xmlns:a="http://schemas.openxmlformats.org/drawingml/2006/main" xmlns:r="http://schemas.openxmlformats.org/officeDocument/2006/relationships" xmlns:p="http://schemas.openxmlformats.org/presentationml/2006/main">
+  <p:tag name="KSO_WM_UNIT_HIGHLIGHT" val="0"/>
+  <p:tag name="KSO_WM_UNIT_COMPATIBLE" val="0"/>
+  <p:tag name="KSO_WM_UNIT_DIAGRAM_ISNUMVISUAL" val="0"/>
+  <p:tag name="KSO_WM_UNIT_DIAGRAM_ISREFERUNIT" val="0"/>
+  <p:tag name="KSO_WM_UNIT_ID" val="_6**"/>
+  <p:tag name="KSO_WM_UNIT_LAYERLEVEL" val="1"/>
+  <p:tag name="KSO_WM_TAG_VERSION" val="1.0"/>
+  <p:tag name="KSO_WM_BEAUTIFY_FLAG" val="#wm#"/>
+</p:tagLst>
+</file>
+
+<file path=ppt/tags/tag4.xml><?xml version="1.0" encoding="utf-8"?>
+<p:tagLst xmlns:a="http://schemas.openxmlformats.org/drawingml/2006/main" xmlns:r="http://schemas.openxmlformats.org/officeDocument/2006/relationships" xmlns:p="http://schemas.openxmlformats.org/presentationml/2006/main">
+  <p:tag name="KSO_WM_UNIT_HIGHLIGHT" val="0"/>
+  <p:tag name="KSO_WM_UNIT_COMPATIBLE" val="0"/>
+  <p:tag name="KSO_WM_UNIT_DIAGRAM_ISNUMVISUAL" val="0"/>
+  <p:tag name="KSO_WM_UNIT_DIAGRAM_ISREFERUNIT" val="0"/>
+  <p:tag name="KSO_WM_UNIT_ID" val="_0**"/>
+  <p:tag name="KSO_WM_UNIT_LAYERLEVEL" val="1"/>
+  <p:tag name="KSO_WM_TAG_VERSION" val="1.0"/>
+  <p:tag name="KSO_WM_BEAUTIFY_FLAG" val="#wm#"/>
+  <p:tag name="KSO_WM_TEMPLATE_CATEGORY" val="custom"/>
+  <p:tag name="KSO_WM_TEMPLATE_INDEX" val="20205081"/>
+</p:tagLst>
+</file>
+
+<file path=ppt/tags/tag40.xml><?xml version="1.0" encoding="utf-8"?>
+<p:tagLst xmlns:a="http://schemas.openxmlformats.org/drawingml/2006/main" xmlns:r="http://schemas.openxmlformats.org/officeDocument/2006/relationships" xmlns:p="http://schemas.openxmlformats.org/presentationml/2006/main">
+  <p:tag name="KSO_WM_UNIT_HIGHLIGHT" val="0"/>
+  <p:tag name="KSO_WM_UNIT_COMPATIBLE" val="0"/>
+  <p:tag name="KSO_WM_UNIT_DIAGRAM_ISNUMVISUAL" val="0"/>
+  <p:tag name="KSO_WM_UNIT_DIAGRAM_ISREFERUNIT" val="0"/>
+  <p:tag name="KSO_WM_UNIT_ID" val="_6**"/>
+  <p:tag name="KSO_WM_UNIT_LAYERLEVEL" val="1"/>
+  <p:tag name="KSO_WM_TAG_VERSION" val="1.0"/>
+  <p:tag name="KSO_WM_BEAUTIFY_FLAG" val="#wm#"/>
+</p:tagLst>
+</file>
+
+<file path=ppt/tags/tag41.xml><?xml version="1.0" encoding="utf-8"?>
+<p:tagLst xmlns:a="http://schemas.openxmlformats.org/drawingml/2006/main" xmlns:r="http://schemas.openxmlformats.org/officeDocument/2006/relationships" xmlns:p="http://schemas.openxmlformats.org/presentationml/2006/main">
+  <p:tag name="KSO_WM_UNIT_HIGHLIGHT" val="0"/>
+  <p:tag name="KSO_WM_UNIT_COMPATIBLE" val="0"/>
+  <p:tag name="KSO_WM_UNIT_DIAGRAM_ISNUMVISUAL" val="0"/>
+  <p:tag name="KSO_WM_UNIT_DIAGRAM_ISREFERUNIT" val="0"/>
+  <p:tag name="KSO_WM_UNIT_ID" val="_7**"/>
+  <p:tag name="KSO_WM_UNIT_LAYERLEVEL" val="1"/>
+  <p:tag name="KSO_WM_TAG_VERSION" val="1.0"/>
+  <p:tag name="KSO_WM_BEAUTIFY_FLAG" val="#wm#"/>
+</p:tagLst>
+</file>
+
+<file path=ppt/tags/tag42.xml><?xml version="1.0" encoding="utf-8"?>
+<p:tagLst xmlns:a="http://schemas.openxmlformats.org/drawingml/2006/main" xmlns:r="http://schemas.openxmlformats.org/officeDocument/2006/relationships" xmlns:p="http://schemas.openxmlformats.org/presentationml/2006/main">
+  <p:tag name="KSO_WM_UNIT_HIGHLIGHT" val="0"/>
+  <p:tag name="KSO_WM_UNIT_COMPATIBLE" val="0"/>
+  <p:tag name="KSO_WM_UNIT_DIAGRAM_ISNUMVISUAL" val="0"/>
+  <p:tag name="KSO_WM_UNIT_DIAGRAM_ISREFERUNIT" val="0"/>
+  <p:tag name="KSO_WM_UNIT_ID" val="_7**"/>
+  <p:tag name="KSO_WM_UNIT_LAYERLEVEL" val="1"/>
+  <p:tag name="KSO_WM_TAG_VERSION" val="1.0"/>
+  <p:tag name="KSO_WM_BEAUTIFY_FLAG" val="#wm#"/>
+</p:tagLst>
+</file>
+
+<file path=ppt/tags/tag43.xml><?xml version="1.0" encoding="utf-8"?>
+<p:tagLst xmlns:a="http://schemas.openxmlformats.org/drawingml/2006/main" xmlns:r="http://schemas.openxmlformats.org/officeDocument/2006/relationships" xmlns:p="http://schemas.openxmlformats.org/presentationml/2006/main">
+  <p:tag name="KSO_WM_UNIT_HIGHLIGHT" val="0"/>
+  <p:tag name="KSO_WM_UNIT_COMPATIBLE" val="0"/>
+  <p:tag name="KSO_WM_UNIT_DIAGRAM_ISNUMVISUAL" val="0"/>
+  <p:tag name="KSO_WM_UNIT_DIAGRAM_ISREFERUNIT" val="0"/>
+  <p:tag name="KSO_WM_UNIT_ID" val="_7**"/>
+  <p:tag name="KSO_WM_UNIT_LAYERLEVEL" val="1"/>
+  <p:tag name="KSO_WM_TAG_VERSION" val="1.0"/>
+  <p:tag name="KSO_WM_BEAUTIFY_FLAG" val="#wm#"/>
+</p:tagLst>
+</file>
+
+<file path=ppt/tags/tag44.xml><?xml version="1.0" encoding="utf-8"?>
+<p:tagLst xmlns:a="http://schemas.openxmlformats.org/drawingml/2006/main" xmlns:r="http://schemas.openxmlformats.org/officeDocument/2006/relationships" xmlns:p="http://schemas.openxmlformats.org/presentationml/2006/main">
+  <p:tag name="KSO_WM_UNIT_HIGHLIGHT" val="0"/>
+  <p:tag name="KSO_WM_UNIT_COMPATIBLE" val="0"/>
+  <p:tag name="KSO_WM_UNIT_DIAGRAM_ISNUMVISUAL" val="0"/>
+  <p:tag name="KSO_WM_UNIT_DIAGRAM_ISREFERUNIT" val="0"/>
+  <p:tag name="KSO_WM_UNIT_ID" val="_8**"/>
+  <p:tag name="KSO_WM_UNIT_LAYERLEVEL" val="1"/>
+  <p:tag name="KSO_WM_TAG_VERSION" val="1.0"/>
+  <p:tag name="KSO_WM_BEAUTIFY_FLAG" val="#wm#"/>
+</p:tagLst>
+</file>
+
+<file path=ppt/tags/tag45.xml><?xml version="1.0" encoding="utf-8"?>
+<p:tagLst xmlns:a="http://schemas.openxmlformats.org/drawingml/2006/main" xmlns:r="http://schemas.openxmlformats.org/officeDocument/2006/relationships" xmlns:p="http://schemas.openxmlformats.org/presentationml/2006/main">
+  <p:tag name="KSO_WM_UNIT_HIGHLIGHT" val="0"/>
+  <p:tag name="KSO_WM_UNIT_COMPATIBLE" val="0"/>
+  <p:tag name="KSO_WM_UNIT_DIAGRAM_ISNUMVISUAL" val="0"/>
+  <p:tag name="KSO_WM_UNIT_DIAGRAM_ISREFERUNIT" val="0"/>
+  <p:tag name="KSO_WM_UNIT_ID" val="_8**"/>
+  <p:tag name="KSO_WM_UNIT_LAYERLEVEL" val="1"/>
+  <p:tag name="KSO_WM_TAG_VERSION" val="1.0"/>
+  <p:tag name="KSO_WM_BEAUTIFY_FLAG" val="#wm#"/>
+</p:tagLst>
+</file>
+
+<file path=ppt/tags/tag46.xml><?xml version="1.0" encoding="utf-8"?>
+<p:tagLst xmlns:a="http://schemas.openxmlformats.org/drawingml/2006/main" xmlns:r="http://schemas.openxmlformats.org/officeDocument/2006/relationships" xmlns:p="http://schemas.openxmlformats.org/presentationml/2006/main">
+  <p:tag name="KSO_WM_UNIT_HIGHLIGHT" val="0"/>
+  <p:tag name="KSO_WM_UNIT_COMPATIBLE" val="0"/>
+  <p:tag name="KSO_WM_UNIT_DIAGRAM_ISNUMVISUAL" val="0"/>
+  <p:tag name="KSO_WM_UNIT_DIAGRAM_ISREFERUNIT" val="0"/>
+  <p:tag name="KSO_WM_UNIT_ID" val="_8**"/>
+  <p:tag name="KSO_WM_UNIT_LAYERLEVEL" val="1"/>
+  <p:tag name="KSO_WM_TAG_VERSION" val="1.0"/>
+  <p:tag name="KSO_WM_BEAUTIFY_FLAG" val="#wm#"/>
+</p:tagLst>
+</file>
+
+<file path=ppt/tags/tag47.xml><?xml version="1.0" encoding="utf-8"?>
+<p:tagLst xmlns:a="http://schemas.openxmlformats.org/drawingml/2006/main" xmlns:r="http://schemas.openxmlformats.org/officeDocument/2006/relationships" xmlns:p="http://schemas.openxmlformats.org/presentationml/2006/main">
+  <p:tag name="KSO_WM_UNIT_HIGHLIGHT" val="0"/>
+  <p:tag name="KSO_WM_UNIT_COMPATIBLE" val="0"/>
+  <p:tag name="KSO_WM_UNIT_DIAGRAM_ISNUMVISUAL" val="0"/>
+  <p:tag name="KSO_WM_UNIT_DIAGRAM_ISREFERUNIT" val="0"/>
+  <p:tag name="KSO_WM_UNIT_ID" val="_8**"/>
+  <p:tag name="KSO_WM_UNIT_LAYERLEVEL" val="1"/>
+  <p:tag name="KSO_WM_TAG_VERSION" val="1.0"/>
+  <p:tag name="KSO_WM_BEAUTIFY_FLAG" val="#wm#"/>
+</p:tagLst>
+</file>
+
+<file path=ppt/tags/tag48.xml><?xml version="1.0" encoding="utf-8"?>
+<p:tagLst xmlns:a="http://schemas.openxmlformats.org/drawingml/2006/main" xmlns:r="http://schemas.openxmlformats.org/officeDocument/2006/relationships" xmlns:p="http://schemas.openxmlformats.org/presentationml/2006/main">
+  <p:tag name="KSO_WM_UNIT_HIGHLIGHT" val="0"/>
+  <p:tag name="KSO_WM_UNIT_COMPATIBLE" val="0"/>
+  <p:tag name="KSO_WM_UNIT_DIAGRAM_ISNUMVISUAL" val="0"/>
+  <p:tag name="KSO_WM_UNIT_DIAGRAM_ISREFERUNIT" val="0"/>
+  <p:tag name="KSO_WM_UNIT_ID" val="_8**"/>
+  <p:tag name="KSO_WM_UNIT_LAYERLEVEL" val="1"/>
+  <p:tag name="KSO_WM_TAG_VERSION" val="1.0"/>
+  <p:tag name="KSO_WM_BEAUTIFY_FLAG" val="#wm#"/>
+</p:tagLst>
+</file>
+
+<file path=ppt/tags/tag49.xml><?xml version="1.0" encoding="utf-8"?>
+<p:tagLst xmlns:a="http://schemas.openxmlformats.org/drawingml/2006/main" xmlns:r="http://schemas.openxmlformats.org/officeDocument/2006/relationships" xmlns:p="http://schemas.openxmlformats.org/presentationml/2006/main">
+  <p:tag name="KSO_WM_UNIT_HIGHLIGHT" val="0"/>
+  <p:tag name="KSO_WM_UNIT_COMPATIBLE" val="0"/>
+  <p:tag name="KSO_WM_UNIT_DIAGRAM_ISNUMVISUAL" val="0"/>
+  <p:tag name="KSO_WM_UNIT_DIAGRAM_ISREFERUNIT" val="0"/>
+  <p:tag name="KSO_WM_UNIT_ID" val="_8**"/>
+  <p:tag name="KSO_WM_UNIT_LAYERLEVEL" val="1"/>
+  <p:tag name="KSO_WM_TAG_VERSION" val="1.0"/>
+  <p:tag name="KSO_WM_BEAUTIFY_FLAG" val="#wm#"/>
+</p:tagLst>
+</file>
+
+<file path=ppt/tags/tag5.xml><?xml version="1.0" encoding="utf-8"?>
+<p:tagLst xmlns:a="http://schemas.openxmlformats.org/drawingml/2006/main" xmlns:r="http://schemas.openxmlformats.org/officeDocument/2006/relationships" xmlns:p="http://schemas.openxmlformats.org/presentationml/2006/main">
+  <p:tag name="KSO_WM_UNIT_HIGHLIGHT" val="0"/>
+  <p:tag name="KSO_WM_UNIT_COMPATIBLE" val="0"/>
+  <p:tag name="KSO_WM_UNIT_DIAGRAM_ISNUMVISUAL" val="0"/>
+  <p:tag name="KSO_WM_UNIT_DIAGRAM_ISREFERUNIT" val="0"/>
+  <p:tag name="KSO_WM_UNIT_ID" val="_0**"/>
+  <p:tag name="KSO_WM_UNIT_LAYERLEVEL" val="1"/>
+  <p:tag name="KSO_WM_TAG_VERSION" val="1.0"/>
+  <p:tag name="KSO_WM_BEAUTIFY_FLAG" val="#wm#"/>
+</p:tagLst>
+</file>
+
+<file path=ppt/tags/tag50.xml><?xml version="1.0" encoding="utf-8"?>
+<p:tagLst xmlns:a="http://schemas.openxmlformats.org/drawingml/2006/main" xmlns:r="http://schemas.openxmlformats.org/officeDocument/2006/relationships" xmlns:p="http://schemas.openxmlformats.org/presentationml/2006/main">
+  <p:tag name="KSO_WM_UNIT_HIGHLIGHT" val="0"/>
+  <p:tag name="KSO_WM_UNIT_COMPATIBLE" val="0"/>
+  <p:tag name="KSO_WM_UNIT_DIAGRAM_ISNUMVISUAL" val="0"/>
+  <p:tag name="KSO_WM_UNIT_DIAGRAM_ISREFERUNIT" val="0"/>
+  <p:tag name="KSO_WM_UNIT_ID" val="_9**"/>
+  <p:tag name="KSO_WM_UNIT_LAYERLEVEL" val="1"/>
+  <p:tag name="KSO_WM_TAG_VERSION" val="1.0"/>
+  <p:tag name="KSO_WM_BEAUTIFY_FLAG" val="#wm#"/>
+</p:tagLst>
+</file>
+
+<file path=ppt/tags/tag51.xml><?xml version="1.0" encoding="utf-8"?>
+<p:tagLst xmlns:a="http://schemas.openxmlformats.org/drawingml/2006/main" xmlns:r="http://schemas.openxmlformats.org/officeDocument/2006/relationships" xmlns:p="http://schemas.openxmlformats.org/presentationml/2006/main">
+  <p:tag name="KSO_WM_UNIT_HIGHLIGHT" val="0"/>
+  <p:tag name="KSO_WM_UNIT_COMPATIBLE" val="0"/>
+  <p:tag name="KSO_WM_UNIT_DIAGRAM_ISNUMVISUAL" val="0"/>
+  <p:tag name="KSO_WM_UNIT_DIAGRAM_ISREFERUNIT" val="0"/>
+  <p:tag name="KSO_WM_UNIT_ID" val="_9**"/>
+  <p:tag name="KSO_WM_UNIT_LAYERLEVEL" val="1"/>
+  <p:tag name="KSO_WM_TAG_VERSION" val="1.0"/>
+  <p:tag name="KSO_WM_BEAUTIFY_FLAG" val="#wm#"/>
+</p:tagLst>
+</file>
+
+<file path=ppt/tags/tag52.xml><?xml version="1.0" encoding="utf-8"?>
+<p:tagLst xmlns:a="http://schemas.openxmlformats.org/drawingml/2006/main" xmlns:r="http://schemas.openxmlformats.org/officeDocument/2006/relationships" xmlns:p="http://schemas.openxmlformats.org/presentationml/2006/main">
+  <p:tag name="KSO_WM_UNIT_HIGHLIGHT" val="0"/>
+  <p:tag name="KSO_WM_UNIT_COMPATIBLE" val="0"/>
+  <p:tag name="KSO_WM_UNIT_DIAGRAM_ISNUMVISUAL" val="0"/>
+  <p:tag name="KSO_WM_UNIT_DIAGRAM_ISREFERUNIT" val="0"/>
+  <p:tag name="KSO_WM_UNIT_ID" val="_9**"/>
+  <p:tag name="KSO_WM_UNIT_LAYERLEVEL" val="1"/>
+  <p:tag name="KSO_WM_TAG_VERSION" val="1.0"/>
+  <p:tag name="KSO_WM_BEAUTIFY_FLAG" val="#wm#"/>
+</p:tagLst>
+</file>
+
+<file path=ppt/tags/tag53.xml><?xml version="1.0" encoding="utf-8"?>
+<p:tagLst xmlns:a="http://schemas.openxmlformats.org/drawingml/2006/main" xmlns:r="http://schemas.openxmlformats.org/officeDocument/2006/relationships" xmlns:p="http://schemas.openxmlformats.org/presentationml/2006/main">
+  <p:tag name="KSO_WM_UNIT_HIGHLIGHT" val="0"/>
+  <p:tag name="KSO_WM_UNIT_COMPATIBLE" val="0"/>
+  <p:tag name="KSO_WM_UNIT_DIAGRAM_ISNUMVISUAL" val="0"/>
+  <p:tag name="KSO_WM_UNIT_DIAGRAM_ISREFERUNIT" val="0"/>
+  <p:tag name="KSO_WM_UNIT_ID" val="_9**"/>
+  <p:tag name="KSO_WM_UNIT_LAYERLEVEL" val="1"/>
+  <p:tag name="KSO_WM_TAG_VERSION" val="1.0"/>
+  <p:tag name="KSO_WM_BEAUTIFY_FLAG" val="#wm#"/>
+</p:tagLst>
+</file>
+
+<file path=ppt/tags/tag54.xml><?xml version="1.0" encoding="utf-8"?>
+<p:tagLst xmlns:a="http://schemas.openxmlformats.org/drawingml/2006/main" xmlns:r="http://schemas.openxmlformats.org/officeDocument/2006/relationships" xmlns:p="http://schemas.openxmlformats.org/presentationml/2006/main">
+  <p:tag name="KSO_WM_UNIT_HIGHLIGHT" val="0"/>
+  <p:tag name="KSO_WM_UNIT_COMPATIBLE" val="0"/>
+  <p:tag name="KSO_WM_UNIT_DIAGRAM_ISNUMVISUAL" val="0"/>
+  <p:tag name="KSO_WM_UNIT_DIAGRAM_ISREFERUNIT" val="0"/>
+  <p:tag name="KSO_WM_UNIT_ID" val="_9**"/>
+  <p:tag name="KSO_WM_UNIT_LAYERLEVEL" val="1"/>
+  <p:tag name="KSO_WM_TAG_VERSION" val="1.0"/>
+  <p:tag name="KSO_WM_BEAUTIFY_FLAG" val="#wm#"/>
+</p:tagLst>
+</file>
+
+<file path=ppt/tags/tag55.xml><?xml version="1.0" encoding="utf-8"?>
+<p:tagLst xmlns:a="http://schemas.openxmlformats.org/drawingml/2006/main" xmlns:r="http://schemas.openxmlformats.org/officeDocument/2006/relationships" xmlns:p="http://schemas.openxmlformats.org/presentationml/2006/main">
+  <p:tag name="KSO_WM_UNIT_HIGHLIGHT" val="0"/>
+  <p:tag name="KSO_WM_UNIT_COMPATIBLE" val="0"/>
+  <p:tag name="KSO_WM_UNIT_DIAGRAM_ISNUMVISUAL" val="0"/>
+  <p:tag name="KSO_WM_UNIT_DIAGRAM_ISREFERUNIT" val="0"/>
+  <p:tag name="KSO_WM_UNIT_ID" val="_10**"/>
+  <p:tag name="KSO_WM_UNIT_LAYERLEVEL" val="1"/>
+  <p:tag name="KSO_WM_TAG_VERSION" val="1.0"/>
+  <p:tag name="KSO_WM_BEAUTIFY_FLAG" val="#wm#"/>
+</p:tagLst>
+</file>
+
+<file path=ppt/tags/tag56.xml><?xml version="1.0" encoding="utf-8"?>
+<p:tagLst xmlns:a="http://schemas.openxmlformats.org/drawingml/2006/main" xmlns:r="http://schemas.openxmlformats.org/officeDocument/2006/relationships" xmlns:p="http://schemas.openxmlformats.org/presentationml/2006/main">
+  <p:tag name="KSO_WM_UNIT_HIGHLIGHT" val="0"/>
+  <p:tag name="KSO_WM_UNIT_COMPATIBLE" val="0"/>
+  <p:tag name="KSO_WM_UNIT_DIAGRAM_ISNUMVISUAL" val="0"/>
+  <p:tag name="KSO_WM_UNIT_DIAGRAM_ISREFERUNIT" val="0"/>
+  <p:tag name="KSO_WM_UNIT_ID" val="_10**"/>
+  <p:tag name="KSO_WM_UNIT_LAYERLEVEL" val="1"/>
+  <p:tag name="KSO_WM_TAG_VERSION" val="1.0"/>
+  <p:tag name="KSO_WM_BEAUTIFY_FLAG" val="#wm#"/>
+</p:tagLst>
+</file>
+
+<file path=ppt/tags/tag57.xml><?xml version="1.0" encoding="utf-8"?>
+<p:tagLst xmlns:a="http://schemas.openxmlformats.org/drawingml/2006/main" xmlns:r="http://schemas.openxmlformats.org/officeDocument/2006/relationships" xmlns:p="http://schemas.openxmlformats.org/presentationml/2006/main">
+  <p:tag name="KSO_WM_UNIT_HIGHLIGHT" val="0"/>
+  <p:tag name="KSO_WM_UNIT_COMPATIBLE" val="0"/>
+  <p:tag name="KSO_WM_UNIT_DIAGRAM_ISNUMVISUAL" val="0"/>
+  <p:tag name="KSO_WM_UNIT_DIAGRAM_ISREFERUNIT" val="0"/>
+  <p:tag name="KSO_WM_UNIT_ID" val="_10**"/>
+  <p:tag name="KSO_WM_UNIT_LAYERLEVEL" val="1"/>
+  <p:tag name="KSO_WM_TAG_VERSION" val="1.0"/>
+  <p:tag name="KSO_WM_BEAUTIFY_FLAG" val="#wm#"/>
+</p:tagLst>
+</file>
+
+<file path=ppt/tags/tag58.xml><?xml version="1.0" encoding="utf-8"?>
+<p:tagLst xmlns:a="http://schemas.openxmlformats.org/drawingml/2006/main" xmlns:r="http://schemas.openxmlformats.org/officeDocument/2006/relationships" xmlns:p="http://schemas.openxmlformats.org/presentationml/2006/main">
+  <p:tag name="KSO_WM_UNIT_HIGHLIGHT" val="0"/>
+  <p:tag name="KSO_WM_UNIT_COMPATIBLE" val="0"/>
+  <p:tag name="KSO_WM_UNIT_DIAGRAM_ISNUMVISUAL" val="0"/>
+  <p:tag name="KSO_WM_UNIT_DIAGRAM_ISREFERUNIT" val="0"/>
+  <p:tag name="KSO_WM_UNIT_ID" val="_10**"/>
+  <p:tag name="KSO_WM_UNIT_LAYERLEVEL" val="1"/>
+  <p:tag name="KSO_WM_TAG_VERSION" val="1.0"/>
+  <p:tag name="KSO_WM_BEAUTIFY_FLAG" val="#wm#"/>
+</p:tagLst>
+</file>
+
+<file path=ppt/tags/tag59.xml><?xml version="1.0" encoding="utf-8"?>
+<p:tagLst xmlns:a="http://schemas.openxmlformats.org/drawingml/2006/main" xmlns:r="http://schemas.openxmlformats.org/officeDocument/2006/relationships" xmlns:p="http://schemas.openxmlformats.org/presentationml/2006/main">
+  <p:tag name="KSO_WM_UNIT_HIGHLIGHT" val="0"/>
+  <p:tag name="KSO_WM_UNIT_COMPATIBLE" val="0"/>
+  <p:tag name="KSO_WM_UNIT_DIAGRAM_ISNUMVISUAL" val="0"/>
+  <p:tag name="KSO_WM_UNIT_DIAGRAM_ISREFERUNIT" val="0"/>
+  <p:tag name="KSO_WM_UNIT_ID" val="_11**"/>
+  <p:tag name="KSO_WM_UNIT_LAYERLEVEL" val="1"/>
+  <p:tag name="KSO_WM_TAG_VERSION" val="1.0"/>
+  <p:tag name="KSO_WM_BEAUTIFY_FLAG" val="#wm#"/>
+</p:tagLst>
+</file>
+
+<file path=ppt/tags/tag6.xml><?xml version="1.0" encoding="utf-8"?>
+<p:tagLst xmlns:a="http://schemas.openxmlformats.org/drawingml/2006/main" xmlns:r="http://schemas.openxmlformats.org/officeDocument/2006/relationships" xmlns:p="http://schemas.openxmlformats.org/presentationml/2006/main">
+  <p:tag name="KSO_WM_UNIT_HIGHLIGHT" val="0"/>
+  <p:tag name="KSO_WM_UNIT_COMPATIBLE" val="0"/>
+  <p:tag name="KSO_WM_UNIT_DIAGRAM_ISNUMVISUAL" val="0"/>
+  <p:tag name="KSO_WM_UNIT_DIAGRAM_ISREFERUNIT" val="0"/>
+  <p:tag name="KSO_WM_UNIT_ID" val="_0**"/>
+  <p:tag name="KSO_WM_UNIT_LAYERLEVEL" val="1"/>
+  <p:tag name="KSO_WM_TAG_VERSION" val="1.0"/>
+  <p:tag name="KSO_WM_BEAUTIFY_FLAG" val="#wm#"/>
+</p:tagLst>
+</file>
+
+<file path=ppt/tags/tag60.xml><?xml version="1.0" encoding="utf-8"?>
+<p:tagLst xmlns:a="http://schemas.openxmlformats.org/drawingml/2006/main" xmlns:r="http://schemas.openxmlformats.org/officeDocument/2006/relationships" xmlns:p="http://schemas.openxmlformats.org/presentationml/2006/main">
+  <p:tag name="KSO_WM_UNIT_HIGHLIGHT" val="0"/>
+  <p:tag name="KSO_WM_UNIT_COMPATIBLE" val="0"/>
+  <p:tag name="KSO_WM_UNIT_DIAGRAM_ISNUMVISUAL" val="0"/>
+  <p:tag name="KSO_WM_UNIT_DIAGRAM_ISREFERUNIT" val="0"/>
+  <p:tag name="KSO_WM_UNIT_ID" val="_11**"/>
+  <p:tag name="KSO_WM_UNIT_LAYERLEVEL" val="1"/>
+  <p:tag name="KSO_WM_TAG_VERSION" val="1.0"/>
+  <p:tag name="KSO_WM_BEAUTIFY_FLAG" val="#wm#"/>
+</p:tagLst>
+</file>
+
+<file path=ppt/tags/tag61.xml><?xml version="1.0" encoding="utf-8"?>
+<p:tagLst xmlns:a="http://schemas.openxmlformats.org/drawingml/2006/main" xmlns:r="http://schemas.openxmlformats.org/officeDocument/2006/relationships" xmlns:p="http://schemas.openxmlformats.org/presentationml/2006/main">
+  <p:tag name="KSO_WM_UNIT_HIGHLIGHT" val="0"/>
+  <p:tag name="KSO_WM_UNIT_COMPATIBLE" val="0"/>
+  <p:tag name="KSO_WM_UNIT_DIAGRAM_ISNUMVISUAL" val="0"/>
+  <p:tag name="KSO_WM_UNIT_DIAGRAM_ISREFERUNIT" val="0"/>
+  <p:tag name="KSO_WM_UNIT_ID" val="_11**"/>
+  <p:tag name="KSO_WM_UNIT_LAYERLEVEL" val="1"/>
+  <p:tag name="KSO_WM_TAG_VERSION" val="1.0"/>
+  <p:tag name="KSO_WM_BEAUTIFY_FLAG" val="#wm#"/>
+</p:tagLst>
+</file>
+
+<file path=ppt/tags/tag62.xml><?xml version="1.0" encoding="utf-8"?>
+<p:tagLst xmlns:a="http://schemas.openxmlformats.org/drawingml/2006/main" xmlns:r="http://schemas.openxmlformats.org/officeDocument/2006/relationships" xmlns:p="http://schemas.openxmlformats.org/presentationml/2006/main">
+  <p:tag name="KSO_WM_UNIT_HIGHLIGHT" val="0"/>
+  <p:tag name="KSO_WM_UNIT_COMPATIBLE" val="0"/>
+  <p:tag name="KSO_WM_UNIT_DIAGRAM_ISNUMVISUAL" val="0"/>
+  <p:tag name="KSO_WM_UNIT_DIAGRAM_ISREFERUNIT" val="0"/>
+  <p:tag name="KSO_WM_UNIT_ID" val="_11**"/>
+  <p:tag name="KSO_WM_UNIT_LAYERLEVEL" val="1"/>
+  <p:tag name="KSO_WM_TAG_VERSION" val="1.0"/>
+  <p:tag name="KSO_WM_BEAUTIFY_FLAG" val="#wm#"/>
+</p:tagLst>
+</file>
+
+<file path=ppt/tags/tag63.xml><?xml version="1.0" encoding="utf-8"?>
+<p:tagLst xmlns:a="http://schemas.openxmlformats.org/drawingml/2006/main" xmlns:r="http://schemas.openxmlformats.org/officeDocument/2006/relationships" xmlns:p="http://schemas.openxmlformats.org/presentationml/2006/main">
+  <p:tag name="KSO_WM_UNIT_HIGHLIGHT" val="0"/>
+  <p:tag name="KSO_WM_UNIT_COMPATIBLE" val="0"/>
+  <p:tag name="KSO_WM_UNIT_DIAGRAM_ISNUMVISUAL" val="0"/>
+  <p:tag name="KSO_WM_UNIT_DIAGRAM_ISREFERUNIT" val="0"/>
+  <p:tag name="KSO_WM_UNIT_ID" val="_11**"/>
+  <p:tag name="KSO_WM_UNIT_LAYERLEVEL" val="1"/>
+  <p:tag name="KSO_WM_TAG_VERSION" val="1.0"/>
+  <p:tag name="KSO_WM_BEAUTIFY_FLAG" val="#wm#"/>
+</p:tagLst>
+</file>
+
+<file path=ppt/tags/tag64.xml><?xml version="1.0" encoding="utf-8"?>
+<p:tagLst xmlns:a="http://schemas.openxmlformats.org/drawingml/2006/main" xmlns:r="http://schemas.openxmlformats.org/officeDocument/2006/relationships" xmlns:p="http://schemas.openxmlformats.org/presentationml/2006/main">
+  <p:tag name="KSO_WM_SLIDE_ID" val="custom20205081_1"/>
+  <p:tag name="KSO_WM_TEMPLATE_SUBCATEGORY" val="19"/>
+  <p:tag name="KSO_WM_TEMPLATE_MASTER_TYPE" val="0"/>
+  <p:tag name="KSO_WM_TEMPLATE_COLOR_TYPE" val="1"/>
+  <p:tag name="KSO_WM_SLIDE_TYPE" val="title"/>
+  <p:tag name="KSO_WM_SLIDE_SUBTYPE" val="defaultBlank"/>
+  <p:tag name="KSO_WM_SLIDE_ITEM_CNT" val="0"/>
+  <p:tag name="KSO_WM_SLIDE_INDEX" val="1"/>
+  <p:tag name="KSO_WM_TAG_VERSION" val="1.0"/>
+  <p:tag name="KSO_WM_BEAUTIFY_FLAG" val="#wm#"/>
+  <p:tag name="KSO_WM_TEMPLATE_CATEGORY" val="custom"/>
+  <p:tag name="KSO_WM_TEMPLATE_INDEX" val="20205081"/>
+  <p:tag name="KSO_WM_SLIDE_LAYOUT" val="a_b"/>
+  <p:tag name="KSO_WM_SLIDE_LAYOUT_CNT" val="1_1"/>
+  <p:tag name="KSO_WM_UNIT_SHOW_EDIT_AREA_INDICATION" val="1"/>
+  <p:tag name="KSO_WM_TEMPLATE_THUMBS_INDEX" val="1、4、7、12、13、14、15、16、17、18、20、24、25、28、33、36、40、43、44"/>
+</p:tagLst>
+</file>
+
+<file path=ppt/tags/tag65.xml><?xml version="1.0" encoding="utf-8"?>
+<p:tagLst xmlns:a="http://schemas.openxmlformats.org/drawingml/2006/main" xmlns:r="http://schemas.openxmlformats.org/officeDocument/2006/relationships" xmlns:p="http://schemas.openxmlformats.org/presentationml/2006/main">
+  <p:tag name="KSO_WM_BEAUTIFY_FLAG" val=""/>
+</p:tagLst>
+</file>
+
+<file path=ppt/tags/tag66.xml><?xml version="1.0" encoding="utf-8"?>
+<p:tagLst xmlns:a="http://schemas.openxmlformats.org/drawingml/2006/main" xmlns:r="http://schemas.openxmlformats.org/officeDocument/2006/relationships" xmlns:p="http://schemas.openxmlformats.org/presentationml/2006/main">
+  <p:tag name="KSO_WM_BEAUTIFY_FLAG" val=""/>
+</p:tagLst>
+</file>
+
+<file path=ppt/tags/tag67.xml><?xml version="1.0" encoding="utf-8"?>
+<p:tagLst xmlns:a="http://schemas.openxmlformats.org/drawingml/2006/main" xmlns:r="http://schemas.openxmlformats.org/officeDocument/2006/relationships" xmlns:p="http://schemas.openxmlformats.org/presentationml/2006/main">
+  <p:tag name="KSO_WM_BEAUTIFY_FLAG" val=""/>
+</p:tagLst>
+</file>
+
+<file path=ppt/tags/tag68.xml><?xml version="1.0" encoding="utf-8"?>
+<p:tagLst xmlns:a="http://schemas.openxmlformats.org/drawingml/2006/main" xmlns:r="http://schemas.openxmlformats.org/officeDocument/2006/relationships" xmlns:p="http://schemas.openxmlformats.org/presentationml/2006/main">
+  <p:tag name="KSO_WM_BEAUTIFY_FLAG" val=""/>
+</p:tagLst>
+</file>
+
+<file path=ppt/tags/tag69.xml><?xml version="1.0" encoding="utf-8"?>
+<p:tagLst xmlns:a="http://schemas.openxmlformats.org/drawingml/2006/main" xmlns:r="http://schemas.openxmlformats.org/officeDocument/2006/relationships" xmlns:p="http://schemas.openxmlformats.org/presentationml/2006/main">
+  <p:tag name="KSO_WM_BEAUTIFY_FLAG" val=""/>
+</p:tagLst>
+</file>
+
+<file path=ppt/tags/tag7.xml><?xml version="1.0" encoding="utf-8"?>
+<p:tagLst xmlns:a="http://schemas.openxmlformats.org/drawingml/2006/main" xmlns:r="http://schemas.openxmlformats.org/officeDocument/2006/relationships" xmlns:p="http://schemas.openxmlformats.org/presentationml/2006/main">
+  <p:tag name="KSO_WM_UNIT_HIGHLIGHT" val="0"/>
+  <p:tag name="KSO_WM_UNIT_COMPATIBLE" val="0"/>
+  <p:tag name="KSO_WM_UNIT_DIAGRAM_ISNUMVISUAL" val="0"/>
+  <p:tag name="KSO_WM_UNIT_DIAGRAM_ISREFERUNIT" val="0"/>
+  <p:tag name="KSO_WM_UNIT_ID" val="_0**"/>
+  <p:tag name="KSO_WM_UNIT_LAYERLEVEL" val="1"/>
+  <p:tag name="KSO_WM_TAG_VERSION" val="1.0"/>
+  <p:tag name="KSO_WM_BEAUTIFY_FLAG" val="#wm#"/>
+</p:tagLst>
+</file>
+
+<file path=ppt/tags/tag70.xml><?xml version="1.0" encoding="utf-8"?>
+<p:tagLst xmlns:a="http://schemas.openxmlformats.org/drawingml/2006/main" xmlns:r="http://schemas.openxmlformats.org/officeDocument/2006/relationships" xmlns:p="http://schemas.openxmlformats.org/presentationml/2006/main">
+  <p:tag name="KSO_WM_BEAUTIFY_FLAG" val=""/>
+</p:tagLst>
+</file>
+
+<file path=ppt/tags/tag71.xml><?xml version="1.0" encoding="utf-8"?>
+<p:tagLst xmlns:a="http://schemas.openxmlformats.org/drawingml/2006/main" xmlns:r="http://schemas.openxmlformats.org/officeDocument/2006/relationships" xmlns:p="http://schemas.openxmlformats.org/presentationml/2006/main">
+  <p:tag name="KSO_WM_BEAUTIFY_FLAG" val=""/>
+</p:tagLst>
+</file>
+
+<file path=ppt/tags/tag72.xml><?xml version="1.0" encoding="utf-8"?>
+<p:tagLst xmlns:a="http://schemas.openxmlformats.org/drawingml/2006/main" xmlns:r="http://schemas.openxmlformats.org/officeDocument/2006/relationships" xmlns:p="http://schemas.openxmlformats.org/presentationml/2006/main">
+  <p:tag name="KSO_WM_BEAUTIFY_FLAG" val=""/>
+</p:tagLst>
+</file>
+
+<file path=ppt/tags/tag73.xml><?xml version="1.0" encoding="utf-8"?>
+<p:tagLst xmlns:a="http://schemas.openxmlformats.org/drawingml/2006/main" xmlns:r="http://schemas.openxmlformats.org/officeDocument/2006/relationships" xmlns:p="http://schemas.openxmlformats.org/presentationml/2006/main">
+  <p:tag name="KSO_WM_BEAUTIFY_FLAG" val=""/>
+</p:tagLst>
+</file>
+
+<file path=ppt/tags/tag74.xml><?xml version="1.0" encoding="utf-8"?>
+<p:tagLst xmlns:a="http://schemas.openxmlformats.org/drawingml/2006/main" xmlns:r="http://schemas.openxmlformats.org/officeDocument/2006/relationships" xmlns:p="http://schemas.openxmlformats.org/presentationml/2006/main">
+  <p:tag name="KSO_WM_BEAUTIFY_FLAG" val=""/>
+</p:tagLst>
+</file>
+
+<file path=ppt/tags/tag75.xml><?xml version="1.0" encoding="utf-8"?>
+<p:tagLst xmlns:a="http://schemas.openxmlformats.org/drawingml/2006/main" xmlns:r="http://schemas.openxmlformats.org/officeDocument/2006/relationships" xmlns:p="http://schemas.openxmlformats.org/presentationml/2006/main">
+  <p:tag name="KSO_WM_BEAUTIFY_FLAG" val=""/>
+</p:tagLst>
+</file>
+
+<file path=ppt/tags/tag76.xml><?xml version="1.0" encoding="utf-8"?>
+<p:tagLst xmlns:a="http://schemas.openxmlformats.org/drawingml/2006/main" xmlns:r="http://schemas.openxmlformats.org/officeDocument/2006/relationships" xmlns:p="http://schemas.openxmlformats.org/presentationml/2006/main">
+  <p:tag name="KSO_WM_BEAUTIFY_FLAG" val=""/>
+</p:tagLst>
+</file>
+
+<file path=ppt/tags/tag77.xml><?xml version="1.0" encoding="utf-8"?>
+<p:tagLst xmlns:a="http://schemas.openxmlformats.org/drawingml/2006/main" xmlns:r="http://schemas.openxmlformats.org/officeDocument/2006/relationships" xmlns:p="http://schemas.openxmlformats.org/presentationml/2006/main">
+  <p:tag name="KSO_WM_BEAUTIFY_FLAG" val=""/>
+</p:tagLst>
+</file>
+
+<file path=ppt/tags/tag78.xml><?xml version="1.0" encoding="utf-8"?>
+<p:tagLst xmlns:a="http://schemas.openxmlformats.org/drawingml/2006/main" xmlns:r="http://schemas.openxmlformats.org/officeDocument/2006/relationships" xmlns:p="http://schemas.openxmlformats.org/presentationml/2006/main">
+  <p:tag name="KSO_WM_BEAUTIFY_FLAG" val=""/>
+</p:tagLst>
+</file>
+
+<file path=ppt/tags/tag79.xml><?xml version="1.0" encoding="utf-8"?>
+<p:tagLst xmlns:a="http://schemas.openxmlformats.org/drawingml/2006/main" xmlns:r="http://schemas.openxmlformats.org/officeDocument/2006/relationships" xmlns:p="http://schemas.openxmlformats.org/presentationml/2006/main">
+  <p:tag name="KSO_WM_BEAUTIFY_FLAG" val=""/>
+</p:tagLst>
+</file>
+
+<file path=ppt/tags/tag8.xml><?xml version="1.0" encoding="utf-8"?>
+<p:tagLst xmlns:a="http://schemas.openxmlformats.org/drawingml/2006/main" xmlns:r="http://schemas.openxmlformats.org/officeDocument/2006/relationships" xmlns:p="http://schemas.openxmlformats.org/presentationml/2006/main">
+  <p:tag name="KSO_WM_UNIT_HIGHLIGHT" val="0"/>
+  <p:tag name="KSO_WM_UNIT_COMPATIBLE" val="0"/>
+  <p:tag name="KSO_WM_UNIT_DIAGRAM_ISNUMVISUAL" val="0"/>
+  <p:tag name="KSO_WM_UNIT_DIAGRAM_ISREFERUNIT" val="0"/>
+  <p:tag name="KSO_WM_UNIT_ID" val="_1**"/>
+  <p:tag name="KSO_WM_UNIT_LAYERLEVEL" val="1"/>
+  <p:tag name="KSO_WM_TAG_VERSION" val="1.0"/>
+  <p:tag name="KSO_WM_BEAUTIFY_FLAG" val="#wm#"/>
+</p:tagLst>
+</file>
+
+<file path=ppt/tags/tag80.xml><?xml version="1.0" encoding="utf-8"?>
+<p:tagLst xmlns:a="http://schemas.openxmlformats.org/drawingml/2006/main" xmlns:r="http://schemas.openxmlformats.org/officeDocument/2006/relationships" xmlns:p="http://schemas.openxmlformats.org/presentationml/2006/main">
+  <p:tag name="KSO_WM_BEAUTIFY_FLAG" val=""/>
+</p:tagLst>
+</file>
+
+<file path=ppt/tags/tag81.xml><?xml version="1.0" encoding="utf-8"?>
+<p:tagLst xmlns:a="http://schemas.openxmlformats.org/drawingml/2006/main" xmlns:r="http://schemas.openxmlformats.org/officeDocument/2006/relationships" xmlns:p="http://schemas.openxmlformats.org/presentationml/2006/main">
+  <p:tag name="KSO_WM_BEAUTIFY_FLAG" val=""/>
+</p:tagLst>
+</file>
+
+<file path=ppt/tags/tag82.xml><?xml version="1.0" encoding="utf-8"?>
+<p:tagLst xmlns:a="http://schemas.openxmlformats.org/drawingml/2006/main" xmlns:r="http://schemas.openxmlformats.org/officeDocument/2006/relationships" xmlns:p="http://schemas.openxmlformats.org/presentationml/2006/main">
+  <p:tag name="KSO_WM_BEAUTIFY_FLAG" val=""/>
+</p:tagLst>
+</file>
+
+<file path=ppt/tags/tag83.xml><?xml version="1.0" encoding="utf-8"?>
+<p:tagLst xmlns:a="http://schemas.openxmlformats.org/drawingml/2006/main" xmlns:r="http://schemas.openxmlformats.org/officeDocument/2006/relationships" xmlns:p="http://schemas.openxmlformats.org/presentationml/2006/main">
+  <p:tag name="KSO_WM_BEAUTIFY_FLAG" val=""/>
+</p:tagLst>
+</file>
+
+<file path=ppt/tags/tag84.xml><?xml version="1.0" encoding="utf-8"?>
+<p:tagLst xmlns:a="http://schemas.openxmlformats.org/drawingml/2006/main" xmlns:r="http://schemas.openxmlformats.org/officeDocument/2006/relationships" xmlns:p="http://schemas.openxmlformats.org/presentationml/2006/main">
+  <p:tag name="KSO_WM_BEAUTIFY_FLAG" val=""/>
+</p:tagLst>
+</file>
+
+<file path=ppt/tags/tag85.xml><?xml version="1.0" encoding="utf-8"?>
+<p:tagLst xmlns:a="http://schemas.openxmlformats.org/drawingml/2006/main" xmlns:r="http://schemas.openxmlformats.org/officeDocument/2006/relationships" xmlns:p="http://schemas.openxmlformats.org/presentationml/2006/main">
+  <p:tag name="KSO_WM_BEAUTIFY_FLAG" val=""/>
+</p:tagLst>
+</file>
+
+<file path=ppt/tags/tag86.xml><?xml version="1.0" encoding="utf-8"?>
+<p:tagLst xmlns:a="http://schemas.openxmlformats.org/drawingml/2006/main" xmlns:r="http://schemas.openxmlformats.org/officeDocument/2006/relationships" xmlns:p="http://schemas.openxmlformats.org/presentationml/2006/main">
+  <p:tag name="KSO_WM_BEAUTIFY_FLAG" val=""/>
+</p:tagLst>
+</file>
+
+<file path=ppt/tags/tag87.xml><?xml version="1.0" encoding="utf-8"?>
+<p:tagLst xmlns:a="http://schemas.openxmlformats.org/drawingml/2006/main" xmlns:r="http://schemas.openxmlformats.org/officeDocument/2006/relationships" xmlns:p="http://schemas.openxmlformats.org/presentationml/2006/main">
+  <p:tag name="KSO_WM_BEAUTIFY_FLAG" val=""/>
+</p:tagLst>
+</file>
+
+<file path=ppt/tags/tag88.xml><?xml version="1.0" encoding="utf-8"?>
+<p:tagLst xmlns:a="http://schemas.openxmlformats.org/drawingml/2006/main" xmlns:r="http://schemas.openxmlformats.org/officeDocument/2006/relationships" xmlns:p="http://schemas.openxmlformats.org/presentationml/2006/main">
+  <p:tag name="KSO_WM_BEAUTIFY_FLAG" val=""/>
+</p:tagLst>
+</file>
+
+<file path=ppt/tags/tag89.xml><?xml version="1.0" encoding="utf-8"?>
+<p:tagLst xmlns:a="http://schemas.openxmlformats.org/drawingml/2006/main" xmlns:r="http://schemas.openxmlformats.org/officeDocument/2006/relationships" xmlns:p="http://schemas.openxmlformats.org/presentationml/2006/main">
+  <p:tag name="KSO_WM_BEAUTIFY_FLAG" val=""/>
+</p:tagLst>
+</file>
+
+<file path=ppt/tags/tag9.xml><?xml version="1.0" encoding="utf-8"?>
+<p:tagLst xmlns:a="http://schemas.openxmlformats.org/drawingml/2006/main" xmlns:r="http://schemas.openxmlformats.org/officeDocument/2006/relationships" xmlns:p="http://schemas.openxmlformats.org/presentationml/2006/main">
+  <p:tag name="KSO_WM_UNIT_HIGHLIGHT" val="0"/>
+  <p:tag name="KSO_WM_UNIT_COMPATIBLE" val="0"/>
+  <p:tag name="KSO_WM_UNIT_DIAGRAM_ISNUMVISUAL" val="0"/>
+  <p:tag name="KSO_WM_UNIT_DIAGRAM_ISREFERUNIT" val="0"/>
+  <p:tag name="KSO_WM_UNIT_ID" val="_1**"/>
+  <p:tag name="KSO_WM_UNIT_LAYERLEVEL" val="1"/>
+  <p:tag name="KSO_WM_TAG_VERSION" val="1.0"/>
+  <p:tag name="KSO_WM_BEAUTIFY_FLAG" val="#wm#"/>
+</p:tagLst>
+</file>
+
+<file path=ppt/tags/tag90.xml><?xml version="1.0" encoding="utf-8"?>
+<p:tagLst xmlns:a="http://schemas.openxmlformats.org/drawingml/2006/main" xmlns:r="http://schemas.openxmlformats.org/officeDocument/2006/relationships" xmlns:p="http://schemas.openxmlformats.org/presentationml/2006/main">
+  <p:tag name="KSO_WM_BEAUTIFY_FLAG" val=""/>
+</p:tagLst>
+</file>
+
+<file path=ppt/tags/tag91.xml><?xml version="1.0" encoding="utf-8"?>
+<p:tagLst xmlns:a="http://schemas.openxmlformats.org/drawingml/2006/main" xmlns:r="http://schemas.openxmlformats.org/officeDocument/2006/relationships" xmlns:p="http://schemas.openxmlformats.org/presentationml/2006/main">
+  <p:tag name="KSO_WM_BEAUTIFY_FLAG" val=""/>
+</p:tagLst>
+</file>
+
+<file path=ppt/tags/tag92.xml><?xml version="1.0" encoding="utf-8"?>
+<p:tagLst xmlns:a="http://schemas.openxmlformats.org/drawingml/2006/main" xmlns:r="http://schemas.openxmlformats.org/officeDocument/2006/relationships" xmlns:p="http://schemas.openxmlformats.org/presentationml/2006/main">
+  <p:tag name="KSO_WM_BEAUTIFY_FLAG" val=""/>
+</p:tagLst>
+</file>
+
+<file path=ppt/tags/tag93.xml><?xml version="1.0" encoding="utf-8"?>
+<p:tagLst xmlns:a="http://schemas.openxmlformats.org/drawingml/2006/main" xmlns:r="http://schemas.openxmlformats.org/officeDocument/2006/relationships" xmlns:p="http://schemas.openxmlformats.org/presentationml/2006/main">
+  <p:tag name="KSO_WM_BEAUTIFY_FLAG" val=""/>
+</p:tagLst>
+</file>
+
 <file path=ppt/tags/tag94.xml><?xml version="1.0" encoding="utf-8"?>
-<p:tagLst xmlns:p="http://schemas.openxmlformats.org/presentationml/2006/main">
+<p:tagLst xmlns:a="http://schemas.openxmlformats.org/drawingml/2006/main" xmlns:r="http://schemas.openxmlformats.org/officeDocument/2006/relationships" xmlns:p="http://schemas.openxmlformats.org/presentationml/2006/main">
   <p:tag name="KSO_WM_BEAUTIFY_FLAG" val=""/>
 </p:tagLst>
 </file>
 
 <file path=ppt/tags/tag95.xml><?xml version="1.0" encoding="utf-8"?>
-<p:tagLst xmlns:p="http://schemas.openxmlformats.org/presentationml/2006/main">
+<p:tagLst xmlns:a="http://schemas.openxmlformats.org/drawingml/2006/main" xmlns:r="http://schemas.openxmlformats.org/officeDocument/2006/relationships" xmlns:p="http://schemas.openxmlformats.org/presentationml/2006/main">
   <p:tag name="KSO_WM_BEAUTIFY_FLAG" val=""/>
 </p:tagLst>
 </file>
 
 <file path=ppt/tags/tag96.xml><?xml version="1.0" encoding="utf-8"?>
-<p:tagLst xmlns:p="http://schemas.openxmlformats.org/presentationml/2006/main">
+<p:tagLst xmlns:a="http://schemas.openxmlformats.org/drawingml/2006/main" xmlns:r="http://schemas.openxmlformats.org/officeDocument/2006/relationships" xmlns:p="http://schemas.openxmlformats.org/presentationml/2006/main">
   <p:tag name="KSO_WM_BEAUTIFY_FLAG" val=""/>
 </p:tagLst>
 </file>
 
 <file path=ppt/tags/tag97.xml><?xml version="1.0" encoding="utf-8"?>
-<p:tagLst xmlns:p="http://schemas.openxmlformats.org/presentationml/2006/main">
+<p:tagLst xmlns:a="http://schemas.openxmlformats.org/drawingml/2006/main" xmlns:r="http://schemas.openxmlformats.org/officeDocument/2006/relationships" xmlns:p="http://schemas.openxmlformats.org/presentationml/2006/main">
   <p:tag name="KSO_WM_BEAUTIFY_FLAG" val=""/>
 </p:tagLst>
 </file>
 
 <file path=ppt/tags/tag98.xml><?xml version="1.0" encoding="utf-8"?>
-<p:tagLst xmlns:p="http://schemas.openxmlformats.org/presentationml/2006/main">
+<p:tagLst xmlns:a="http://schemas.openxmlformats.org/drawingml/2006/main" xmlns:r="http://schemas.openxmlformats.org/officeDocument/2006/relationships" xmlns:p="http://schemas.openxmlformats.org/presentationml/2006/main">
   <p:tag name="KSO_WM_BEAUTIFY_FLAG" val=""/>
 </p:tagLst>
 </file>
 
 <file path=ppt/tags/tag99.xml><?xml version="1.0" encoding="utf-8"?>
-<p:tagLst xmlns:p="http://schemas.openxmlformats.org/presentationml/2006/main">
+<p:tagLst xmlns:a="http://schemas.openxmlformats.org/drawingml/2006/main" xmlns:r="http://schemas.openxmlformats.org/officeDocument/2006/relationships" xmlns:p="http://schemas.openxmlformats.org/presentationml/2006/main">
   <p:tag name="KSO_WM_BEAUTIFY_FLAG" val=""/>
 </p:tagLst>
 </file>
@@ -7418,6 +9563,8 @@
       </a:bgFillStyleLst>
     </a:fmtScheme>
   </a:themeElements>
+  <a:objectDefaults/>
+  <a:extraClrSchemeLst/>
   <a:extLst>
     <a:ext uri="{05A4C25C-085E-4340-85A3-A5531E510DB2}">
       <thm15:themeFamily xmlns:thm15="http://schemas.microsoft.com/office/thememl/2012/main" name="Office Theme" id="{62F939B6-93AF-4DB8-9C6B-D6C7DFDC589F}" vid="{4A3C46E8-61CC-4603-A589-7422A47A8E4A}"/>
